--- a/KaipingAdina's Section Material/Intro Section/IntroSection.pptx
+++ b/KaipingAdina's Section Material/Intro Section/IntroSection.pptx
@@ -252,7 +252,7 @@
             <a:fld id="{CAB1EE62-9229-464B-9475-CBB16B62B2C7}" type="datetimeFigureOut">
               <a:rPr lang="en-US" altLang="x-none"/>
               <a:pPr/>
-              <a:t>1/17/17</a:t>
+              <a:t>1/18/17</a:t>
             </a:fld>
             <a:endParaRPr lang="en-US" altLang="x-none"/>
           </a:p>
@@ -345,6 +345,11 @@
         </p:txBody>
       </p:sp>
     </p:spTree>
+    <p:extLst>
+      <p:ext uri="{BB962C8B-B14F-4D97-AF65-F5344CB8AC3E}">
+        <p14:creationId xmlns:p14="http://schemas.microsoft.com/office/powerpoint/2010/main" val="2817265530"/>
+      </p:ext>
+    </p:extLst>
   </p:cSld>
   <p:clrMap bg1="lt1" tx1="dk1" bg2="lt2" tx2="dk2" accent1="accent1" accent2="accent2" accent3="accent3" accent4="accent4" accent5="accent5" accent6="accent6" hlink="hlink" folHlink="folHlink"/>
   <p:hf hdr="0" ftr="0" dt="0"/>
@@ -453,7 +458,7 @@
             <a:fld id="{CBB815AF-F648-9E4A-8316-BB240D8FD2E6}" type="datetimeFigureOut">
               <a:rPr lang="en-US" altLang="x-none"/>
               <a:pPr/>
-              <a:t>1/17/17</a:t>
+              <a:t>1/18/17</a:t>
             </a:fld>
             <a:endParaRPr lang="en-US" altLang="x-none"/>
           </a:p>
@@ -642,6 +647,11 @@
         </p:txBody>
       </p:sp>
     </p:spTree>
+    <p:extLst>
+      <p:ext uri="{BB962C8B-B14F-4D97-AF65-F5344CB8AC3E}">
+        <p14:creationId xmlns:p14="http://schemas.microsoft.com/office/powerpoint/2010/main" val="97398336"/>
+      </p:ext>
+    </p:extLst>
   </p:cSld>
   <p:clrMap bg1="lt1" tx1="dk1" bg2="lt2" tx2="dk2" accent1="accent1" accent2="accent2" accent3="accent3" accent4="accent4" accent5="accent5" accent6="accent6" hlink="hlink" folHlink="folHlink"/>
   <p:hf hdr="0" ftr="0" dt="0"/>
@@ -977,14 +987,14 @@
           </a:ln>
           <a:extLst>
             <a:ext uri="{909E8E84-426E-40dd-AFC4-6F175D3DCCD1}">
-              <a14:hiddenFill xmlns:a14="http://schemas.microsoft.com/office/drawing/2010/main" xmlns="">
+              <a14:hiddenFill xmlns:a14="http://schemas.microsoft.com/office/drawing/2010/main">
                 <a:solidFill>
                   <a:srgbClr val="FFFFFF"/>
                 </a:solidFill>
               </a14:hiddenFill>
             </a:ext>
             <a:ext uri="{91240B29-F687-4f45-9708-019B960494DF}">
-              <a14:hiddenLine xmlns:a14="http://schemas.microsoft.com/office/drawing/2010/main" xmlns="" w="9525">
+              <a14:hiddenLine xmlns:a14="http://schemas.microsoft.com/office/drawing/2010/main" w="9525">
                 <a:solidFill>
                   <a:srgbClr val="000000"/>
                 </a:solidFill>
@@ -1230,7 +1240,7 @@
   <p:clrMapOvr>
     <a:masterClrMapping/>
   </p:clrMapOvr>
-  <p:transition spd="slow">
+  <p:transition xmlns:p14="http://schemas.microsoft.com/office/powerpoint/2010/main" spd="slow">
     <p:fade/>
   </p:transition>
 </p:sldLayout>
@@ -1443,14 +1453,14 @@
           </a:ln>
           <a:extLst>
             <a:ext uri="{909E8E84-426E-40dd-AFC4-6F175D3DCCD1}">
-              <a14:hiddenFill xmlns:a14="http://schemas.microsoft.com/office/drawing/2010/main" xmlns="">
+              <a14:hiddenFill xmlns:a14="http://schemas.microsoft.com/office/drawing/2010/main">
                 <a:solidFill>
                   <a:srgbClr val="FFFFFF"/>
                 </a:solidFill>
               </a14:hiddenFill>
             </a:ext>
             <a:ext uri="{91240B29-F687-4f45-9708-019B960494DF}">
-              <a14:hiddenLine xmlns:a14="http://schemas.microsoft.com/office/drawing/2010/main" xmlns="" w="9525">
+              <a14:hiddenLine xmlns:a14="http://schemas.microsoft.com/office/drawing/2010/main" w="9525">
                 <a:solidFill>
                   <a:srgbClr val="000000"/>
                 </a:solidFill>
@@ -1644,7 +1654,7 @@
   <p:clrMapOvr>
     <a:masterClrMapping/>
   </p:clrMapOvr>
-  <p:transition spd="slow">
+  <p:transition xmlns:p14="http://schemas.microsoft.com/office/powerpoint/2010/main" spd="slow">
     <p:fade/>
   </p:transition>
 </p:sldLayout>
@@ -1777,7 +1787,7 @@
   <p:clrMapOvr>
     <a:masterClrMapping/>
   </p:clrMapOvr>
-  <p:transition spd="slow">
+  <p:transition xmlns:p14="http://schemas.microsoft.com/office/powerpoint/2010/main" spd="slow">
     <p:fade/>
   </p:transition>
 </p:sldLayout>
@@ -2118,7 +2128,7 @@
   <p:clrMapOvr>
     <a:masterClrMapping/>
   </p:clrMapOvr>
-  <p:transition spd="slow">
+  <p:transition xmlns:p14="http://schemas.microsoft.com/office/powerpoint/2010/main" spd="slow">
     <p:fade/>
   </p:transition>
 </p:sldLayout>
@@ -2312,7 +2322,7 @@
   <p:clrMapOvr>
     <a:masterClrMapping/>
   </p:clrMapOvr>
-  <p:transition spd="slow">
+  <p:transition xmlns:p14="http://schemas.microsoft.com/office/powerpoint/2010/main" spd="slow">
     <p:fade/>
   </p:transition>
 </p:sldLayout>
@@ -2567,7 +2577,7 @@
   <p:clrMapOvr>
     <a:masterClrMapping/>
   </p:clrMapOvr>
-  <p:transition spd="slow">
+  <p:transition xmlns:p14="http://schemas.microsoft.com/office/powerpoint/2010/main" spd="slow">
     <p:fade/>
   </p:transition>
 </p:sldLayout>
@@ -2883,7 +2893,7 @@
   <p:clrMapOvr>
     <a:masterClrMapping/>
   </p:clrMapOvr>
-  <p:transition spd="slow">
+  <p:transition xmlns:p14="http://schemas.microsoft.com/office/powerpoint/2010/main" spd="slow">
     <p:fade/>
   </p:transition>
 </p:sldLayout>
@@ -3096,14 +3106,14 @@
           </a:ln>
           <a:extLst>
             <a:ext uri="{909E8E84-426E-40dd-AFC4-6F175D3DCCD1}">
-              <a14:hiddenFill xmlns:a14="http://schemas.microsoft.com/office/drawing/2010/main" xmlns="">
+              <a14:hiddenFill xmlns:a14="http://schemas.microsoft.com/office/drawing/2010/main">
                 <a:solidFill>
                   <a:srgbClr val="FFFFFF"/>
                 </a:solidFill>
               </a14:hiddenFill>
             </a:ext>
             <a:ext uri="{91240B29-F687-4f45-9708-019B960494DF}">
-              <a14:hiddenLine xmlns:a14="http://schemas.microsoft.com/office/drawing/2010/main" xmlns="" w="9525">
+              <a14:hiddenLine xmlns:a14="http://schemas.microsoft.com/office/drawing/2010/main" w="9525">
                 <a:solidFill>
                   <a:srgbClr val="000000"/>
                 </a:solidFill>
@@ -3298,7 +3308,7 @@
   <p:clrMapOvr>
     <a:masterClrMapping/>
   </p:clrMapOvr>
-  <p:transition spd="slow">
+  <p:transition xmlns:p14="http://schemas.microsoft.com/office/powerpoint/2010/main" spd="slow">
     <p:fade/>
   </p:transition>
 </p:sldLayout>
@@ -3427,7 +3437,7 @@
   <p:clrMapOvr>
     <a:masterClrMapping/>
   </p:clrMapOvr>
-  <p:transition spd="slow">
+  <p:transition xmlns:p14="http://schemas.microsoft.com/office/powerpoint/2010/main" spd="slow">
     <p:fade/>
   </p:transition>
 </p:sldLayout>
@@ -3545,7 +3555,7 @@
   <p:clrMapOvr>
     <a:masterClrMapping/>
   </p:clrMapOvr>
-  <p:transition spd="slow">
+  <p:transition xmlns:p14="http://schemas.microsoft.com/office/powerpoint/2010/main" spd="slow">
     <p:fade/>
   </p:transition>
 </p:sldLayout>
@@ -3878,7 +3888,7 @@
   <p:clrMapOvr>
     <a:masterClrMapping/>
   </p:clrMapOvr>
-  <p:transition spd="slow">
+  <p:transition xmlns:p14="http://schemas.microsoft.com/office/powerpoint/2010/main" spd="slow">
     <p:fade/>
   </p:transition>
 </p:sldLayout>
@@ -4064,7 +4074,7 @@
   <p:clrMapOvr>
     <a:masterClrMapping/>
   </p:clrMapOvr>
-  <p:transition spd="slow">
+  <p:transition xmlns:p14="http://schemas.microsoft.com/office/powerpoint/2010/main" spd="slow">
     <p:fade/>
   </p:transition>
 </p:sldLayout>
@@ -4307,7 +4317,7 @@
   <p:clrMapOvr>
     <a:masterClrMapping/>
   </p:clrMapOvr>
-  <p:transition spd="slow">
+  <p:transition xmlns:p14="http://schemas.microsoft.com/office/powerpoint/2010/main" spd="slow">
     <p:fade/>
   </p:transition>
 </p:sldLayout>
@@ -4607,7 +4617,7 @@
   <p:clrMapOvr>
     <a:masterClrMapping/>
   </p:clrMapOvr>
-  <p:transition spd="slow">
+  <p:transition xmlns:p14="http://schemas.microsoft.com/office/powerpoint/2010/main" spd="slow">
     <p:fade/>
   </p:transition>
 </p:sldLayout>
@@ -4664,14 +4674,14 @@
             <a:noFill/>
           </a:ln>
           <a:extLst>
-            <a:ext uri="{909E8E84-426E-40DD-AFC4-6F175D3DCCD1}">
+            <a:ext uri="{909E8E84-426E-40dd-AFC4-6F175D3DCCD1}">
               <a14:hiddenFill xmlns:a14="http://schemas.microsoft.com/office/drawing/2010/main">
                 <a:solidFill>
                   <a:srgbClr val="FFFFFF"/>
                 </a:solidFill>
               </a14:hiddenFill>
             </a:ext>
-            <a:ext uri="{91240B29-F687-4F45-9708-019B960494DF}">
+            <a:ext uri="{91240B29-F687-4f45-9708-019B960494DF}">
               <a14:hiddenLine xmlns:a14="http://schemas.microsoft.com/office/drawing/2010/main" w="9525">
                 <a:solidFill>
                   <a:srgbClr val="000000"/>
@@ -4874,14 +4884,14 @@
           </a:ln>
           <a:extLst>
             <a:ext uri="{909E8E84-426E-40dd-AFC4-6F175D3DCCD1}">
-              <a14:hiddenFill xmlns:a14="http://schemas.microsoft.com/office/drawing/2010/main" xmlns="">
+              <a14:hiddenFill xmlns:a14="http://schemas.microsoft.com/office/drawing/2010/main">
                 <a:solidFill>
                   <a:srgbClr val="FFFFFF"/>
                 </a:solidFill>
               </a14:hiddenFill>
             </a:ext>
             <a:ext uri="{91240B29-F687-4f45-9708-019B960494DF}">
-              <a14:hiddenLine xmlns:a14="http://schemas.microsoft.com/office/drawing/2010/main" xmlns="" w="9525">
+              <a14:hiddenLine xmlns:a14="http://schemas.microsoft.com/office/drawing/2010/main" w="9525">
                 <a:solidFill>
                   <a:srgbClr val="000000"/>
                 </a:solidFill>
@@ -5127,7 +5137,7 @@
   <p:clrMapOvr>
     <a:masterClrMapping/>
   </p:clrMapOvr>
-  <p:transition spd="slow">
+  <p:transition xmlns:p14="http://schemas.microsoft.com/office/powerpoint/2010/main" spd="slow">
     <p:fade/>
   </p:transition>
 </p:sldLayout>
@@ -5178,14 +5188,14 @@
             <a:noFill/>
           </a:ln>
           <a:extLst>
-            <a:ext uri="{909E8E84-426E-40DD-AFC4-6F175D3DCCD1}">
+            <a:ext uri="{909E8E84-426E-40dd-AFC4-6F175D3DCCD1}">
               <a14:hiddenFill xmlns:a14="http://schemas.microsoft.com/office/drawing/2010/main">
                 <a:solidFill>
                   <a:srgbClr val="FFFFFF"/>
                 </a:solidFill>
               </a14:hiddenFill>
             </a:ext>
-            <a:ext uri="{91240B29-F687-4F45-9708-019B960494DF}">
+            <a:ext uri="{91240B29-F687-4f45-9708-019B960494DF}">
               <a14:hiddenLine xmlns:a14="http://schemas.microsoft.com/office/drawing/2010/main" w="9525">
                 <a:solidFill>
                   <a:srgbClr val="000000"/>
@@ -5416,14 +5426,14 @@
           </a:ln>
           <a:extLst>
             <a:ext uri="{909E8E84-426E-40dd-AFC4-6F175D3DCCD1}">
-              <a14:hiddenFill xmlns:a14="http://schemas.microsoft.com/office/drawing/2010/main" xmlns="">
+              <a14:hiddenFill xmlns:a14="http://schemas.microsoft.com/office/drawing/2010/main">
                 <a:solidFill>
                   <a:srgbClr val="FFFFFF"/>
                 </a:solidFill>
               </a14:hiddenFill>
             </a:ext>
             <a:ext uri="{91240B29-F687-4f45-9708-019B960494DF}">
-              <a14:hiddenLine xmlns:a14="http://schemas.microsoft.com/office/drawing/2010/main" xmlns="" w="9525">
+              <a14:hiddenLine xmlns:a14="http://schemas.microsoft.com/office/drawing/2010/main" w="9525">
                 <a:solidFill>
                   <a:srgbClr val="000000"/>
                 </a:solidFill>
@@ -5448,13 +5458,13 @@
     <p:sldLayoutId id="2147484090" r:id="rId7"/>
     <p:sldLayoutId id="2147484091" r:id="rId8"/>
   </p:sldLayoutIdLst>
-  <p:transition spd="slow">
+  <p:transition xmlns:p14="http://schemas.microsoft.com/office/powerpoint/2010/main" spd="slow">
     <p:fade/>
   </p:transition>
   <p:timing>
     <p:tnLst>
       <p:par>
-        <p:cTn id="1" dur="indefinite" restart="never" nodeType="tmRoot"/>
+        <p:cTn xmlns:p14="http://schemas.microsoft.com/office/powerpoint/2010/main" id="1" dur="indefinite" restart="never" nodeType="tmRoot"/>
       </p:par>
     </p:tnLst>
   </p:timing>
@@ -5944,14 +5954,14 @@
             <a:noFill/>
           </a:ln>
           <a:extLst>
-            <a:ext uri="{909E8E84-426E-40DD-AFC4-6F175D3DCCD1}">
+            <a:ext uri="{909E8E84-426E-40dd-AFC4-6F175D3DCCD1}">
               <a14:hiddenFill xmlns:a14="http://schemas.microsoft.com/office/drawing/2010/main">
                 <a:solidFill>
                   <a:srgbClr val="FFFFFF"/>
                 </a:solidFill>
               </a14:hiddenFill>
             </a:ext>
-            <a:ext uri="{91240B29-F687-4F45-9708-019B960494DF}">
+            <a:ext uri="{91240B29-F687-4f45-9708-019B960494DF}">
               <a14:hiddenLine xmlns:a14="http://schemas.microsoft.com/office/drawing/2010/main" w="9525">
                 <a:solidFill>
                   <a:srgbClr val="000000"/>
@@ -6184,14 +6194,14 @@
           </a:ln>
           <a:extLst>
             <a:ext uri="{909E8E84-426E-40dd-AFC4-6F175D3DCCD1}">
-              <a14:hiddenFill xmlns:a14="http://schemas.microsoft.com/office/drawing/2010/main" xmlns="">
+              <a14:hiddenFill xmlns:a14="http://schemas.microsoft.com/office/drawing/2010/main">
                 <a:solidFill>
                   <a:srgbClr val="FFFFFF"/>
                 </a:solidFill>
               </a14:hiddenFill>
             </a:ext>
             <a:ext uri="{91240B29-F687-4f45-9708-019B960494DF}">
-              <a14:hiddenLine xmlns:a14="http://schemas.microsoft.com/office/drawing/2010/main" xmlns="" w="9525">
+              <a14:hiddenLine xmlns:a14="http://schemas.microsoft.com/office/drawing/2010/main" w="9525">
                 <a:solidFill>
                   <a:srgbClr val="000000"/>
                 </a:solidFill>
@@ -6215,13 +6225,13 @@
     <p:sldLayoutId id="2147484097" r:id="rId6"/>
     <p:sldLayoutId id="2147484098" r:id="rId7"/>
   </p:sldLayoutIdLst>
-  <p:transition spd="slow">
+  <p:transition xmlns:p14="http://schemas.microsoft.com/office/powerpoint/2010/main" spd="slow">
     <p:fade/>
   </p:transition>
   <p:timing>
     <p:tnLst>
       <p:par>
-        <p:cTn id="1" dur="indefinite" restart="never" nodeType="tmRoot"/>
+        <p:cTn xmlns:p14="http://schemas.microsoft.com/office/powerpoint/2010/main" id="1" dur="indefinite" restart="never" nodeType="tmRoot"/>
       </p:par>
     </p:tnLst>
   </p:timing>
@@ -6827,13 +6837,13 @@
   <p:clrMapOvr>
     <a:masterClrMapping/>
   </p:clrMapOvr>
-  <p:transition spd="slow">
+  <p:transition xmlns:p14="http://schemas.microsoft.com/office/powerpoint/2010/main" spd="slow">
     <p:fade/>
   </p:transition>
   <p:timing>
     <p:tnLst>
       <p:par>
-        <p:cTn id="1" dur="indefinite" restart="never" nodeType="tmRoot"/>
+        <p:cTn xmlns:p14="http://schemas.microsoft.com/office/powerpoint/2010/main" id="1" dur="indefinite" restart="never" nodeType="tmRoot"/>
       </p:par>
     </p:tnLst>
   </p:timing>
@@ -6943,7 +6953,33 @@
                 <a:latin typeface="Arial" charset="0"/>
                 <a:ea typeface="ＭＳ Ｐゴシック" charset="-128"/>
               </a:rPr>
-              <a:t>What is R?</a:t>
+              <a:t>What is R</a:t>
+            </a:r>
+            <a:r>
+              <a:rPr lang="en-US" altLang="x-none" dirty="0" smtClean="0">
+                <a:latin typeface="Arial" charset="0"/>
+                <a:ea typeface="ＭＳ Ｐゴシック" charset="-128"/>
+              </a:rPr>
+              <a:t>? </a:t>
+            </a:r>
+          </a:p>
+          <a:p>
+            <a:pPr marL="0" lvl="1" indent="0" eaLnBrk="1" hangingPunct="1">
+              <a:buNone/>
+            </a:pPr>
+            <a:r>
+              <a:rPr lang="en-US" altLang="x-none" dirty="0" smtClean="0">
+                <a:latin typeface="Arial" charset="0"/>
+                <a:ea typeface="ＭＳ Ｐゴシック" charset="-128"/>
+              </a:rPr>
+              <a:t>	Hint: </a:t>
+            </a:r>
+            <a:r>
+              <a:rPr lang="en-US" altLang="x-none" dirty="0" smtClean="0">
+                <a:latin typeface="Arial" charset="0"/>
+                <a:ea typeface="ＭＳ Ｐゴシック" charset="-128"/>
+              </a:rPr>
+              <a:t>It’s not that hard. It can be your friend!</a:t>
             </a:r>
             <a:endParaRPr lang="en-US" altLang="x-none" dirty="0">
               <a:latin typeface="Arial" charset="0"/>
@@ -6951,23 +6987,13 @@
             </a:endParaRPr>
           </a:p>
           <a:p>
-            <a:pPr lvl="1" eaLnBrk="1" hangingPunct="1"/>
+            <a:pPr lvl="1"/>
             <a:r>
               <a:rPr lang="en-US" altLang="x-none" dirty="0" smtClean="0">
                 <a:latin typeface="Arial" charset="0"/>
                 <a:ea typeface="ＭＳ Ｐゴシック" charset="-128"/>
               </a:rPr>
-              <a:t>How to learn R?</a:t>
-            </a:r>
-          </a:p>
-          <a:p>
-            <a:pPr lvl="1" eaLnBrk="1" hangingPunct="1"/>
-            <a:r>
-              <a:rPr lang="en-US" altLang="x-none" dirty="0" smtClean="0">
-                <a:latin typeface="Arial" charset="0"/>
-                <a:ea typeface="ＭＳ Ｐゴシック" charset="-128"/>
-              </a:rPr>
-              <a:t>How does R look like?</a:t>
+              <a:t>R basics</a:t>
             </a:r>
             <a:endParaRPr lang="en-US" altLang="x-none" dirty="0">
               <a:latin typeface="Arial" charset="0"/>
@@ -7130,13 +7156,13 @@
   <p:clrMapOvr>
     <a:masterClrMapping/>
   </p:clrMapOvr>
-  <p:transition spd="slow">
+  <p:transition xmlns:p14="http://schemas.microsoft.com/office/powerpoint/2010/main" spd="slow">
     <p:fade/>
   </p:transition>
   <p:timing>
     <p:tnLst>
       <p:par>
-        <p:cTn id="1" dur="indefinite" restart="never" nodeType="tmRoot"/>
+        <p:cTn xmlns:p14="http://schemas.microsoft.com/office/powerpoint/2010/main" id="1" dur="indefinite" restart="never" nodeType="tmRoot"/>
       </p:par>
     </p:tnLst>
   </p:timing>
@@ -7447,7 +7473,17 @@
                 <a:latin typeface="Arial" charset="0"/>
                 <a:ea typeface="ＭＳ Ｐゴシック" charset="-128"/>
               </a:rPr>
-              <a:t>How does R look like?</a:t>
+              <a:t>What </a:t>
+            </a:r>
+            <a:r>
+              <a:rPr lang="en-US" altLang="x-none" dirty="0" smtClean="0">
+                <a:solidFill>
+                  <a:schemeClr val="tx1"/>
+                </a:solidFill>
+                <a:latin typeface="Arial" charset="0"/>
+                <a:ea typeface="ＭＳ Ｐゴシック" charset="-128"/>
+              </a:rPr>
+              <a:t>does R look like?</a:t>
             </a:r>
           </a:p>
           <a:p>
@@ -7459,7 +7495,14 @@
                 <a:latin typeface="Arial" charset="0"/>
                 <a:ea typeface="ＭＳ Ｐゴシック" charset="-128"/>
               </a:rPr>
-              <a:t>Let me show you now: open R studio</a:t>
+              <a:t>Open R </a:t>
+            </a:r>
+            <a:r>
+              <a:rPr lang="en-US" altLang="x-none" dirty="0" smtClean="0">
+                <a:latin typeface="Arial" charset="0"/>
+                <a:ea typeface="ＭＳ Ｐゴシック" charset="-128"/>
+              </a:rPr>
+              <a:t>studio</a:t>
             </a:r>
             <a:r>
               <a:rPr lang="mr-IN" altLang="x-none" dirty="0" smtClean="0">
@@ -7487,13 +7530,13 @@
   <p:clrMapOvr>
     <a:masterClrMapping/>
   </p:clrMapOvr>
-  <p:transition spd="slow">
+  <p:transition xmlns:p14="http://schemas.microsoft.com/office/powerpoint/2010/main" spd="slow">
     <p:fade/>
   </p:transition>
   <p:timing>
     <p:tnLst>
       <p:par>
-        <p:cTn id="1" dur="indefinite" restart="never" nodeType="tmRoot"/>
+        <p:cTn xmlns:p14="http://schemas.microsoft.com/office/powerpoint/2010/main" id="1" dur="indefinite" restart="never" nodeType="tmRoot"/>
       </p:par>
     </p:tnLst>
   </p:timing>
@@ -7552,13 +7595,13 @@
   <p:clrMapOvr>
     <a:masterClrMapping/>
   </p:clrMapOvr>
-  <p:transition spd="slow">
+  <p:transition xmlns:p14="http://schemas.microsoft.com/office/powerpoint/2010/main" spd="slow">
     <p:fade/>
   </p:transition>
   <p:timing>
     <p:tnLst>
       <p:par>
-        <p:cTn id="1" dur="indefinite" restart="never" nodeType="tmRoot"/>
+        <p:cTn xmlns:p14="http://schemas.microsoft.com/office/powerpoint/2010/main" id="1" dur="indefinite" restart="never" nodeType="tmRoot"/>
       </p:par>
     </p:tnLst>
   </p:timing>
@@ -8004,7 +8047,7 @@
                 <a:ea typeface="Courier New" charset="0"/>
                 <a:cs typeface="Courier New" charset="0"/>
               </a:rPr>
-              <a:t>write.xlsx</a:t>
+              <a:t>write.csv</a:t>
             </a:r>
             <a:r>
               <a:rPr lang="en-US" dirty="0" smtClean="0">
@@ -8012,7 +8055,15 @@
                 <a:ea typeface="Courier New" charset="0"/>
                 <a:cs typeface="Courier New" charset="0"/>
               </a:rPr>
-              <a:t>(data, “</a:t>
+              <a:t>(</a:t>
+            </a:r>
+            <a:r>
+              <a:rPr lang="en-US" dirty="0" smtClean="0">
+                <a:latin typeface="Courier New" charset="0"/>
+                <a:ea typeface="Courier New" charset="0"/>
+                <a:cs typeface="Courier New" charset="0"/>
+              </a:rPr>
+              <a:t>data, “</a:t>
             </a:r>
             <a:r>
               <a:rPr lang="en-US" dirty="0" err="1" smtClean="0">
@@ -8066,13 +8117,13 @@
   <p:clrMapOvr>
     <a:masterClrMapping/>
   </p:clrMapOvr>
-  <p:transition spd="slow">
+  <p:transition xmlns:p14="http://schemas.microsoft.com/office/powerpoint/2010/main" spd="slow">
     <p:fade/>
   </p:transition>
   <p:timing>
     <p:tnLst>
       <p:par>
-        <p:cTn id="1" dur="indefinite" restart="never" nodeType="tmRoot"/>
+        <p:cTn xmlns:p14="http://schemas.microsoft.com/office/powerpoint/2010/main" id="1" dur="indefinite" restart="never" nodeType="tmRoot"/>
       </p:par>
     </p:tnLst>
   </p:timing>
@@ -8149,7 +8200,7 @@
         </p:spPr>
         <p:txBody>
           <a:bodyPr>
-            <a:normAutofit fontScale="77500" lnSpcReduction="20000"/>
+            <a:normAutofit fontScale="70000" lnSpcReduction="20000"/>
           </a:bodyPr>
           <a:lstStyle/>
           <a:p>
@@ -8261,7 +8312,19 @@
                 </a:solidFill>
                 <a:ea typeface="+mn-ea"/>
               </a:rPr>
-              <a:t>; avoid special characters; </a:t>
+              <a:t>; avoid special </a:t>
+            </a:r>
+            <a:r>
+              <a:rPr lang="en-US" dirty="0" smtClean="0">
+                <a:solidFill>
+                  <a:schemeClr val="tx1">
+                    <a:lumMod val="65000"/>
+                    <a:lumOff val="35000"/>
+                  </a:schemeClr>
+                </a:solidFill>
+                <a:ea typeface="+mn-ea"/>
+              </a:rPr>
+              <a:t>characters (like c, p – other characters R might already know); </a:t>
             </a:r>
             <a:r>
               <a:rPr lang="en-US" dirty="0" smtClean="0">
@@ -8336,11 +8399,11 @@
             </a:r>
             <a:r>
               <a:rPr lang="en-US" dirty="0" smtClean="0"/>
-              <a:t>one-dimensional </a:t>
+              <a:t>one-dimensional line of data – can be numbers, letters, names, any kind of information stored in </a:t>
             </a:r>
             <a:r>
               <a:rPr lang="en-US" dirty="0"/>
-              <a:t>array simply represents a collection of information stored in a </a:t>
+              <a:t>a </a:t>
             </a:r>
             <a:r>
               <a:rPr lang="en-US" dirty="0">
@@ -8377,7 +8440,73 @@
                   </a:schemeClr>
                 </a:solidFill>
               </a:rPr>
-              <a:t>Use function c() to concatenate multiple values</a:t>
+              <a:t>Use function c() to </a:t>
+            </a:r>
+            <a:r>
+              <a:rPr lang="en-US" i="1" dirty="0" smtClean="0">
+                <a:solidFill>
+                  <a:schemeClr val="tx1">
+                    <a:lumMod val="65000"/>
+                    <a:lumOff val="35000"/>
+                  </a:schemeClr>
+                </a:solidFill>
+              </a:rPr>
+              <a:t>concatenate</a:t>
+            </a:r>
+            <a:r>
+              <a:rPr lang="en-US" dirty="0" smtClean="0">
+                <a:solidFill>
+                  <a:schemeClr val="tx1">
+                    <a:lumMod val="65000"/>
+                    <a:lumOff val="35000"/>
+                  </a:schemeClr>
+                </a:solidFill>
+              </a:rPr>
+              <a:t> </a:t>
+            </a:r>
+            <a:r>
+              <a:rPr lang="en-US" dirty="0" smtClean="0">
+                <a:solidFill>
+                  <a:schemeClr val="tx1">
+                    <a:lumMod val="65000"/>
+                    <a:lumOff val="35000"/>
+                  </a:schemeClr>
+                </a:solidFill>
+              </a:rPr>
+              <a:t>(</a:t>
+            </a:r>
+            <a:r>
+              <a:rPr lang="en-US" dirty="0" smtClean="0">
+                <a:solidFill>
+                  <a:schemeClr val="tx1">
+                    <a:lumMod val="65000"/>
+                    <a:lumOff val="35000"/>
+                  </a:schemeClr>
+                </a:solidFill>
+              </a:rPr>
+              <a:t>create a vector of items) </a:t>
+            </a:r>
+            <a:r>
+              <a:rPr lang="en-US" dirty="0" smtClean="0">
+                <a:solidFill>
+                  <a:schemeClr val="tx1">
+                    <a:lumMod val="65000"/>
+                    <a:lumOff val="35000"/>
+                  </a:schemeClr>
+                </a:solidFill>
+              </a:rPr>
+              <a:t>multiple </a:t>
+            </a:r>
+            <a:r>
+              <a:rPr lang="en-US" dirty="0" smtClean="0">
+                <a:solidFill>
+                  <a:schemeClr val="tx1">
+                    <a:lumMod val="65000"/>
+                    <a:lumOff val="35000"/>
+                  </a:schemeClr>
+                </a:solidFill>
+              </a:rPr>
+              <a:t>values</a:t>
             </a:r>
           </a:p>
           <a:p>
@@ -8566,7 +8695,51 @@
                   </a:schemeClr>
                 </a:solidFill>
               </a:rPr>
-              <a:t>Types can be an excel file, csv file etc.</a:t>
+              <a:t>Types can be an excel file, </a:t>
+            </a:r>
+            <a:r>
+              <a:rPr lang="en-US" dirty="0" err="1" smtClean="0">
+                <a:solidFill>
+                  <a:schemeClr val="tx1">
+                    <a:lumMod val="65000"/>
+                    <a:lumOff val="35000"/>
+                  </a:schemeClr>
+                </a:solidFill>
+              </a:rPr>
+              <a:t>csv</a:t>
+            </a:r>
+            <a:r>
+              <a:rPr lang="en-US" dirty="0" smtClean="0">
+                <a:solidFill>
+                  <a:schemeClr val="tx1">
+                    <a:lumMod val="65000"/>
+                    <a:lumOff val="35000"/>
+                  </a:schemeClr>
+                </a:solidFill>
+              </a:rPr>
+              <a:t> </a:t>
+            </a:r>
+            <a:r>
+              <a:rPr lang="en-US" dirty="0" smtClean="0">
+                <a:solidFill>
+                  <a:schemeClr val="tx1">
+                    <a:lumMod val="65000"/>
+                    <a:lumOff val="35000"/>
+                  </a:schemeClr>
+                </a:solidFill>
+              </a:rPr>
+              <a:t>(comma separated) file </a:t>
+            </a:r>
+            <a:r>
+              <a:rPr lang="en-US" dirty="0" smtClean="0">
+                <a:solidFill>
+                  <a:schemeClr val="tx1">
+                    <a:lumMod val="65000"/>
+                    <a:lumOff val="35000"/>
+                  </a:schemeClr>
+                </a:solidFill>
+              </a:rPr>
+              <a:t>etc.</a:t>
             </a:r>
           </a:p>
           <a:p>
@@ -8727,13 +8900,13 @@
   <p:clrMapOvr>
     <a:masterClrMapping/>
   </p:clrMapOvr>
-  <p:transition spd="slow">
+  <p:transition xmlns:p14="http://schemas.microsoft.com/office/powerpoint/2010/main" spd="slow">
     <p:fade/>
   </p:transition>
   <p:timing>
     <p:tnLst>
       <p:par>
-        <p:cTn id="1" dur="indefinite" restart="never" nodeType="tmRoot"/>
+        <p:cTn xmlns:p14="http://schemas.microsoft.com/office/powerpoint/2010/main" id="1" dur="indefinite" restart="never" nodeType="tmRoot"/>
       </p:par>
     </p:tnLst>
   </p:timing>
@@ -8797,13 +8970,13 @@
   <p:clrMapOvr>
     <a:masterClrMapping/>
   </p:clrMapOvr>
-  <p:transition spd="slow">
+  <p:transition xmlns:p14="http://schemas.microsoft.com/office/powerpoint/2010/main" spd="slow">
     <p:fade/>
   </p:transition>
   <p:timing>
     <p:tnLst>
       <p:par>
-        <p:cTn id="1" dur="indefinite" restart="never" nodeType="tmRoot"/>
+        <p:cTn xmlns:p14="http://schemas.microsoft.com/office/powerpoint/2010/main" id="1" dur="indefinite" restart="never" nodeType="tmRoot"/>
       </p:par>
     </p:tnLst>
   </p:timing>

--- a/KaipingAdina's Section Material/Intro Section/IntroSection.pptx
+++ b/KaipingAdina's Section Material/Intro Section/IntroSection.pptx
@@ -147,6 +147,22 @@
       </a:defRPr>
     </a:lvl9pPr>
   </p:defaultTextStyle>
+  <p:extLst>
+    <p:ext uri="{EFAFB233-063F-42B5-8137-9DF3F51BA10A}">
+      <p15:sldGuideLst xmlns:p15="http://schemas.microsoft.com/office/powerpoint/2012/main">
+        <p15:guide id="1" orient="horz" pos="1620">
+          <p15:clr>
+            <a:srgbClr val="A4A3A4"/>
+          </p15:clr>
+        </p15:guide>
+        <p15:guide id="2" pos="2880">
+          <p15:clr>
+            <a:srgbClr val="A4A3A4"/>
+          </p15:clr>
+        </p15:guide>
+      </p15:sldGuideLst>
+    </p:ext>
+  </p:extLst>
 </p:presentation>
 </file>
 
@@ -987,14 +1003,14 @@
           </a:ln>
           <a:extLst>
             <a:ext uri="{909E8E84-426E-40dd-AFC4-6F175D3DCCD1}">
-              <a14:hiddenFill xmlns:a14="http://schemas.microsoft.com/office/drawing/2010/main">
+              <a14:hiddenFill xmlns:a14="http://schemas.microsoft.com/office/drawing/2010/main" xmlns="">
                 <a:solidFill>
                   <a:srgbClr val="FFFFFF"/>
                 </a:solidFill>
               </a14:hiddenFill>
             </a:ext>
             <a:ext uri="{91240B29-F687-4f45-9708-019B960494DF}">
-              <a14:hiddenLine xmlns:a14="http://schemas.microsoft.com/office/drawing/2010/main" w="9525">
+              <a14:hiddenLine xmlns:a14="http://schemas.microsoft.com/office/drawing/2010/main" xmlns="" w="9525">
                 <a:solidFill>
                   <a:srgbClr val="000000"/>
                 </a:solidFill>
@@ -1240,7 +1256,7 @@
   <p:clrMapOvr>
     <a:masterClrMapping/>
   </p:clrMapOvr>
-  <p:transition xmlns:p14="http://schemas.microsoft.com/office/powerpoint/2010/main" spd="slow">
+  <p:transition spd="slow">
     <p:fade/>
   </p:transition>
 </p:sldLayout>
@@ -1453,14 +1469,14 @@
           </a:ln>
           <a:extLst>
             <a:ext uri="{909E8E84-426E-40dd-AFC4-6F175D3DCCD1}">
-              <a14:hiddenFill xmlns:a14="http://schemas.microsoft.com/office/drawing/2010/main">
+              <a14:hiddenFill xmlns:a14="http://schemas.microsoft.com/office/drawing/2010/main" xmlns="">
                 <a:solidFill>
                   <a:srgbClr val="FFFFFF"/>
                 </a:solidFill>
               </a14:hiddenFill>
             </a:ext>
             <a:ext uri="{91240B29-F687-4f45-9708-019B960494DF}">
-              <a14:hiddenLine xmlns:a14="http://schemas.microsoft.com/office/drawing/2010/main" w="9525">
+              <a14:hiddenLine xmlns:a14="http://schemas.microsoft.com/office/drawing/2010/main" xmlns="" w="9525">
                 <a:solidFill>
                   <a:srgbClr val="000000"/>
                 </a:solidFill>
@@ -1654,7 +1670,7 @@
   <p:clrMapOvr>
     <a:masterClrMapping/>
   </p:clrMapOvr>
-  <p:transition xmlns:p14="http://schemas.microsoft.com/office/powerpoint/2010/main" spd="slow">
+  <p:transition spd="slow">
     <p:fade/>
   </p:transition>
 </p:sldLayout>
@@ -1787,7 +1803,7 @@
   <p:clrMapOvr>
     <a:masterClrMapping/>
   </p:clrMapOvr>
-  <p:transition xmlns:p14="http://schemas.microsoft.com/office/powerpoint/2010/main" spd="slow">
+  <p:transition spd="slow">
     <p:fade/>
   </p:transition>
 </p:sldLayout>
@@ -2128,7 +2144,7 @@
   <p:clrMapOvr>
     <a:masterClrMapping/>
   </p:clrMapOvr>
-  <p:transition xmlns:p14="http://schemas.microsoft.com/office/powerpoint/2010/main" spd="slow">
+  <p:transition spd="slow">
     <p:fade/>
   </p:transition>
 </p:sldLayout>
@@ -2322,7 +2338,7 @@
   <p:clrMapOvr>
     <a:masterClrMapping/>
   </p:clrMapOvr>
-  <p:transition xmlns:p14="http://schemas.microsoft.com/office/powerpoint/2010/main" spd="slow">
+  <p:transition spd="slow">
     <p:fade/>
   </p:transition>
 </p:sldLayout>
@@ -2577,7 +2593,7 @@
   <p:clrMapOvr>
     <a:masterClrMapping/>
   </p:clrMapOvr>
-  <p:transition xmlns:p14="http://schemas.microsoft.com/office/powerpoint/2010/main" spd="slow">
+  <p:transition spd="slow">
     <p:fade/>
   </p:transition>
 </p:sldLayout>
@@ -2893,7 +2909,7 @@
   <p:clrMapOvr>
     <a:masterClrMapping/>
   </p:clrMapOvr>
-  <p:transition xmlns:p14="http://schemas.microsoft.com/office/powerpoint/2010/main" spd="slow">
+  <p:transition spd="slow">
     <p:fade/>
   </p:transition>
 </p:sldLayout>
@@ -3106,14 +3122,14 @@
           </a:ln>
           <a:extLst>
             <a:ext uri="{909E8E84-426E-40dd-AFC4-6F175D3DCCD1}">
-              <a14:hiddenFill xmlns:a14="http://schemas.microsoft.com/office/drawing/2010/main">
+              <a14:hiddenFill xmlns:a14="http://schemas.microsoft.com/office/drawing/2010/main" xmlns="">
                 <a:solidFill>
                   <a:srgbClr val="FFFFFF"/>
                 </a:solidFill>
               </a14:hiddenFill>
             </a:ext>
             <a:ext uri="{91240B29-F687-4f45-9708-019B960494DF}">
-              <a14:hiddenLine xmlns:a14="http://schemas.microsoft.com/office/drawing/2010/main" w="9525">
+              <a14:hiddenLine xmlns:a14="http://schemas.microsoft.com/office/drawing/2010/main" xmlns="" w="9525">
                 <a:solidFill>
                   <a:srgbClr val="000000"/>
                 </a:solidFill>
@@ -3308,7 +3324,7 @@
   <p:clrMapOvr>
     <a:masterClrMapping/>
   </p:clrMapOvr>
-  <p:transition xmlns:p14="http://schemas.microsoft.com/office/powerpoint/2010/main" spd="slow">
+  <p:transition spd="slow">
     <p:fade/>
   </p:transition>
 </p:sldLayout>
@@ -3437,7 +3453,7 @@
   <p:clrMapOvr>
     <a:masterClrMapping/>
   </p:clrMapOvr>
-  <p:transition xmlns:p14="http://schemas.microsoft.com/office/powerpoint/2010/main" spd="slow">
+  <p:transition spd="slow">
     <p:fade/>
   </p:transition>
 </p:sldLayout>
@@ -3555,7 +3571,7 @@
   <p:clrMapOvr>
     <a:masterClrMapping/>
   </p:clrMapOvr>
-  <p:transition xmlns:p14="http://schemas.microsoft.com/office/powerpoint/2010/main" spd="slow">
+  <p:transition spd="slow">
     <p:fade/>
   </p:transition>
 </p:sldLayout>
@@ -3888,7 +3904,7 @@
   <p:clrMapOvr>
     <a:masterClrMapping/>
   </p:clrMapOvr>
-  <p:transition xmlns:p14="http://schemas.microsoft.com/office/powerpoint/2010/main" spd="slow">
+  <p:transition spd="slow">
     <p:fade/>
   </p:transition>
 </p:sldLayout>
@@ -4074,7 +4090,7 @@
   <p:clrMapOvr>
     <a:masterClrMapping/>
   </p:clrMapOvr>
-  <p:transition xmlns:p14="http://schemas.microsoft.com/office/powerpoint/2010/main" spd="slow">
+  <p:transition spd="slow">
     <p:fade/>
   </p:transition>
 </p:sldLayout>
@@ -4317,7 +4333,7 @@
   <p:clrMapOvr>
     <a:masterClrMapping/>
   </p:clrMapOvr>
-  <p:transition xmlns:p14="http://schemas.microsoft.com/office/powerpoint/2010/main" spd="slow">
+  <p:transition spd="slow">
     <p:fade/>
   </p:transition>
 </p:sldLayout>
@@ -4617,7 +4633,7 @@
   <p:clrMapOvr>
     <a:masterClrMapping/>
   </p:clrMapOvr>
-  <p:transition xmlns:p14="http://schemas.microsoft.com/office/powerpoint/2010/main" spd="slow">
+  <p:transition spd="slow">
     <p:fade/>
   </p:transition>
 </p:sldLayout>
@@ -4675,14 +4691,14 @@
           </a:ln>
           <a:extLst>
             <a:ext uri="{909E8E84-426E-40dd-AFC4-6F175D3DCCD1}">
-              <a14:hiddenFill xmlns:a14="http://schemas.microsoft.com/office/drawing/2010/main">
+              <a14:hiddenFill xmlns:a14="http://schemas.microsoft.com/office/drawing/2010/main" xmlns="">
                 <a:solidFill>
                   <a:srgbClr val="FFFFFF"/>
                 </a:solidFill>
               </a14:hiddenFill>
             </a:ext>
             <a:ext uri="{91240B29-F687-4f45-9708-019B960494DF}">
-              <a14:hiddenLine xmlns:a14="http://schemas.microsoft.com/office/drawing/2010/main" w="9525">
+              <a14:hiddenLine xmlns:a14="http://schemas.microsoft.com/office/drawing/2010/main" xmlns="" w="9525">
                 <a:solidFill>
                   <a:srgbClr val="000000"/>
                 </a:solidFill>
@@ -4884,14 +4900,14 @@
           </a:ln>
           <a:extLst>
             <a:ext uri="{909E8E84-426E-40dd-AFC4-6F175D3DCCD1}">
-              <a14:hiddenFill xmlns:a14="http://schemas.microsoft.com/office/drawing/2010/main">
+              <a14:hiddenFill xmlns:a14="http://schemas.microsoft.com/office/drawing/2010/main" xmlns="">
                 <a:solidFill>
                   <a:srgbClr val="FFFFFF"/>
                 </a:solidFill>
               </a14:hiddenFill>
             </a:ext>
             <a:ext uri="{91240B29-F687-4f45-9708-019B960494DF}">
-              <a14:hiddenLine xmlns:a14="http://schemas.microsoft.com/office/drawing/2010/main" w="9525">
+              <a14:hiddenLine xmlns:a14="http://schemas.microsoft.com/office/drawing/2010/main" xmlns="" w="9525">
                 <a:solidFill>
                   <a:srgbClr val="000000"/>
                 </a:solidFill>
@@ -5137,7 +5153,7 @@
   <p:clrMapOvr>
     <a:masterClrMapping/>
   </p:clrMapOvr>
-  <p:transition xmlns:p14="http://schemas.microsoft.com/office/powerpoint/2010/main" spd="slow">
+  <p:transition spd="slow">
     <p:fade/>
   </p:transition>
 </p:sldLayout>
@@ -5188,15 +5204,18 @@
             <a:noFill/>
           </a:ln>
           <a:extLst>
+            <a:ext uri="{FAA26D3D-D897-4be2-8F04-BA451C77F1D7}">
+              <ma14:placeholderFlag xmlns:ma14="http://schemas.microsoft.com/office/mac/drawingml/2011/main" val="1"/>
+            </a:ext>
             <a:ext uri="{909E8E84-426E-40dd-AFC4-6F175D3DCCD1}">
-              <a14:hiddenFill xmlns:a14="http://schemas.microsoft.com/office/drawing/2010/main">
+              <a14:hiddenFill xmlns:a14="http://schemas.microsoft.com/office/drawing/2010/main" xmlns="">
                 <a:solidFill>
                   <a:srgbClr val="FFFFFF"/>
                 </a:solidFill>
               </a14:hiddenFill>
             </a:ext>
             <a:ext uri="{91240B29-F687-4f45-9708-019B960494DF}">
-              <a14:hiddenLine xmlns:a14="http://schemas.microsoft.com/office/drawing/2010/main" w="9525">
+              <a14:hiddenLine xmlns:a14="http://schemas.microsoft.com/office/drawing/2010/main" xmlns="" w="9525">
                 <a:solidFill>
                   <a:srgbClr val="000000"/>
                 </a:solidFill>
@@ -5204,9 +5223,6 @@
                 <a:headEnd/>
                 <a:tailEnd/>
               </a14:hiddenLine>
-            </a:ext>
-            <a:ext uri="{FAA26D3D-D897-4be2-8F04-BA451C77F1D7}">
-              <ma14:placeholderFlag xmlns:ma14="http://schemas.microsoft.com/office/mac/drawingml/2011/main" val="1"/>
             </a:ext>
           </a:extLst>
         </p:spPr>
@@ -5426,14 +5442,14 @@
           </a:ln>
           <a:extLst>
             <a:ext uri="{909E8E84-426E-40dd-AFC4-6F175D3DCCD1}">
-              <a14:hiddenFill xmlns:a14="http://schemas.microsoft.com/office/drawing/2010/main">
+              <a14:hiddenFill xmlns:a14="http://schemas.microsoft.com/office/drawing/2010/main" xmlns="">
                 <a:solidFill>
                   <a:srgbClr val="FFFFFF"/>
                 </a:solidFill>
               </a14:hiddenFill>
             </a:ext>
             <a:ext uri="{91240B29-F687-4f45-9708-019B960494DF}">
-              <a14:hiddenLine xmlns:a14="http://schemas.microsoft.com/office/drawing/2010/main" w="9525">
+              <a14:hiddenLine xmlns:a14="http://schemas.microsoft.com/office/drawing/2010/main" xmlns="" w="9525">
                 <a:solidFill>
                   <a:srgbClr val="000000"/>
                 </a:solidFill>
@@ -5458,13 +5474,13 @@
     <p:sldLayoutId id="2147484090" r:id="rId7"/>
     <p:sldLayoutId id="2147484091" r:id="rId8"/>
   </p:sldLayoutIdLst>
-  <p:transition xmlns:p14="http://schemas.microsoft.com/office/powerpoint/2010/main" spd="slow">
+  <p:transition spd="slow">
     <p:fade/>
   </p:transition>
   <p:timing>
     <p:tnLst>
       <p:par>
-        <p:cTn xmlns:p14="http://schemas.microsoft.com/office/powerpoint/2010/main" id="1" dur="indefinite" restart="never" nodeType="tmRoot"/>
+        <p:cTn id="1" dur="indefinite" restart="never" nodeType="tmRoot"/>
       </p:par>
     </p:tnLst>
   </p:timing>
@@ -5954,15 +5970,18 @@
             <a:noFill/>
           </a:ln>
           <a:extLst>
+            <a:ext uri="{FAA26D3D-D897-4be2-8F04-BA451C77F1D7}">
+              <ma14:placeholderFlag xmlns:ma14="http://schemas.microsoft.com/office/mac/drawingml/2011/main" val="1"/>
+            </a:ext>
             <a:ext uri="{909E8E84-426E-40dd-AFC4-6F175D3DCCD1}">
-              <a14:hiddenFill xmlns:a14="http://schemas.microsoft.com/office/drawing/2010/main">
+              <a14:hiddenFill xmlns:a14="http://schemas.microsoft.com/office/drawing/2010/main" xmlns="">
                 <a:solidFill>
                   <a:srgbClr val="FFFFFF"/>
                 </a:solidFill>
               </a14:hiddenFill>
             </a:ext>
             <a:ext uri="{91240B29-F687-4f45-9708-019B960494DF}">
-              <a14:hiddenLine xmlns:a14="http://schemas.microsoft.com/office/drawing/2010/main" w="9525">
+              <a14:hiddenLine xmlns:a14="http://schemas.microsoft.com/office/drawing/2010/main" xmlns="" w="9525">
                 <a:solidFill>
                   <a:srgbClr val="000000"/>
                 </a:solidFill>
@@ -5970,9 +5989,6 @@
                 <a:headEnd/>
                 <a:tailEnd/>
               </a14:hiddenLine>
-            </a:ext>
-            <a:ext uri="{FAA26D3D-D897-4be2-8F04-BA451C77F1D7}">
-              <ma14:placeholderFlag xmlns:ma14="http://schemas.microsoft.com/office/mac/drawingml/2011/main" val="1"/>
             </a:ext>
           </a:extLst>
         </p:spPr>
@@ -6194,14 +6210,14 @@
           </a:ln>
           <a:extLst>
             <a:ext uri="{909E8E84-426E-40dd-AFC4-6F175D3DCCD1}">
-              <a14:hiddenFill xmlns:a14="http://schemas.microsoft.com/office/drawing/2010/main">
+              <a14:hiddenFill xmlns:a14="http://schemas.microsoft.com/office/drawing/2010/main" xmlns="">
                 <a:solidFill>
                   <a:srgbClr val="FFFFFF"/>
                 </a:solidFill>
               </a14:hiddenFill>
             </a:ext>
             <a:ext uri="{91240B29-F687-4f45-9708-019B960494DF}">
-              <a14:hiddenLine xmlns:a14="http://schemas.microsoft.com/office/drawing/2010/main" w="9525">
+              <a14:hiddenLine xmlns:a14="http://schemas.microsoft.com/office/drawing/2010/main" xmlns="" w="9525">
                 <a:solidFill>
                   <a:srgbClr val="000000"/>
                 </a:solidFill>
@@ -6225,13 +6241,13 @@
     <p:sldLayoutId id="2147484097" r:id="rId6"/>
     <p:sldLayoutId id="2147484098" r:id="rId7"/>
   </p:sldLayoutIdLst>
-  <p:transition xmlns:p14="http://schemas.microsoft.com/office/powerpoint/2010/main" spd="slow">
+  <p:transition spd="slow">
     <p:fade/>
   </p:transition>
   <p:timing>
     <p:tnLst>
       <p:par>
-        <p:cTn xmlns:p14="http://schemas.microsoft.com/office/powerpoint/2010/main" id="1" dur="indefinite" restart="never" nodeType="tmRoot"/>
+        <p:cTn id="1" dur="indefinite" restart="never" nodeType="tmRoot"/>
       </p:par>
     </p:tnLst>
   </p:timing>
@@ -6837,13 +6853,13 @@
   <p:clrMapOvr>
     <a:masterClrMapping/>
   </p:clrMapOvr>
-  <p:transition xmlns:p14="http://schemas.microsoft.com/office/powerpoint/2010/main" spd="slow">
+  <p:transition spd="slow">
     <p:fade/>
   </p:transition>
   <p:timing>
     <p:tnLst>
       <p:par>
-        <p:cTn xmlns:p14="http://schemas.microsoft.com/office/powerpoint/2010/main" id="1" dur="indefinite" restart="never" nodeType="tmRoot"/>
+        <p:cTn id="1" dur="indefinite" restart="never" nodeType="tmRoot"/>
       </p:par>
     </p:tnLst>
   </p:timing>
@@ -6953,33 +6969,19 @@
                 <a:latin typeface="Arial" charset="0"/>
                 <a:ea typeface="ＭＳ Ｐゴシック" charset="-128"/>
               </a:rPr>
-              <a:t>What is R</a:t>
-            </a:r>
+              <a:t>What is R? </a:t>
+            </a:r>
+          </a:p>
+          <a:p>
+            <a:pPr marL="0" lvl="1" indent="0" eaLnBrk="1" hangingPunct="1">
+              <a:buNone/>
+            </a:pPr>
             <a:r>
               <a:rPr lang="en-US" altLang="x-none" dirty="0" smtClean="0">
                 <a:latin typeface="Arial" charset="0"/>
                 <a:ea typeface="ＭＳ Ｐゴシック" charset="-128"/>
               </a:rPr>
-              <a:t>? </a:t>
-            </a:r>
-          </a:p>
-          <a:p>
-            <a:pPr marL="0" lvl="1" indent="0" eaLnBrk="1" hangingPunct="1">
-              <a:buNone/>
-            </a:pPr>
-            <a:r>
-              <a:rPr lang="en-US" altLang="x-none" dirty="0" smtClean="0">
-                <a:latin typeface="Arial" charset="0"/>
-                <a:ea typeface="ＭＳ Ｐゴシック" charset="-128"/>
-              </a:rPr>
-              <a:t>	Hint: </a:t>
-            </a:r>
-            <a:r>
-              <a:rPr lang="en-US" altLang="x-none" dirty="0" smtClean="0">
-                <a:latin typeface="Arial" charset="0"/>
-                <a:ea typeface="ＭＳ Ｐゴシック" charset="-128"/>
-              </a:rPr>
-              <a:t>It’s not that hard. It can be your friend!</a:t>
+              <a:t>	Hint: It’s not that hard. It can be your friend!</a:t>
             </a:r>
             <a:endParaRPr lang="en-US" altLang="x-none" dirty="0">
               <a:latin typeface="Arial" charset="0"/>
@@ -7156,13 +7158,13 @@
   <p:clrMapOvr>
     <a:masterClrMapping/>
   </p:clrMapOvr>
-  <p:transition xmlns:p14="http://schemas.microsoft.com/office/powerpoint/2010/main" spd="slow">
+  <p:transition spd="slow">
     <p:fade/>
   </p:transition>
   <p:timing>
     <p:tnLst>
       <p:par>
-        <p:cTn xmlns:p14="http://schemas.microsoft.com/office/powerpoint/2010/main" id="1" dur="indefinite" restart="never" nodeType="tmRoot"/>
+        <p:cTn id="1" dur="indefinite" restart="never" nodeType="tmRoot"/>
       </p:par>
     </p:tnLst>
   </p:timing>
@@ -7473,17 +7475,7 @@
                 <a:latin typeface="Arial" charset="0"/>
                 <a:ea typeface="ＭＳ Ｐゴシック" charset="-128"/>
               </a:rPr>
-              <a:t>What </a:t>
-            </a:r>
-            <a:r>
-              <a:rPr lang="en-US" altLang="x-none" dirty="0" smtClean="0">
-                <a:solidFill>
-                  <a:schemeClr val="tx1"/>
-                </a:solidFill>
-                <a:latin typeface="Arial" charset="0"/>
-                <a:ea typeface="ＭＳ Ｐゴシック" charset="-128"/>
-              </a:rPr>
-              <a:t>does R look like?</a:t>
+              <a:t>What does R look like?</a:t>
             </a:r>
           </a:p>
           <a:p>
@@ -7495,14 +7487,7 @@
                 <a:latin typeface="Arial" charset="0"/>
                 <a:ea typeface="ＭＳ Ｐゴシック" charset="-128"/>
               </a:rPr>
-              <a:t>Open R </a:t>
-            </a:r>
-            <a:r>
-              <a:rPr lang="en-US" altLang="x-none" dirty="0" smtClean="0">
-                <a:latin typeface="Arial" charset="0"/>
-                <a:ea typeface="ＭＳ Ｐゴシック" charset="-128"/>
-              </a:rPr>
-              <a:t>studio</a:t>
+              <a:t>Open R studio</a:t>
             </a:r>
             <a:r>
               <a:rPr lang="mr-IN" altLang="x-none" dirty="0" smtClean="0">
@@ -7530,13 +7515,13 @@
   <p:clrMapOvr>
     <a:masterClrMapping/>
   </p:clrMapOvr>
-  <p:transition xmlns:p14="http://schemas.microsoft.com/office/powerpoint/2010/main" spd="slow">
+  <p:transition spd="slow">
     <p:fade/>
   </p:transition>
   <p:timing>
     <p:tnLst>
       <p:par>
-        <p:cTn xmlns:p14="http://schemas.microsoft.com/office/powerpoint/2010/main" id="1" dur="indefinite" restart="never" nodeType="tmRoot"/>
+        <p:cTn id="1" dur="indefinite" restart="never" nodeType="tmRoot"/>
       </p:par>
     </p:tnLst>
   </p:timing>
@@ -7595,13 +7580,13 @@
   <p:clrMapOvr>
     <a:masterClrMapping/>
   </p:clrMapOvr>
-  <p:transition xmlns:p14="http://schemas.microsoft.com/office/powerpoint/2010/main" spd="slow">
+  <p:transition spd="slow">
     <p:fade/>
   </p:transition>
   <p:timing>
     <p:tnLst>
       <p:par>
-        <p:cTn xmlns:p14="http://schemas.microsoft.com/office/powerpoint/2010/main" id="1" dur="indefinite" restart="never" nodeType="tmRoot"/>
+        <p:cTn id="1" dur="indefinite" restart="never" nodeType="tmRoot"/>
       </p:par>
     </p:tnLst>
   </p:timing>
@@ -7678,7 +7663,7 @@
         </p:spPr>
         <p:txBody>
           <a:bodyPr>
-            <a:normAutofit fontScale="92500" lnSpcReduction="10000"/>
+            <a:normAutofit lnSpcReduction="10000"/>
           </a:bodyPr>
           <a:lstStyle/>
           <a:p>
@@ -7863,9 +7848,12 @@
               </a:rPr>
             </a:br>
             <a:r>
-              <a:rPr lang="en-US" dirty="0" err="1" smtClean="0">
-                <a:solidFill>
-                  <a:srgbClr val="FF0000"/>
+              <a:rPr lang="en-US" sz="1500" dirty="0" err="1" smtClean="0">
+                <a:solidFill>
+                  <a:schemeClr val="tx1">
+                    <a:lumMod val="65000"/>
+                    <a:lumOff val="35000"/>
+                  </a:schemeClr>
                 </a:solidFill>
                 <a:latin typeface="Courier New" charset="0"/>
                 <a:ea typeface="Courier New" charset="0"/>
@@ -7874,26 +7862,27 @@
               <a:t>setwd</a:t>
             </a:r>
             <a:r>
-              <a:rPr lang="en-US" dirty="0" smtClean="0">
-                <a:solidFill>
-                  <a:srgbClr val="FF0000"/>
+              <a:rPr lang="en-US" sz="1500" dirty="0" smtClean="0">
+                <a:solidFill>
+                  <a:schemeClr val="tx1">
+                    <a:lumMod val="65000"/>
+                    <a:lumOff val="35000"/>
+                  </a:schemeClr>
                 </a:solidFill>
                 <a:latin typeface="Courier New" charset="0"/>
                 <a:ea typeface="Courier New" charset="0"/>
                 <a:cs typeface="Courier New" charset="0"/>
               </a:rPr>
-              <a:t>(</a:t>
-            </a:r>
-            <a:r>
-              <a:rPr lang="en-US" dirty="0" smtClean="0">
-                <a:latin typeface="Courier New" charset="0"/>
-                <a:ea typeface="Courier New" charset="0"/>
-                <a:cs typeface="Courier New" charset="0"/>
-              </a:rPr>
-              <a:t>“~/Users/</a:t>
-            </a:r>
-            <a:r>
-              <a:rPr lang="en-US" dirty="0" err="1" smtClean="0">
+              <a:t>(“~/Users/</a:t>
+            </a:r>
+            <a:r>
+              <a:rPr lang="en-US" sz="1500" dirty="0" err="1" smtClean="0">
+                <a:solidFill>
+                  <a:schemeClr val="tx1">
+                    <a:lumMod val="65000"/>
+                    <a:lumOff val="35000"/>
+                  </a:schemeClr>
+                </a:solidFill>
                 <a:latin typeface="Courier New" charset="0"/>
                 <a:ea typeface="Courier New" charset="0"/>
                 <a:cs typeface="Courier New" charset="0"/>
@@ -7901,7 +7890,13 @@
               <a:t>kaipingchen</a:t>
             </a:r>
             <a:r>
-              <a:rPr lang="en-US" dirty="0" smtClean="0">
+              <a:rPr lang="en-US" sz="1500" dirty="0" smtClean="0">
+                <a:solidFill>
+                  <a:schemeClr val="tx1">
+                    <a:lumMod val="65000"/>
+                    <a:lumOff val="35000"/>
+                  </a:schemeClr>
+                </a:solidFill>
                 <a:latin typeface="Courier New" charset="0"/>
                 <a:ea typeface="Courier New" charset="0"/>
                 <a:cs typeface="Courier New" charset="0"/>
@@ -7909,7 +7904,13 @@
               <a:t>/comm106206/</a:t>
             </a:r>
             <a:r>
-              <a:rPr lang="en-US" dirty="0" err="1" smtClean="0">
+              <a:rPr lang="en-US" sz="1500" dirty="0" err="1" smtClean="0">
+                <a:solidFill>
+                  <a:schemeClr val="tx1">
+                    <a:lumMod val="65000"/>
+                    <a:lumOff val="35000"/>
+                  </a:schemeClr>
+                </a:solidFill>
                 <a:latin typeface="Courier New" charset="0"/>
                 <a:ea typeface="Courier New" charset="0"/>
                 <a:cs typeface="Courier New" charset="0"/>
@@ -7917,31 +7918,18 @@
               <a:t>BeatR</a:t>
             </a:r>
             <a:r>
-              <a:rPr lang="en-US" dirty="0" smtClean="0">
+              <a:rPr lang="en-US" sz="1500" dirty="0" smtClean="0">
+                <a:solidFill>
+                  <a:schemeClr val="tx1">
+                    <a:lumMod val="65000"/>
+                    <a:lumOff val="35000"/>
+                  </a:schemeClr>
+                </a:solidFill>
                 <a:latin typeface="Courier New" charset="0"/>
                 <a:ea typeface="Courier New" charset="0"/>
                 <a:cs typeface="Courier New" charset="0"/>
               </a:rPr>
-              <a:t>”</a:t>
-            </a:r>
-            <a:r>
-              <a:rPr lang="en-US" dirty="0" smtClean="0">
-                <a:solidFill>
-                  <a:srgbClr val="FF0000"/>
-                </a:solidFill>
-                <a:latin typeface="Courier New" charset="0"/>
-                <a:ea typeface="Courier New" charset="0"/>
-                <a:cs typeface="Courier New" charset="0"/>
-              </a:rPr>
-              <a:t>)</a:t>
-            </a:r>
-            <a:r>
-              <a:rPr lang="en-US" dirty="0" smtClean="0">
-                <a:latin typeface="Courier New" charset="0"/>
-                <a:ea typeface="Courier New" charset="0"/>
-                <a:cs typeface="Courier New" charset="0"/>
-              </a:rPr>
-              <a:t> </a:t>
+              <a:t>”) </a:t>
             </a:r>
           </a:p>
           <a:p>
@@ -7952,7 +7940,13 @@
               <a:defRPr/>
             </a:pPr>
             <a:r>
-              <a:rPr lang="en-US" dirty="0">
+              <a:rPr lang="en-US" sz="1500" dirty="0">
+                <a:solidFill>
+                  <a:schemeClr val="tx1">
+                    <a:lumMod val="65000"/>
+                    <a:lumOff val="35000"/>
+                  </a:schemeClr>
+                </a:solidFill>
                 <a:latin typeface="Courier New" charset="0"/>
                 <a:ea typeface="Courier New" charset="0"/>
                 <a:cs typeface="Courier New" charset="0"/>
@@ -7960,7 +7954,13 @@
               <a:t> </a:t>
             </a:r>
             <a:r>
-              <a:rPr lang="en-US" dirty="0" smtClean="0">
+              <a:rPr lang="en-US" sz="1500" dirty="0" smtClean="0">
+                <a:solidFill>
+                  <a:schemeClr val="tx1">
+                    <a:lumMod val="65000"/>
+                    <a:lumOff val="35000"/>
+                  </a:schemeClr>
+                </a:solidFill>
                 <a:latin typeface="Courier New" charset="0"/>
                 <a:ea typeface="Courier New" charset="0"/>
                 <a:cs typeface="Courier New" charset="0"/>
@@ -7968,9 +7968,12 @@
               <a:t> </a:t>
             </a:r>
             <a:r>
-              <a:rPr lang="en-US" dirty="0" err="1" smtClean="0">
-                <a:solidFill>
-                  <a:srgbClr val="FF0000"/>
+              <a:rPr lang="en-US" sz="1500" dirty="0" err="1" smtClean="0">
+                <a:solidFill>
+                  <a:schemeClr val="tx1">
+                    <a:lumMod val="65000"/>
+                    <a:lumOff val="35000"/>
+                  </a:schemeClr>
                 </a:solidFill>
                 <a:latin typeface="Courier New" charset="0"/>
                 <a:ea typeface="Courier New" charset="0"/>
@@ -7979,9 +7982,12 @@
               <a:t>getwd</a:t>
             </a:r>
             <a:r>
-              <a:rPr lang="en-US" dirty="0" smtClean="0">
-                <a:solidFill>
-                  <a:srgbClr val="FF0000"/>
+              <a:rPr lang="en-US" sz="1500" dirty="0" smtClean="0">
+                <a:solidFill>
+                  <a:schemeClr val="tx1">
+                    <a:lumMod val="65000"/>
+                    <a:lumOff val="35000"/>
+                  </a:schemeClr>
                 </a:solidFill>
                 <a:latin typeface="Courier New" charset="0"/>
                 <a:ea typeface="Courier New" charset="0"/>
@@ -7989,9 +7995,12 @@
               </a:rPr>
               <a:t>()</a:t>
             </a:r>
-            <a:endParaRPr lang="en-US" dirty="0">
+            <a:endParaRPr lang="en-US" sz="1500" dirty="0">
               <a:solidFill>
-                <a:srgbClr val="FF0000"/>
+                <a:schemeClr val="tx1">
+                  <a:lumMod val="65000"/>
+                  <a:lumOff val="35000"/>
+                </a:schemeClr>
               </a:solidFill>
               <a:latin typeface="Courier New" charset="0"/>
               <a:ea typeface="Courier New" charset="0"/>
@@ -8042,7 +8051,7 @@
               <a:t>save data files: </a:t>
             </a:r>
             <a:r>
-              <a:rPr lang="en-US" dirty="0" err="1" smtClean="0">
+              <a:rPr lang="en-US" sz="1400" dirty="0" err="1" smtClean="0">
                 <a:latin typeface="Courier New" charset="0"/>
                 <a:ea typeface="Courier New" charset="0"/>
                 <a:cs typeface="Courier New" charset="0"/>
@@ -8050,23 +8059,23 @@
               <a:t>write.csv</a:t>
             </a:r>
             <a:r>
-              <a:rPr lang="en-US" dirty="0" smtClean="0">
+              <a:rPr lang="en-US" sz="1400" dirty="0" smtClean="0">
                 <a:latin typeface="Courier New" charset="0"/>
                 <a:ea typeface="Courier New" charset="0"/>
                 <a:cs typeface="Courier New" charset="0"/>
               </a:rPr>
-              <a:t>(</a:t>
-            </a:r>
-            <a:r>
-              <a:rPr lang="en-US" dirty="0" smtClean="0">
+              <a:t>(data generated by R, </a:t>
+            </a:r>
+            <a:r>
+              <a:rPr lang="en-US" sz="1400" dirty="0" smtClean="0">
                 <a:latin typeface="Courier New" charset="0"/>
                 <a:ea typeface="Courier New" charset="0"/>
                 <a:cs typeface="Courier New" charset="0"/>
               </a:rPr>
-              <a:t>data, “</a:t>
-            </a:r>
-            <a:r>
-              <a:rPr lang="en-US" dirty="0" err="1" smtClean="0">
+              <a:t>“</a:t>
+            </a:r>
+            <a:r>
+              <a:rPr lang="en-US" sz="1400" dirty="0" err="1" smtClean="0">
                 <a:latin typeface="Courier New" charset="0"/>
                 <a:ea typeface="Courier New" charset="0"/>
                 <a:cs typeface="Courier New" charset="0"/>
@@ -8074,14 +8083,14 @@
               <a:t>XXX.csv</a:t>
             </a:r>
             <a:r>
-              <a:rPr lang="en-US" dirty="0" smtClean="0">
+              <a:rPr lang="en-US" sz="1400" dirty="0" smtClean="0">
                 <a:latin typeface="Courier New" charset="0"/>
                 <a:ea typeface="Courier New" charset="0"/>
                 <a:cs typeface="Courier New" charset="0"/>
               </a:rPr>
               <a:t>”)</a:t>
             </a:r>
-            <a:endParaRPr lang="en-US" dirty="0" smtClean="0">
+            <a:endParaRPr lang="en-US" sz="1400" dirty="0" smtClean="0">
               <a:solidFill>
                 <a:schemeClr val="tx1">
                   <a:lumMod val="65000"/>
@@ -8117,13 +8126,13 @@
   <p:clrMapOvr>
     <a:masterClrMapping/>
   </p:clrMapOvr>
-  <p:transition xmlns:p14="http://schemas.microsoft.com/office/powerpoint/2010/main" spd="slow">
+  <p:transition spd="slow">
     <p:fade/>
   </p:transition>
   <p:timing>
     <p:tnLst>
       <p:par>
-        <p:cTn xmlns:p14="http://schemas.microsoft.com/office/powerpoint/2010/main" id="1" dur="indefinite" restart="never" nodeType="tmRoot"/>
+        <p:cTn id="1" dur="indefinite" restart="never" nodeType="tmRoot"/>
       </p:par>
     </p:tnLst>
   </p:timing>
@@ -8312,19 +8321,7 @@
                 </a:solidFill>
                 <a:ea typeface="+mn-ea"/>
               </a:rPr>
-              <a:t>; avoid special </a:t>
-            </a:r>
-            <a:r>
-              <a:rPr lang="en-US" dirty="0" smtClean="0">
-                <a:solidFill>
-                  <a:schemeClr val="tx1">
-                    <a:lumMod val="65000"/>
-                    <a:lumOff val="35000"/>
-                  </a:schemeClr>
-                </a:solidFill>
-                <a:ea typeface="+mn-ea"/>
-              </a:rPr>
-              <a:t>characters (like c, p – other characters R might already know); </a:t>
+              <a:t>; avoid special characters (like c, p – other characters R might already know); </a:t>
             </a:r>
             <a:r>
               <a:rPr lang="en-US" dirty="0" smtClean="0">
@@ -8462,51 +8459,7 @@
                   </a:schemeClr>
                 </a:solidFill>
               </a:rPr>
-              <a:t> </a:t>
-            </a:r>
-            <a:r>
-              <a:rPr lang="en-US" dirty="0" smtClean="0">
-                <a:solidFill>
-                  <a:schemeClr val="tx1">
-                    <a:lumMod val="65000"/>
-                    <a:lumOff val="35000"/>
-                  </a:schemeClr>
-                </a:solidFill>
-              </a:rPr>
-              <a:t>(</a:t>
-            </a:r>
-            <a:r>
-              <a:rPr lang="en-US" dirty="0" smtClean="0">
-                <a:solidFill>
-                  <a:schemeClr val="tx1">
-                    <a:lumMod val="65000"/>
-                    <a:lumOff val="35000"/>
-                  </a:schemeClr>
-                </a:solidFill>
-              </a:rPr>
-              <a:t>create a vector of items) </a:t>
-            </a:r>
-            <a:r>
-              <a:rPr lang="en-US" dirty="0" smtClean="0">
-                <a:solidFill>
-                  <a:schemeClr val="tx1">
-                    <a:lumMod val="65000"/>
-                    <a:lumOff val="35000"/>
-                  </a:schemeClr>
-                </a:solidFill>
-              </a:rPr>
-              <a:t>multiple </a:t>
-            </a:r>
-            <a:r>
-              <a:rPr lang="en-US" dirty="0" smtClean="0">
-                <a:solidFill>
-                  <a:schemeClr val="tx1">
-                    <a:lumMod val="65000"/>
-                    <a:lumOff val="35000"/>
-                  </a:schemeClr>
-                </a:solidFill>
-              </a:rPr>
-              <a:t>values</a:t>
+              <a:t> (create a vector of items) multiple values</a:t>
             </a:r>
           </a:p>
           <a:p>
@@ -8717,29 +8670,7 @@
                   </a:schemeClr>
                 </a:solidFill>
               </a:rPr>
-              <a:t> </a:t>
-            </a:r>
-            <a:r>
-              <a:rPr lang="en-US" dirty="0" smtClean="0">
-                <a:solidFill>
-                  <a:schemeClr val="tx1">
-                    <a:lumMod val="65000"/>
-                    <a:lumOff val="35000"/>
-                  </a:schemeClr>
-                </a:solidFill>
-              </a:rPr>
-              <a:t>(comma separated) file </a:t>
-            </a:r>
-            <a:r>
-              <a:rPr lang="en-US" dirty="0" smtClean="0">
-                <a:solidFill>
-                  <a:schemeClr val="tx1">
-                    <a:lumMod val="65000"/>
-                    <a:lumOff val="35000"/>
-                  </a:schemeClr>
-                </a:solidFill>
-              </a:rPr>
-              <a:t>etc.</a:t>
+              <a:t> (comma separated) file etc.</a:t>
             </a:r>
           </a:p>
           <a:p>
@@ -8900,13 +8831,13 @@
   <p:clrMapOvr>
     <a:masterClrMapping/>
   </p:clrMapOvr>
-  <p:transition xmlns:p14="http://schemas.microsoft.com/office/powerpoint/2010/main" spd="slow">
+  <p:transition spd="slow">
     <p:fade/>
   </p:transition>
   <p:timing>
     <p:tnLst>
       <p:par>
-        <p:cTn xmlns:p14="http://schemas.microsoft.com/office/powerpoint/2010/main" id="1" dur="indefinite" restart="never" nodeType="tmRoot"/>
+        <p:cTn id="1" dur="indefinite" restart="never" nodeType="tmRoot"/>
       </p:par>
     </p:tnLst>
   </p:timing>
@@ -8970,13 +8901,13 @@
   <p:clrMapOvr>
     <a:masterClrMapping/>
   </p:clrMapOvr>
-  <p:transition xmlns:p14="http://schemas.microsoft.com/office/powerpoint/2010/main" spd="slow">
+  <p:transition spd="slow">
     <p:fade/>
   </p:transition>
   <p:timing>
     <p:tnLst>
       <p:par>
-        <p:cTn xmlns:p14="http://schemas.microsoft.com/office/powerpoint/2010/main" id="1" dur="indefinite" restart="never" nodeType="tmRoot"/>
+        <p:cTn id="1" dur="indefinite" restart="never" nodeType="tmRoot"/>
       </p:par>
     </p:tnLst>
   </p:timing>

--- a/KaipingAdina's Section Material/Intro Section/IntroSection.pptx
+++ b/KaipingAdina's Section Material/Intro Section/IntroSection.pptx
@@ -6,10 +6,10 @@
     <p:sldMasterId id="2147483699" r:id="rId2"/>
   </p:sldMasterIdLst>
   <p:notesMasterIdLst>
-    <p:notesMasterId r:id="rId10"/>
+    <p:notesMasterId r:id="rId16"/>
   </p:notesMasterIdLst>
   <p:handoutMasterIdLst>
-    <p:handoutMasterId r:id="rId11"/>
+    <p:handoutMasterId r:id="rId17"/>
   </p:handoutMasterIdLst>
   <p:sldIdLst>
     <p:sldId id="304" r:id="rId3"/>
@@ -17,8 +17,14 @@
     <p:sldId id="308" r:id="rId5"/>
     <p:sldId id="311" r:id="rId6"/>
     <p:sldId id="306" r:id="rId7"/>
-    <p:sldId id="316" r:id="rId8"/>
-    <p:sldId id="317" r:id="rId9"/>
+    <p:sldId id="318" r:id="rId8"/>
+    <p:sldId id="316" r:id="rId9"/>
+    <p:sldId id="321" r:id="rId10"/>
+    <p:sldId id="320" r:id="rId11"/>
+    <p:sldId id="322" r:id="rId12"/>
+    <p:sldId id="319" r:id="rId13"/>
+    <p:sldId id="323" r:id="rId14"/>
+    <p:sldId id="317" r:id="rId15"/>
   </p:sldIdLst>
   <p:sldSz cx="9144000" cy="5143500" type="screen16x9"/>
   <p:notesSz cx="6858000" cy="9144000"/>
@@ -268,7 +274,7 @@
             <a:fld id="{CAB1EE62-9229-464B-9475-CBB16B62B2C7}" type="datetimeFigureOut">
               <a:rPr lang="en-US" altLang="x-none"/>
               <a:pPr/>
-              <a:t>1/18/17</a:t>
+              <a:t>1/22/17</a:t>
             </a:fld>
             <a:endParaRPr lang="en-US" altLang="x-none"/>
           </a:p>
@@ -474,7 +480,7 @@
             <a:fld id="{CBB815AF-F648-9E4A-8316-BB240D8FD2E6}" type="datetimeFigureOut">
               <a:rPr lang="en-US" altLang="x-none"/>
               <a:pPr/>
-              <a:t>1/18/17</a:t>
+              <a:t>1/22/17</a:t>
             </a:fld>
             <a:endParaRPr lang="en-US" altLang="x-none"/>
           </a:p>
@@ -796,6 +802,900 @@
 </p:notesMaster>
 </file>
 
+<file path=ppt/notesSlides/notesSlide1.xml><?xml version="1.0" encoding="utf-8"?>
+<p:notes xmlns:a="http://schemas.openxmlformats.org/drawingml/2006/main" xmlns:r="http://schemas.openxmlformats.org/officeDocument/2006/relationships" xmlns:p="http://schemas.openxmlformats.org/presentationml/2006/main">
+  <p:cSld>
+    <p:spTree>
+      <p:nvGrpSpPr>
+        <p:cNvPr id="1" name=""/>
+        <p:cNvGrpSpPr/>
+        <p:nvPr/>
+      </p:nvGrpSpPr>
+      <p:grpSpPr>
+        <a:xfrm>
+          <a:off x="0" y="0"/>
+          <a:ext cx="0" cy="0"/>
+          <a:chOff x="0" y="0"/>
+          <a:chExt cx="0" cy="0"/>
+        </a:xfrm>
+      </p:grpSpPr>
+      <p:sp>
+        <p:nvSpPr>
+          <p:cNvPr id="2" name="Slide Image Placeholder 1"/>
+          <p:cNvSpPr>
+            <a:spLocks noGrp="1" noRot="1" noChangeAspect="1"/>
+          </p:cNvSpPr>
+          <p:nvPr>
+            <p:ph type="sldImg"/>
+          </p:nvPr>
+        </p:nvSpPr>
+        <p:spPr/>
+      </p:sp>
+      <p:sp>
+        <p:nvSpPr>
+          <p:cNvPr id="3" name="Notes Placeholder 2"/>
+          <p:cNvSpPr>
+            <a:spLocks noGrp="1"/>
+          </p:cNvSpPr>
+          <p:nvPr>
+            <p:ph type="body" idx="1"/>
+          </p:nvPr>
+        </p:nvSpPr>
+        <p:spPr/>
+        <p:txBody>
+          <a:bodyPr/>
+          <a:lstStyle/>
+          <a:p>
+            <a:r>
+              <a:rPr lang="en-US" dirty="0" smtClean="0"/>
+              <a:t>1 minute</a:t>
+            </a:r>
+            <a:endParaRPr lang="en-US" dirty="0"/>
+          </a:p>
+        </p:txBody>
+      </p:sp>
+      <p:sp>
+        <p:nvSpPr>
+          <p:cNvPr id="4" name="Slide Number Placeholder 3"/>
+          <p:cNvSpPr>
+            <a:spLocks noGrp="1"/>
+          </p:cNvSpPr>
+          <p:nvPr>
+            <p:ph type="sldNum" sz="quarter" idx="10"/>
+          </p:nvPr>
+        </p:nvSpPr>
+        <p:spPr/>
+        <p:txBody>
+          <a:bodyPr/>
+          <a:lstStyle/>
+          <a:p>
+            <a:fld id="{1E43DE4C-4A49-D64C-946D-CE146930BB8F}" type="slidenum">
+              <a:rPr lang="en-US" altLang="x-none" smtClean="0"/>
+              <a:pPr/>
+              <a:t>2</a:t>
+            </a:fld>
+            <a:endParaRPr lang="en-US" altLang="x-none"/>
+          </a:p>
+        </p:txBody>
+      </p:sp>
+    </p:spTree>
+    <p:extLst>
+      <p:ext uri="{BB962C8B-B14F-4D97-AF65-F5344CB8AC3E}">
+        <p14:creationId xmlns:p14="http://schemas.microsoft.com/office/powerpoint/2010/main" val="364810031"/>
+      </p:ext>
+    </p:extLst>
+  </p:cSld>
+  <p:clrMapOvr>
+    <a:masterClrMapping/>
+  </p:clrMapOvr>
+</p:notes>
+</file>
+
+<file path=ppt/notesSlides/notesSlide10.xml><?xml version="1.0" encoding="utf-8"?>
+<p:notes xmlns:a="http://schemas.openxmlformats.org/drawingml/2006/main" xmlns:r="http://schemas.openxmlformats.org/officeDocument/2006/relationships" xmlns:p="http://schemas.openxmlformats.org/presentationml/2006/main">
+  <p:cSld>
+    <p:spTree>
+      <p:nvGrpSpPr>
+        <p:cNvPr id="1" name=""/>
+        <p:cNvGrpSpPr/>
+        <p:nvPr/>
+      </p:nvGrpSpPr>
+      <p:grpSpPr>
+        <a:xfrm>
+          <a:off x="0" y="0"/>
+          <a:ext cx="0" cy="0"/>
+          <a:chOff x="0" y="0"/>
+          <a:chExt cx="0" cy="0"/>
+        </a:xfrm>
+      </p:grpSpPr>
+      <p:sp>
+        <p:nvSpPr>
+          <p:cNvPr id="2" name="Slide Image Placeholder 1"/>
+          <p:cNvSpPr>
+            <a:spLocks noGrp="1" noRot="1" noChangeAspect="1"/>
+          </p:cNvSpPr>
+          <p:nvPr>
+            <p:ph type="sldImg"/>
+          </p:nvPr>
+        </p:nvSpPr>
+        <p:spPr/>
+      </p:sp>
+      <p:sp>
+        <p:nvSpPr>
+          <p:cNvPr id="3" name="Notes Placeholder 2"/>
+          <p:cNvSpPr>
+            <a:spLocks noGrp="1"/>
+          </p:cNvSpPr>
+          <p:nvPr>
+            <p:ph type="body" idx="1"/>
+          </p:nvPr>
+        </p:nvSpPr>
+        <p:spPr/>
+        <p:txBody>
+          <a:bodyPr/>
+          <a:lstStyle/>
+          <a:p>
+            <a:endParaRPr lang="en-US" dirty="0"/>
+          </a:p>
+        </p:txBody>
+      </p:sp>
+      <p:sp>
+        <p:nvSpPr>
+          <p:cNvPr id="4" name="Slide Number Placeholder 3"/>
+          <p:cNvSpPr>
+            <a:spLocks noGrp="1"/>
+          </p:cNvSpPr>
+          <p:nvPr>
+            <p:ph type="sldNum" sz="quarter" idx="10"/>
+          </p:nvPr>
+        </p:nvSpPr>
+        <p:spPr/>
+        <p:txBody>
+          <a:bodyPr/>
+          <a:lstStyle/>
+          <a:p>
+            <a:fld id="{1E43DE4C-4A49-D64C-946D-CE146930BB8F}" type="slidenum">
+              <a:rPr lang="en-US" altLang="x-none" smtClean="0"/>
+              <a:pPr/>
+              <a:t>12</a:t>
+            </a:fld>
+            <a:endParaRPr lang="en-US" altLang="x-none"/>
+          </a:p>
+        </p:txBody>
+      </p:sp>
+    </p:spTree>
+    <p:extLst>
+      <p:ext uri="{BB962C8B-B14F-4D97-AF65-F5344CB8AC3E}">
+        <p14:creationId xmlns:p14="http://schemas.microsoft.com/office/powerpoint/2010/main" val="609923456"/>
+      </p:ext>
+    </p:extLst>
+  </p:cSld>
+  <p:clrMapOvr>
+    <a:masterClrMapping/>
+  </p:clrMapOvr>
+</p:notes>
+</file>
+
+<file path=ppt/notesSlides/notesSlide2.xml><?xml version="1.0" encoding="utf-8"?>
+<p:notes xmlns:a="http://schemas.openxmlformats.org/drawingml/2006/main" xmlns:r="http://schemas.openxmlformats.org/officeDocument/2006/relationships" xmlns:p="http://schemas.openxmlformats.org/presentationml/2006/main">
+  <p:cSld>
+    <p:spTree>
+      <p:nvGrpSpPr>
+        <p:cNvPr id="1" name=""/>
+        <p:cNvGrpSpPr/>
+        <p:nvPr/>
+      </p:nvGrpSpPr>
+      <p:grpSpPr>
+        <a:xfrm>
+          <a:off x="0" y="0"/>
+          <a:ext cx="0" cy="0"/>
+          <a:chOff x="0" y="0"/>
+          <a:chExt cx="0" cy="0"/>
+        </a:xfrm>
+      </p:grpSpPr>
+      <p:sp>
+        <p:nvSpPr>
+          <p:cNvPr id="2" name="Slide Image Placeholder 1"/>
+          <p:cNvSpPr>
+            <a:spLocks noGrp="1" noRot="1" noChangeAspect="1"/>
+          </p:cNvSpPr>
+          <p:nvPr>
+            <p:ph type="sldImg"/>
+          </p:nvPr>
+        </p:nvSpPr>
+        <p:spPr/>
+      </p:sp>
+      <p:sp>
+        <p:nvSpPr>
+          <p:cNvPr id="3" name="Notes Placeholder 2"/>
+          <p:cNvSpPr>
+            <a:spLocks noGrp="1"/>
+          </p:cNvSpPr>
+          <p:nvPr>
+            <p:ph type="body" idx="1"/>
+          </p:nvPr>
+        </p:nvSpPr>
+        <p:spPr/>
+        <p:txBody>
+          <a:bodyPr/>
+          <a:lstStyle/>
+          <a:p>
+            <a:r>
+              <a:rPr lang="en-US" dirty="0" smtClean="0"/>
+              <a:t>3-5 minutes</a:t>
+            </a:r>
+            <a:endParaRPr lang="en-US" dirty="0"/>
+          </a:p>
+        </p:txBody>
+      </p:sp>
+      <p:sp>
+        <p:nvSpPr>
+          <p:cNvPr id="4" name="Slide Number Placeholder 3"/>
+          <p:cNvSpPr>
+            <a:spLocks noGrp="1"/>
+          </p:cNvSpPr>
+          <p:nvPr>
+            <p:ph type="sldNum" sz="quarter" idx="10"/>
+          </p:nvPr>
+        </p:nvSpPr>
+        <p:spPr/>
+        <p:txBody>
+          <a:bodyPr/>
+          <a:lstStyle/>
+          <a:p>
+            <a:fld id="{1E43DE4C-4A49-D64C-946D-CE146930BB8F}" type="slidenum">
+              <a:rPr lang="en-US" altLang="x-none" smtClean="0"/>
+              <a:pPr/>
+              <a:t>3</a:t>
+            </a:fld>
+            <a:endParaRPr lang="en-US" altLang="x-none"/>
+          </a:p>
+        </p:txBody>
+      </p:sp>
+    </p:spTree>
+    <p:extLst>
+      <p:ext uri="{BB962C8B-B14F-4D97-AF65-F5344CB8AC3E}">
+        <p14:creationId xmlns:p14="http://schemas.microsoft.com/office/powerpoint/2010/main" val="296378832"/>
+      </p:ext>
+    </p:extLst>
+  </p:cSld>
+  <p:clrMapOvr>
+    <a:masterClrMapping/>
+  </p:clrMapOvr>
+</p:notes>
+</file>
+
+<file path=ppt/notesSlides/notesSlide3.xml><?xml version="1.0" encoding="utf-8"?>
+<p:notes xmlns:a="http://schemas.openxmlformats.org/drawingml/2006/main" xmlns:r="http://schemas.openxmlformats.org/officeDocument/2006/relationships" xmlns:p="http://schemas.openxmlformats.org/presentationml/2006/main">
+  <p:cSld>
+    <p:spTree>
+      <p:nvGrpSpPr>
+        <p:cNvPr id="1" name=""/>
+        <p:cNvGrpSpPr/>
+        <p:nvPr/>
+      </p:nvGrpSpPr>
+      <p:grpSpPr>
+        <a:xfrm>
+          <a:off x="0" y="0"/>
+          <a:ext cx="0" cy="0"/>
+          <a:chOff x="0" y="0"/>
+          <a:chExt cx="0" cy="0"/>
+        </a:xfrm>
+      </p:grpSpPr>
+      <p:sp>
+        <p:nvSpPr>
+          <p:cNvPr id="2" name="Slide Image Placeholder 1"/>
+          <p:cNvSpPr>
+            <a:spLocks noGrp="1" noRot="1" noChangeAspect="1"/>
+          </p:cNvSpPr>
+          <p:nvPr>
+            <p:ph type="sldImg"/>
+          </p:nvPr>
+        </p:nvSpPr>
+        <p:spPr/>
+      </p:sp>
+      <p:sp>
+        <p:nvSpPr>
+          <p:cNvPr id="3" name="Notes Placeholder 2"/>
+          <p:cNvSpPr>
+            <a:spLocks noGrp="1"/>
+          </p:cNvSpPr>
+          <p:nvPr>
+            <p:ph type="body" idx="1"/>
+          </p:nvPr>
+        </p:nvSpPr>
+        <p:spPr/>
+        <p:txBody>
+          <a:bodyPr/>
+          <a:lstStyle/>
+          <a:p>
+            <a:r>
+              <a:rPr lang="en-US" dirty="0" smtClean="0"/>
+              <a:t>Please emphasize</a:t>
+            </a:r>
+            <a:r>
+              <a:rPr lang="en-US" baseline="0" dirty="0" smtClean="0"/>
+              <a:t> the difference between script and console to students, pause to ask students whether they understand your not. 10 minutes</a:t>
+            </a:r>
+            <a:endParaRPr lang="en-US" dirty="0"/>
+          </a:p>
+        </p:txBody>
+      </p:sp>
+      <p:sp>
+        <p:nvSpPr>
+          <p:cNvPr id="4" name="Slide Number Placeholder 3"/>
+          <p:cNvSpPr>
+            <a:spLocks noGrp="1"/>
+          </p:cNvSpPr>
+          <p:nvPr>
+            <p:ph type="sldNum" sz="quarter" idx="10"/>
+          </p:nvPr>
+        </p:nvSpPr>
+        <p:spPr/>
+        <p:txBody>
+          <a:bodyPr/>
+          <a:lstStyle/>
+          <a:p>
+            <a:fld id="{1E43DE4C-4A49-D64C-946D-CE146930BB8F}" type="slidenum">
+              <a:rPr lang="en-US" altLang="x-none" smtClean="0"/>
+              <a:pPr/>
+              <a:t>5</a:t>
+            </a:fld>
+            <a:endParaRPr lang="en-US" altLang="x-none"/>
+          </a:p>
+        </p:txBody>
+      </p:sp>
+    </p:spTree>
+    <p:extLst>
+      <p:ext uri="{BB962C8B-B14F-4D97-AF65-F5344CB8AC3E}">
+        <p14:creationId xmlns:p14="http://schemas.microsoft.com/office/powerpoint/2010/main" val="238596724"/>
+      </p:ext>
+    </p:extLst>
+  </p:cSld>
+  <p:clrMapOvr>
+    <a:masterClrMapping/>
+  </p:clrMapOvr>
+</p:notes>
+</file>
+
+<file path=ppt/notesSlides/notesSlide4.xml><?xml version="1.0" encoding="utf-8"?>
+<p:notes xmlns:a="http://schemas.openxmlformats.org/drawingml/2006/main" xmlns:r="http://schemas.openxmlformats.org/officeDocument/2006/relationships" xmlns:p="http://schemas.openxmlformats.org/presentationml/2006/main">
+  <p:cSld>
+    <p:spTree>
+      <p:nvGrpSpPr>
+        <p:cNvPr id="1" name=""/>
+        <p:cNvGrpSpPr/>
+        <p:nvPr/>
+      </p:nvGrpSpPr>
+      <p:grpSpPr>
+        <a:xfrm>
+          <a:off x="0" y="0"/>
+          <a:ext cx="0" cy="0"/>
+          <a:chOff x="0" y="0"/>
+          <a:chExt cx="0" cy="0"/>
+        </a:xfrm>
+      </p:grpSpPr>
+      <p:sp>
+        <p:nvSpPr>
+          <p:cNvPr id="2" name="Slide Image Placeholder 1"/>
+          <p:cNvSpPr>
+            <a:spLocks noGrp="1" noRot="1" noChangeAspect="1"/>
+          </p:cNvSpPr>
+          <p:nvPr>
+            <p:ph type="sldImg"/>
+          </p:nvPr>
+        </p:nvSpPr>
+        <p:spPr/>
+      </p:sp>
+      <p:sp>
+        <p:nvSpPr>
+          <p:cNvPr id="3" name="Notes Placeholder 2"/>
+          <p:cNvSpPr>
+            <a:spLocks noGrp="1"/>
+          </p:cNvSpPr>
+          <p:nvPr>
+            <p:ph type="body" idx="1"/>
+          </p:nvPr>
+        </p:nvSpPr>
+        <p:spPr/>
+        <p:txBody>
+          <a:bodyPr/>
+          <a:lstStyle/>
+          <a:p>
+            <a:r>
+              <a:rPr lang="en-US" dirty="0" smtClean="0"/>
+              <a:t>5 minutes</a:t>
+            </a:r>
+            <a:endParaRPr lang="en-US" dirty="0"/>
+          </a:p>
+        </p:txBody>
+      </p:sp>
+      <p:sp>
+        <p:nvSpPr>
+          <p:cNvPr id="4" name="Slide Number Placeholder 3"/>
+          <p:cNvSpPr>
+            <a:spLocks noGrp="1"/>
+          </p:cNvSpPr>
+          <p:nvPr>
+            <p:ph type="sldNum" sz="quarter" idx="10"/>
+          </p:nvPr>
+        </p:nvSpPr>
+        <p:spPr/>
+        <p:txBody>
+          <a:bodyPr/>
+          <a:lstStyle/>
+          <a:p>
+            <a:fld id="{1E43DE4C-4A49-D64C-946D-CE146930BB8F}" type="slidenum">
+              <a:rPr lang="en-US" altLang="x-none" smtClean="0"/>
+              <a:pPr/>
+              <a:t>6</a:t>
+            </a:fld>
+            <a:endParaRPr lang="en-US" altLang="x-none"/>
+          </a:p>
+        </p:txBody>
+      </p:sp>
+    </p:spTree>
+    <p:extLst>
+      <p:ext uri="{BB962C8B-B14F-4D97-AF65-F5344CB8AC3E}">
+        <p14:creationId xmlns:p14="http://schemas.microsoft.com/office/powerpoint/2010/main" val="850656526"/>
+      </p:ext>
+    </p:extLst>
+  </p:cSld>
+  <p:clrMapOvr>
+    <a:masterClrMapping/>
+  </p:clrMapOvr>
+</p:notes>
+</file>
+
+<file path=ppt/notesSlides/notesSlide5.xml><?xml version="1.0" encoding="utf-8"?>
+<p:notes xmlns:a="http://schemas.openxmlformats.org/drawingml/2006/main" xmlns:r="http://schemas.openxmlformats.org/officeDocument/2006/relationships" xmlns:p="http://schemas.openxmlformats.org/presentationml/2006/main">
+  <p:cSld>
+    <p:spTree>
+      <p:nvGrpSpPr>
+        <p:cNvPr id="1" name=""/>
+        <p:cNvGrpSpPr/>
+        <p:nvPr/>
+      </p:nvGrpSpPr>
+      <p:grpSpPr>
+        <a:xfrm>
+          <a:off x="0" y="0"/>
+          <a:ext cx="0" cy="0"/>
+          <a:chOff x="0" y="0"/>
+          <a:chExt cx="0" cy="0"/>
+        </a:xfrm>
+      </p:grpSpPr>
+      <p:sp>
+        <p:nvSpPr>
+          <p:cNvPr id="2" name="Slide Image Placeholder 1"/>
+          <p:cNvSpPr>
+            <a:spLocks noGrp="1" noRot="1" noChangeAspect="1"/>
+          </p:cNvSpPr>
+          <p:nvPr>
+            <p:ph type="sldImg"/>
+          </p:nvPr>
+        </p:nvSpPr>
+        <p:spPr/>
+      </p:sp>
+      <p:sp>
+        <p:nvSpPr>
+          <p:cNvPr id="3" name="Notes Placeholder 2"/>
+          <p:cNvSpPr>
+            <a:spLocks noGrp="1"/>
+          </p:cNvSpPr>
+          <p:nvPr>
+            <p:ph type="body" idx="1"/>
+          </p:nvPr>
+        </p:nvSpPr>
+        <p:spPr/>
+        <p:txBody>
+          <a:bodyPr/>
+          <a:lstStyle/>
+          <a:p>
+            <a:r>
+              <a:rPr lang="en-US" dirty="0" smtClean="0"/>
+              <a:t>5 minutes</a:t>
+            </a:r>
+            <a:endParaRPr lang="en-US" dirty="0"/>
+          </a:p>
+        </p:txBody>
+      </p:sp>
+      <p:sp>
+        <p:nvSpPr>
+          <p:cNvPr id="4" name="Slide Number Placeholder 3"/>
+          <p:cNvSpPr>
+            <a:spLocks noGrp="1"/>
+          </p:cNvSpPr>
+          <p:nvPr>
+            <p:ph type="sldNum" sz="quarter" idx="10"/>
+          </p:nvPr>
+        </p:nvSpPr>
+        <p:spPr/>
+        <p:txBody>
+          <a:bodyPr/>
+          <a:lstStyle/>
+          <a:p>
+            <a:fld id="{1E43DE4C-4A49-D64C-946D-CE146930BB8F}" type="slidenum">
+              <a:rPr lang="en-US" altLang="x-none" smtClean="0"/>
+              <a:pPr/>
+              <a:t>7</a:t>
+            </a:fld>
+            <a:endParaRPr lang="en-US" altLang="x-none"/>
+          </a:p>
+        </p:txBody>
+      </p:sp>
+    </p:spTree>
+    <p:extLst>
+      <p:ext uri="{BB962C8B-B14F-4D97-AF65-F5344CB8AC3E}">
+        <p14:creationId xmlns:p14="http://schemas.microsoft.com/office/powerpoint/2010/main" val="1185594403"/>
+      </p:ext>
+    </p:extLst>
+  </p:cSld>
+  <p:clrMapOvr>
+    <a:masterClrMapping/>
+  </p:clrMapOvr>
+</p:notes>
+</file>
+
+<file path=ppt/notesSlides/notesSlide6.xml><?xml version="1.0" encoding="utf-8"?>
+<p:notes xmlns:a="http://schemas.openxmlformats.org/drawingml/2006/main" xmlns:r="http://schemas.openxmlformats.org/officeDocument/2006/relationships" xmlns:p="http://schemas.openxmlformats.org/presentationml/2006/main">
+  <p:cSld>
+    <p:spTree>
+      <p:nvGrpSpPr>
+        <p:cNvPr id="1" name=""/>
+        <p:cNvGrpSpPr/>
+        <p:nvPr/>
+      </p:nvGrpSpPr>
+      <p:grpSpPr>
+        <a:xfrm>
+          <a:off x="0" y="0"/>
+          <a:ext cx="0" cy="0"/>
+          <a:chOff x="0" y="0"/>
+          <a:chExt cx="0" cy="0"/>
+        </a:xfrm>
+      </p:grpSpPr>
+      <p:sp>
+        <p:nvSpPr>
+          <p:cNvPr id="2" name="Slide Image Placeholder 1"/>
+          <p:cNvSpPr>
+            <a:spLocks noGrp="1" noRot="1" noChangeAspect="1"/>
+          </p:cNvSpPr>
+          <p:nvPr>
+            <p:ph type="sldImg"/>
+          </p:nvPr>
+        </p:nvSpPr>
+        <p:spPr/>
+      </p:sp>
+      <p:sp>
+        <p:nvSpPr>
+          <p:cNvPr id="3" name="Notes Placeholder 2"/>
+          <p:cNvSpPr>
+            <a:spLocks noGrp="1"/>
+          </p:cNvSpPr>
+          <p:nvPr>
+            <p:ph type="body" idx="1"/>
+          </p:nvPr>
+        </p:nvSpPr>
+        <p:spPr/>
+        <p:txBody>
+          <a:bodyPr/>
+          <a:lstStyle/>
+          <a:p>
+            <a:r>
+              <a:rPr lang="en-US" dirty="0" smtClean="0"/>
+              <a:t>5 minutes</a:t>
+            </a:r>
+            <a:endParaRPr lang="en-US" dirty="0"/>
+          </a:p>
+        </p:txBody>
+      </p:sp>
+      <p:sp>
+        <p:nvSpPr>
+          <p:cNvPr id="4" name="Slide Number Placeholder 3"/>
+          <p:cNvSpPr>
+            <a:spLocks noGrp="1"/>
+          </p:cNvSpPr>
+          <p:nvPr>
+            <p:ph type="sldNum" sz="quarter" idx="10"/>
+          </p:nvPr>
+        </p:nvSpPr>
+        <p:spPr/>
+        <p:txBody>
+          <a:bodyPr/>
+          <a:lstStyle/>
+          <a:p>
+            <a:fld id="{1E43DE4C-4A49-D64C-946D-CE146930BB8F}" type="slidenum">
+              <a:rPr lang="en-US" altLang="x-none" smtClean="0"/>
+              <a:pPr/>
+              <a:t>8</a:t>
+            </a:fld>
+            <a:endParaRPr lang="en-US" altLang="x-none"/>
+          </a:p>
+        </p:txBody>
+      </p:sp>
+    </p:spTree>
+    <p:extLst>
+      <p:ext uri="{BB962C8B-B14F-4D97-AF65-F5344CB8AC3E}">
+        <p14:creationId xmlns:p14="http://schemas.microsoft.com/office/powerpoint/2010/main" val="1931854355"/>
+      </p:ext>
+    </p:extLst>
+  </p:cSld>
+  <p:clrMapOvr>
+    <a:masterClrMapping/>
+  </p:clrMapOvr>
+</p:notes>
+</file>
+
+<file path=ppt/notesSlides/notesSlide7.xml><?xml version="1.0" encoding="utf-8"?>
+<p:notes xmlns:a="http://schemas.openxmlformats.org/drawingml/2006/main" xmlns:r="http://schemas.openxmlformats.org/officeDocument/2006/relationships" xmlns:p="http://schemas.openxmlformats.org/presentationml/2006/main">
+  <p:cSld>
+    <p:spTree>
+      <p:nvGrpSpPr>
+        <p:cNvPr id="1" name=""/>
+        <p:cNvGrpSpPr/>
+        <p:nvPr/>
+      </p:nvGrpSpPr>
+      <p:grpSpPr>
+        <a:xfrm>
+          <a:off x="0" y="0"/>
+          <a:ext cx="0" cy="0"/>
+          <a:chOff x="0" y="0"/>
+          <a:chExt cx="0" cy="0"/>
+        </a:xfrm>
+      </p:grpSpPr>
+      <p:sp>
+        <p:nvSpPr>
+          <p:cNvPr id="2" name="Slide Image Placeholder 1"/>
+          <p:cNvSpPr>
+            <a:spLocks noGrp="1" noRot="1" noChangeAspect="1"/>
+          </p:cNvSpPr>
+          <p:nvPr>
+            <p:ph type="sldImg"/>
+          </p:nvPr>
+        </p:nvSpPr>
+        <p:spPr/>
+      </p:sp>
+      <p:sp>
+        <p:nvSpPr>
+          <p:cNvPr id="3" name="Notes Placeholder 2"/>
+          <p:cNvSpPr>
+            <a:spLocks noGrp="1"/>
+          </p:cNvSpPr>
+          <p:nvPr>
+            <p:ph type="body" idx="1"/>
+          </p:nvPr>
+        </p:nvSpPr>
+        <p:spPr/>
+        <p:txBody>
+          <a:bodyPr/>
+          <a:lstStyle/>
+          <a:p>
+            <a:r>
+              <a:rPr lang="en-US" baseline="0" dirty="0" smtClean="0"/>
+              <a:t>5 minutes. Please tell students the difference between object and vector!</a:t>
+            </a:r>
+            <a:endParaRPr lang="en-US" dirty="0"/>
+          </a:p>
+        </p:txBody>
+      </p:sp>
+      <p:sp>
+        <p:nvSpPr>
+          <p:cNvPr id="4" name="Slide Number Placeholder 3"/>
+          <p:cNvSpPr>
+            <a:spLocks noGrp="1"/>
+          </p:cNvSpPr>
+          <p:nvPr>
+            <p:ph type="sldNum" sz="quarter" idx="10"/>
+          </p:nvPr>
+        </p:nvSpPr>
+        <p:spPr/>
+        <p:txBody>
+          <a:bodyPr/>
+          <a:lstStyle/>
+          <a:p>
+            <a:fld id="{1E43DE4C-4A49-D64C-946D-CE146930BB8F}" type="slidenum">
+              <a:rPr lang="en-US" altLang="x-none" smtClean="0"/>
+              <a:pPr/>
+              <a:t>9</a:t>
+            </a:fld>
+            <a:endParaRPr lang="en-US" altLang="x-none"/>
+          </a:p>
+        </p:txBody>
+      </p:sp>
+    </p:spTree>
+    <p:extLst>
+      <p:ext uri="{BB962C8B-B14F-4D97-AF65-F5344CB8AC3E}">
+        <p14:creationId xmlns:p14="http://schemas.microsoft.com/office/powerpoint/2010/main" val="870885492"/>
+      </p:ext>
+    </p:extLst>
+  </p:cSld>
+  <p:clrMapOvr>
+    <a:masterClrMapping/>
+  </p:clrMapOvr>
+</p:notes>
+</file>
+
+<file path=ppt/notesSlides/notesSlide8.xml><?xml version="1.0" encoding="utf-8"?>
+<p:notes xmlns:a="http://schemas.openxmlformats.org/drawingml/2006/main" xmlns:r="http://schemas.openxmlformats.org/officeDocument/2006/relationships" xmlns:p="http://schemas.openxmlformats.org/presentationml/2006/main">
+  <p:cSld>
+    <p:spTree>
+      <p:nvGrpSpPr>
+        <p:cNvPr id="1" name=""/>
+        <p:cNvGrpSpPr/>
+        <p:nvPr/>
+      </p:nvGrpSpPr>
+      <p:grpSpPr>
+        <a:xfrm>
+          <a:off x="0" y="0"/>
+          <a:ext cx="0" cy="0"/>
+          <a:chOff x="0" y="0"/>
+          <a:chExt cx="0" cy="0"/>
+        </a:xfrm>
+      </p:grpSpPr>
+      <p:sp>
+        <p:nvSpPr>
+          <p:cNvPr id="2" name="Slide Image Placeholder 1"/>
+          <p:cNvSpPr>
+            <a:spLocks noGrp="1" noRot="1" noChangeAspect="1"/>
+          </p:cNvSpPr>
+          <p:nvPr>
+            <p:ph type="sldImg"/>
+          </p:nvPr>
+        </p:nvSpPr>
+        <p:spPr/>
+      </p:sp>
+      <p:sp>
+        <p:nvSpPr>
+          <p:cNvPr id="3" name="Notes Placeholder 2"/>
+          <p:cNvSpPr>
+            <a:spLocks noGrp="1"/>
+          </p:cNvSpPr>
+          <p:nvPr>
+            <p:ph type="body" idx="1"/>
+          </p:nvPr>
+        </p:nvSpPr>
+        <p:spPr/>
+        <p:txBody>
+          <a:bodyPr/>
+          <a:lstStyle/>
+          <a:p>
+            <a:r>
+              <a:rPr lang="en-US" dirty="0" smtClean="0"/>
+              <a:t>7 minutes (3 minutes for students and 4 minutes</a:t>
+            </a:r>
+            <a:r>
+              <a:rPr lang="en-US" baseline="0" dirty="0" smtClean="0"/>
+              <a:t> explanation)</a:t>
+            </a:r>
+            <a:endParaRPr lang="en-US" dirty="0"/>
+          </a:p>
+        </p:txBody>
+      </p:sp>
+      <p:sp>
+        <p:nvSpPr>
+          <p:cNvPr id="4" name="Slide Number Placeholder 3"/>
+          <p:cNvSpPr>
+            <a:spLocks noGrp="1"/>
+          </p:cNvSpPr>
+          <p:nvPr>
+            <p:ph type="sldNum" sz="quarter" idx="10"/>
+          </p:nvPr>
+        </p:nvSpPr>
+        <p:spPr/>
+        <p:txBody>
+          <a:bodyPr/>
+          <a:lstStyle/>
+          <a:p>
+            <a:fld id="{1E43DE4C-4A49-D64C-946D-CE146930BB8F}" type="slidenum">
+              <a:rPr lang="en-US" altLang="x-none" smtClean="0"/>
+              <a:pPr/>
+              <a:t>10</a:t>
+            </a:fld>
+            <a:endParaRPr lang="en-US" altLang="x-none"/>
+          </a:p>
+        </p:txBody>
+      </p:sp>
+    </p:spTree>
+    <p:extLst>
+      <p:ext uri="{BB962C8B-B14F-4D97-AF65-F5344CB8AC3E}">
+        <p14:creationId xmlns:p14="http://schemas.microsoft.com/office/powerpoint/2010/main" val="940121915"/>
+      </p:ext>
+    </p:extLst>
+  </p:cSld>
+  <p:clrMapOvr>
+    <a:masterClrMapping/>
+  </p:clrMapOvr>
+</p:notes>
+</file>
+
+<file path=ppt/notesSlides/notesSlide9.xml><?xml version="1.0" encoding="utf-8"?>
+<p:notes xmlns:a="http://schemas.openxmlformats.org/drawingml/2006/main" xmlns:r="http://schemas.openxmlformats.org/officeDocument/2006/relationships" xmlns:p="http://schemas.openxmlformats.org/presentationml/2006/main">
+  <p:cSld>
+    <p:spTree>
+      <p:nvGrpSpPr>
+        <p:cNvPr id="1" name=""/>
+        <p:cNvGrpSpPr/>
+        <p:nvPr/>
+      </p:nvGrpSpPr>
+      <p:grpSpPr>
+        <a:xfrm>
+          <a:off x="0" y="0"/>
+          <a:ext cx="0" cy="0"/>
+          <a:chOff x="0" y="0"/>
+          <a:chExt cx="0" cy="0"/>
+        </a:xfrm>
+      </p:grpSpPr>
+      <p:sp>
+        <p:nvSpPr>
+          <p:cNvPr id="2" name="Slide Image Placeholder 1"/>
+          <p:cNvSpPr>
+            <a:spLocks noGrp="1" noRot="1" noChangeAspect="1"/>
+          </p:cNvSpPr>
+          <p:nvPr>
+            <p:ph type="sldImg"/>
+          </p:nvPr>
+        </p:nvSpPr>
+        <p:spPr/>
+      </p:sp>
+      <p:sp>
+        <p:nvSpPr>
+          <p:cNvPr id="3" name="Notes Placeholder 2"/>
+          <p:cNvSpPr>
+            <a:spLocks noGrp="1"/>
+          </p:cNvSpPr>
+          <p:nvPr>
+            <p:ph type="body" idx="1"/>
+          </p:nvPr>
+        </p:nvSpPr>
+        <p:spPr/>
+        <p:txBody>
+          <a:bodyPr/>
+          <a:lstStyle/>
+          <a:p>
+            <a:r>
+              <a:rPr lang="en-US" dirty="0" smtClean="0"/>
+              <a:t>6 minutes</a:t>
+            </a:r>
+            <a:endParaRPr lang="en-US" dirty="0"/>
+          </a:p>
+        </p:txBody>
+      </p:sp>
+      <p:sp>
+        <p:nvSpPr>
+          <p:cNvPr id="4" name="Slide Number Placeholder 3"/>
+          <p:cNvSpPr>
+            <a:spLocks noGrp="1"/>
+          </p:cNvSpPr>
+          <p:nvPr>
+            <p:ph type="sldNum" sz="quarter" idx="10"/>
+          </p:nvPr>
+        </p:nvSpPr>
+        <p:spPr/>
+        <p:txBody>
+          <a:bodyPr/>
+          <a:lstStyle/>
+          <a:p>
+            <a:fld id="{1E43DE4C-4A49-D64C-946D-CE146930BB8F}" type="slidenum">
+              <a:rPr lang="en-US" altLang="x-none" smtClean="0"/>
+              <a:pPr/>
+              <a:t>11</a:t>
+            </a:fld>
+            <a:endParaRPr lang="en-US" altLang="x-none"/>
+          </a:p>
+        </p:txBody>
+      </p:sp>
+    </p:spTree>
+    <p:extLst>
+      <p:ext uri="{BB962C8B-B14F-4D97-AF65-F5344CB8AC3E}">
+        <p14:creationId xmlns:p14="http://schemas.microsoft.com/office/powerpoint/2010/main" val="1591834426"/>
+      </p:ext>
+    </p:extLst>
+  </p:cSld>
+  <p:clrMapOvr>
+    <a:masterClrMapping/>
+  </p:clrMapOvr>
+</p:notes>
+</file>
+
 <file path=ppt/slideLayouts/slideLayout1.xml><?xml version="1.0" encoding="utf-8"?>
 <p:sldLayout xmlns:a="http://schemas.openxmlformats.org/drawingml/2006/main" xmlns:r="http://schemas.openxmlformats.org/officeDocument/2006/relationships" xmlns:p="http://schemas.openxmlformats.org/presentationml/2006/main" showMasterSp="0" preserve="1" userDrawn="1">
   <p:cSld name="Title Slide">
@@ -1003,14 +1903,14 @@
           </a:ln>
           <a:extLst>
             <a:ext uri="{909E8E84-426E-40dd-AFC4-6F175D3DCCD1}">
-              <a14:hiddenFill xmlns:a14="http://schemas.microsoft.com/office/drawing/2010/main" xmlns="">
+              <a14:hiddenFill xmlns="" xmlns:a14="http://schemas.microsoft.com/office/drawing/2010/main">
                 <a:solidFill>
                   <a:srgbClr val="FFFFFF"/>
                 </a:solidFill>
               </a14:hiddenFill>
             </a:ext>
             <a:ext uri="{91240B29-F687-4f45-9708-019B960494DF}">
-              <a14:hiddenLine xmlns:a14="http://schemas.microsoft.com/office/drawing/2010/main" xmlns="" w="9525">
+              <a14:hiddenLine xmlns="" xmlns:a14="http://schemas.microsoft.com/office/drawing/2010/main" w="9525">
                 <a:solidFill>
                   <a:srgbClr val="000000"/>
                 </a:solidFill>
@@ -1469,14 +2369,14 @@
           </a:ln>
           <a:extLst>
             <a:ext uri="{909E8E84-426E-40dd-AFC4-6F175D3DCCD1}">
-              <a14:hiddenFill xmlns:a14="http://schemas.microsoft.com/office/drawing/2010/main" xmlns="">
+              <a14:hiddenFill xmlns="" xmlns:a14="http://schemas.microsoft.com/office/drawing/2010/main">
                 <a:solidFill>
                   <a:srgbClr val="FFFFFF"/>
                 </a:solidFill>
               </a14:hiddenFill>
             </a:ext>
             <a:ext uri="{91240B29-F687-4f45-9708-019B960494DF}">
-              <a14:hiddenLine xmlns:a14="http://schemas.microsoft.com/office/drawing/2010/main" xmlns="" w="9525">
+              <a14:hiddenLine xmlns="" xmlns:a14="http://schemas.microsoft.com/office/drawing/2010/main" w="9525">
                 <a:solidFill>
                   <a:srgbClr val="000000"/>
                 </a:solidFill>
@@ -3122,14 +4022,14 @@
           </a:ln>
           <a:extLst>
             <a:ext uri="{909E8E84-426E-40dd-AFC4-6F175D3DCCD1}">
-              <a14:hiddenFill xmlns:a14="http://schemas.microsoft.com/office/drawing/2010/main" xmlns="">
+              <a14:hiddenFill xmlns="" xmlns:a14="http://schemas.microsoft.com/office/drawing/2010/main">
                 <a:solidFill>
                   <a:srgbClr val="FFFFFF"/>
                 </a:solidFill>
               </a14:hiddenFill>
             </a:ext>
             <a:ext uri="{91240B29-F687-4f45-9708-019B960494DF}">
-              <a14:hiddenLine xmlns:a14="http://schemas.microsoft.com/office/drawing/2010/main" xmlns="" w="9525">
+              <a14:hiddenLine xmlns="" xmlns:a14="http://schemas.microsoft.com/office/drawing/2010/main" w="9525">
                 <a:solidFill>
                   <a:srgbClr val="000000"/>
                 </a:solidFill>
@@ -4691,14 +5591,14 @@
           </a:ln>
           <a:extLst>
             <a:ext uri="{909E8E84-426E-40dd-AFC4-6F175D3DCCD1}">
-              <a14:hiddenFill xmlns:a14="http://schemas.microsoft.com/office/drawing/2010/main" xmlns="">
+              <a14:hiddenFill xmlns="" xmlns:a14="http://schemas.microsoft.com/office/drawing/2010/main">
                 <a:solidFill>
                   <a:srgbClr val="FFFFFF"/>
                 </a:solidFill>
               </a14:hiddenFill>
             </a:ext>
             <a:ext uri="{91240B29-F687-4f45-9708-019B960494DF}">
-              <a14:hiddenLine xmlns:a14="http://schemas.microsoft.com/office/drawing/2010/main" xmlns="" w="9525">
+              <a14:hiddenLine xmlns="" xmlns:a14="http://schemas.microsoft.com/office/drawing/2010/main" w="9525">
                 <a:solidFill>
                   <a:srgbClr val="000000"/>
                 </a:solidFill>
@@ -4900,14 +5800,14 @@
           </a:ln>
           <a:extLst>
             <a:ext uri="{909E8E84-426E-40dd-AFC4-6F175D3DCCD1}">
-              <a14:hiddenFill xmlns:a14="http://schemas.microsoft.com/office/drawing/2010/main" xmlns="">
+              <a14:hiddenFill xmlns="" xmlns:a14="http://schemas.microsoft.com/office/drawing/2010/main">
                 <a:solidFill>
                   <a:srgbClr val="FFFFFF"/>
                 </a:solidFill>
               </a14:hiddenFill>
             </a:ext>
             <a:ext uri="{91240B29-F687-4f45-9708-019B960494DF}">
-              <a14:hiddenLine xmlns:a14="http://schemas.microsoft.com/office/drawing/2010/main" xmlns="" w="9525">
+              <a14:hiddenLine xmlns="" xmlns:a14="http://schemas.microsoft.com/office/drawing/2010/main" w="9525">
                 <a:solidFill>
                   <a:srgbClr val="000000"/>
                 </a:solidFill>
@@ -5208,14 +6108,14 @@
               <ma14:placeholderFlag xmlns:ma14="http://schemas.microsoft.com/office/mac/drawingml/2011/main" val="1"/>
             </a:ext>
             <a:ext uri="{909E8E84-426E-40dd-AFC4-6F175D3DCCD1}">
-              <a14:hiddenFill xmlns:a14="http://schemas.microsoft.com/office/drawing/2010/main" xmlns="">
+              <a14:hiddenFill xmlns="" xmlns:a14="http://schemas.microsoft.com/office/drawing/2010/main">
                 <a:solidFill>
                   <a:srgbClr val="FFFFFF"/>
                 </a:solidFill>
               </a14:hiddenFill>
             </a:ext>
             <a:ext uri="{91240B29-F687-4f45-9708-019B960494DF}">
-              <a14:hiddenLine xmlns:a14="http://schemas.microsoft.com/office/drawing/2010/main" xmlns="" w="9525">
+              <a14:hiddenLine xmlns="" xmlns:a14="http://schemas.microsoft.com/office/drawing/2010/main" w="9525">
                 <a:solidFill>
                   <a:srgbClr val="000000"/>
                 </a:solidFill>
@@ -5442,14 +6342,14 @@
           </a:ln>
           <a:extLst>
             <a:ext uri="{909E8E84-426E-40dd-AFC4-6F175D3DCCD1}">
-              <a14:hiddenFill xmlns:a14="http://schemas.microsoft.com/office/drawing/2010/main" xmlns="">
+              <a14:hiddenFill xmlns="" xmlns:a14="http://schemas.microsoft.com/office/drawing/2010/main">
                 <a:solidFill>
                   <a:srgbClr val="FFFFFF"/>
                 </a:solidFill>
               </a14:hiddenFill>
             </a:ext>
             <a:ext uri="{91240B29-F687-4f45-9708-019B960494DF}">
-              <a14:hiddenLine xmlns:a14="http://schemas.microsoft.com/office/drawing/2010/main" xmlns="" w="9525">
+              <a14:hiddenLine xmlns="" xmlns:a14="http://schemas.microsoft.com/office/drawing/2010/main" w="9525">
                 <a:solidFill>
                   <a:srgbClr val="000000"/>
                 </a:solidFill>
@@ -5974,14 +6874,14 @@
               <ma14:placeholderFlag xmlns:ma14="http://schemas.microsoft.com/office/mac/drawingml/2011/main" val="1"/>
             </a:ext>
             <a:ext uri="{909E8E84-426E-40dd-AFC4-6F175D3DCCD1}">
-              <a14:hiddenFill xmlns:a14="http://schemas.microsoft.com/office/drawing/2010/main" xmlns="">
+              <a14:hiddenFill xmlns="" xmlns:a14="http://schemas.microsoft.com/office/drawing/2010/main">
                 <a:solidFill>
                   <a:srgbClr val="FFFFFF"/>
                 </a:solidFill>
               </a14:hiddenFill>
             </a:ext>
             <a:ext uri="{91240B29-F687-4f45-9708-019B960494DF}">
-              <a14:hiddenLine xmlns:a14="http://schemas.microsoft.com/office/drawing/2010/main" xmlns="" w="9525">
+              <a14:hiddenLine xmlns="" xmlns:a14="http://schemas.microsoft.com/office/drawing/2010/main" w="9525">
                 <a:solidFill>
                   <a:srgbClr val="000000"/>
                 </a:solidFill>
@@ -6210,14 +7110,14 @@
           </a:ln>
           <a:extLst>
             <a:ext uri="{909E8E84-426E-40dd-AFC4-6F175D3DCCD1}">
-              <a14:hiddenFill xmlns:a14="http://schemas.microsoft.com/office/drawing/2010/main" xmlns="">
+              <a14:hiddenFill xmlns="" xmlns:a14="http://schemas.microsoft.com/office/drawing/2010/main">
                 <a:solidFill>
                   <a:srgbClr val="FFFFFF"/>
                 </a:solidFill>
               </a14:hiddenFill>
             </a:ext>
             <a:ext uri="{91240B29-F687-4f45-9708-019B960494DF}">
-              <a14:hiddenLine xmlns:a14="http://schemas.microsoft.com/office/drawing/2010/main" xmlns="" w="9525">
+              <a14:hiddenLine xmlns="" xmlns:a14="http://schemas.microsoft.com/office/drawing/2010/main" w="9525">
                 <a:solidFill>
                   <a:srgbClr val="000000"/>
                 </a:solidFill>
@@ -6866,6 +7766,1937 @@
 </p:sld>
 </file>
 
+<file path=ppt/slides/slide10.xml><?xml version="1.0" encoding="utf-8"?>
+<p:sld xmlns:a="http://schemas.openxmlformats.org/drawingml/2006/main" xmlns:r="http://schemas.openxmlformats.org/officeDocument/2006/relationships" xmlns:p="http://schemas.openxmlformats.org/presentationml/2006/main">
+  <p:cSld>
+    <p:spTree>
+      <p:nvGrpSpPr>
+        <p:cNvPr id="1" name=""/>
+        <p:cNvGrpSpPr/>
+        <p:nvPr/>
+      </p:nvGrpSpPr>
+      <p:grpSpPr>
+        <a:xfrm>
+          <a:off x="0" y="0"/>
+          <a:ext cx="0" cy="0"/>
+          <a:chOff x="0" y="0"/>
+          <a:chExt cx="0" cy="0"/>
+        </a:xfrm>
+      </p:grpSpPr>
+      <p:sp>
+        <p:nvSpPr>
+          <p:cNvPr id="15361" name="Title 3"/>
+          <p:cNvSpPr>
+            <a:spLocks noGrp="1"/>
+          </p:cNvSpPr>
+          <p:nvPr>
+            <p:ph type="title"/>
+          </p:nvPr>
+        </p:nvSpPr>
+        <p:spPr>
+          <a:xfrm>
+            <a:off x="949325" y="358775"/>
+            <a:ext cx="7707313" cy="488950"/>
+          </a:xfrm>
+        </p:spPr>
+        <p:txBody>
+          <a:bodyPr/>
+          <a:lstStyle/>
+          <a:p>
+            <a:pPr eaLnBrk="1" hangingPunct="1"/>
+            <a:r>
+              <a:rPr lang="en-US" altLang="x-none" dirty="0" smtClean="0">
+                <a:solidFill>
+                  <a:srgbClr val="002060"/>
+                </a:solidFill>
+                <a:latin typeface="Arial" charset="0"/>
+                <a:ea typeface="ＭＳ Ｐゴシック" charset="-128"/>
+              </a:rPr>
+              <a:t>Exercise: Vector</a:t>
+            </a:r>
+            <a:endParaRPr lang="en-US" altLang="x-none" dirty="0">
+              <a:solidFill>
+                <a:srgbClr val="002060"/>
+              </a:solidFill>
+              <a:latin typeface="Arial" charset="0"/>
+              <a:ea typeface="ＭＳ Ｐゴシック" charset="-128"/>
+            </a:endParaRPr>
+          </a:p>
+        </p:txBody>
+      </p:sp>
+      <p:sp>
+        <p:nvSpPr>
+          <p:cNvPr id="2" name="Content Placeholder 1"/>
+          <p:cNvSpPr>
+            <a:spLocks noGrp="1"/>
+          </p:cNvSpPr>
+          <p:nvPr>
+            <p:ph sz="quarter" idx="10"/>
+          </p:nvPr>
+        </p:nvSpPr>
+        <p:spPr>
+          <a:xfrm>
+            <a:off x="955675" y="908050"/>
+            <a:ext cx="7941190" cy="3938588"/>
+          </a:xfrm>
+        </p:spPr>
+        <p:txBody>
+          <a:bodyPr>
+            <a:normAutofit/>
+          </a:bodyPr>
+          <a:lstStyle/>
+          <a:p>
+            <a:pPr marL="0" indent="0" fontAlgn="auto">
+              <a:spcAft>
+                <a:spcPts val="0"/>
+              </a:spcAft>
+              <a:defRPr/>
+            </a:pPr>
+            <a:endParaRPr lang="en-US" dirty="0">
+              <a:solidFill>
+                <a:schemeClr val="tx1">
+                  <a:lumMod val="65000"/>
+                  <a:lumOff val="35000"/>
+                </a:schemeClr>
+              </a:solidFill>
+            </a:endParaRPr>
+          </a:p>
+          <a:p>
+            <a:pPr lvl="1" eaLnBrk="1" fontAlgn="auto" hangingPunct="1">
+              <a:spcAft>
+                <a:spcPts val="0"/>
+              </a:spcAft>
+              <a:buFont typeface="Wingdings" pitchFamily="2" charset="2"/>
+              <a:buChar char="§"/>
+              <a:defRPr/>
+            </a:pPr>
+            <a:endParaRPr lang="en-US" dirty="0" smtClean="0">
+              <a:solidFill>
+                <a:schemeClr val="tx1">
+                  <a:lumMod val="65000"/>
+                  <a:lumOff val="35000"/>
+                </a:schemeClr>
+              </a:solidFill>
+              <a:ea typeface="+mn-ea"/>
+            </a:endParaRPr>
+          </a:p>
+          <a:p>
+            <a:pPr lvl="2" eaLnBrk="1" fontAlgn="auto" hangingPunct="1">
+              <a:spcAft>
+                <a:spcPts val="0"/>
+              </a:spcAft>
+              <a:buFont typeface="Source Sans Pro" pitchFamily="34" charset="0"/>
+              <a:buChar char="›"/>
+              <a:defRPr/>
+            </a:pPr>
+            <a:endParaRPr lang="en-US" dirty="0" smtClean="0">
+              <a:solidFill>
+                <a:schemeClr val="tx1">
+                  <a:lumMod val="65000"/>
+                  <a:lumOff val="35000"/>
+                </a:schemeClr>
+              </a:solidFill>
+              <a:ea typeface="+mn-ea"/>
+            </a:endParaRPr>
+          </a:p>
+        </p:txBody>
+      </p:sp>
+      <p:sp>
+        <p:nvSpPr>
+          <p:cNvPr id="4" name="Content Placeholder 1"/>
+          <p:cNvSpPr txBox="1">
+            <a:spLocks/>
+          </p:cNvSpPr>
+          <p:nvPr/>
+        </p:nvSpPr>
+        <p:spPr>
+          <a:xfrm>
+            <a:off x="1108075" y="1060450"/>
+            <a:ext cx="7941190" cy="3938588"/>
+          </a:xfrm>
+          <a:prstGeom prst="rect">
+            <a:avLst/>
+          </a:prstGeom>
+        </p:spPr>
+        <p:txBody>
+          <a:bodyPr vert="horz" lIns="0" tIns="45720" rIns="0" bIns="45720" rtlCol="0">
+            <a:normAutofit/>
+          </a:bodyPr>
+          <a:lstStyle>
+            <a:lvl1pPr marL="342900" indent="-342900" algn="l" defTabSz="457200" rtl="0" eaLnBrk="1" fontAlgn="base" hangingPunct="1">
+              <a:spcBef>
+                <a:spcPct val="20000"/>
+              </a:spcBef>
+              <a:spcAft>
+                <a:spcPct val="0"/>
+              </a:spcAft>
+              <a:buClr>
+                <a:schemeClr val="bg2"/>
+              </a:buClr>
+              <a:buFont typeface="Wingdings" charset="2"/>
+              <a:defRPr kern="1200" spc="20">
+                <a:solidFill>
+                  <a:schemeClr val="tx1"/>
+                </a:solidFill>
+                <a:latin typeface="Arial"/>
+                <a:ea typeface="ＭＳ Ｐゴシック" charset="0"/>
+                <a:cs typeface="ＭＳ Ｐゴシック" charset="0"/>
+              </a:defRPr>
+            </a:lvl1pPr>
+            <a:lvl2pPr marL="288925" indent="-288925" algn="l" defTabSz="457200" rtl="0" eaLnBrk="1" fontAlgn="base" hangingPunct="1">
+              <a:spcBef>
+                <a:spcPct val="20000"/>
+              </a:spcBef>
+              <a:spcAft>
+                <a:spcPct val="0"/>
+              </a:spcAft>
+              <a:buClr>
+                <a:schemeClr val="bg2"/>
+              </a:buClr>
+              <a:buFont typeface="Wingdings" charset="2"/>
+              <a:buChar char="§"/>
+              <a:defRPr kern="1200">
+                <a:solidFill>
+                  <a:srgbClr val="595959"/>
+                </a:solidFill>
+                <a:latin typeface="Arial"/>
+                <a:ea typeface="ＭＳ Ｐゴシック" charset="0"/>
+                <a:cs typeface="+mn-cs"/>
+              </a:defRPr>
+            </a:lvl2pPr>
+            <a:lvl3pPr marL="569913" indent="-225425" algn="l" defTabSz="457200" rtl="0" eaLnBrk="1" fontAlgn="base" hangingPunct="1">
+              <a:spcBef>
+                <a:spcPct val="20000"/>
+              </a:spcBef>
+              <a:spcAft>
+                <a:spcPct val="0"/>
+              </a:spcAft>
+              <a:buClr>
+                <a:schemeClr val="bg2"/>
+              </a:buClr>
+              <a:buSzPct val="102000"/>
+              <a:buFont typeface="Source Sans Pro" charset="0"/>
+              <a:buChar char="›"/>
+              <a:defRPr kern="1200">
+                <a:solidFill>
+                  <a:srgbClr val="595959"/>
+                </a:solidFill>
+                <a:latin typeface="Arial"/>
+                <a:ea typeface="ＭＳ Ｐゴシック" charset="0"/>
+                <a:cs typeface="+mn-cs"/>
+              </a:defRPr>
+            </a:lvl3pPr>
+            <a:lvl4pPr marL="914400" indent="-227013" algn="l" defTabSz="457200" rtl="0" eaLnBrk="1" fontAlgn="base" hangingPunct="1">
+              <a:spcBef>
+                <a:spcPct val="20000"/>
+              </a:spcBef>
+              <a:spcAft>
+                <a:spcPct val="0"/>
+              </a:spcAft>
+              <a:buClr>
+                <a:schemeClr val="bg2"/>
+              </a:buClr>
+              <a:buFont typeface="Arial" charset="0"/>
+              <a:buChar char="•"/>
+              <a:defRPr kern="1200">
+                <a:solidFill>
+                  <a:srgbClr val="595959"/>
+                </a:solidFill>
+                <a:latin typeface="Arial"/>
+                <a:ea typeface="ＭＳ Ｐゴシック" charset="0"/>
+                <a:cs typeface="+mn-cs"/>
+              </a:defRPr>
+            </a:lvl4pPr>
+            <a:lvl5pPr marL="1258888" indent="-227013" algn="l" defTabSz="457200" rtl="0" eaLnBrk="1" fontAlgn="base" hangingPunct="1">
+              <a:spcBef>
+                <a:spcPct val="20000"/>
+              </a:spcBef>
+              <a:spcAft>
+                <a:spcPct val="0"/>
+              </a:spcAft>
+              <a:buClr>
+                <a:schemeClr val="bg2"/>
+              </a:buClr>
+              <a:buFont typeface="Source Sans Pro" charset="0"/>
+              <a:buChar char="–"/>
+              <a:defRPr kern="1200">
+                <a:solidFill>
+                  <a:srgbClr val="595959"/>
+                </a:solidFill>
+                <a:latin typeface="Arial"/>
+                <a:ea typeface="ＭＳ Ｐゴシック" charset="0"/>
+                <a:cs typeface="+mn-cs"/>
+              </a:defRPr>
+            </a:lvl5pPr>
+            <a:lvl6pPr marL="2514600" indent="-228600" algn="l" defTabSz="457200" rtl="0" eaLnBrk="1" latinLnBrk="0" hangingPunct="1">
+              <a:spcBef>
+                <a:spcPct val="20000"/>
+              </a:spcBef>
+              <a:buFont typeface="Arial"/>
+              <a:buChar char="•"/>
+              <a:defRPr sz="2000" kern="1200">
+                <a:solidFill>
+                  <a:schemeClr val="tx1"/>
+                </a:solidFill>
+                <a:latin typeface="+mn-lt"/>
+                <a:ea typeface="+mn-ea"/>
+                <a:cs typeface="+mn-cs"/>
+              </a:defRPr>
+            </a:lvl6pPr>
+            <a:lvl7pPr marL="2971800" indent="-228600" algn="l" defTabSz="457200" rtl="0" eaLnBrk="1" latinLnBrk="0" hangingPunct="1">
+              <a:spcBef>
+                <a:spcPct val="20000"/>
+              </a:spcBef>
+              <a:buFont typeface="Arial"/>
+              <a:buChar char="•"/>
+              <a:defRPr sz="2000" kern="1200">
+                <a:solidFill>
+                  <a:schemeClr val="tx1"/>
+                </a:solidFill>
+                <a:latin typeface="+mn-lt"/>
+                <a:ea typeface="+mn-ea"/>
+                <a:cs typeface="+mn-cs"/>
+              </a:defRPr>
+            </a:lvl7pPr>
+            <a:lvl8pPr marL="3429000" indent="-228600" algn="l" defTabSz="457200" rtl="0" eaLnBrk="1" latinLnBrk="0" hangingPunct="1">
+              <a:spcBef>
+                <a:spcPct val="20000"/>
+              </a:spcBef>
+              <a:buFont typeface="Arial"/>
+              <a:buChar char="•"/>
+              <a:defRPr sz="2000" kern="1200">
+                <a:solidFill>
+                  <a:schemeClr val="tx1"/>
+                </a:solidFill>
+                <a:latin typeface="+mn-lt"/>
+                <a:ea typeface="+mn-ea"/>
+                <a:cs typeface="+mn-cs"/>
+              </a:defRPr>
+            </a:lvl8pPr>
+            <a:lvl9pPr marL="3886200" indent="-228600" algn="l" defTabSz="457200" rtl="0" eaLnBrk="1" latinLnBrk="0" hangingPunct="1">
+              <a:spcBef>
+                <a:spcPct val="20000"/>
+              </a:spcBef>
+              <a:buFont typeface="Arial"/>
+              <a:buChar char="•"/>
+              <a:defRPr sz="2000" kern="1200">
+                <a:solidFill>
+                  <a:schemeClr val="tx1"/>
+                </a:solidFill>
+                <a:latin typeface="+mn-lt"/>
+                <a:ea typeface="+mn-ea"/>
+                <a:cs typeface="+mn-cs"/>
+              </a:defRPr>
+            </a:lvl9pPr>
+          </a:lstStyle>
+          <a:p>
+            <a:pPr marL="285750" indent="-285750" fontAlgn="auto">
+              <a:spcAft>
+                <a:spcPts val="0"/>
+              </a:spcAft>
+              <a:buFontTx/>
+              <a:buChar char="-"/>
+              <a:defRPr/>
+            </a:pPr>
+            <a:r>
+              <a:rPr lang="en-US" dirty="0" smtClean="0">
+                <a:solidFill>
+                  <a:schemeClr val="tx1">
+                    <a:lumMod val="65000"/>
+                    <a:lumOff val="35000"/>
+                  </a:schemeClr>
+                </a:solidFill>
+              </a:rPr>
+              <a:t>Step 1: Create a vector to store the past three month pocket money you had, name this vector: </a:t>
+            </a:r>
+            <a:r>
+              <a:rPr lang="en-US" b="1" dirty="0" err="1" smtClean="0">
+                <a:solidFill>
+                  <a:schemeClr val="tx1">
+                    <a:lumMod val="65000"/>
+                    <a:lumOff val="35000"/>
+                  </a:schemeClr>
+                </a:solidFill>
+              </a:rPr>
+              <a:t>my_pocket_money</a:t>
+            </a:r>
+            <a:endParaRPr lang="en-US" b="1" dirty="0">
+              <a:solidFill>
+                <a:schemeClr val="tx1">
+                  <a:lumMod val="65000"/>
+                  <a:lumOff val="35000"/>
+                </a:schemeClr>
+              </a:solidFill>
+            </a:endParaRPr>
+          </a:p>
+          <a:p>
+            <a:pPr marL="285750" indent="-285750" fontAlgn="auto">
+              <a:spcAft>
+                <a:spcPts val="0"/>
+              </a:spcAft>
+              <a:buFontTx/>
+              <a:buChar char="-"/>
+              <a:defRPr/>
+            </a:pPr>
+            <a:endParaRPr lang="en-US" dirty="0">
+              <a:solidFill>
+                <a:schemeClr val="tx1">
+                  <a:lumMod val="65000"/>
+                  <a:lumOff val="35000"/>
+                </a:schemeClr>
+              </a:solidFill>
+            </a:endParaRPr>
+          </a:p>
+          <a:p>
+            <a:pPr marL="285750" indent="-285750" fontAlgn="auto">
+              <a:spcAft>
+                <a:spcPts val="0"/>
+              </a:spcAft>
+              <a:buFontTx/>
+              <a:buChar char="-"/>
+              <a:defRPr/>
+            </a:pPr>
+            <a:r>
+              <a:rPr lang="en-US" dirty="0" smtClean="0">
+                <a:solidFill>
+                  <a:schemeClr val="tx1">
+                    <a:lumMod val="65000"/>
+                    <a:lumOff val="35000"/>
+                  </a:schemeClr>
+                </a:solidFill>
+              </a:rPr>
+              <a:t>Step 2: </a:t>
+            </a:r>
+            <a:r>
+              <a:rPr lang="en-US" dirty="0" smtClean="0">
+                <a:solidFill>
+                  <a:srgbClr val="002060"/>
+                </a:solidFill>
+              </a:rPr>
+              <a:t>Remove</a:t>
+            </a:r>
+            <a:r>
+              <a:rPr lang="en-US" dirty="0" smtClean="0">
+                <a:solidFill>
+                  <a:schemeClr val="tx1">
+                    <a:lumMod val="65000"/>
+                    <a:lumOff val="35000"/>
+                  </a:schemeClr>
+                </a:solidFill>
+              </a:rPr>
+              <a:t> the first element in </a:t>
+            </a:r>
+            <a:r>
+              <a:rPr lang="en-US" dirty="0" err="1" smtClean="0">
+                <a:solidFill>
+                  <a:schemeClr val="tx1">
+                    <a:lumMod val="65000"/>
+                    <a:lumOff val="35000"/>
+                  </a:schemeClr>
+                </a:solidFill>
+              </a:rPr>
+              <a:t>my_pocket_money</a:t>
+            </a:r>
+            <a:r>
+              <a:rPr lang="en-US" dirty="0" smtClean="0">
+                <a:solidFill>
+                  <a:schemeClr val="tx1">
+                    <a:lumMod val="65000"/>
+                    <a:lumOff val="35000"/>
+                  </a:schemeClr>
+                </a:solidFill>
+              </a:rPr>
+              <a:t>. What does your </a:t>
+            </a:r>
+            <a:r>
+              <a:rPr lang="en-US" dirty="0" err="1" smtClean="0">
+                <a:solidFill>
+                  <a:schemeClr val="tx1">
+                    <a:lumMod val="65000"/>
+                    <a:lumOff val="35000"/>
+                  </a:schemeClr>
+                </a:solidFill>
+              </a:rPr>
+              <a:t>my_pocket_money</a:t>
+            </a:r>
+            <a:r>
+              <a:rPr lang="en-US" dirty="0" smtClean="0">
+                <a:solidFill>
+                  <a:schemeClr val="tx1">
+                    <a:lumMod val="65000"/>
+                    <a:lumOff val="35000"/>
+                  </a:schemeClr>
+                </a:solidFill>
+              </a:rPr>
+              <a:t> look like now? In particular, how many elements does it have now (</a:t>
+            </a:r>
+            <a:r>
+              <a:rPr lang="en-US" b="1" dirty="0" smtClean="0">
+                <a:solidFill>
+                  <a:schemeClr val="tx1">
+                    <a:lumMod val="65000"/>
+                    <a:lumOff val="35000"/>
+                  </a:schemeClr>
+                </a:solidFill>
+              </a:rPr>
+              <a:t>2</a:t>
+            </a:r>
+            <a:r>
+              <a:rPr lang="en-US" dirty="0" smtClean="0">
+                <a:solidFill>
+                  <a:schemeClr val="tx1">
+                    <a:lumMod val="65000"/>
+                    <a:lumOff val="35000"/>
+                  </a:schemeClr>
+                </a:solidFill>
+              </a:rPr>
+              <a:t> or 3?)</a:t>
+            </a:r>
+          </a:p>
+          <a:p>
+            <a:pPr marL="285750" indent="-285750" fontAlgn="auto">
+              <a:spcAft>
+                <a:spcPts val="0"/>
+              </a:spcAft>
+              <a:buFontTx/>
+              <a:buChar char="-"/>
+              <a:defRPr/>
+            </a:pPr>
+            <a:endParaRPr lang="en-US" dirty="0">
+              <a:solidFill>
+                <a:schemeClr val="tx1">
+                  <a:lumMod val="65000"/>
+                  <a:lumOff val="35000"/>
+                </a:schemeClr>
+              </a:solidFill>
+            </a:endParaRPr>
+          </a:p>
+          <a:p>
+            <a:pPr marL="285750" indent="-285750" fontAlgn="auto">
+              <a:spcAft>
+                <a:spcPts val="0"/>
+              </a:spcAft>
+              <a:buFontTx/>
+              <a:buChar char="-"/>
+              <a:defRPr/>
+            </a:pPr>
+            <a:r>
+              <a:rPr lang="en-US" dirty="0" smtClean="0">
+                <a:solidFill>
+                  <a:schemeClr val="tx1">
+                    <a:lumMod val="65000"/>
+                    <a:lumOff val="35000"/>
+                  </a:schemeClr>
+                </a:solidFill>
+              </a:rPr>
+              <a:t>Redo Step 1, then create a </a:t>
+            </a:r>
+            <a:r>
+              <a:rPr lang="en-US" b="1" dirty="0" smtClean="0">
+                <a:solidFill>
+                  <a:schemeClr val="tx1">
+                    <a:lumMod val="65000"/>
+                    <a:lumOff val="35000"/>
+                  </a:schemeClr>
+                </a:solidFill>
+              </a:rPr>
+              <a:t>new</a:t>
+            </a:r>
+            <a:r>
+              <a:rPr lang="en-US" dirty="0" smtClean="0">
+                <a:solidFill>
+                  <a:schemeClr val="tx1">
+                    <a:lumMod val="65000"/>
+                    <a:lumOff val="35000"/>
+                  </a:schemeClr>
+                </a:solidFill>
+              </a:rPr>
+              <a:t> vector </a:t>
+            </a:r>
+            <a:r>
+              <a:rPr lang="en-US" b="1" dirty="0" err="1" smtClean="0">
+                <a:solidFill>
+                  <a:schemeClr val="tx1">
+                    <a:lumMod val="65000"/>
+                    <a:lumOff val="35000"/>
+                  </a:schemeClr>
+                </a:solidFill>
+              </a:rPr>
+              <a:t>my_pocket_money_partial</a:t>
+            </a:r>
+            <a:r>
+              <a:rPr lang="en-US" dirty="0" smtClean="0">
+                <a:solidFill>
+                  <a:schemeClr val="tx1">
+                    <a:lumMod val="65000"/>
+                    <a:lumOff val="35000"/>
+                  </a:schemeClr>
+                </a:solidFill>
+              </a:rPr>
+              <a:t> that has only two elements: the past two month pocket money you had. </a:t>
+            </a:r>
+            <a:r>
+              <a:rPr lang="en-US" dirty="0" smtClean="0">
+                <a:solidFill>
+                  <a:srgbClr val="002060"/>
+                </a:solidFill>
+              </a:rPr>
+              <a:t>Please use the vector in step 1 (</a:t>
+            </a:r>
+            <a:r>
+              <a:rPr lang="en-US" dirty="0" err="1" smtClean="0">
+                <a:solidFill>
+                  <a:srgbClr val="002060"/>
+                </a:solidFill>
+              </a:rPr>
+              <a:t>my_pocket_money</a:t>
+            </a:r>
+            <a:r>
+              <a:rPr lang="en-US" dirty="0" smtClean="0">
+                <a:solidFill>
+                  <a:srgbClr val="002060"/>
+                </a:solidFill>
+              </a:rPr>
+              <a:t>) to generate this new vector.</a:t>
+            </a:r>
+          </a:p>
+          <a:p>
+            <a:pPr lvl="1" fontAlgn="auto">
+              <a:spcAft>
+                <a:spcPts val="0"/>
+              </a:spcAft>
+              <a:buFont typeface="Wingdings" pitchFamily="2" charset="2"/>
+              <a:buChar char="§"/>
+              <a:defRPr/>
+            </a:pPr>
+            <a:endParaRPr lang="en-US" dirty="0" smtClean="0">
+              <a:solidFill>
+                <a:schemeClr val="tx1">
+                  <a:lumMod val="65000"/>
+                  <a:lumOff val="35000"/>
+                </a:schemeClr>
+              </a:solidFill>
+              <a:ea typeface="+mn-ea"/>
+            </a:endParaRPr>
+          </a:p>
+          <a:p>
+            <a:pPr lvl="2" fontAlgn="auto">
+              <a:spcAft>
+                <a:spcPts val="0"/>
+              </a:spcAft>
+              <a:buFont typeface="Source Sans Pro" pitchFamily="34" charset="0"/>
+              <a:buChar char="›"/>
+              <a:defRPr/>
+            </a:pPr>
+            <a:endParaRPr lang="en-US" dirty="0" smtClean="0">
+              <a:solidFill>
+                <a:schemeClr val="tx1">
+                  <a:lumMod val="65000"/>
+                  <a:lumOff val="35000"/>
+                </a:schemeClr>
+              </a:solidFill>
+              <a:ea typeface="+mn-ea"/>
+            </a:endParaRPr>
+          </a:p>
+        </p:txBody>
+      </p:sp>
+    </p:spTree>
+    <p:extLst>
+      <p:ext uri="{BB962C8B-B14F-4D97-AF65-F5344CB8AC3E}">
+        <p14:creationId xmlns:p14="http://schemas.microsoft.com/office/powerpoint/2010/main" val="2130007301"/>
+      </p:ext>
+    </p:extLst>
+  </p:cSld>
+  <p:clrMapOvr>
+    <a:masterClrMapping/>
+  </p:clrMapOvr>
+  <p:transition spd="slow">
+    <p:fade/>
+  </p:transition>
+  <p:timing>
+    <p:tnLst>
+      <p:par>
+        <p:cTn id="1" dur="indefinite" restart="never" nodeType="tmRoot"/>
+      </p:par>
+    </p:tnLst>
+  </p:timing>
+</p:sld>
+</file>
+
+<file path=ppt/slides/slide11.xml><?xml version="1.0" encoding="utf-8"?>
+<p:sld xmlns:a="http://schemas.openxmlformats.org/drawingml/2006/main" xmlns:r="http://schemas.openxmlformats.org/officeDocument/2006/relationships" xmlns:p="http://schemas.openxmlformats.org/presentationml/2006/main">
+  <p:cSld>
+    <p:spTree>
+      <p:nvGrpSpPr>
+        <p:cNvPr id="1" name=""/>
+        <p:cNvGrpSpPr/>
+        <p:nvPr/>
+      </p:nvGrpSpPr>
+      <p:grpSpPr>
+        <a:xfrm>
+          <a:off x="0" y="0"/>
+          <a:ext cx="0" cy="0"/>
+          <a:chOff x="0" y="0"/>
+          <a:chExt cx="0" cy="0"/>
+        </a:xfrm>
+      </p:grpSpPr>
+      <p:sp>
+        <p:nvSpPr>
+          <p:cNvPr id="15361" name="Title 3"/>
+          <p:cNvSpPr>
+            <a:spLocks noGrp="1"/>
+          </p:cNvSpPr>
+          <p:nvPr>
+            <p:ph type="title"/>
+          </p:nvPr>
+        </p:nvSpPr>
+        <p:spPr>
+          <a:xfrm>
+            <a:off x="949325" y="358775"/>
+            <a:ext cx="7707313" cy="488950"/>
+          </a:xfrm>
+        </p:spPr>
+        <p:txBody>
+          <a:bodyPr/>
+          <a:lstStyle/>
+          <a:p>
+            <a:pPr eaLnBrk="1" hangingPunct="1"/>
+            <a:r>
+              <a:rPr lang="en-US" altLang="x-none" dirty="0" smtClean="0">
+                <a:latin typeface="Arial" charset="0"/>
+                <a:ea typeface="ＭＳ Ｐゴシック" charset="-128"/>
+              </a:rPr>
+              <a:t>Key </a:t>
+            </a:r>
+            <a:r>
+              <a:rPr lang="en-US" altLang="x-none" dirty="0" smtClean="0">
+                <a:latin typeface="Arial" charset="0"/>
+                <a:ea typeface="ＭＳ Ｐゴシック" charset="-128"/>
+              </a:rPr>
+              <a:t>Concept 3: Data File</a:t>
+            </a:r>
+            <a:endParaRPr lang="en-US" altLang="x-none" dirty="0">
+              <a:latin typeface="Arial" charset="0"/>
+              <a:ea typeface="ＭＳ Ｐゴシック" charset="-128"/>
+            </a:endParaRPr>
+          </a:p>
+        </p:txBody>
+      </p:sp>
+      <p:sp>
+        <p:nvSpPr>
+          <p:cNvPr id="2" name="Content Placeholder 1"/>
+          <p:cNvSpPr>
+            <a:spLocks noGrp="1"/>
+          </p:cNvSpPr>
+          <p:nvPr>
+            <p:ph sz="quarter" idx="10"/>
+          </p:nvPr>
+        </p:nvSpPr>
+        <p:spPr>
+          <a:xfrm>
+            <a:off x="955675" y="908050"/>
+            <a:ext cx="7941190" cy="3938588"/>
+          </a:xfrm>
+        </p:spPr>
+        <p:txBody>
+          <a:bodyPr>
+            <a:normAutofit/>
+          </a:bodyPr>
+          <a:lstStyle/>
+          <a:p>
+            <a:pPr marL="0" indent="0" fontAlgn="auto">
+              <a:spcAft>
+                <a:spcPts val="0"/>
+              </a:spcAft>
+              <a:defRPr/>
+            </a:pPr>
+            <a:r>
+              <a:rPr lang="en-US" dirty="0" smtClean="0">
+                <a:solidFill>
+                  <a:schemeClr val="tx1">
+                    <a:lumMod val="65000"/>
+                    <a:lumOff val="35000"/>
+                  </a:schemeClr>
+                </a:solidFill>
+              </a:rPr>
+              <a:t>Reminder: please set up your working directory </a:t>
+            </a:r>
+            <a:r>
+              <a:rPr lang="en-US" dirty="0">
+                <a:solidFill>
+                  <a:schemeClr val="tx1">
+                    <a:lumMod val="65000"/>
+                    <a:lumOff val="35000"/>
+                  </a:schemeClr>
+                </a:solidFill>
+              </a:rPr>
+              <a:t>before loading the data </a:t>
+            </a:r>
+            <a:r>
+              <a:rPr lang="en-US" dirty="0" smtClean="0">
+                <a:solidFill>
+                  <a:schemeClr val="tx1">
+                    <a:lumMod val="65000"/>
+                    <a:lumOff val="35000"/>
+                  </a:schemeClr>
+                </a:solidFill>
+              </a:rPr>
+              <a:t>file</a:t>
+            </a:r>
+          </a:p>
+          <a:p>
+            <a:pPr marL="0" indent="0" fontAlgn="auto">
+              <a:spcAft>
+                <a:spcPts val="0"/>
+              </a:spcAft>
+              <a:defRPr/>
+            </a:pPr>
+            <a:r>
+              <a:rPr lang="en-US" dirty="0" smtClean="0">
+                <a:solidFill>
+                  <a:schemeClr val="tx1">
+                    <a:lumMod val="65000"/>
+                    <a:lumOff val="35000"/>
+                  </a:schemeClr>
+                </a:solidFill>
+              </a:rPr>
+              <a:t>- </a:t>
+            </a:r>
+            <a:r>
+              <a:rPr lang="en-US" dirty="0" smtClean="0">
+                <a:solidFill>
+                  <a:srgbClr val="C00000"/>
+                </a:solidFill>
+              </a:rPr>
+              <a:t>Load </a:t>
+            </a:r>
+            <a:r>
+              <a:rPr lang="en-US" dirty="0" smtClean="0">
+                <a:solidFill>
+                  <a:srgbClr val="C00000"/>
+                </a:solidFill>
+              </a:rPr>
+              <a:t>data </a:t>
+            </a:r>
+            <a:r>
+              <a:rPr lang="en-US" dirty="0" smtClean="0">
+                <a:solidFill>
+                  <a:schemeClr val="tx1">
+                    <a:lumMod val="65000"/>
+                    <a:lumOff val="35000"/>
+                  </a:schemeClr>
+                </a:solidFill>
+              </a:rPr>
+              <a:t>from an external file in your local </a:t>
+            </a:r>
+            <a:r>
+              <a:rPr lang="en-US" dirty="0" smtClean="0">
+                <a:solidFill>
+                  <a:schemeClr val="tx1">
+                    <a:lumMod val="65000"/>
+                    <a:lumOff val="35000"/>
+                  </a:schemeClr>
+                </a:solidFill>
+              </a:rPr>
+              <a:t>desktop</a:t>
+            </a:r>
+            <a:br>
+              <a:rPr lang="en-US" dirty="0" smtClean="0">
+                <a:solidFill>
+                  <a:schemeClr val="tx1">
+                    <a:lumMod val="65000"/>
+                    <a:lumOff val="35000"/>
+                  </a:schemeClr>
+                </a:solidFill>
+              </a:rPr>
+            </a:br>
+            <a:r>
+              <a:rPr lang="en-US" dirty="0" smtClean="0">
+                <a:solidFill>
+                  <a:schemeClr val="tx1">
+                    <a:lumMod val="65000"/>
+                    <a:lumOff val="35000"/>
+                  </a:schemeClr>
+                </a:solidFill>
+              </a:rPr>
+              <a:t>  </a:t>
+            </a:r>
+            <a:r>
+              <a:rPr lang="en-US" dirty="0" err="1" smtClean="0">
+                <a:solidFill>
+                  <a:srgbClr val="002060"/>
+                </a:solidFill>
+                <a:latin typeface="Courier New" charset="0"/>
+                <a:ea typeface="Courier New" charset="0"/>
+                <a:cs typeface="Courier New" charset="0"/>
+              </a:rPr>
+              <a:t>UNpop</a:t>
+            </a:r>
+            <a:r>
+              <a:rPr lang="en-US" dirty="0" smtClean="0">
+                <a:solidFill>
+                  <a:srgbClr val="002060"/>
+                </a:solidFill>
+                <a:latin typeface="Courier New" charset="0"/>
+                <a:ea typeface="Courier New" charset="0"/>
+                <a:cs typeface="Courier New" charset="0"/>
+              </a:rPr>
+              <a:t> </a:t>
+            </a:r>
+            <a:r>
+              <a:rPr lang="en-US" dirty="0">
+                <a:solidFill>
+                  <a:srgbClr val="002060"/>
+                </a:solidFill>
+                <a:latin typeface="Courier New" charset="0"/>
+                <a:ea typeface="Courier New" charset="0"/>
+                <a:cs typeface="Courier New" charset="0"/>
+              </a:rPr>
+              <a:t>&lt;- </a:t>
+            </a:r>
+            <a:r>
+              <a:rPr lang="en-US" dirty="0" err="1">
+                <a:solidFill>
+                  <a:srgbClr val="002060"/>
+                </a:solidFill>
+                <a:latin typeface="Courier New" charset="0"/>
+                <a:ea typeface="Courier New" charset="0"/>
+                <a:cs typeface="Courier New" charset="0"/>
+              </a:rPr>
+              <a:t>read.csv</a:t>
+            </a:r>
+            <a:r>
+              <a:rPr lang="en-US" dirty="0">
+                <a:solidFill>
+                  <a:srgbClr val="002060"/>
+                </a:solidFill>
+                <a:latin typeface="Courier New" charset="0"/>
+                <a:ea typeface="Courier New" charset="0"/>
+                <a:cs typeface="Courier New" charset="0"/>
+              </a:rPr>
+              <a:t>("</a:t>
+            </a:r>
+            <a:r>
+              <a:rPr lang="en-US" dirty="0" err="1">
+                <a:solidFill>
+                  <a:srgbClr val="002060"/>
+                </a:solidFill>
+                <a:latin typeface="Courier New" charset="0"/>
+                <a:ea typeface="Courier New" charset="0"/>
+                <a:cs typeface="Courier New" charset="0"/>
+              </a:rPr>
+              <a:t>UNpop.csv</a:t>
+            </a:r>
+            <a:r>
+              <a:rPr lang="en-US" dirty="0" smtClean="0">
+                <a:solidFill>
+                  <a:srgbClr val="002060"/>
+                </a:solidFill>
+                <a:latin typeface="Courier New" charset="0"/>
+                <a:ea typeface="Courier New" charset="0"/>
+                <a:cs typeface="Courier New" charset="0"/>
+              </a:rPr>
+              <a:t>")</a:t>
+            </a:r>
+            <a:endParaRPr lang="en-US" dirty="0" smtClean="0">
+              <a:solidFill>
+                <a:schemeClr val="tx1">
+                  <a:lumMod val="65000"/>
+                  <a:lumOff val="35000"/>
+                </a:schemeClr>
+              </a:solidFill>
+            </a:endParaRPr>
+          </a:p>
+          <a:p>
+            <a:pPr marL="0" indent="0" fontAlgn="auto">
+              <a:spcAft>
+                <a:spcPts val="0"/>
+              </a:spcAft>
+              <a:defRPr/>
+            </a:pPr>
+            <a:r>
+              <a:rPr lang="en-US" dirty="0" smtClean="0">
+                <a:solidFill>
+                  <a:schemeClr val="tx1">
+                    <a:lumMod val="65000"/>
+                    <a:lumOff val="35000"/>
+                  </a:schemeClr>
+                </a:solidFill>
+              </a:rPr>
+              <a:t>- </a:t>
+            </a:r>
+            <a:r>
+              <a:rPr lang="en-US" dirty="0" smtClean="0">
+                <a:solidFill>
+                  <a:srgbClr val="C00000"/>
+                </a:solidFill>
+              </a:rPr>
+              <a:t>Manipulate</a:t>
+            </a:r>
+            <a:r>
+              <a:rPr lang="en-US" dirty="0" smtClean="0">
+                <a:solidFill>
+                  <a:schemeClr val="tx1">
+                    <a:lumMod val="65000"/>
+                    <a:lumOff val="35000"/>
+                  </a:schemeClr>
+                </a:solidFill>
+              </a:rPr>
+              <a:t> (PLAY) data</a:t>
+            </a:r>
+          </a:p>
+          <a:p>
+            <a:pPr marL="0" indent="0" fontAlgn="auto">
+              <a:spcAft>
+                <a:spcPts val="0"/>
+              </a:spcAft>
+              <a:defRPr/>
+            </a:pPr>
+            <a:r>
+              <a:rPr lang="en-US" dirty="0">
+                <a:solidFill>
+                  <a:schemeClr val="tx1">
+                    <a:lumMod val="65000"/>
+                    <a:lumOff val="35000"/>
+                  </a:schemeClr>
+                </a:solidFill>
+                <a:latin typeface="Courier New" charset="0"/>
+                <a:ea typeface="Courier New" charset="0"/>
+                <a:cs typeface="Courier New" charset="0"/>
+              </a:rPr>
+              <a:t>	</a:t>
+            </a:r>
+            <a:r>
+              <a:rPr lang="en-US" dirty="0" smtClean="0">
+                <a:solidFill>
+                  <a:schemeClr val="tx1">
+                    <a:lumMod val="65000"/>
+                    <a:lumOff val="35000"/>
+                  </a:schemeClr>
+                </a:solidFill>
+                <a:latin typeface="Courier New" charset="0"/>
+                <a:ea typeface="Courier New" charset="0"/>
+                <a:cs typeface="Courier New" charset="0"/>
+              </a:rPr>
+              <a:t>-inspect the value of a certain variable</a:t>
+            </a:r>
+          </a:p>
+          <a:p>
+            <a:pPr marL="0" indent="0" fontAlgn="auto">
+              <a:spcAft>
+                <a:spcPts val="0"/>
+              </a:spcAft>
+              <a:defRPr/>
+            </a:pPr>
+            <a:r>
+              <a:rPr lang="en-US" dirty="0">
+                <a:solidFill>
+                  <a:schemeClr val="tx1">
+                    <a:lumMod val="65000"/>
+                    <a:lumOff val="35000"/>
+                  </a:schemeClr>
+                </a:solidFill>
+                <a:latin typeface="Courier New" charset="0"/>
+                <a:ea typeface="Courier New" charset="0"/>
+                <a:cs typeface="Courier New" charset="0"/>
+              </a:rPr>
+              <a:t>	</a:t>
+            </a:r>
+            <a:r>
+              <a:rPr lang="en-US" dirty="0" smtClean="0">
+                <a:solidFill>
+                  <a:schemeClr val="tx1">
+                    <a:lumMod val="65000"/>
+                    <a:lumOff val="35000"/>
+                  </a:schemeClr>
+                </a:solidFill>
+                <a:latin typeface="Courier New" charset="0"/>
+                <a:ea typeface="Courier New" charset="0"/>
+                <a:cs typeface="Courier New" charset="0"/>
+              </a:rPr>
+              <a:t>-summary()</a:t>
+            </a:r>
+          </a:p>
+          <a:p>
+            <a:pPr marL="0" indent="0" fontAlgn="auto">
+              <a:spcAft>
+                <a:spcPts val="0"/>
+              </a:spcAft>
+              <a:defRPr/>
+            </a:pPr>
+            <a:r>
+              <a:rPr lang="en-US" dirty="0">
+                <a:solidFill>
+                  <a:schemeClr val="tx1">
+                    <a:lumMod val="65000"/>
+                    <a:lumOff val="35000"/>
+                  </a:schemeClr>
+                </a:solidFill>
+                <a:latin typeface="Courier New" charset="0"/>
+                <a:ea typeface="Courier New" charset="0"/>
+                <a:cs typeface="Courier New" charset="0"/>
+              </a:rPr>
+              <a:t>	</a:t>
+            </a:r>
+            <a:r>
+              <a:rPr lang="en-US" dirty="0" smtClean="0">
+                <a:solidFill>
+                  <a:schemeClr val="tx1">
+                    <a:lumMod val="65000"/>
+                    <a:lumOff val="35000"/>
+                  </a:schemeClr>
+                </a:solidFill>
+                <a:latin typeface="Courier New" charset="0"/>
+                <a:ea typeface="Courier New" charset="0"/>
+                <a:cs typeface="Courier New" charset="0"/>
+              </a:rPr>
+              <a:t>-indexing: extract certain rows and columns</a:t>
+            </a:r>
+            <a:endParaRPr lang="en-US" dirty="0" smtClean="0">
+              <a:solidFill>
+                <a:srgbClr val="002060"/>
+              </a:solidFill>
+              <a:latin typeface="Courier New" charset="0"/>
+              <a:ea typeface="Courier New" charset="0"/>
+              <a:cs typeface="Courier New" charset="0"/>
+            </a:endParaRPr>
+          </a:p>
+          <a:p>
+            <a:pPr marL="0" indent="0" fontAlgn="auto">
+              <a:spcAft>
+                <a:spcPts val="0"/>
+              </a:spcAft>
+              <a:defRPr/>
+            </a:pPr>
+            <a:r>
+              <a:rPr lang="en-US" dirty="0" smtClean="0">
+                <a:solidFill>
+                  <a:schemeClr val="tx1">
+                    <a:lumMod val="65000"/>
+                    <a:lumOff val="35000"/>
+                  </a:schemeClr>
+                </a:solidFill>
+              </a:rPr>
+              <a:t>- </a:t>
+            </a:r>
+            <a:r>
+              <a:rPr lang="en-US" dirty="0" smtClean="0">
+                <a:solidFill>
+                  <a:srgbClr val="C00000"/>
+                </a:solidFill>
+              </a:rPr>
+              <a:t>Save</a:t>
+            </a:r>
+            <a:r>
+              <a:rPr lang="en-US" dirty="0" smtClean="0">
+                <a:solidFill>
+                  <a:schemeClr val="tx1">
+                    <a:lumMod val="65000"/>
+                    <a:lumOff val="35000"/>
+                  </a:schemeClr>
+                </a:solidFill>
+              </a:rPr>
+              <a:t> any newly generate data into your current working directory</a:t>
+            </a:r>
+            <a:endParaRPr lang="en-US" dirty="0">
+              <a:solidFill>
+                <a:schemeClr val="tx1">
+                  <a:lumMod val="65000"/>
+                  <a:lumOff val="35000"/>
+                </a:schemeClr>
+              </a:solidFill>
+            </a:endParaRPr>
+          </a:p>
+          <a:p>
+            <a:pPr marL="0" indent="0" fontAlgn="auto">
+              <a:spcAft>
+                <a:spcPts val="0"/>
+              </a:spcAft>
+              <a:defRPr/>
+            </a:pPr>
+            <a:r>
+              <a:rPr lang="en-US" dirty="0" smtClean="0">
+                <a:solidFill>
+                  <a:srgbClr val="002060"/>
+                </a:solidFill>
+                <a:latin typeface="Courier New" charset="0"/>
+                <a:ea typeface="Courier New" charset="0"/>
+                <a:cs typeface="Courier New" charset="0"/>
+              </a:rPr>
+              <a:t> </a:t>
+            </a:r>
+            <a:r>
+              <a:rPr lang="en-US" dirty="0" err="1" smtClean="0">
+                <a:solidFill>
+                  <a:srgbClr val="002060"/>
+                </a:solidFill>
+                <a:latin typeface="Courier New" charset="0"/>
+                <a:ea typeface="Courier New" charset="0"/>
+                <a:cs typeface="Courier New" charset="0"/>
+              </a:rPr>
+              <a:t>write.csv</a:t>
+            </a:r>
+            <a:r>
+              <a:rPr lang="en-US" dirty="0" smtClean="0">
+                <a:solidFill>
+                  <a:srgbClr val="002060"/>
+                </a:solidFill>
+                <a:latin typeface="Courier New" charset="0"/>
+                <a:ea typeface="Courier New" charset="0"/>
+                <a:cs typeface="Courier New" charset="0"/>
+              </a:rPr>
+              <a:t>(</a:t>
+            </a:r>
+            <a:r>
+              <a:rPr lang="en-US" dirty="0" err="1" smtClean="0">
+                <a:solidFill>
+                  <a:srgbClr val="002060"/>
+                </a:solidFill>
+                <a:latin typeface="Courier New" charset="0"/>
+                <a:ea typeface="Courier New" charset="0"/>
+                <a:cs typeface="Courier New" charset="0"/>
+              </a:rPr>
+              <a:t>newdata_name</a:t>
+            </a:r>
+            <a:r>
+              <a:rPr lang="en-US" dirty="0" smtClean="0">
+                <a:solidFill>
+                  <a:srgbClr val="002060"/>
+                </a:solidFill>
+                <a:latin typeface="Courier New" charset="0"/>
+                <a:ea typeface="Courier New" charset="0"/>
+                <a:cs typeface="Courier New" charset="0"/>
+              </a:rPr>
+              <a:t>, "</a:t>
+            </a:r>
+            <a:r>
+              <a:rPr lang="en-US" dirty="0" err="1" smtClean="0">
+                <a:solidFill>
+                  <a:srgbClr val="002060"/>
+                </a:solidFill>
+                <a:latin typeface="Courier New" charset="0"/>
+                <a:ea typeface="Courier New" charset="0"/>
+                <a:cs typeface="Courier New" charset="0"/>
+              </a:rPr>
+              <a:t>Unpop_new.csv</a:t>
+            </a:r>
+            <a:r>
+              <a:rPr lang="en-US" dirty="0">
+                <a:solidFill>
+                  <a:srgbClr val="002060"/>
+                </a:solidFill>
+                <a:latin typeface="Courier New" charset="0"/>
+                <a:ea typeface="Courier New" charset="0"/>
+                <a:cs typeface="Courier New" charset="0"/>
+              </a:rPr>
+              <a:t>")</a:t>
+            </a:r>
+            <a:endParaRPr lang="en-US" dirty="0" smtClean="0">
+              <a:solidFill>
+                <a:schemeClr val="tx1">
+                  <a:lumMod val="65000"/>
+                  <a:lumOff val="35000"/>
+                </a:schemeClr>
+              </a:solidFill>
+              <a:ea typeface="+mn-ea"/>
+            </a:endParaRPr>
+          </a:p>
+          <a:p>
+            <a:pPr lvl="2" eaLnBrk="1" fontAlgn="auto" hangingPunct="1">
+              <a:spcAft>
+                <a:spcPts val="0"/>
+              </a:spcAft>
+              <a:buFont typeface="Source Sans Pro" pitchFamily="34" charset="0"/>
+              <a:buChar char="›"/>
+              <a:defRPr/>
+            </a:pPr>
+            <a:endParaRPr lang="en-US" dirty="0" smtClean="0">
+              <a:solidFill>
+                <a:schemeClr val="tx1">
+                  <a:lumMod val="65000"/>
+                  <a:lumOff val="35000"/>
+                </a:schemeClr>
+              </a:solidFill>
+              <a:ea typeface="+mn-ea"/>
+            </a:endParaRPr>
+          </a:p>
+        </p:txBody>
+      </p:sp>
+    </p:spTree>
+    <p:extLst>
+      <p:ext uri="{BB962C8B-B14F-4D97-AF65-F5344CB8AC3E}">
+        <p14:creationId xmlns:p14="http://schemas.microsoft.com/office/powerpoint/2010/main" val="730008185"/>
+      </p:ext>
+    </p:extLst>
+  </p:cSld>
+  <p:clrMapOvr>
+    <a:masterClrMapping/>
+  </p:clrMapOvr>
+  <p:transition spd="slow">
+    <p:fade/>
+  </p:transition>
+  <p:timing>
+    <p:tnLst>
+      <p:par>
+        <p:cTn id="1" dur="indefinite" restart="never" nodeType="tmRoot"/>
+      </p:par>
+    </p:tnLst>
+  </p:timing>
+</p:sld>
+</file>
+
+<file path=ppt/slides/slide12.xml><?xml version="1.0" encoding="utf-8"?>
+<p:sld xmlns:a="http://schemas.openxmlformats.org/drawingml/2006/main" xmlns:r="http://schemas.openxmlformats.org/officeDocument/2006/relationships" xmlns:p="http://schemas.openxmlformats.org/presentationml/2006/main">
+  <p:cSld>
+    <p:spTree>
+      <p:nvGrpSpPr>
+        <p:cNvPr id="1" name=""/>
+        <p:cNvGrpSpPr/>
+        <p:nvPr/>
+      </p:nvGrpSpPr>
+      <p:grpSpPr>
+        <a:xfrm>
+          <a:off x="0" y="0"/>
+          <a:ext cx="0" cy="0"/>
+          <a:chOff x="0" y="0"/>
+          <a:chExt cx="0" cy="0"/>
+        </a:xfrm>
+      </p:grpSpPr>
+      <p:sp>
+        <p:nvSpPr>
+          <p:cNvPr id="15361" name="Title 3"/>
+          <p:cNvSpPr>
+            <a:spLocks noGrp="1"/>
+          </p:cNvSpPr>
+          <p:nvPr>
+            <p:ph type="title"/>
+          </p:nvPr>
+        </p:nvSpPr>
+        <p:spPr>
+          <a:xfrm>
+            <a:off x="949325" y="358775"/>
+            <a:ext cx="7707313" cy="488950"/>
+          </a:xfrm>
+        </p:spPr>
+        <p:txBody>
+          <a:bodyPr/>
+          <a:lstStyle/>
+          <a:p>
+            <a:pPr eaLnBrk="1" hangingPunct="1"/>
+            <a:r>
+              <a:rPr lang="en-US" altLang="x-none" dirty="0" smtClean="0">
+                <a:solidFill>
+                  <a:srgbClr val="002060"/>
+                </a:solidFill>
+                <a:latin typeface="Arial" charset="0"/>
+                <a:ea typeface="ＭＳ Ｐゴシック" charset="-128"/>
+              </a:rPr>
+              <a:t>Exercise (please practice this tonight!)</a:t>
+            </a:r>
+            <a:endParaRPr lang="en-US" altLang="x-none" dirty="0">
+              <a:solidFill>
+                <a:srgbClr val="002060"/>
+              </a:solidFill>
+              <a:latin typeface="Arial" charset="0"/>
+              <a:ea typeface="ＭＳ Ｐゴシック" charset="-128"/>
+            </a:endParaRPr>
+          </a:p>
+        </p:txBody>
+      </p:sp>
+      <p:sp>
+        <p:nvSpPr>
+          <p:cNvPr id="2" name="Content Placeholder 1"/>
+          <p:cNvSpPr>
+            <a:spLocks noGrp="1"/>
+          </p:cNvSpPr>
+          <p:nvPr>
+            <p:ph sz="quarter" idx="10"/>
+          </p:nvPr>
+        </p:nvSpPr>
+        <p:spPr>
+          <a:xfrm>
+            <a:off x="955675" y="908050"/>
+            <a:ext cx="7941190" cy="3938588"/>
+          </a:xfrm>
+        </p:spPr>
+        <p:txBody>
+          <a:bodyPr>
+            <a:normAutofit/>
+          </a:bodyPr>
+          <a:lstStyle/>
+          <a:p>
+            <a:pPr marL="0" marR="0" lvl="2" indent="0" defTabSz="914400" eaLnBrk="1" fontAlgn="auto" latinLnBrk="0" hangingPunct="1">
+              <a:lnSpc>
+                <a:spcPct val="100000"/>
+              </a:lnSpc>
+              <a:spcBef>
+                <a:spcPts val="0"/>
+              </a:spcBef>
+              <a:spcAft>
+                <a:spcPts val="0"/>
+              </a:spcAft>
+              <a:buClrTx/>
+              <a:buSzTx/>
+              <a:buFont typeface="Source Sans Pro" pitchFamily="34" charset="0"/>
+              <a:buNone/>
+              <a:tabLst/>
+              <a:defRPr/>
+            </a:pPr>
+            <a:r>
+              <a:rPr lang="en-US" dirty="0" smtClean="0">
+                <a:solidFill>
+                  <a:schemeClr val="tx1">
+                    <a:lumMod val="65000"/>
+                    <a:lumOff val="35000"/>
+                  </a:schemeClr>
+                </a:solidFill>
+                <a:ea typeface="+mn-ea"/>
+              </a:rPr>
+              <a:t>Step 1: Go to (</a:t>
+            </a:r>
+            <a:r>
+              <a:rPr lang="en-US" dirty="0" smtClean="0">
+                <a:solidFill>
+                  <a:srgbClr val="002060"/>
+                </a:solidFill>
+                <a:ea typeface="+mn-ea"/>
+              </a:rPr>
+              <a:t>Adina, please fill in</a:t>
+            </a:r>
+            <a:r>
+              <a:rPr lang="en-US" dirty="0" smtClean="0">
+                <a:solidFill>
+                  <a:schemeClr val="tx1">
+                    <a:lumMod val="65000"/>
+                    <a:lumOff val="35000"/>
+                  </a:schemeClr>
+                </a:solidFill>
+                <a:ea typeface="+mn-ea"/>
+              </a:rPr>
+              <a:t>), download the </a:t>
+            </a:r>
+            <a:r>
+              <a:rPr lang="en-US" dirty="0" err="1" smtClean="0">
+                <a:solidFill>
+                  <a:schemeClr val="tx1">
+                    <a:lumMod val="65000"/>
+                    <a:lumOff val="35000"/>
+                  </a:schemeClr>
+                </a:solidFill>
+                <a:ea typeface="+mn-ea"/>
+              </a:rPr>
+              <a:t>turnout.csv</a:t>
+            </a:r>
+            <a:r>
+              <a:rPr lang="en-US" dirty="0" smtClean="0">
+                <a:solidFill>
+                  <a:schemeClr val="tx1">
+                    <a:lumMod val="65000"/>
+                    <a:lumOff val="35000"/>
+                  </a:schemeClr>
+                </a:solidFill>
+                <a:ea typeface="+mn-ea"/>
+              </a:rPr>
+              <a:t> data</a:t>
+            </a:r>
+          </a:p>
+          <a:p>
+            <a:pPr marL="0" marR="0" lvl="2" indent="0" defTabSz="914400" eaLnBrk="1" fontAlgn="auto" latinLnBrk="0" hangingPunct="1">
+              <a:lnSpc>
+                <a:spcPct val="100000"/>
+              </a:lnSpc>
+              <a:spcBef>
+                <a:spcPts val="0"/>
+              </a:spcBef>
+              <a:spcAft>
+                <a:spcPts val="0"/>
+              </a:spcAft>
+              <a:buClrTx/>
+              <a:buSzTx/>
+              <a:buFont typeface="Source Sans Pro" pitchFamily="34" charset="0"/>
+              <a:buNone/>
+              <a:tabLst/>
+              <a:defRPr/>
+            </a:pPr>
+            <a:r>
+              <a:rPr lang="en-US" dirty="0" smtClean="0">
+                <a:solidFill>
+                  <a:schemeClr val="tx1">
+                    <a:lumMod val="65000"/>
+                    <a:lumOff val="35000"/>
+                  </a:schemeClr>
+                </a:solidFill>
+                <a:ea typeface="+mn-ea"/>
+              </a:rPr>
+              <a:t>Step 2: Load the data into R and check the dimensions of the data</a:t>
+            </a:r>
+          </a:p>
+          <a:p>
+            <a:pPr marL="0" marR="0" lvl="2" indent="0" defTabSz="914400" eaLnBrk="1" fontAlgn="auto" latinLnBrk="0" hangingPunct="1">
+              <a:lnSpc>
+                <a:spcPct val="100000"/>
+              </a:lnSpc>
+              <a:spcBef>
+                <a:spcPts val="0"/>
+              </a:spcBef>
+              <a:spcAft>
+                <a:spcPts val="0"/>
+              </a:spcAft>
+              <a:buClrTx/>
+              <a:buSzTx/>
+              <a:buFont typeface="Source Sans Pro" pitchFamily="34" charset="0"/>
+              <a:buNone/>
+              <a:tabLst/>
+              <a:defRPr/>
+            </a:pPr>
+            <a:r>
+              <a:rPr lang="en-US" dirty="0" smtClean="0">
+                <a:solidFill>
+                  <a:schemeClr val="tx1">
+                    <a:lumMod val="65000"/>
+                    <a:lumOff val="35000"/>
+                  </a:schemeClr>
+                </a:solidFill>
+                <a:ea typeface="+mn-ea"/>
+              </a:rPr>
+              <a:t>[hint: please set up your working directory first to the folder where you saved your </a:t>
+            </a:r>
+            <a:r>
+              <a:rPr lang="en-US" dirty="0" err="1" smtClean="0">
+                <a:solidFill>
+                  <a:schemeClr val="tx1">
+                    <a:lumMod val="65000"/>
+                    <a:lumOff val="35000"/>
+                  </a:schemeClr>
+                </a:solidFill>
+                <a:ea typeface="+mn-ea"/>
+              </a:rPr>
+              <a:t>turnout.csv</a:t>
+            </a:r>
+            <a:r>
+              <a:rPr lang="en-US" dirty="0" smtClean="0">
+                <a:solidFill>
+                  <a:schemeClr val="tx1">
+                    <a:lumMod val="65000"/>
+                    <a:lumOff val="35000"/>
+                  </a:schemeClr>
+                </a:solidFill>
+                <a:ea typeface="+mn-ea"/>
+              </a:rPr>
+              <a:t> data]</a:t>
+            </a:r>
+          </a:p>
+          <a:p>
+            <a:pPr marL="0" marR="0" lvl="2" indent="0" defTabSz="914400" eaLnBrk="1" fontAlgn="auto" latinLnBrk="0" hangingPunct="1">
+              <a:lnSpc>
+                <a:spcPct val="100000"/>
+              </a:lnSpc>
+              <a:spcBef>
+                <a:spcPts val="0"/>
+              </a:spcBef>
+              <a:spcAft>
+                <a:spcPts val="0"/>
+              </a:spcAft>
+              <a:buClrTx/>
+              <a:buSzTx/>
+              <a:buFont typeface="Source Sans Pro" pitchFamily="34" charset="0"/>
+              <a:buNone/>
+              <a:tabLst/>
+              <a:defRPr/>
+            </a:pPr>
+            <a:endParaRPr lang="en-US" dirty="0" smtClean="0">
+              <a:solidFill>
+                <a:schemeClr val="tx1">
+                  <a:lumMod val="65000"/>
+                  <a:lumOff val="35000"/>
+                </a:schemeClr>
+              </a:solidFill>
+              <a:ea typeface="+mn-ea"/>
+            </a:endParaRPr>
+          </a:p>
+          <a:p>
+            <a:pPr marL="0" marR="0" lvl="2" indent="0" defTabSz="914400" eaLnBrk="1" fontAlgn="auto" latinLnBrk="0" hangingPunct="1">
+              <a:lnSpc>
+                <a:spcPct val="100000"/>
+              </a:lnSpc>
+              <a:spcBef>
+                <a:spcPts val="0"/>
+              </a:spcBef>
+              <a:spcAft>
+                <a:spcPts val="0"/>
+              </a:spcAft>
+              <a:buClrTx/>
+              <a:buSzTx/>
+              <a:buFont typeface="Source Sans Pro" pitchFamily="34" charset="0"/>
+              <a:buNone/>
+              <a:tabLst/>
+              <a:defRPr/>
+            </a:pPr>
+            <a:r>
+              <a:rPr lang="en-US" dirty="0" smtClean="0">
+                <a:solidFill>
+                  <a:schemeClr val="tx1">
+                    <a:lumMod val="65000"/>
+                    <a:lumOff val="35000"/>
+                  </a:schemeClr>
+                </a:solidFill>
+                <a:ea typeface="+mn-ea"/>
+              </a:rPr>
+              <a:t>Step 3: View your data (check the environment window!)</a:t>
+            </a:r>
+            <a:endParaRPr lang="en-US" dirty="0" smtClean="0">
+              <a:solidFill>
+                <a:schemeClr val="tx1">
+                  <a:lumMod val="65000"/>
+                  <a:lumOff val="35000"/>
+                </a:schemeClr>
+              </a:solidFill>
+              <a:ea typeface="+mn-ea"/>
+            </a:endParaRPr>
+          </a:p>
+          <a:p>
+            <a:pPr marL="0" marR="0" lvl="2" indent="0" defTabSz="914400" eaLnBrk="1" fontAlgn="auto" latinLnBrk="0" hangingPunct="1">
+              <a:lnSpc>
+                <a:spcPct val="100000"/>
+              </a:lnSpc>
+              <a:spcBef>
+                <a:spcPts val="0"/>
+              </a:spcBef>
+              <a:spcAft>
+                <a:spcPts val="0"/>
+              </a:spcAft>
+              <a:buClrTx/>
+              <a:buSzTx/>
+              <a:buFont typeface="Source Sans Pro" pitchFamily="34" charset="0"/>
+              <a:buNone/>
+              <a:tabLst/>
+              <a:defRPr/>
+            </a:pPr>
+            <a:r>
+              <a:rPr lang="en-US" dirty="0" smtClean="0">
+                <a:solidFill>
+                  <a:schemeClr val="tx1">
+                    <a:lumMod val="65000"/>
+                    <a:lumOff val="35000"/>
+                  </a:schemeClr>
+                </a:solidFill>
+                <a:ea typeface="+mn-ea"/>
+              </a:rPr>
+              <a:t>Step 4: Obtain a summary of the data, what is the year range of the data?</a:t>
+            </a:r>
+          </a:p>
+          <a:p>
+            <a:pPr marL="0" marR="0" lvl="2" indent="0" defTabSz="914400" eaLnBrk="1" fontAlgn="auto" latinLnBrk="0" hangingPunct="1">
+              <a:lnSpc>
+                <a:spcPct val="100000"/>
+              </a:lnSpc>
+              <a:spcBef>
+                <a:spcPts val="0"/>
+              </a:spcBef>
+              <a:spcAft>
+                <a:spcPts val="0"/>
+              </a:spcAft>
+              <a:buClrTx/>
+              <a:buSzTx/>
+              <a:buFont typeface="Source Sans Pro" pitchFamily="34" charset="0"/>
+              <a:buNone/>
+              <a:tabLst/>
+              <a:defRPr/>
+            </a:pPr>
+            <a:endParaRPr lang="en-US" dirty="0">
+              <a:solidFill>
+                <a:schemeClr val="tx1">
+                  <a:lumMod val="65000"/>
+                  <a:lumOff val="35000"/>
+                </a:schemeClr>
+              </a:solidFill>
+              <a:ea typeface="+mn-ea"/>
+            </a:endParaRPr>
+          </a:p>
+          <a:p>
+            <a:pPr marL="0" lvl="2" indent="0" defTabSz="914400" fontAlgn="auto">
+              <a:spcBef>
+                <a:spcPts val="0"/>
+              </a:spcBef>
+              <a:spcAft>
+                <a:spcPts val="0"/>
+              </a:spcAft>
+              <a:buClrTx/>
+              <a:buSzTx/>
+              <a:buNone/>
+              <a:defRPr/>
+            </a:pPr>
+            <a:r>
+              <a:rPr lang="en-US" dirty="0" smtClean="0">
+                <a:solidFill>
+                  <a:schemeClr val="tx1">
+                    <a:lumMod val="65000"/>
+                    <a:lumOff val="35000"/>
+                  </a:schemeClr>
+                </a:solidFill>
+                <a:ea typeface="+mn-ea"/>
+              </a:rPr>
+              <a:t>Step 5: </a:t>
+            </a:r>
+            <a:r>
+              <a:rPr lang="en-US" dirty="0"/>
+              <a:t>C</a:t>
+            </a:r>
+            <a:r>
+              <a:rPr lang="en-US" dirty="0" smtClean="0"/>
+              <a:t>alculate </a:t>
+            </a:r>
+            <a:r>
+              <a:rPr lang="en-US" dirty="0"/>
+              <a:t>the turnout rate using the voting eligible population </a:t>
+            </a:r>
+            <a:r>
+              <a:rPr lang="en-US" dirty="0" smtClean="0"/>
+              <a:t>(VEP).</a:t>
+            </a:r>
+          </a:p>
+          <a:p>
+            <a:pPr marL="0" lvl="2" indent="0" defTabSz="914400" fontAlgn="auto">
+              <a:spcBef>
+                <a:spcPts val="0"/>
+              </a:spcBef>
+              <a:spcAft>
+                <a:spcPts val="0"/>
+              </a:spcAft>
+              <a:buClrTx/>
+              <a:buSzTx/>
+              <a:buNone/>
+              <a:defRPr/>
+            </a:pPr>
+            <a:r>
+              <a:rPr lang="en-US" dirty="0" smtClean="0"/>
+              <a:t>[</a:t>
+            </a:r>
+            <a:r>
+              <a:rPr lang="en-US" dirty="0"/>
+              <a:t>hint: use </a:t>
+            </a:r>
+            <a:r>
+              <a:rPr lang="en-US" dirty="0" smtClean="0"/>
+              <a:t>the $ sign; please save it to a new variable </a:t>
+            </a:r>
+            <a:r>
+              <a:rPr lang="en-US" b="1" dirty="0" err="1" smtClean="0"/>
+              <a:t>vep_tr</a:t>
+            </a:r>
+            <a:r>
+              <a:rPr lang="en-US" dirty="0" smtClean="0"/>
+              <a:t>]</a:t>
+            </a:r>
+          </a:p>
+          <a:p>
+            <a:pPr marL="0" lvl="2" indent="0" defTabSz="914400" fontAlgn="auto">
+              <a:spcBef>
+                <a:spcPts val="0"/>
+              </a:spcBef>
+              <a:spcAft>
+                <a:spcPts val="0"/>
+              </a:spcAft>
+              <a:buClrTx/>
+              <a:buSzTx/>
+              <a:buNone/>
+              <a:defRPr/>
+            </a:pPr>
+            <a:endParaRPr lang="en-US" dirty="0" smtClean="0"/>
+          </a:p>
+          <a:p>
+            <a:pPr marL="0" lvl="2" indent="0" defTabSz="914400" fontAlgn="auto">
+              <a:spcBef>
+                <a:spcPts val="0"/>
+              </a:spcBef>
+              <a:spcAft>
+                <a:spcPts val="0"/>
+              </a:spcAft>
+              <a:buClrTx/>
+              <a:buSzTx/>
+              <a:buNone/>
+              <a:defRPr/>
+            </a:pPr>
+            <a:r>
+              <a:rPr lang="en-US" dirty="0" smtClean="0"/>
+              <a:t>Step 5: Create a new data object to store the first half election years’ observations. Save it to your existing working directory</a:t>
+            </a:r>
+            <a:r>
+              <a:rPr lang="en-US" dirty="0"/>
+              <a:t>, name the new csv file: </a:t>
+            </a:r>
+            <a:r>
+              <a:rPr lang="en-US" dirty="0" err="1"/>
+              <a:t>turnout_first_half.csv</a:t>
+            </a:r>
+            <a:endParaRPr lang="en-US" dirty="0"/>
+          </a:p>
+          <a:p>
+            <a:pPr marL="0" lvl="2" indent="0" defTabSz="914400" fontAlgn="auto">
+              <a:spcBef>
+                <a:spcPts val="0"/>
+              </a:spcBef>
+              <a:spcAft>
+                <a:spcPts val="0"/>
+              </a:spcAft>
+              <a:buClrTx/>
+              <a:buSzTx/>
+              <a:buNone/>
+              <a:defRPr/>
+            </a:pPr>
+            <a:endParaRPr lang="en-US" dirty="0"/>
+          </a:p>
+          <a:p>
+            <a:pPr marL="0" marR="0" lvl="2" indent="0" defTabSz="914400" eaLnBrk="1" fontAlgn="auto" latinLnBrk="0" hangingPunct="1">
+              <a:lnSpc>
+                <a:spcPct val="100000"/>
+              </a:lnSpc>
+              <a:spcBef>
+                <a:spcPts val="0"/>
+              </a:spcBef>
+              <a:spcAft>
+                <a:spcPts val="0"/>
+              </a:spcAft>
+              <a:buClrTx/>
+              <a:buSzTx/>
+              <a:buFont typeface="Source Sans Pro" pitchFamily="34" charset="0"/>
+              <a:buNone/>
+              <a:tabLst/>
+              <a:defRPr/>
+            </a:pPr>
+            <a:endParaRPr lang="en-US" dirty="0" smtClean="0">
+              <a:solidFill>
+                <a:schemeClr val="tx1">
+                  <a:lumMod val="65000"/>
+                  <a:lumOff val="35000"/>
+                </a:schemeClr>
+              </a:solidFill>
+              <a:ea typeface="+mn-ea"/>
+            </a:endParaRPr>
+          </a:p>
+          <a:p>
+            <a:pPr marL="0" marR="0" lvl="2" indent="0" defTabSz="914400" eaLnBrk="1" fontAlgn="auto" latinLnBrk="0" hangingPunct="1">
+              <a:lnSpc>
+                <a:spcPct val="100000"/>
+              </a:lnSpc>
+              <a:spcBef>
+                <a:spcPts val="0"/>
+              </a:spcBef>
+              <a:spcAft>
+                <a:spcPts val="0"/>
+              </a:spcAft>
+              <a:buClrTx/>
+              <a:buSzTx/>
+              <a:buFont typeface="Source Sans Pro" pitchFamily="34" charset="0"/>
+              <a:buNone/>
+              <a:tabLst/>
+              <a:defRPr/>
+            </a:pPr>
+            <a:endParaRPr lang="en-US" dirty="0" smtClean="0">
+              <a:solidFill>
+                <a:schemeClr val="tx1">
+                  <a:lumMod val="65000"/>
+                  <a:lumOff val="35000"/>
+                </a:schemeClr>
+              </a:solidFill>
+              <a:ea typeface="+mn-ea"/>
+            </a:endParaRPr>
+          </a:p>
+        </p:txBody>
+      </p:sp>
+    </p:spTree>
+    <p:extLst>
+      <p:ext uri="{BB962C8B-B14F-4D97-AF65-F5344CB8AC3E}">
+        <p14:creationId xmlns:p14="http://schemas.microsoft.com/office/powerpoint/2010/main" val="38813467"/>
+      </p:ext>
+    </p:extLst>
+  </p:cSld>
+  <p:clrMapOvr>
+    <a:masterClrMapping/>
+  </p:clrMapOvr>
+  <p:transition spd="slow">
+    <p:fade/>
+  </p:transition>
+  <p:timing>
+    <p:tnLst>
+      <p:par>
+        <p:cTn id="1" dur="indefinite" restart="never" nodeType="tmRoot"/>
+      </p:par>
+    </p:tnLst>
+  </p:timing>
+</p:sld>
+</file>
+
+<file path=ppt/slides/slide13.xml><?xml version="1.0" encoding="utf-8"?>
+<p:sld xmlns:a="http://schemas.openxmlformats.org/drawingml/2006/main" xmlns:r="http://schemas.openxmlformats.org/officeDocument/2006/relationships" xmlns:p="http://schemas.openxmlformats.org/presentationml/2006/main">
+  <p:cSld>
+    <p:spTree>
+      <p:nvGrpSpPr>
+        <p:cNvPr id="1" name=""/>
+        <p:cNvGrpSpPr/>
+        <p:nvPr/>
+      </p:nvGrpSpPr>
+      <p:grpSpPr>
+        <a:xfrm>
+          <a:off x="0" y="0"/>
+          <a:ext cx="0" cy="0"/>
+          <a:chOff x="0" y="0"/>
+          <a:chExt cx="0" cy="0"/>
+        </a:xfrm>
+      </p:grpSpPr>
+      <p:pic>
+        <p:nvPicPr>
+          <p:cNvPr id="2" name="Picture 1"/>
+          <p:cNvPicPr>
+            <a:picLocks noChangeAspect="1"/>
+          </p:cNvPicPr>
+          <p:nvPr/>
+        </p:nvPicPr>
+        <p:blipFill>
+          <a:blip r:embed="rId2">
+            <a:extLst>
+              <a:ext uri="{28A0092B-C50C-407E-A947-70E740481C1C}">
+                <a14:useLocalDpi xmlns:a14="http://schemas.microsoft.com/office/drawing/2010/main" val="0"/>
+              </a:ext>
+            </a:extLst>
+          </a:blip>
+          <a:stretch>
+            <a:fillRect/>
+          </a:stretch>
+        </p:blipFill>
+        <p:spPr>
+          <a:xfrm>
+            <a:off x="1721708" y="32788"/>
+            <a:ext cx="5212492" cy="4653511"/>
+          </a:xfrm>
+          <a:prstGeom prst="rect">
+            <a:avLst/>
+          </a:prstGeom>
+        </p:spPr>
+      </p:pic>
+    </p:spTree>
+    <p:extLst>
+      <p:ext uri="{BB962C8B-B14F-4D97-AF65-F5344CB8AC3E}">
+        <p14:creationId xmlns:p14="http://schemas.microsoft.com/office/powerpoint/2010/main" val="2063928717"/>
+      </p:ext>
+    </p:extLst>
+  </p:cSld>
+  <p:clrMapOvr>
+    <a:masterClrMapping/>
+  </p:clrMapOvr>
+  <p:transition spd="slow">
+    <p:fade/>
+  </p:transition>
+  <p:timing>
+    <p:tnLst>
+      <p:par>
+        <p:cTn id="1" dur="indefinite" restart="never" nodeType="tmRoot"/>
+      </p:par>
+    </p:tnLst>
+  </p:timing>
+</p:sld>
+</file>
+
 <file path=ppt/slides/slide2.xml><?xml version="1.0" encoding="utf-8"?>
 <p:sld xmlns:a="http://schemas.openxmlformats.org/drawingml/2006/main" xmlns:r="http://schemas.openxmlformats.org/officeDocument/2006/relationships" xmlns:p="http://schemas.openxmlformats.org/presentationml/2006/main">
   <p:cSld>
@@ -6995,7 +9826,14 @@
                 <a:latin typeface="Arial" charset="0"/>
                 <a:ea typeface="ＭＳ Ｐゴシック" charset="-128"/>
               </a:rPr>
-              <a:t>R basics</a:t>
+              <a:t>R </a:t>
+            </a:r>
+            <a:r>
+              <a:rPr lang="en-US" altLang="x-none" dirty="0" smtClean="0">
+                <a:latin typeface="Arial" charset="0"/>
+                <a:ea typeface="ＭＳ Ｐゴシック" charset="-128"/>
+              </a:rPr>
+              <a:t>interface: script, console and environment</a:t>
             </a:r>
             <a:endParaRPr lang="en-US" altLang="x-none" dirty="0">
               <a:latin typeface="Arial" charset="0"/>
@@ -7032,51 +9870,58 @@
           <a:p>
             <a:pPr lvl="1" eaLnBrk="1" hangingPunct="1"/>
             <a:r>
+              <a:rPr lang="en-US" altLang="x-none" b="1" dirty="0" smtClean="0">
+                <a:latin typeface="Arial" charset="0"/>
+                <a:ea typeface="ＭＳ Ｐゴシック" charset="-128"/>
+              </a:rPr>
+              <a:t>Objects (today)</a:t>
+            </a:r>
+            <a:endParaRPr lang="en-US" altLang="x-none" b="1" dirty="0">
+              <a:latin typeface="Arial" charset="0"/>
+              <a:ea typeface="ＭＳ Ｐゴシック" charset="-128"/>
+            </a:endParaRPr>
+          </a:p>
+          <a:p>
+            <a:pPr lvl="1" eaLnBrk="1" hangingPunct="1"/>
+            <a:r>
+              <a:rPr lang="en-US" altLang="x-none" b="1" dirty="0" smtClean="0">
+                <a:latin typeface="Arial" charset="0"/>
+                <a:ea typeface="ＭＳ Ｐゴシック" charset="-128"/>
+              </a:rPr>
+              <a:t>Vectors (today)</a:t>
+            </a:r>
+            <a:endParaRPr lang="en-US" altLang="x-none" b="1" dirty="0">
+              <a:latin typeface="Arial" charset="0"/>
+              <a:ea typeface="ＭＳ Ｐゴシック" charset="-128"/>
+            </a:endParaRPr>
+          </a:p>
+          <a:p>
+            <a:pPr lvl="1" eaLnBrk="1" hangingPunct="1"/>
+            <a:r>
               <a:rPr lang="en-US" altLang="x-none" dirty="0" smtClean="0">
                 <a:latin typeface="Arial" charset="0"/>
                 <a:ea typeface="ＭＳ Ｐゴシック" charset="-128"/>
               </a:rPr>
-              <a:t>Objects</a:t>
-            </a:r>
-            <a:endParaRPr lang="en-US" altLang="x-none" dirty="0">
-              <a:latin typeface="Arial" charset="0"/>
-              <a:ea typeface="ＭＳ Ｐゴシック" charset="-128"/>
-            </a:endParaRPr>
+              <a:t>Functions</a:t>
+            </a:r>
           </a:p>
           <a:p>
             <a:pPr lvl="1" eaLnBrk="1" hangingPunct="1"/>
             <a:r>
-              <a:rPr lang="en-US" altLang="x-none" dirty="0" smtClean="0">
+              <a:rPr lang="en-US" altLang="x-none" b="1" dirty="0" smtClean="0">
                 <a:latin typeface="Arial" charset="0"/>
                 <a:ea typeface="ＭＳ Ｐゴシック" charset="-128"/>
               </a:rPr>
-              <a:t>Vectors</a:t>
-            </a:r>
-            <a:endParaRPr lang="en-US" altLang="x-none" dirty="0">
-              <a:latin typeface="Arial" charset="0"/>
-              <a:ea typeface="ＭＳ Ｐゴシック" charset="-128"/>
-            </a:endParaRPr>
-          </a:p>
-          <a:p>
-            <a:pPr lvl="1" eaLnBrk="1" hangingPunct="1"/>
-            <a:r>
-              <a:rPr lang="en-US" altLang="x-none" dirty="0" smtClean="0">
+              <a:t>Data </a:t>
+            </a:r>
+            <a:r>
+              <a:rPr lang="en-US" altLang="x-none" b="1" dirty="0" smtClean="0">
                 <a:latin typeface="Arial" charset="0"/>
                 <a:ea typeface="ＭＳ Ｐゴシック" charset="-128"/>
               </a:rPr>
-              <a:t>Functions</a:t>
-            </a:r>
-          </a:p>
-          <a:p>
-            <a:pPr lvl="1" eaLnBrk="1" hangingPunct="1"/>
-            <a:r>
-              <a:rPr lang="en-US" altLang="x-none" dirty="0" smtClean="0">
-                <a:latin typeface="Arial" charset="0"/>
-                <a:ea typeface="ＭＳ Ｐゴシック" charset="-128"/>
-              </a:rPr>
-              <a:t>Data Files</a:t>
-            </a:r>
-            <a:endParaRPr lang="en-US" altLang="x-none" dirty="0">
+              <a:t>Files (today)</a:t>
+            </a:r>
+            <a:endParaRPr lang="en-US" altLang="x-none" b="1" dirty="0">
               <a:latin typeface="Arial" charset="0"/>
               <a:ea typeface="ＭＳ Ｐゴシック" charset="-128"/>
             </a:endParaRPr>
@@ -7102,7 +9947,7 @@
           <p:nvPr/>
         </p:nvPicPr>
         <p:blipFill>
-          <a:blip r:embed="rId2">
+          <a:blip r:embed="rId3">
             <a:extLst>
               <a:ext uri="{28A0092B-C50C-407E-A947-70E740481C1C}">
                 <a14:useLocalDpi xmlns:a14="http://schemas.microsoft.com/office/drawing/2010/main" val="0"/>
@@ -7132,7 +9977,7 @@
           <p:nvPr/>
         </p:nvPicPr>
         <p:blipFill>
-          <a:blip r:embed="rId3">
+          <a:blip r:embed="rId4">
             <a:extLst>
               <a:ext uri="{28A0092B-C50C-407E-A947-70E740481C1C}">
                 <a14:useLocalDpi xmlns:a14="http://schemas.microsoft.com/office/drawing/2010/main" val="0"/>
@@ -7406,11 +10251,19 @@
             <a:pPr lvl="1"/>
             <a:r>
               <a:rPr lang="en-US" dirty="0" smtClean="0"/>
-              <a:t>learn by doing, not by reading </a:t>
-            </a:r>
-          </a:p>
-          <a:p>
-            <a:pPr lvl="1" eaLnBrk="1" hangingPunct="1"/>
+              <a:t>learn by </a:t>
+            </a:r>
+            <a:r>
+              <a:rPr lang="en-US" b="1" dirty="0" smtClean="0"/>
+              <a:t>doing</a:t>
+            </a:r>
+            <a:r>
+              <a:rPr lang="en-US" dirty="0" smtClean="0"/>
+              <a:t>, not by reading </a:t>
+            </a:r>
+          </a:p>
+          <a:p>
+            <a:pPr lvl="1"/>
             <a:r>
               <a:rPr lang="en-US" altLang="x-none" dirty="0">
                 <a:latin typeface="Arial" charset="0"/>
@@ -7423,87 +10276,52 @@
                 <a:latin typeface="Arial" charset="0"/>
                 <a:ea typeface="ＭＳ Ｐゴシック" charset="-128"/>
               </a:rPr>
-              <a:t>earn by asking questions, finding sources independently, and sharing knowledge.</a:t>
-            </a:r>
-          </a:p>
-          <a:p>
-            <a:pPr lvl="1" eaLnBrk="1" hangingPunct="1"/>
+              <a:t>earn by asking questions, finding sources independently, and sharing </a:t>
+            </a:r>
             <a:r>
               <a:rPr lang="en-US" altLang="x-none" dirty="0" smtClean="0">
                 <a:latin typeface="Arial" charset="0"/>
                 <a:ea typeface="ＭＳ Ｐゴシック" charset="-128"/>
               </a:rPr>
-              <a:t>learn by commenting code lines</a:t>
-            </a:r>
-          </a:p>
-          <a:p>
-            <a:pPr lvl="1"/>
-            <a:r>
-              <a:rPr lang="en-US" altLang="x-none" dirty="0" smtClean="0">
+              <a:t>knowledge</a:t>
+            </a:r>
+            <a:r>
+              <a:rPr lang="en-US" altLang="x-none" dirty="0">
                 <a:latin typeface="Arial" charset="0"/>
                 <a:ea typeface="ＭＳ Ｐゴシック" charset="-128"/>
-                <a:hlinkClick r:id="rId2"/>
-              </a:rPr>
-              <a:t>http://stackoverflow.com</a:t>
-            </a:r>
-            <a:r>
-              <a:rPr lang="en-US" altLang="x-none" dirty="0" smtClean="0">
+              </a:rPr>
+              <a:t> </a:t>
+            </a:r>
+            <a:r>
+              <a:rPr lang="en-US" altLang="x-none" b="1" dirty="0">
                 <a:latin typeface="Arial" charset="0"/>
                 <a:ea typeface="ＭＳ Ｐゴシック" charset="-128"/>
+                <a:hlinkClick r:id="rId3"/>
+              </a:rPr>
+              <a:t>http://stackoverflow.com</a:t>
+            </a:r>
+            <a:r>
+              <a:rPr lang="en-US" altLang="x-none" b="1" dirty="0">
+                <a:latin typeface="Arial" charset="0"/>
+                <a:ea typeface="ＭＳ Ｐゴシック" charset="-128"/>
               </a:rPr>
               <a:t> </a:t>
             </a:r>
-          </a:p>
-          <a:p>
-            <a:pPr marL="0" lvl="1" indent="0">
-              <a:buNone/>
-            </a:pPr>
             <a:endParaRPr lang="en-US" altLang="x-none" dirty="0" smtClean="0">
               <a:latin typeface="Arial" charset="0"/>
               <a:ea typeface="ＭＳ Ｐゴシック" charset="-128"/>
             </a:endParaRPr>
           </a:p>
           <a:p>
-            <a:pPr marL="0" lvl="1" indent="0">
-              <a:buNone/>
-            </a:pPr>
-            <a:r>
-              <a:rPr lang="en-US" altLang="x-none" dirty="0" smtClean="0">
-                <a:solidFill>
-                  <a:schemeClr val="tx1"/>
-                </a:solidFill>
-                <a:latin typeface="Arial" charset="0"/>
-                <a:ea typeface="ＭＳ Ｐゴシック" charset="-128"/>
-              </a:rPr>
-              <a:t>What does R look like?</a:t>
-            </a:r>
-          </a:p>
-          <a:p>
-            <a:pPr marL="0" lvl="1" indent="0">
-              <a:buNone/>
-            </a:pPr>
+            <a:pPr lvl="1" eaLnBrk="1" hangingPunct="1"/>
             <a:r>
               <a:rPr lang="en-US" altLang="x-none" dirty="0" smtClean="0">
                 <a:latin typeface="Arial" charset="0"/>
                 <a:ea typeface="ＭＳ Ｐゴシック" charset="-128"/>
               </a:rPr>
-              <a:t>Open R studio</a:t>
-            </a:r>
-            <a:r>
-              <a:rPr lang="mr-IN" altLang="x-none" dirty="0" smtClean="0">
-                <a:latin typeface="Arial" charset="0"/>
-                <a:ea typeface="ＭＳ Ｐゴシック" charset="-128"/>
-              </a:rPr>
-              <a:t>……</a:t>
+              <a:t>learn by helping each other! Programming is a team work.</a:t>
             </a:r>
             <a:endParaRPr lang="en-US" altLang="x-none" dirty="0" smtClean="0">
-              <a:latin typeface="Arial" charset="0"/>
-              <a:ea typeface="ＭＳ Ｐゴシック" charset="-128"/>
-            </a:endParaRPr>
-          </a:p>
-          <a:p>
-            <a:pPr lvl="1"/>
-            <a:endParaRPr lang="en-US" altLang="x-none" dirty="0">
               <a:latin typeface="Arial" charset="0"/>
               <a:ea typeface="ＭＳ Ｐゴシック" charset="-128"/>
             </a:endParaRPr>
@@ -7663,7 +10481,7 @@
         </p:spPr>
         <p:txBody>
           <a:bodyPr>
-            <a:normAutofit lnSpcReduction="10000"/>
+            <a:normAutofit fontScale="92500" lnSpcReduction="20000"/>
           </a:bodyPr>
           <a:lstStyle/>
           <a:p>
@@ -7676,50 +10494,109 @@
               <a:defRPr/>
             </a:pPr>
             <a:r>
+              <a:rPr lang="en-US" dirty="0" err="1" smtClean="0"/>
+              <a:t>RStudio</a:t>
+            </a:r>
+            <a:r>
+              <a:rPr lang="en-US" dirty="0" smtClean="0"/>
+              <a:t> </a:t>
+            </a:r>
+            <a:r>
+              <a:rPr lang="en-US" dirty="0" smtClean="0"/>
+              <a:t>Interface: </a:t>
+            </a:r>
+            <a:r>
               <a:rPr lang="en-US" dirty="0" smtClean="0">
-                <a:ea typeface="+mn-ea"/>
-                <a:cs typeface="+mn-cs"/>
-              </a:rPr>
-              <a:t>Install </a:t>
-            </a:r>
-            <a:r>
-              <a:rPr lang="en-US" dirty="0" err="1" smtClean="0">
-                <a:ea typeface="+mn-ea"/>
-                <a:cs typeface="+mn-cs"/>
-              </a:rPr>
-              <a:t>RStudio</a:t>
+                <a:solidFill>
+                  <a:schemeClr val="tx1">
+                    <a:lumMod val="75000"/>
+                    <a:lumOff val="25000"/>
+                  </a:schemeClr>
+                </a:solidFill>
+              </a:rPr>
+              <a:t>text editor (write </a:t>
             </a:r>
             <a:r>
               <a:rPr lang="en-US" dirty="0" smtClean="0">
-                <a:ea typeface="+mn-ea"/>
-                <a:cs typeface="+mn-cs"/>
-              </a:rPr>
-              <a:t/>
-            </a:r>
-            <a:br>
+                <a:solidFill>
+                  <a:schemeClr val="tx1">
+                    <a:lumMod val="75000"/>
+                    <a:lumOff val="25000"/>
+                  </a:schemeClr>
+                </a:solidFill>
+              </a:rPr>
+              <a:t>code/</a:t>
+            </a:r>
+            <a:r>
+              <a:rPr lang="en-US" b="1" dirty="0" smtClean="0">
+                <a:solidFill>
+                  <a:schemeClr val="tx1">
+                    <a:lumMod val="75000"/>
+                    <a:lumOff val="25000"/>
+                  </a:schemeClr>
+                </a:solidFill>
+              </a:rPr>
+              <a:t>script</a:t>
+            </a:r>
+            <a:r>
               <a:rPr lang="en-US" dirty="0" smtClean="0">
-                <a:ea typeface="+mn-ea"/>
-                <a:cs typeface="+mn-cs"/>
-              </a:rPr>
-            </a:br>
+                <a:solidFill>
+                  <a:schemeClr val="tx1">
+                    <a:lumMod val="75000"/>
+                    <a:lumOff val="25000"/>
+                  </a:schemeClr>
+                </a:solidFill>
+              </a:rPr>
+              <a:t>), </a:t>
+            </a:r>
+            <a:r>
+              <a:rPr lang="en-US" b="1" dirty="0" smtClean="0">
+                <a:solidFill>
+                  <a:schemeClr val="tx1">
+                    <a:lumMod val="75000"/>
+                    <a:lumOff val="25000"/>
+                  </a:schemeClr>
+                </a:solidFill>
+              </a:rPr>
+              <a:t>console</a:t>
+            </a:r>
             <a:r>
               <a:rPr lang="en-US" dirty="0" smtClean="0">
-                <a:hlinkClick r:id="rId2"/>
-              </a:rPr>
-              <a:t>www.rstudio.com</a:t>
-            </a:r>
-            <a:r>
-              <a:rPr lang="en-US" dirty="0"/>
-              <a:t> </a:t>
-            </a:r>
-            <a:endParaRPr lang="en-US" dirty="0" smtClean="0">
+                <a:solidFill>
+                  <a:schemeClr val="tx1">
+                    <a:lumMod val="75000"/>
+                    <a:lumOff val="25000"/>
+                  </a:schemeClr>
+                </a:solidFill>
+              </a:rPr>
+              <a:t> (execute code), graphic viewer (view graphs we make</a:t>
+            </a:r>
+            <a:r>
+              <a:rPr lang="en-US" dirty="0" smtClean="0">
+                <a:solidFill>
+                  <a:schemeClr val="tx1">
+                    <a:lumMod val="75000"/>
+                    <a:lumOff val="25000"/>
+                  </a:schemeClr>
+                </a:solidFill>
+              </a:rPr>
+              <a:t>)</a:t>
+            </a:r>
+          </a:p>
+          <a:p>
+            <a:pPr marL="0" indent="0" fontAlgn="auto">
+              <a:spcAft>
+                <a:spcPts val="0"/>
+              </a:spcAft>
+              <a:defRPr/>
+            </a:pPr>
+            <a:endParaRPr lang="en-US" dirty="0">
               <a:solidFill>
                 <a:schemeClr val="tx1">
-                  <a:lumMod val="65000"/>
-                  <a:lumOff val="35000"/>
+                  <a:lumMod val="75000"/>
+                  <a:lumOff val="25000"/>
                 </a:schemeClr>
               </a:solidFill>
-              <a:ea typeface="+mn-ea"/>
             </a:endParaRPr>
           </a:p>
           <a:p>
@@ -7732,12 +10609,15 @@
               <a:defRPr/>
             </a:pPr>
             <a:r>
-              <a:rPr lang="en-US" dirty="0" err="1" smtClean="0"/>
-              <a:t>RStudio</a:t>
-            </a:r>
-            <a:r>
               <a:rPr lang="en-US" dirty="0" smtClean="0"/>
-              <a:t> Interface: </a:t>
+              <a:t>Set up a New Script</a:t>
+            </a:r>
+            <a:br>
+              <a:rPr lang="en-US" dirty="0" smtClean="0"/>
+            </a:br>
+            <a:r>
+              <a:rPr lang="en-US" dirty="0" smtClean="0"/>
+              <a:t>Click: </a:t>
             </a:r>
             <a:r>
               <a:rPr lang="en-US" dirty="0" smtClean="0">
@@ -7748,16 +10628,30 @@
                   </a:schemeClr>
                 </a:solidFill>
               </a:rPr>
-              <a:t>text editor (write code), console (execute code), graphic viewer (view graphs we make)</a:t>
-            </a:r>
-            <a:endParaRPr lang="en-US" dirty="0">
-              <a:solidFill>
-                <a:schemeClr val="tx1">
-                  <a:lumMod val="75000"/>
-                  <a:lumOff val="25000"/>
-                </a:schemeClr>
-              </a:solidFill>
-            </a:endParaRPr>
+              <a:t>File (on top of your screen) </a:t>
+            </a:r>
+            <a:r>
+              <a:rPr lang="en-US" dirty="0">
+                <a:solidFill>
+                  <a:schemeClr val="tx1">
+                    <a:lumMod val="75000"/>
+                    <a:lumOff val="25000"/>
+                  </a:schemeClr>
+                </a:solidFill>
+              </a:rPr>
+              <a:t>→ New File → R </a:t>
+            </a:r>
+            <a:r>
+              <a:rPr lang="en-US" dirty="0" smtClean="0">
+                <a:solidFill>
+                  <a:schemeClr val="tx1">
+                    <a:lumMod val="75000"/>
+                    <a:lumOff val="25000"/>
+                  </a:schemeClr>
+                </a:solidFill>
+              </a:rPr>
+              <a:t>Script</a:t>
+            </a:r>
           </a:p>
           <a:p>
             <a:pPr marL="285750" indent="-285750" fontAlgn="auto">
@@ -7768,35 +10662,14 @@
               <a:buChar char="•"/>
               <a:defRPr/>
             </a:pPr>
-            <a:r>
-              <a:rPr lang="en-US" dirty="0" smtClean="0"/>
-              <a:t>Set up a New Script</a:t>
-            </a:r>
-            <a:br>
-              <a:rPr lang="en-US" dirty="0" smtClean="0"/>
-            </a:br>
-            <a:r>
-              <a:rPr lang="en-US" dirty="0">
-                <a:solidFill>
-                  <a:schemeClr val="tx1">
-                    <a:lumMod val="75000"/>
-                    <a:lumOff val="25000"/>
-                  </a:schemeClr>
-                </a:solidFill>
-              </a:rPr>
-              <a:t>File → New File → R </a:t>
-            </a:r>
-            <a:r>
-              <a:rPr lang="en-US" dirty="0" smtClean="0">
-                <a:solidFill>
-                  <a:schemeClr val="tx1">
-                    <a:lumMod val="75000"/>
-                    <a:lumOff val="25000"/>
-                  </a:schemeClr>
-                </a:solidFill>
-              </a:rPr>
-              <a:t>Script</a:t>
-            </a:r>
+            <a:endParaRPr lang="en-US" dirty="0" smtClean="0">
+              <a:solidFill>
+                <a:schemeClr val="tx1">
+                  <a:lumMod val="75000"/>
+                  <a:lumOff val="25000"/>
+                </a:schemeClr>
+              </a:solidFill>
+            </a:endParaRPr>
           </a:p>
           <a:p>
             <a:pPr marL="285750" indent="-285750" fontAlgn="auto">
@@ -7835,9 +10708,9 @@
                   </a:schemeClr>
                 </a:solidFill>
               </a:rPr>
-              <a:t>working directory is a folder in your local computer to store all your data files, script and the newly generated R files.”</a:t>
-            </a:r>
-            <a:br>
+              <a:t>working directory is a folder in your local computer to store all your data files, script and the newly generated R files</a:t>
+            </a:r>
+            <a:r>
               <a:rPr lang="en-US" dirty="0" smtClean="0">
                 <a:solidFill>
                   <a:schemeClr val="tx1">
@@ -7846,90 +10719,7 @@
                   </a:schemeClr>
                 </a:solidFill>
               </a:rPr>
-            </a:br>
-            <a:r>
-              <a:rPr lang="en-US" sz="1500" dirty="0" err="1" smtClean="0">
-                <a:solidFill>
-                  <a:schemeClr val="tx1">
-                    <a:lumMod val="65000"/>
-                    <a:lumOff val="35000"/>
-                  </a:schemeClr>
-                </a:solidFill>
-                <a:latin typeface="Courier New" charset="0"/>
-                <a:ea typeface="Courier New" charset="0"/>
-                <a:cs typeface="Courier New" charset="0"/>
-              </a:rPr>
-              <a:t>setwd</a:t>
-            </a:r>
-            <a:r>
-              <a:rPr lang="en-US" sz="1500" dirty="0" smtClean="0">
-                <a:solidFill>
-                  <a:schemeClr val="tx1">
-                    <a:lumMod val="65000"/>
-                    <a:lumOff val="35000"/>
-                  </a:schemeClr>
-                </a:solidFill>
-                <a:latin typeface="Courier New" charset="0"/>
-                <a:ea typeface="Courier New" charset="0"/>
-                <a:cs typeface="Courier New" charset="0"/>
-              </a:rPr>
-              <a:t>(“~/Users/</a:t>
-            </a:r>
-            <a:r>
-              <a:rPr lang="en-US" sz="1500" dirty="0" err="1" smtClean="0">
-                <a:solidFill>
-                  <a:schemeClr val="tx1">
-                    <a:lumMod val="65000"/>
-                    <a:lumOff val="35000"/>
-                  </a:schemeClr>
-                </a:solidFill>
-                <a:latin typeface="Courier New" charset="0"/>
-                <a:ea typeface="Courier New" charset="0"/>
-                <a:cs typeface="Courier New" charset="0"/>
-              </a:rPr>
-              <a:t>kaipingchen</a:t>
-            </a:r>
-            <a:r>
-              <a:rPr lang="en-US" sz="1500" dirty="0" smtClean="0">
-                <a:solidFill>
-                  <a:schemeClr val="tx1">
-                    <a:lumMod val="65000"/>
-                    <a:lumOff val="35000"/>
-                  </a:schemeClr>
-                </a:solidFill>
-                <a:latin typeface="Courier New" charset="0"/>
-                <a:ea typeface="Courier New" charset="0"/>
-                <a:cs typeface="Courier New" charset="0"/>
-              </a:rPr>
-              <a:t>/comm106206/</a:t>
-            </a:r>
-            <a:r>
-              <a:rPr lang="en-US" sz="1500" dirty="0" err="1" smtClean="0">
-                <a:solidFill>
-                  <a:schemeClr val="tx1">
-                    <a:lumMod val="65000"/>
-                    <a:lumOff val="35000"/>
-                  </a:schemeClr>
-                </a:solidFill>
-                <a:latin typeface="Courier New" charset="0"/>
-                <a:ea typeface="Courier New" charset="0"/>
-                <a:cs typeface="Courier New" charset="0"/>
-              </a:rPr>
-              <a:t>BeatR</a:t>
-            </a:r>
-            <a:r>
-              <a:rPr lang="en-US" sz="1500" dirty="0" smtClean="0">
-                <a:solidFill>
-                  <a:schemeClr val="tx1">
-                    <a:lumMod val="65000"/>
-                    <a:lumOff val="35000"/>
-                  </a:schemeClr>
-                </a:solidFill>
-                <a:latin typeface="Courier New" charset="0"/>
-                <a:ea typeface="Courier New" charset="0"/>
-                <a:cs typeface="Courier New" charset="0"/>
-              </a:rPr>
-              <a:t>”) </a:t>
+              <a:t>.”</a:t>
             </a:r>
           </a:p>
           <a:p>
@@ -7940,71 +10730,76 @@
               <a:defRPr/>
             </a:pPr>
             <a:r>
-              <a:rPr lang="en-US" sz="1500" dirty="0">
+              <a:rPr lang="en-US" dirty="0">
                 <a:solidFill>
                   <a:schemeClr val="tx1">
-                    <a:lumMod val="65000"/>
-                    <a:lumOff val="35000"/>
+                    <a:lumMod val="75000"/>
+                    <a:lumOff val="25000"/>
                   </a:schemeClr>
                 </a:solidFill>
-                <a:latin typeface="Courier New" charset="0"/>
-                <a:ea typeface="Courier New" charset="0"/>
-                <a:cs typeface="Courier New" charset="0"/>
               </a:rPr>
               <a:t> </a:t>
             </a:r>
             <a:r>
-              <a:rPr lang="en-US" sz="1500" dirty="0" smtClean="0">
+              <a:rPr lang="en-US" dirty="0" smtClean="0">
                 <a:solidFill>
                   <a:schemeClr val="tx1">
-                    <a:lumMod val="65000"/>
-                    <a:lumOff val="35000"/>
+                    <a:lumMod val="75000"/>
+                    <a:lumOff val="25000"/>
                   </a:schemeClr>
                 </a:solidFill>
-                <a:latin typeface="Courier New" charset="0"/>
-                <a:ea typeface="Courier New" charset="0"/>
-                <a:cs typeface="Courier New" charset="0"/>
-              </a:rPr>
-              <a:t> </a:t>
-            </a:r>
-            <a:r>
-              <a:rPr lang="en-US" sz="1500" dirty="0" err="1" smtClean="0">
+              </a:rPr>
+              <a:t>   How to set up?</a:t>
+            </a:r>
+            <a:br>
+              <a:rPr lang="en-US" dirty="0" smtClean="0">
                 <a:solidFill>
                   <a:schemeClr val="tx1">
-                    <a:lumMod val="65000"/>
-                    <a:lumOff val="35000"/>
+                    <a:lumMod val="75000"/>
+                    <a:lumOff val="25000"/>
                   </a:schemeClr>
                 </a:solidFill>
-                <a:latin typeface="Courier New" charset="0"/>
-                <a:ea typeface="Courier New" charset="0"/>
-                <a:cs typeface="Courier New" charset="0"/>
-              </a:rPr>
-              <a:t>getwd</a:t>
-            </a:r>
-            <a:r>
-              <a:rPr lang="en-US" sz="1500" dirty="0" smtClean="0">
+              </a:rPr>
+            </a:br>
+            <a:r>
+              <a:rPr lang="en-US" dirty="0" smtClean="0">
                 <a:solidFill>
                   <a:schemeClr val="tx1">
-                    <a:lumMod val="65000"/>
-                    <a:lumOff val="35000"/>
+                    <a:lumMod val="75000"/>
+                    <a:lumOff val="25000"/>
                   </a:schemeClr>
                 </a:solidFill>
-                <a:latin typeface="Courier New" charset="0"/>
-                <a:ea typeface="Courier New" charset="0"/>
-                <a:cs typeface="Courier New" charset="0"/>
-              </a:rPr>
-              <a:t>()</a:t>
-            </a:r>
-            <a:endParaRPr lang="en-US" sz="1500" dirty="0">
+              </a:rPr>
+              <a:t>   </a:t>
+            </a:r>
+            <a:r>
+              <a:rPr lang="en-US" dirty="0" smtClean="0">
+                <a:solidFill>
+                  <a:srgbClr val="C00000"/>
+                </a:solidFill>
+              </a:rPr>
+              <a:t>Click Files (in the graphic viewer box) -&gt; click further into the folder  where you save your data and script -&gt;   click the button More and save as working directory</a:t>
+            </a:r>
+            <a:endParaRPr lang="en-US" dirty="0">
+              <a:solidFill>
+                <a:srgbClr val="C00000"/>
+              </a:solidFill>
+            </a:endParaRPr>
+          </a:p>
+          <a:p>
+            <a:pPr marL="0" indent="0" fontAlgn="auto">
+              <a:spcAft>
+                <a:spcPts val="0"/>
+              </a:spcAft>
+              <a:defRPr/>
+            </a:pPr>
+            <a:endParaRPr lang="en-US" dirty="0" smtClean="0">
               <a:solidFill>
                 <a:schemeClr val="tx1">
-                  <a:lumMod val="65000"/>
-                  <a:lumOff val="35000"/>
+                  <a:lumMod val="75000"/>
+                  <a:lumOff val="25000"/>
                 </a:schemeClr>
               </a:solidFill>
-              <a:latin typeface="Courier New" charset="0"/>
-              <a:ea typeface="Courier New" charset="0"/>
-              <a:cs typeface="Courier New" charset="0"/>
             </a:endParaRPr>
           </a:p>
           <a:p>
@@ -8018,22 +10813,22 @@
             </a:pPr>
             <a:r>
               <a:rPr lang="en-US" dirty="0" smtClean="0"/>
-              <a:t>Save </a:t>
-            </a:r>
-            <a:r>
-              <a:rPr lang="en-US" dirty="0"/>
-              <a:t>y</a:t>
+              <a:t>Save your Script</a:t>
             </a:r>
             <a:r>
               <a:rPr lang="en-US" dirty="0" smtClean="0"/>
-              <a:t>our Work</a:t>
+              <a:t/>
             </a:r>
             <a:br>
               <a:rPr lang="en-US" dirty="0" smtClean="0"/>
             </a:br>
             <a:r>
               <a:rPr lang="en-US" dirty="0" smtClean="0"/>
-              <a:t>save a script: File </a:t>
+              <a:t>Click: </a:t>
+            </a:r>
+            <a:r>
+              <a:rPr lang="en-US" dirty="0" smtClean="0"/>
+              <a:t>File </a:t>
             </a:r>
             <a:r>
               <a:rPr lang="en-US" dirty="0"/>
@@ -8041,74 +10836,8 @@
             </a:r>
             <a:r>
               <a:rPr lang="en-US" dirty="0" smtClean="0"/>
-              <a:t>Save</a:t>
-            </a:r>
-            <a:br>
-              <a:rPr lang="en-US" dirty="0" smtClean="0"/>
-            </a:br>
-            <a:r>
-              <a:rPr lang="en-US" dirty="0" smtClean="0"/>
-              <a:t>save data files: </a:t>
-            </a:r>
-            <a:r>
-              <a:rPr lang="en-US" sz="1400" dirty="0" err="1" smtClean="0">
-                <a:latin typeface="Courier New" charset="0"/>
-                <a:ea typeface="Courier New" charset="0"/>
-                <a:cs typeface="Courier New" charset="0"/>
-              </a:rPr>
-              <a:t>write.csv</a:t>
-            </a:r>
-            <a:r>
-              <a:rPr lang="en-US" sz="1400" dirty="0" smtClean="0">
-                <a:latin typeface="Courier New" charset="0"/>
-                <a:ea typeface="Courier New" charset="0"/>
-                <a:cs typeface="Courier New" charset="0"/>
-              </a:rPr>
-              <a:t>(data generated by R, </a:t>
-            </a:r>
-            <a:r>
-              <a:rPr lang="en-US" sz="1400" dirty="0" smtClean="0">
-                <a:latin typeface="Courier New" charset="0"/>
-                <a:ea typeface="Courier New" charset="0"/>
-                <a:cs typeface="Courier New" charset="0"/>
-              </a:rPr>
-              <a:t>“</a:t>
-            </a:r>
-            <a:r>
-              <a:rPr lang="en-US" sz="1400" dirty="0" err="1" smtClean="0">
-                <a:latin typeface="Courier New" charset="0"/>
-                <a:ea typeface="Courier New" charset="0"/>
-                <a:cs typeface="Courier New" charset="0"/>
-              </a:rPr>
-              <a:t>XXX.csv</a:t>
-            </a:r>
-            <a:r>
-              <a:rPr lang="en-US" sz="1400" dirty="0" smtClean="0">
-                <a:latin typeface="Courier New" charset="0"/>
-                <a:ea typeface="Courier New" charset="0"/>
-                <a:cs typeface="Courier New" charset="0"/>
-              </a:rPr>
-              <a:t>”)</a:t>
-            </a:r>
-            <a:endParaRPr lang="en-US" sz="1400" dirty="0" smtClean="0">
-              <a:solidFill>
-                <a:schemeClr val="tx1">
-                  <a:lumMod val="65000"/>
-                  <a:lumOff val="35000"/>
-                </a:schemeClr>
-              </a:solidFill>
-              <a:ea typeface="+mn-ea"/>
-            </a:endParaRPr>
-          </a:p>
-          <a:p>
-            <a:pPr lvl="2" eaLnBrk="1" fontAlgn="auto" hangingPunct="1">
-              <a:spcAft>
-                <a:spcPts val="0"/>
-              </a:spcAft>
-              <a:buFont typeface="Source Sans Pro" pitchFamily="34" charset="0"/>
-              <a:buChar char="›"/>
-              <a:defRPr/>
-            </a:pPr>
+              <a:t>Save </a:t>
+            </a:r>
             <a:endParaRPr lang="en-US" dirty="0" smtClean="0">
               <a:solidFill>
                 <a:schemeClr val="tx1">
@@ -8168,8 +10897,8 @@
         </p:nvSpPr>
         <p:spPr>
           <a:xfrm>
-            <a:off x="949325" y="358775"/>
-            <a:ext cx="7707313" cy="488950"/>
+            <a:off x="955675" y="358775"/>
+            <a:ext cx="7700963" cy="488950"/>
           </a:xfrm>
         </p:spPr>
         <p:txBody>
@@ -8179,12 +10908,18 @@
             <a:pPr eaLnBrk="1" hangingPunct="1"/>
             <a:r>
               <a:rPr lang="en-US" altLang="x-none" dirty="0" smtClean="0">
+                <a:solidFill>
+                  <a:srgbClr val="002060"/>
+                </a:solidFill>
                 <a:latin typeface="Arial" charset="0"/>
                 <a:ea typeface="ＭＳ Ｐゴシック" charset="-128"/>
               </a:rPr>
-              <a:t>Key Concepts</a:t>
+              <a:t>Exercise: Script and Working Directory</a:t>
             </a:r>
             <a:endParaRPr lang="en-US" altLang="x-none" dirty="0">
+              <a:solidFill>
+                <a:srgbClr val="002060"/>
+              </a:solidFill>
               <a:latin typeface="Arial" charset="0"/>
               <a:ea typeface="ＭＳ Ｐゴシック" charset="-128"/>
             </a:endParaRPr>
@@ -8204,47 +10939,30 @@
         <p:spPr>
           <a:xfrm>
             <a:off x="955675" y="908050"/>
-            <a:ext cx="7941190" cy="3938588"/>
+            <a:ext cx="6993839" cy="3938588"/>
           </a:xfrm>
         </p:spPr>
         <p:txBody>
           <a:bodyPr>
-            <a:normAutofit fontScale="70000" lnSpcReduction="20000"/>
+            <a:normAutofit/>
           </a:bodyPr>
           <a:lstStyle/>
           <a:p>
-            <a:pPr marL="0" indent="0" eaLnBrk="1" fontAlgn="auto" hangingPunct="1">
+            <a:pPr marL="0" marR="0" lvl="2" indent="0" defTabSz="914400" eaLnBrk="1" fontAlgn="auto" latinLnBrk="0" hangingPunct="1">
+              <a:lnSpc>
+                <a:spcPct val="100000"/>
+              </a:lnSpc>
+              <a:spcBef>
+                <a:spcPts val="0"/>
+              </a:spcBef>
               <a:spcAft>
                 <a:spcPts val="0"/>
               </a:spcAft>
-              <a:buFont typeface="Arial"/>
+              <a:buClrTx/>
+              <a:buSzTx/>
+              <a:buFont typeface="Source Sans Pro" pitchFamily="34" charset="0"/>
               <a:buNone/>
-              <a:defRPr/>
-            </a:pPr>
-            <a:r>
-              <a:rPr lang="en-US" dirty="0" smtClean="0">
-                <a:ea typeface="+mn-ea"/>
-                <a:cs typeface="+mn-cs"/>
-              </a:rPr>
-              <a:t>Object</a:t>
-            </a:r>
-            <a:endParaRPr lang="en-US" dirty="0" smtClean="0">
-              <a:solidFill>
-                <a:schemeClr val="tx1">
-                  <a:lumMod val="65000"/>
-                  <a:lumOff val="35000"/>
-                </a:schemeClr>
-              </a:solidFill>
-              <a:ea typeface="+mn-ea"/>
-            </a:endParaRPr>
-          </a:p>
-          <a:p>
-            <a:pPr lvl="1" eaLnBrk="1" fontAlgn="auto" hangingPunct="1">
-              <a:spcAft>
-                <a:spcPts val="0"/>
-              </a:spcAft>
-              <a:buFont typeface="Wingdings" pitchFamily="2" charset="2"/>
-              <a:buChar char="§"/>
+              <a:tabLst/>
               <a:defRPr/>
             </a:pPr>
             <a:r>
@@ -8257,20 +10975,10 @@
                 </a:solidFill>
                 <a:ea typeface="+mn-ea"/>
               </a:rPr>
-              <a:t>Shortcuts to some piece of information.  </a:t>
-            </a:r>
-          </a:p>
-          <a:p>
-            <a:pPr lvl="1" eaLnBrk="1" fontAlgn="auto" hangingPunct="1">
-              <a:spcAft>
-                <a:spcPts val="0"/>
-              </a:spcAft>
-              <a:buFont typeface="Wingdings" pitchFamily="2" charset="2"/>
-              <a:buChar char="§"/>
-              <a:defRPr/>
-            </a:pPr>
-            <a:r>
-              <a:rPr lang="en-US" dirty="0" smtClean="0">
+              <a:t>-set up a new R script and save it to a folder in your local desktop (please name your script: </a:t>
+            </a:r>
+            <a:r>
+              <a:rPr lang="en-US" dirty="0" err="1" smtClean="0">
                 <a:solidFill>
                   <a:schemeClr val="tx1">
                     <a:lumMod val="65000"/>
@@ -8279,16 +10987,7 @@
                 </a:solidFill>
                 <a:ea typeface="+mn-ea"/>
               </a:rPr>
-              <a:t>Rules: the name of the object </a:t>
-            </a:r>
-            <a:r>
-              <a:rPr lang="en-US" dirty="0" smtClean="0">
-                <a:solidFill>
-                  <a:schemeClr val="tx1"/>
-                </a:solidFill>
-                <a:ea typeface="+mn-ea"/>
-              </a:rPr>
-              <a:t>cannot begin with a number </a:t>
+              <a:t>intro_section</a:t>
             </a:r>
             <a:r>
               <a:rPr lang="en-US" dirty="0" smtClean="0">
@@ -8300,494 +10999,25 @@
                 </a:solidFill>
                 <a:ea typeface="+mn-ea"/>
               </a:rPr>
-              <a:t>and </a:t>
-            </a:r>
-            <a:r>
-              <a:rPr lang="en-US" dirty="0" smtClean="0">
-                <a:solidFill>
-                  <a:schemeClr val="tx1"/>
-                </a:solidFill>
-                <a:ea typeface="+mn-ea"/>
-              </a:rPr>
-              <a:t>cannot contain spaces</a:t>
-            </a:r>
-            <a:r>
-              <a:rPr lang="en-US" dirty="0" smtClean="0">
-                <a:solidFill>
-                  <a:schemeClr val="tx1">
-                    <a:lumMod val="65000"/>
-                    <a:lumOff val="35000"/>
-                  </a:schemeClr>
-                </a:solidFill>
-                <a:ea typeface="+mn-ea"/>
-              </a:rPr>
-              <a:t>; avoid special characters (like c, p – other characters R might already know); </a:t>
-            </a:r>
-            <a:r>
-              <a:rPr lang="en-US" dirty="0" smtClean="0">
-                <a:solidFill>
-                  <a:schemeClr val="tx1"/>
-                </a:solidFill>
-                <a:ea typeface="+mn-ea"/>
-              </a:rPr>
-              <a:t>case sensitive</a:t>
-            </a:r>
-            <a:r>
-              <a:rPr lang="en-US" dirty="0" smtClean="0">
-                <a:solidFill>
-                  <a:schemeClr val="tx1">
-                    <a:lumMod val="65000"/>
-                    <a:lumOff val="35000"/>
-                  </a:schemeClr>
-                </a:solidFill>
-                <a:ea typeface="+mn-ea"/>
-              </a:rPr>
-              <a:t>.</a:t>
-            </a:r>
-            <a:endParaRPr lang="en-US" dirty="0">
-              <a:solidFill>
-                <a:schemeClr val="tx1">
-                  <a:lumMod val="65000"/>
-                  <a:lumOff val="35000"/>
-                </a:schemeClr>
-              </a:solidFill>
-              <a:ea typeface="+mn-ea"/>
-            </a:endParaRPr>
-          </a:p>
-          <a:p>
-            <a:pPr marL="0" indent="0" fontAlgn="auto">
+              <a:t>)</a:t>
+            </a:r>
+          </a:p>
+          <a:p>
+            <a:pPr marL="0" marR="0" lvl="2" indent="0" defTabSz="914400" eaLnBrk="1" fontAlgn="auto" latinLnBrk="0" hangingPunct="1">
+              <a:lnSpc>
+                <a:spcPct val="100000"/>
+              </a:lnSpc>
+              <a:spcBef>
+                <a:spcPts val="0"/>
+              </a:spcBef>
               <a:spcAft>
                 <a:spcPts val="0"/>
               </a:spcAft>
-              <a:defRPr/>
-            </a:pPr>
-            <a:r>
-              <a:rPr lang="en-US" dirty="0" smtClean="0"/>
-              <a:t>Vector</a:t>
-            </a:r>
-            <a:endParaRPr lang="en-US" dirty="0">
-              <a:solidFill>
-                <a:schemeClr val="tx1">
-                  <a:lumMod val="65000"/>
-                  <a:lumOff val="35000"/>
-                </a:schemeClr>
-              </a:solidFill>
-            </a:endParaRPr>
-          </a:p>
-          <a:p>
-            <a:pPr lvl="1" fontAlgn="auto">
-              <a:spcAft>
-                <a:spcPts val="0"/>
-              </a:spcAft>
-              <a:buFont typeface="Wingdings" pitchFamily="2" charset="2"/>
-              <a:buChar char="§"/>
-              <a:defRPr/>
-            </a:pPr>
-            <a:r>
-              <a:rPr lang="en-US" dirty="0" smtClean="0">
-                <a:solidFill>
-                  <a:schemeClr val="tx1">
-                    <a:lumMod val="65000"/>
-                    <a:lumOff val="35000"/>
-                  </a:schemeClr>
-                </a:solidFill>
-              </a:rPr>
-              <a:t>A </a:t>
-            </a:r>
-            <a:r>
-              <a:rPr lang="en-US" dirty="0" smtClean="0"/>
-              <a:t>one-dimensional line of data – can be numbers, letters, names, any kind of information stored in </a:t>
-            </a:r>
-            <a:r>
-              <a:rPr lang="en-US" dirty="0"/>
-              <a:t>a </a:t>
-            </a:r>
-            <a:r>
-              <a:rPr lang="en-US" dirty="0">
-                <a:solidFill>
-                  <a:schemeClr val="tx1"/>
-                </a:solidFill>
-              </a:rPr>
-              <a:t>specific </a:t>
-            </a:r>
-            <a:r>
-              <a:rPr lang="en-US" dirty="0" smtClean="0">
-                <a:solidFill>
-                  <a:schemeClr val="tx1"/>
-                </a:solidFill>
-              </a:rPr>
-              <a:t>order</a:t>
-            </a:r>
-          </a:p>
-          <a:p>
-            <a:pPr lvl="1" fontAlgn="auto">
-              <a:spcAft>
-                <a:spcPts val="0"/>
-              </a:spcAft>
-              <a:buFont typeface="Wingdings" pitchFamily="2" charset="2"/>
-              <a:buChar char="§"/>
-              <a:defRPr/>
-            </a:pPr>
-            <a:r>
-              <a:rPr lang="en-US" dirty="0" smtClean="0">
-                <a:solidFill>
-                  <a:schemeClr val="tx1">
-                    <a:lumMod val="65000"/>
-                    <a:lumOff val="35000"/>
-                  </a:schemeClr>
-                </a:solidFill>
-              </a:rPr>
-              <a:t>Use function c() to </a:t>
-            </a:r>
-            <a:r>
-              <a:rPr lang="en-US" i="1" dirty="0" smtClean="0">
-                <a:solidFill>
-                  <a:schemeClr val="tx1">
-                    <a:lumMod val="65000"/>
-                    <a:lumOff val="35000"/>
-                  </a:schemeClr>
-                </a:solidFill>
-              </a:rPr>
-              <a:t>concatenate</a:t>
-            </a:r>
-            <a:r>
-              <a:rPr lang="en-US" dirty="0" smtClean="0">
-                <a:solidFill>
-                  <a:schemeClr val="tx1">
-                    <a:lumMod val="65000"/>
-                    <a:lumOff val="35000"/>
-                  </a:schemeClr>
-                </a:solidFill>
-              </a:rPr>
-              <a:t> (create a vector of items) multiple values</a:t>
-            </a:r>
-          </a:p>
-          <a:p>
-            <a:pPr marL="0" indent="0" fontAlgn="auto">
-              <a:spcAft>
-                <a:spcPts val="0"/>
-              </a:spcAft>
-              <a:defRPr/>
-            </a:pPr>
-            <a:r>
-              <a:rPr lang="en-US" dirty="0" smtClean="0"/>
-              <a:t>Function</a:t>
-            </a:r>
-            <a:endParaRPr lang="en-US" dirty="0">
-              <a:solidFill>
-                <a:schemeClr val="tx1">
-                  <a:lumMod val="65000"/>
-                  <a:lumOff val="35000"/>
-                </a:schemeClr>
-              </a:solidFill>
-            </a:endParaRPr>
-          </a:p>
-          <a:p>
-            <a:pPr lvl="1" fontAlgn="auto">
-              <a:spcAft>
-                <a:spcPts val="0"/>
-              </a:spcAft>
-              <a:buFont typeface="Wingdings" pitchFamily="2" charset="2"/>
-              <a:buChar char="§"/>
-              <a:defRPr/>
-            </a:pPr>
-            <a:r>
-              <a:rPr lang="en-US" dirty="0" smtClean="0">
-                <a:solidFill>
-                  <a:schemeClr val="tx1">
-                    <a:lumMod val="65000"/>
-                    <a:lumOff val="35000"/>
-                  </a:schemeClr>
-                </a:solidFill>
-              </a:rPr>
-              <a:t>To perform tasks in R: </a:t>
-            </a:r>
-            <a:r>
-              <a:rPr lang="en-US" dirty="0" err="1" smtClean="0">
-                <a:solidFill>
-                  <a:schemeClr val="tx1">
-                    <a:lumMod val="65000"/>
-                    <a:lumOff val="35000"/>
-                  </a:schemeClr>
-                </a:solidFill>
-              </a:rPr>
-              <a:t>funcname</a:t>
-            </a:r>
-            <a:r>
-              <a:rPr lang="en-US" dirty="0" smtClean="0">
-                <a:solidFill>
-                  <a:schemeClr val="tx1">
-                    <a:lumMod val="65000"/>
-                    <a:lumOff val="35000"/>
-                  </a:schemeClr>
-                </a:solidFill>
-              </a:rPr>
-              <a:t>(input)</a:t>
-            </a:r>
-          </a:p>
-          <a:p>
-            <a:pPr lvl="1" fontAlgn="auto">
-              <a:spcAft>
-                <a:spcPts val="0"/>
-              </a:spcAft>
-              <a:buFont typeface="Wingdings" pitchFamily="2" charset="2"/>
-              <a:buChar char="§"/>
-              <a:defRPr/>
-            </a:pPr>
-            <a:r>
-              <a:rPr lang="en-US" dirty="0" smtClean="0">
-                <a:solidFill>
-                  <a:schemeClr val="tx1">
-                    <a:lumMod val="65000"/>
-                    <a:lumOff val="35000"/>
-                  </a:schemeClr>
-                </a:solidFill>
-              </a:rPr>
-              <a:t>Useful existing functions: length(), min(), mean(), </a:t>
-            </a:r>
-            <a:r>
-              <a:rPr lang="en-US" dirty="0" err="1" smtClean="0">
-                <a:solidFill>
-                  <a:schemeClr val="tx1">
-                    <a:lumMod val="65000"/>
-                    <a:lumOff val="35000"/>
-                  </a:schemeClr>
-                </a:solidFill>
-              </a:rPr>
-              <a:t>sqrt</a:t>
-            </a:r>
-            <a:r>
-              <a:rPr lang="en-US" dirty="0" smtClean="0">
-                <a:solidFill>
-                  <a:schemeClr val="tx1">
-                    <a:lumMod val="65000"/>
-                    <a:lumOff val="35000"/>
-                  </a:schemeClr>
-                </a:solidFill>
-              </a:rPr>
-              <a:t>()</a:t>
-            </a:r>
-          </a:p>
-          <a:p>
-            <a:pPr lvl="1" fontAlgn="auto">
-              <a:spcAft>
-                <a:spcPts val="0"/>
-              </a:spcAft>
-              <a:buFont typeface="Wingdings" pitchFamily="2" charset="2"/>
-              <a:buChar char="§"/>
-              <a:defRPr/>
-            </a:pPr>
-            <a:r>
-              <a:rPr lang="en-US" dirty="0" smtClean="0">
-                <a:solidFill>
-                  <a:schemeClr val="tx1">
-                    <a:lumMod val="65000"/>
-                    <a:lumOff val="35000"/>
-                  </a:schemeClr>
-                </a:solidFill>
-              </a:rPr>
-              <a:t>You can write your own functions in R, too!</a:t>
-            </a:r>
-          </a:p>
-          <a:p>
-            <a:pPr marL="0" indent="0" fontAlgn="auto">
-              <a:spcAft>
-                <a:spcPts val="0"/>
-              </a:spcAft>
-              <a:defRPr/>
-            </a:pPr>
-            <a:r>
-              <a:rPr lang="en-US" dirty="0" smtClean="0"/>
-              <a:t>Data File</a:t>
-            </a:r>
-            <a:endParaRPr lang="en-US" dirty="0">
-              <a:solidFill>
-                <a:schemeClr val="tx1">
-                  <a:lumMod val="65000"/>
-                  <a:lumOff val="35000"/>
-                </a:schemeClr>
-              </a:solidFill>
-            </a:endParaRPr>
-          </a:p>
-          <a:p>
-            <a:pPr lvl="1" fontAlgn="auto">
-              <a:spcAft>
-                <a:spcPts val="0"/>
-              </a:spcAft>
-              <a:buFont typeface="Wingdings" pitchFamily="2" charset="2"/>
-              <a:buChar char="§"/>
-              <a:defRPr/>
-            </a:pPr>
-            <a:r>
-              <a:rPr lang="en-US" dirty="0" smtClean="0">
-                <a:solidFill>
-                  <a:schemeClr val="tx1">
-                    <a:lumMod val="65000"/>
-                    <a:lumOff val="35000"/>
-                  </a:schemeClr>
-                </a:solidFill>
-              </a:rPr>
-              <a:t>Load data from an external file in your local desktop</a:t>
-            </a:r>
-          </a:p>
-          <a:p>
-            <a:pPr lvl="1" fontAlgn="auto">
-              <a:spcAft>
-                <a:spcPts val="0"/>
-              </a:spcAft>
-              <a:buFont typeface="Wingdings" pitchFamily="2" charset="2"/>
-              <a:buChar char="§"/>
-              <a:defRPr/>
-            </a:pPr>
-            <a:r>
-              <a:rPr lang="en-US" dirty="0" smtClean="0">
-                <a:solidFill>
-                  <a:schemeClr val="tx1">
-                    <a:lumMod val="65000"/>
-                    <a:lumOff val="35000"/>
-                  </a:schemeClr>
-                </a:solidFill>
-              </a:rPr>
-              <a:t>Types can be an excel file, </a:t>
-            </a:r>
-            <a:r>
-              <a:rPr lang="en-US" dirty="0" err="1" smtClean="0">
-                <a:solidFill>
-                  <a:schemeClr val="tx1">
-                    <a:lumMod val="65000"/>
-                    <a:lumOff val="35000"/>
-                  </a:schemeClr>
-                </a:solidFill>
-              </a:rPr>
-              <a:t>csv</a:t>
-            </a:r>
-            <a:r>
-              <a:rPr lang="en-US" dirty="0" smtClean="0">
-                <a:solidFill>
-                  <a:schemeClr val="tx1">
-                    <a:lumMod val="65000"/>
-                    <a:lumOff val="35000"/>
-                  </a:schemeClr>
-                </a:solidFill>
-              </a:rPr>
-              <a:t> (comma separated) file etc.</a:t>
-            </a:r>
-          </a:p>
-          <a:p>
-            <a:pPr lvl="1" fontAlgn="auto">
-              <a:spcAft>
-                <a:spcPts val="0"/>
-              </a:spcAft>
-              <a:buFont typeface="Wingdings" pitchFamily="2" charset="2"/>
-              <a:buChar char="§"/>
-              <a:defRPr/>
-            </a:pPr>
-            <a:r>
-              <a:rPr lang="en-US" dirty="0" smtClean="0">
-                <a:solidFill>
-                  <a:schemeClr val="tx1">
-                    <a:lumMod val="65000"/>
-                    <a:lumOff val="35000"/>
-                  </a:schemeClr>
-                </a:solidFill>
-              </a:rPr>
-              <a:t>Please Set Working Directory before loading the data file: </a:t>
-            </a:r>
-            <a:r>
-              <a:rPr lang="en-US" dirty="0" err="1" smtClean="0">
-                <a:solidFill>
-                  <a:schemeClr val="tx1">
-                    <a:lumMod val="65000"/>
-                    <a:lumOff val="35000"/>
-                  </a:schemeClr>
-                </a:solidFill>
-              </a:rPr>
-              <a:t>setwd</a:t>
-            </a:r>
-            <a:r>
-              <a:rPr lang="en-US" dirty="0" smtClean="0">
-                <a:solidFill>
-                  <a:schemeClr val="tx1">
-                    <a:lumMod val="65000"/>
-                    <a:lumOff val="35000"/>
-                  </a:schemeClr>
-                </a:solidFill>
-              </a:rPr>
-              <a:t>()</a:t>
-            </a:r>
-          </a:p>
-          <a:p>
-            <a:pPr marL="0" lvl="1" indent="0" fontAlgn="auto">
-              <a:spcAft>
-                <a:spcPts val="0"/>
-              </a:spcAft>
+              <a:buClrTx/>
+              <a:buSzTx/>
+              <a:buFont typeface="Source Sans Pro" pitchFamily="34" charset="0"/>
               <a:buNone/>
-              <a:defRPr/>
-            </a:pPr>
-            <a:r>
-              <a:rPr lang="en-US" dirty="0" smtClean="0">
-                <a:solidFill>
-                  <a:schemeClr val="tx1"/>
-                </a:solidFill>
-              </a:rPr>
-              <a:t>Package</a:t>
-            </a:r>
-          </a:p>
-          <a:p>
-            <a:pPr lvl="1" fontAlgn="auto">
-              <a:spcAft>
-                <a:spcPts val="0"/>
-              </a:spcAft>
-              <a:buFont typeface="Wingdings" pitchFamily="2" charset="2"/>
-              <a:buChar char="§"/>
-              <a:defRPr/>
-            </a:pPr>
-            <a:r>
-              <a:rPr lang="en-US" dirty="0" smtClean="0"/>
-              <a:t>A storage of multiple functions written by the R community</a:t>
-            </a:r>
-          </a:p>
-          <a:p>
-            <a:pPr lvl="1" fontAlgn="auto">
-              <a:spcAft>
-                <a:spcPts val="0"/>
-              </a:spcAft>
-              <a:buFont typeface="Wingdings" pitchFamily="2" charset="2"/>
-              <a:buChar char="§"/>
-              <a:defRPr/>
-            </a:pPr>
-            <a:r>
-              <a:rPr lang="en-US" dirty="0" err="1" smtClean="0"/>
-              <a:t>install.packages</a:t>
-            </a:r>
-            <a:r>
-              <a:rPr lang="en-US" dirty="0" smtClean="0"/>
-              <a:t>(“package name”); library(“package name”)</a:t>
-            </a:r>
-          </a:p>
-          <a:p>
-            <a:pPr marL="0" indent="0" fontAlgn="auto">
-              <a:spcAft>
-                <a:spcPts val="0"/>
-              </a:spcAft>
-              <a:defRPr/>
-            </a:pPr>
-            <a:endParaRPr lang="en-US" dirty="0">
-              <a:solidFill>
-                <a:schemeClr val="tx1">
-                  <a:lumMod val="65000"/>
-                  <a:lumOff val="35000"/>
-                </a:schemeClr>
-              </a:solidFill>
-            </a:endParaRPr>
-          </a:p>
-          <a:p>
-            <a:pPr lvl="1" eaLnBrk="1" fontAlgn="auto" hangingPunct="1">
-              <a:spcAft>
-                <a:spcPts val="0"/>
-              </a:spcAft>
-              <a:buFont typeface="Wingdings" pitchFamily="2" charset="2"/>
-              <a:buChar char="§"/>
+              <a:tabLst/>
               <a:defRPr/>
             </a:pPr>
             <a:endParaRPr lang="en-US" dirty="0" smtClean="0">
@@ -8801,14 +11031,35 @@
             </a:endParaRPr>
           </a:p>
           <a:p>
-            <a:pPr lvl="2" eaLnBrk="1" fontAlgn="auto" hangingPunct="1">
+            <a:pPr marL="0" marR="0" lvl="2" indent="0" defTabSz="914400" eaLnBrk="1" fontAlgn="auto" latinLnBrk="0" hangingPunct="1">
+              <a:lnSpc>
+                <a:spcPct val="100000"/>
+              </a:lnSpc>
+              <a:spcBef>
+                <a:spcPts val="0"/>
+              </a:spcBef>
               <a:spcAft>
                 <a:spcPts val="0"/>
               </a:spcAft>
+              <a:buClrTx/>
+              <a:buSzTx/>
               <a:buFont typeface="Source Sans Pro" pitchFamily="34" charset="0"/>
-              <a:buChar char="›"/>
+              <a:buNone/>
+              <a:tabLst/>
               <a:defRPr/>
             </a:pPr>
+            <a:r>
+              <a:rPr lang="en-US" dirty="0" smtClean="0">
+                <a:solidFill>
+                  <a:schemeClr val="tx1">
+                    <a:lumMod val="65000"/>
+                    <a:lumOff val="35000"/>
+                  </a:schemeClr>
+                </a:solidFill>
+                <a:ea typeface="+mn-ea"/>
+              </a:rPr>
+              <a:t>-set up your working directory to the above folder where you saved your script</a:t>
+            </a:r>
             <a:endParaRPr lang="en-US" dirty="0" smtClean="0">
               <a:solidFill>
                 <a:schemeClr val="tx1">
@@ -8824,7 +11075,7 @@
     </p:spTree>
     <p:extLst>
       <p:ext uri="{BB962C8B-B14F-4D97-AF65-F5344CB8AC3E}">
-        <p14:creationId xmlns:p14="http://schemas.microsoft.com/office/powerpoint/2010/main" val="131119585"/>
+        <p14:creationId xmlns:p14="http://schemas.microsoft.com/office/powerpoint/2010/main" val="1439884514"/>
       </p:ext>
     </p:extLst>
   </p:cSld>
@@ -8861,40 +11112,1013 @@
           <a:chExt cx="0" cy="0"/>
         </a:xfrm>
       </p:grpSpPr>
-      <p:pic>
-        <p:nvPicPr>
-          <p:cNvPr id="2" name="Picture 1"/>
-          <p:cNvPicPr>
-            <a:picLocks noChangeAspect="1"/>
-          </p:cNvPicPr>
-          <p:nvPr/>
-        </p:nvPicPr>
-        <p:blipFill>
-          <a:blip r:embed="rId2">
-            <a:extLst>
-              <a:ext uri="{28A0092B-C50C-407E-A947-70E740481C1C}">
-                <a14:useLocalDpi xmlns:a14="http://schemas.microsoft.com/office/drawing/2010/main" val="0"/>
-              </a:ext>
-            </a:extLst>
-          </a:blip>
-          <a:stretch>
-            <a:fillRect/>
-          </a:stretch>
-        </p:blipFill>
+      <p:sp>
+        <p:nvSpPr>
+          <p:cNvPr id="15361" name="Title 3"/>
+          <p:cNvSpPr>
+            <a:spLocks noGrp="1"/>
+          </p:cNvSpPr>
+          <p:nvPr>
+            <p:ph type="title"/>
+          </p:nvPr>
+        </p:nvSpPr>
         <p:spPr>
           <a:xfrm>
-            <a:off x="1721708" y="32788"/>
-            <a:ext cx="5212492" cy="4653511"/>
+            <a:off x="949325" y="358775"/>
+            <a:ext cx="7707313" cy="488950"/>
+          </a:xfrm>
+        </p:spPr>
+        <p:txBody>
+          <a:bodyPr/>
+          <a:lstStyle/>
+          <a:p>
+            <a:pPr eaLnBrk="1" hangingPunct="1"/>
+            <a:r>
+              <a:rPr lang="en-US" altLang="x-none" dirty="0" smtClean="0">
+                <a:latin typeface="Arial" charset="0"/>
+                <a:ea typeface="ＭＳ Ｐゴシック" charset="-128"/>
+              </a:rPr>
+              <a:t>Key </a:t>
+            </a:r>
+            <a:r>
+              <a:rPr lang="en-US" altLang="x-none" dirty="0" smtClean="0">
+                <a:latin typeface="Arial" charset="0"/>
+                <a:ea typeface="ＭＳ Ｐゴシック" charset="-128"/>
+              </a:rPr>
+              <a:t>Concept 1</a:t>
+            </a:r>
+            <a:endParaRPr lang="en-US" altLang="x-none" dirty="0">
+              <a:latin typeface="Arial" charset="0"/>
+              <a:ea typeface="ＭＳ Ｐゴシック" charset="-128"/>
+            </a:endParaRPr>
+          </a:p>
+        </p:txBody>
+      </p:sp>
+      <p:sp>
+        <p:nvSpPr>
+          <p:cNvPr id="2" name="Content Placeholder 1"/>
+          <p:cNvSpPr>
+            <a:spLocks noGrp="1"/>
+          </p:cNvSpPr>
+          <p:nvPr>
+            <p:ph sz="quarter" idx="10"/>
+          </p:nvPr>
+        </p:nvSpPr>
+        <p:spPr>
+          <a:xfrm>
+            <a:off x="955675" y="908050"/>
+            <a:ext cx="7941190" cy="3938588"/>
+          </a:xfrm>
+        </p:spPr>
+        <p:txBody>
+          <a:bodyPr>
+            <a:normAutofit/>
+          </a:bodyPr>
+          <a:lstStyle/>
+          <a:p>
+            <a:pPr marL="0" indent="0" eaLnBrk="1" fontAlgn="auto" hangingPunct="1">
+              <a:spcAft>
+                <a:spcPts val="0"/>
+              </a:spcAft>
+              <a:buFont typeface="Arial"/>
+              <a:buNone/>
+              <a:defRPr/>
+            </a:pPr>
+            <a:r>
+              <a:rPr lang="en-US" dirty="0" smtClean="0">
+                <a:ea typeface="+mn-ea"/>
+                <a:cs typeface="+mn-cs"/>
+              </a:rPr>
+              <a:t>Object</a:t>
+            </a:r>
+            <a:endParaRPr lang="en-US" dirty="0" smtClean="0">
+              <a:solidFill>
+                <a:schemeClr val="tx1">
+                  <a:lumMod val="65000"/>
+                  <a:lumOff val="35000"/>
+                </a:schemeClr>
+              </a:solidFill>
+              <a:ea typeface="+mn-ea"/>
+            </a:endParaRPr>
+          </a:p>
+          <a:p>
+            <a:pPr lvl="1" eaLnBrk="1" fontAlgn="auto" hangingPunct="1">
+              <a:spcAft>
+                <a:spcPts val="0"/>
+              </a:spcAft>
+              <a:buFont typeface="Wingdings" pitchFamily="2" charset="2"/>
+              <a:buChar char="§"/>
+              <a:defRPr/>
+            </a:pPr>
+            <a:r>
+              <a:rPr lang="en-US" dirty="0" smtClean="0">
+                <a:solidFill>
+                  <a:schemeClr val="tx1">
+                    <a:lumMod val="65000"/>
+                    <a:lumOff val="35000"/>
+                  </a:schemeClr>
+                </a:solidFill>
+                <a:ea typeface="+mn-ea"/>
+              </a:rPr>
+              <a:t>Shortcuts to some piece of information.  </a:t>
+            </a:r>
+          </a:p>
+          <a:p>
+            <a:pPr lvl="1" eaLnBrk="1" fontAlgn="auto" hangingPunct="1">
+              <a:spcAft>
+                <a:spcPts val="0"/>
+              </a:spcAft>
+              <a:buFont typeface="Wingdings" pitchFamily="2" charset="2"/>
+              <a:buChar char="§"/>
+              <a:defRPr/>
+            </a:pPr>
+            <a:r>
+              <a:rPr lang="en-US" dirty="0" smtClean="0">
+                <a:solidFill>
+                  <a:schemeClr val="tx1">
+                    <a:lumMod val="65000"/>
+                    <a:lumOff val="35000"/>
+                  </a:schemeClr>
+                </a:solidFill>
+                <a:ea typeface="+mn-ea"/>
+              </a:rPr>
+              <a:t>Rules: the name of the object </a:t>
+            </a:r>
+            <a:r>
+              <a:rPr lang="en-US" dirty="0" smtClean="0">
+                <a:solidFill>
+                  <a:schemeClr val="tx1"/>
+                </a:solidFill>
+                <a:ea typeface="+mn-ea"/>
+              </a:rPr>
+              <a:t>cannot begin with a number </a:t>
+            </a:r>
+            <a:r>
+              <a:rPr lang="en-US" dirty="0" smtClean="0">
+                <a:solidFill>
+                  <a:schemeClr val="tx1">
+                    <a:lumMod val="65000"/>
+                    <a:lumOff val="35000"/>
+                  </a:schemeClr>
+                </a:solidFill>
+                <a:ea typeface="+mn-ea"/>
+              </a:rPr>
+              <a:t>and </a:t>
+            </a:r>
+            <a:r>
+              <a:rPr lang="en-US" dirty="0" smtClean="0">
+                <a:solidFill>
+                  <a:schemeClr val="tx1"/>
+                </a:solidFill>
+                <a:ea typeface="+mn-ea"/>
+              </a:rPr>
+              <a:t>cannot contain spaces</a:t>
+            </a:r>
+            <a:r>
+              <a:rPr lang="en-US" dirty="0" smtClean="0">
+                <a:solidFill>
+                  <a:schemeClr val="tx1">
+                    <a:lumMod val="65000"/>
+                    <a:lumOff val="35000"/>
+                  </a:schemeClr>
+                </a:solidFill>
+                <a:ea typeface="+mn-ea"/>
+              </a:rPr>
+              <a:t>; avoid special characters (like c, p – other characters R might already know); </a:t>
+            </a:r>
+            <a:r>
+              <a:rPr lang="en-US" dirty="0" smtClean="0">
+                <a:solidFill>
+                  <a:schemeClr val="tx1"/>
+                </a:solidFill>
+                <a:ea typeface="+mn-ea"/>
+              </a:rPr>
+              <a:t>case sensitive</a:t>
+            </a:r>
+            <a:r>
+              <a:rPr lang="en-US" dirty="0" smtClean="0">
+                <a:solidFill>
+                  <a:schemeClr val="tx1">
+                    <a:lumMod val="65000"/>
+                    <a:lumOff val="35000"/>
+                  </a:schemeClr>
+                </a:solidFill>
+                <a:ea typeface="+mn-ea"/>
+              </a:rPr>
+              <a:t>.</a:t>
+            </a:r>
+            <a:endParaRPr lang="en-US" dirty="0">
+              <a:solidFill>
+                <a:schemeClr val="tx1">
+                  <a:lumMod val="65000"/>
+                  <a:lumOff val="35000"/>
+                </a:schemeClr>
+              </a:solidFill>
+            </a:endParaRPr>
+          </a:p>
+          <a:p>
+            <a:pPr lvl="1" eaLnBrk="1" fontAlgn="auto" hangingPunct="1">
+              <a:spcAft>
+                <a:spcPts val="0"/>
+              </a:spcAft>
+              <a:buFont typeface="Wingdings" pitchFamily="2" charset="2"/>
+              <a:buChar char="§"/>
+              <a:defRPr/>
+            </a:pPr>
+            <a:endParaRPr lang="en-US" dirty="0" smtClean="0">
+              <a:solidFill>
+                <a:schemeClr val="tx1">
+                  <a:lumMod val="65000"/>
+                  <a:lumOff val="35000"/>
+                </a:schemeClr>
+              </a:solidFill>
+              <a:ea typeface="+mn-ea"/>
+            </a:endParaRPr>
+          </a:p>
+          <a:p>
+            <a:pPr lvl="2" eaLnBrk="1" fontAlgn="auto" hangingPunct="1">
+              <a:spcAft>
+                <a:spcPts val="0"/>
+              </a:spcAft>
+              <a:buFont typeface="Source Sans Pro" pitchFamily="34" charset="0"/>
+              <a:buChar char="›"/>
+              <a:defRPr/>
+            </a:pPr>
+            <a:endParaRPr lang="en-US" dirty="0" smtClean="0">
+              <a:solidFill>
+                <a:schemeClr val="tx1">
+                  <a:lumMod val="65000"/>
+                  <a:lumOff val="35000"/>
+                </a:schemeClr>
+              </a:solidFill>
+              <a:ea typeface="+mn-ea"/>
+            </a:endParaRPr>
+          </a:p>
+        </p:txBody>
+      </p:sp>
+    </p:spTree>
+    <p:extLst>
+      <p:ext uri="{BB962C8B-B14F-4D97-AF65-F5344CB8AC3E}">
+        <p14:creationId xmlns:p14="http://schemas.microsoft.com/office/powerpoint/2010/main" val="131119585"/>
+      </p:ext>
+    </p:extLst>
+  </p:cSld>
+  <p:clrMapOvr>
+    <a:masterClrMapping/>
+  </p:clrMapOvr>
+  <p:transition spd="slow">
+    <p:fade/>
+  </p:transition>
+  <p:timing>
+    <p:tnLst>
+      <p:par>
+        <p:cTn id="1" dur="indefinite" restart="never" nodeType="tmRoot"/>
+      </p:par>
+    </p:tnLst>
+  </p:timing>
+</p:sld>
+</file>
+
+<file path=ppt/slides/slide8.xml><?xml version="1.0" encoding="utf-8"?>
+<p:sld xmlns:a="http://schemas.openxmlformats.org/drawingml/2006/main" xmlns:r="http://schemas.openxmlformats.org/officeDocument/2006/relationships" xmlns:p="http://schemas.openxmlformats.org/presentationml/2006/main">
+  <p:cSld>
+    <p:spTree>
+      <p:nvGrpSpPr>
+        <p:cNvPr id="1" name=""/>
+        <p:cNvGrpSpPr/>
+        <p:nvPr/>
+      </p:nvGrpSpPr>
+      <p:grpSpPr>
+        <a:xfrm>
+          <a:off x="0" y="0"/>
+          <a:ext cx="0" cy="0"/>
+          <a:chOff x="0" y="0"/>
+          <a:chExt cx="0" cy="0"/>
+        </a:xfrm>
+      </p:grpSpPr>
+      <p:sp>
+        <p:nvSpPr>
+          <p:cNvPr id="15361" name="Title 3"/>
+          <p:cNvSpPr>
+            <a:spLocks noGrp="1"/>
+          </p:cNvSpPr>
+          <p:nvPr>
+            <p:ph type="title"/>
+          </p:nvPr>
+        </p:nvSpPr>
+        <p:spPr>
+          <a:xfrm>
+            <a:off x="949325" y="358775"/>
+            <a:ext cx="7707313" cy="488950"/>
+          </a:xfrm>
+        </p:spPr>
+        <p:txBody>
+          <a:bodyPr/>
+          <a:lstStyle/>
+          <a:p>
+            <a:pPr eaLnBrk="1" hangingPunct="1"/>
+            <a:r>
+              <a:rPr lang="en-US" altLang="x-none" dirty="0" smtClean="0">
+                <a:solidFill>
+                  <a:srgbClr val="002060"/>
+                </a:solidFill>
+                <a:latin typeface="Arial" charset="0"/>
+                <a:ea typeface="ＭＳ Ｐゴシック" charset="-128"/>
+              </a:rPr>
+              <a:t>Exercise: Object</a:t>
+            </a:r>
+            <a:endParaRPr lang="en-US" altLang="x-none" dirty="0">
+              <a:solidFill>
+                <a:srgbClr val="002060"/>
+              </a:solidFill>
+              <a:latin typeface="Arial" charset="0"/>
+              <a:ea typeface="ＭＳ Ｐゴシック" charset="-128"/>
+            </a:endParaRPr>
+          </a:p>
+        </p:txBody>
+      </p:sp>
+      <p:sp>
+        <p:nvSpPr>
+          <p:cNvPr id="2" name="Content Placeholder 1"/>
+          <p:cNvSpPr>
+            <a:spLocks noGrp="1"/>
+          </p:cNvSpPr>
+          <p:nvPr>
+            <p:ph sz="quarter" idx="10"/>
+          </p:nvPr>
+        </p:nvSpPr>
+        <p:spPr>
+          <a:xfrm>
+            <a:off x="955675" y="908050"/>
+            <a:ext cx="7941190" cy="3938588"/>
+          </a:xfrm>
+        </p:spPr>
+        <p:txBody>
+          <a:bodyPr>
+            <a:normAutofit/>
+          </a:bodyPr>
+          <a:lstStyle/>
+          <a:p>
+            <a:pPr marL="0" indent="0" fontAlgn="auto">
+              <a:spcAft>
+                <a:spcPts val="0"/>
+              </a:spcAft>
+              <a:defRPr/>
+            </a:pPr>
+            <a:endParaRPr lang="en-US" dirty="0">
+              <a:solidFill>
+                <a:schemeClr val="tx1">
+                  <a:lumMod val="65000"/>
+                  <a:lumOff val="35000"/>
+                </a:schemeClr>
+              </a:solidFill>
+            </a:endParaRPr>
+          </a:p>
+          <a:p>
+            <a:pPr lvl="1" eaLnBrk="1" fontAlgn="auto" hangingPunct="1">
+              <a:spcAft>
+                <a:spcPts val="0"/>
+              </a:spcAft>
+              <a:buFont typeface="Wingdings" pitchFamily="2" charset="2"/>
+              <a:buChar char="§"/>
+              <a:defRPr/>
+            </a:pPr>
+            <a:endParaRPr lang="en-US" dirty="0" smtClean="0">
+              <a:solidFill>
+                <a:schemeClr val="tx1">
+                  <a:lumMod val="65000"/>
+                  <a:lumOff val="35000"/>
+                </a:schemeClr>
+              </a:solidFill>
+              <a:ea typeface="+mn-ea"/>
+            </a:endParaRPr>
+          </a:p>
+          <a:p>
+            <a:pPr lvl="2" eaLnBrk="1" fontAlgn="auto" hangingPunct="1">
+              <a:spcAft>
+                <a:spcPts val="0"/>
+              </a:spcAft>
+              <a:buFont typeface="Source Sans Pro" pitchFamily="34" charset="0"/>
+              <a:buChar char="›"/>
+              <a:defRPr/>
+            </a:pPr>
+            <a:endParaRPr lang="en-US" dirty="0" smtClean="0">
+              <a:solidFill>
+                <a:schemeClr val="tx1">
+                  <a:lumMod val="65000"/>
+                  <a:lumOff val="35000"/>
+                </a:schemeClr>
+              </a:solidFill>
+              <a:ea typeface="+mn-ea"/>
+            </a:endParaRPr>
+          </a:p>
+        </p:txBody>
+      </p:sp>
+      <p:sp>
+        <p:nvSpPr>
+          <p:cNvPr id="4" name="Content Placeholder 1"/>
+          <p:cNvSpPr txBox="1">
+            <a:spLocks/>
+          </p:cNvSpPr>
+          <p:nvPr/>
+        </p:nvSpPr>
+        <p:spPr>
+          <a:xfrm>
+            <a:off x="1108075" y="1060450"/>
+            <a:ext cx="7941190" cy="3938588"/>
           </a:xfrm>
           <a:prstGeom prst="rect">
             <a:avLst/>
           </a:prstGeom>
         </p:spPr>
-      </p:pic>
+        <p:txBody>
+          <a:bodyPr vert="horz" lIns="0" tIns="45720" rIns="0" bIns="45720" rtlCol="0">
+            <a:normAutofit/>
+          </a:bodyPr>
+          <a:lstStyle>
+            <a:lvl1pPr marL="342900" indent="-342900" algn="l" defTabSz="457200" rtl="0" eaLnBrk="1" fontAlgn="base" hangingPunct="1">
+              <a:spcBef>
+                <a:spcPct val="20000"/>
+              </a:spcBef>
+              <a:spcAft>
+                <a:spcPct val="0"/>
+              </a:spcAft>
+              <a:buClr>
+                <a:schemeClr val="bg2"/>
+              </a:buClr>
+              <a:buFont typeface="Wingdings" charset="2"/>
+              <a:defRPr kern="1200" spc="20">
+                <a:solidFill>
+                  <a:schemeClr val="tx1"/>
+                </a:solidFill>
+                <a:latin typeface="Arial"/>
+                <a:ea typeface="ＭＳ Ｐゴシック" charset="0"/>
+                <a:cs typeface="ＭＳ Ｐゴシック" charset="0"/>
+              </a:defRPr>
+            </a:lvl1pPr>
+            <a:lvl2pPr marL="288925" indent="-288925" algn="l" defTabSz="457200" rtl="0" eaLnBrk="1" fontAlgn="base" hangingPunct="1">
+              <a:spcBef>
+                <a:spcPct val="20000"/>
+              </a:spcBef>
+              <a:spcAft>
+                <a:spcPct val="0"/>
+              </a:spcAft>
+              <a:buClr>
+                <a:schemeClr val="bg2"/>
+              </a:buClr>
+              <a:buFont typeface="Wingdings" charset="2"/>
+              <a:buChar char="§"/>
+              <a:defRPr kern="1200">
+                <a:solidFill>
+                  <a:srgbClr val="595959"/>
+                </a:solidFill>
+                <a:latin typeface="Arial"/>
+                <a:ea typeface="ＭＳ Ｐゴシック" charset="0"/>
+                <a:cs typeface="+mn-cs"/>
+              </a:defRPr>
+            </a:lvl2pPr>
+            <a:lvl3pPr marL="569913" indent="-225425" algn="l" defTabSz="457200" rtl="0" eaLnBrk="1" fontAlgn="base" hangingPunct="1">
+              <a:spcBef>
+                <a:spcPct val="20000"/>
+              </a:spcBef>
+              <a:spcAft>
+                <a:spcPct val="0"/>
+              </a:spcAft>
+              <a:buClr>
+                <a:schemeClr val="bg2"/>
+              </a:buClr>
+              <a:buSzPct val="102000"/>
+              <a:buFont typeface="Source Sans Pro" charset="0"/>
+              <a:buChar char="›"/>
+              <a:defRPr kern="1200">
+                <a:solidFill>
+                  <a:srgbClr val="595959"/>
+                </a:solidFill>
+                <a:latin typeface="Arial"/>
+                <a:ea typeface="ＭＳ Ｐゴシック" charset="0"/>
+                <a:cs typeface="+mn-cs"/>
+              </a:defRPr>
+            </a:lvl3pPr>
+            <a:lvl4pPr marL="914400" indent="-227013" algn="l" defTabSz="457200" rtl="0" eaLnBrk="1" fontAlgn="base" hangingPunct="1">
+              <a:spcBef>
+                <a:spcPct val="20000"/>
+              </a:spcBef>
+              <a:spcAft>
+                <a:spcPct val="0"/>
+              </a:spcAft>
+              <a:buClr>
+                <a:schemeClr val="bg2"/>
+              </a:buClr>
+              <a:buFont typeface="Arial" charset="0"/>
+              <a:buChar char="•"/>
+              <a:defRPr kern="1200">
+                <a:solidFill>
+                  <a:srgbClr val="595959"/>
+                </a:solidFill>
+                <a:latin typeface="Arial"/>
+                <a:ea typeface="ＭＳ Ｐゴシック" charset="0"/>
+                <a:cs typeface="+mn-cs"/>
+              </a:defRPr>
+            </a:lvl4pPr>
+            <a:lvl5pPr marL="1258888" indent="-227013" algn="l" defTabSz="457200" rtl="0" eaLnBrk="1" fontAlgn="base" hangingPunct="1">
+              <a:spcBef>
+                <a:spcPct val="20000"/>
+              </a:spcBef>
+              <a:spcAft>
+                <a:spcPct val="0"/>
+              </a:spcAft>
+              <a:buClr>
+                <a:schemeClr val="bg2"/>
+              </a:buClr>
+              <a:buFont typeface="Source Sans Pro" charset="0"/>
+              <a:buChar char="–"/>
+              <a:defRPr kern="1200">
+                <a:solidFill>
+                  <a:srgbClr val="595959"/>
+                </a:solidFill>
+                <a:latin typeface="Arial"/>
+                <a:ea typeface="ＭＳ Ｐゴシック" charset="0"/>
+                <a:cs typeface="+mn-cs"/>
+              </a:defRPr>
+            </a:lvl5pPr>
+            <a:lvl6pPr marL="2514600" indent="-228600" algn="l" defTabSz="457200" rtl="0" eaLnBrk="1" latinLnBrk="0" hangingPunct="1">
+              <a:spcBef>
+                <a:spcPct val="20000"/>
+              </a:spcBef>
+              <a:buFont typeface="Arial"/>
+              <a:buChar char="•"/>
+              <a:defRPr sz="2000" kern="1200">
+                <a:solidFill>
+                  <a:schemeClr val="tx1"/>
+                </a:solidFill>
+                <a:latin typeface="+mn-lt"/>
+                <a:ea typeface="+mn-ea"/>
+                <a:cs typeface="+mn-cs"/>
+              </a:defRPr>
+            </a:lvl6pPr>
+            <a:lvl7pPr marL="2971800" indent="-228600" algn="l" defTabSz="457200" rtl="0" eaLnBrk="1" latinLnBrk="0" hangingPunct="1">
+              <a:spcBef>
+                <a:spcPct val="20000"/>
+              </a:spcBef>
+              <a:buFont typeface="Arial"/>
+              <a:buChar char="•"/>
+              <a:defRPr sz="2000" kern="1200">
+                <a:solidFill>
+                  <a:schemeClr val="tx1"/>
+                </a:solidFill>
+                <a:latin typeface="+mn-lt"/>
+                <a:ea typeface="+mn-ea"/>
+                <a:cs typeface="+mn-cs"/>
+              </a:defRPr>
+            </a:lvl7pPr>
+            <a:lvl8pPr marL="3429000" indent="-228600" algn="l" defTabSz="457200" rtl="0" eaLnBrk="1" latinLnBrk="0" hangingPunct="1">
+              <a:spcBef>
+                <a:spcPct val="20000"/>
+              </a:spcBef>
+              <a:buFont typeface="Arial"/>
+              <a:buChar char="•"/>
+              <a:defRPr sz="2000" kern="1200">
+                <a:solidFill>
+                  <a:schemeClr val="tx1"/>
+                </a:solidFill>
+                <a:latin typeface="+mn-lt"/>
+                <a:ea typeface="+mn-ea"/>
+                <a:cs typeface="+mn-cs"/>
+              </a:defRPr>
+            </a:lvl8pPr>
+            <a:lvl9pPr marL="3886200" indent="-228600" algn="l" defTabSz="457200" rtl="0" eaLnBrk="1" latinLnBrk="0" hangingPunct="1">
+              <a:spcBef>
+                <a:spcPct val="20000"/>
+              </a:spcBef>
+              <a:buFont typeface="Arial"/>
+              <a:buChar char="•"/>
+              <a:defRPr sz="2000" kern="1200">
+                <a:solidFill>
+                  <a:schemeClr val="tx1"/>
+                </a:solidFill>
+                <a:latin typeface="+mn-lt"/>
+                <a:ea typeface="+mn-ea"/>
+                <a:cs typeface="+mn-cs"/>
+              </a:defRPr>
+            </a:lvl9pPr>
+          </a:lstStyle>
+          <a:p>
+            <a:pPr marL="0" indent="0" fontAlgn="auto">
+              <a:spcAft>
+                <a:spcPts val="0"/>
+              </a:spcAft>
+              <a:defRPr/>
+            </a:pPr>
+            <a:endParaRPr lang="en-US" dirty="0" smtClean="0">
+              <a:ea typeface="+mn-ea"/>
+              <a:cs typeface="+mn-cs"/>
+            </a:endParaRPr>
+          </a:p>
+          <a:p>
+            <a:pPr marL="285750" indent="-285750" fontAlgn="auto">
+              <a:spcAft>
+                <a:spcPts val="0"/>
+              </a:spcAft>
+              <a:buFontTx/>
+              <a:buChar char="-"/>
+              <a:defRPr/>
+            </a:pPr>
+            <a:r>
+              <a:rPr lang="en-US" dirty="0" smtClean="0"/>
+              <a:t>Create </a:t>
+            </a:r>
+            <a:r>
+              <a:rPr lang="en-US" dirty="0"/>
+              <a:t>a </a:t>
+            </a:r>
+            <a:r>
+              <a:rPr lang="en-US" dirty="0" smtClean="0"/>
+              <a:t>character </a:t>
+            </a:r>
+            <a:r>
+              <a:rPr lang="en-US" dirty="0"/>
+              <a:t>object </a:t>
+            </a:r>
+            <a:r>
+              <a:rPr lang="en-US" dirty="0" smtClean="0"/>
+              <a:t>“</a:t>
+            </a:r>
+            <a:r>
+              <a:rPr lang="en-US" dirty="0" err="1" smtClean="0"/>
+              <a:t>my_favorite_president</a:t>
+            </a:r>
+            <a:r>
+              <a:rPr lang="en-US" dirty="0" smtClean="0"/>
+              <a:t>”, assign the name of your favorite president to this object. After </a:t>
+            </a:r>
+            <a:r>
+              <a:rPr lang="en-US" dirty="0"/>
+              <a:t>this, run it in the console, what is the result</a:t>
+            </a:r>
+            <a:r>
+              <a:rPr lang="en-US" dirty="0" smtClean="0"/>
+              <a:t>?</a:t>
+            </a:r>
+            <a:r>
+              <a:rPr lang="en-US" dirty="0"/>
+              <a:t> Did this object show up in your environment</a:t>
+            </a:r>
+            <a:r>
+              <a:rPr lang="en-US" dirty="0" smtClean="0"/>
+              <a:t>?</a:t>
+            </a:r>
+          </a:p>
+          <a:p>
+            <a:pPr marL="285750" indent="-285750" fontAlgn="auto">
+              <a:spcAft>
+                <a:spcPts val="0"/>
+              </a:spcAft>
+              <a:buFontTx/>
+              <a:buChar char="-"/>
+              <a:defRPr/>
+            </a:pPr>
+            <a:endParaRPr lang="en-US" dirty="0">
+              <a:solidFill>
+                <a:schemeClr val="tx1">
+                  <a:lumMod val="65000"/>
+                  <a:lumOff val="35000"/>
+                </a:schemeClr>
+              </a:solidFill>
+              <a:ea typeface="+mn-ea"/>
+            </a:endParaRPr>
+          </a:p>
+          <a:p>
+            <a:pPr marL="285750" indent="-285750" fontAlgn="auto">
+              <a:spcAft>
+                <a:spcPts val="0"/>
+              </a:spcAft>
+              <a:buFontTx/>
+              <a:buChar char="-"/>
+              <a:defRPr/>
+            </a:pPr>
+            <a:r>
+              <a:rPr lang="en-US" dirty="0" smtClean="0">
+                <a:solidFill>
+                  <a:schemeClr val="tx1">
+                    <a:lumMod val="65000"/>
+                    <a:lumOff val="35000"/>
+                  </a:schemeClr>
+                </a:solidFill>
+                <a:ea typeface="+mn-ea"/>
+              </a:rPr>
+              <a:t>Optional: Reassign the value of your character object to your second favorite president’s name. What is the value of the object </a:t>
+            </a:r>
+            <a:r>
+              <a:rPr lang="en-US" dirty="0" err="1" smtClean="0">
+                <a:solidFill>
+                  <a:schemeClr val="tx1">
+                    <a:lumMod val="65000"/>
+                    <a:lumOff val="35000"/>
+                  </a:schemeClr>
+                </a:solidFill>
+                <a:ea typeface="+mn-ea"/>
+              </a:rPr>
+              <a:t>my_favorite_president</a:t>
+            </a:r>
+            <a:r>
+              <a:rPr lang="en-US" dirty="0" smtClean="0">
+                <a:solidFill>
+                  <a:schemeClr val="tx1">
+                    <a:lumMod val="65000"/>
+                    <a:lumOff val="35000"/>
+                  </a:schemeClr>
+                </a:solidFill>
+                <a:ea typeface="+mn-ea"/>
+              </a:rPr>
+              <a:t> now?</a:t>
+            </a:r>
+          </a:p>
+          <a:p>
+            <a:pPr lvl="2" fontAlgn="auto">
+              <a:spcAft>
+                <a:spcPts val="0"/>
+              </a:spcAft>
+              <a:buFont typeface="Source Sans Pro" pitchFamily="34" charset="0"/>
+              <a:buChar char="›"/>
+              <a:defRPr/>
+            </a:pPr>
+            <a:endParaRPr lang="en-US" dirty="0" smtClean="0">
+              <a:solidFill>
+                <a:schemeClr val="tx1">
+                  <a:lumMod val="65000"/>
+                  <a:lumOff val="35000"/>
+                </a:schemeClr>
+              </a:solidFill>
+              <a:ea typeface="+mn-ea"/>
+            </a:endParaRPr>
+          </a:p>
+        </p:txBody>
+      </p:sp>
     </p:spTree>
     <p:extLst>
       <p:ext uri="{BB962C8B-B14F-4D97-AF65-F5344CB8AC3E}">
-        <p14:creationId xmlns:p14="http://schemas.microsoft.com/office/powerpoint/2010/main" val="2063928717"/>
+        <p14:creationId xmlns:p14="http://schemas.microsoft.com/office/powerpoint/2010/main" val="501325866"/>
+      </p:ext>
+    </p:extLst>
+  </p:cSld>
+  <p:clrMapOvr>
+    <a:masterClrMapping/>
+  </p:clrMapOvr>
+  <p:transition spd="slow">
+    <p:fade/>
+  </p:transition>
+  <p:timing>
+    <p:tnLst>
+      <p:par>
+        <p:cTn id="1" dur="indefinite" restart="never" nodeType="tmRoot"/>
+      </p:par>
+    </p:tnLst>
+  </p:timing>
+</p:sld>
+</file>
+
+<file path=ppt/slides/slide9.xml><?xml version="1.0" encoding="utf-8"?>
+<p:sld xmlns:a="http://schemas.openxmlformats.org/drawingml/2006/main" xmlns:r="http://schemas.openxmlformats.org/officeDocument/2006/relationships" xmlns:p="http://schemas.openxmlformats.org/presentationml/2006/main">
+  <p:cSld>
+    <p:spTree>
+      <p:nvGrpSpPr>
+        <p:cNvPr id="1" name=""/>
+        <p:cNvGrpSpPr/>
+        <p:nvPr/>
+      </p:nvGrpSpPr>
+      <p:grpSpPr>
+        <a:xfrm>
+          <a:off x="0" y="0"/>
+          <a:ext cx="0" cy="0"/>
+          <a:chOff x="0" y="0"/>
+          <a:chExt cx="0" cy="0"/>
+        </a:xfrm>
+      </p:grpSpPr>
+      <p:sp>
+        <p:nvSpPr>
+          <p:cNvPr id="15361" name="Title 3"/>
+          <p:cNvSpPr>
+            <a:spLocks noGrp="1"/>
+          </p:cNvSpPr>
+          <p:nvPr>
+            <p:ph type="title"/>
+          </p:nvPr>
+        </p:nvSpPr>
+        <p:spPr>
+          <a:xfrm>
+            <a:off x="949325" y="358775"/>
+            <a:ext cx="7707313" cy="488950"/>
+          </a:xfrm>
+        </p:spPr>
+        <p:txBody>
+          <a:bodyPr/>
+          <a:lstStyle/>
+          <a:p>
+            <a:pPr eaLnBrk="1" hangingPunct="1"/>
+            <a:r>
+              <a:rPr lang="en-US" altLang="x-none" dirty="0" smtClean="0">
+                <a:latin typeface="Arial" charset="0"/>
+                <a:ea typeface="ＭＳ Ｐゴシック" charset="-128"/>
+              </a:rPr>
+              <a:t>Key Concept 2</a:t>
+            </a:r>
+            <a:endParaRPr lang="en-US" altLang="x-none" dirty="0">
+              <a:latin typeface="Arial" charset="0"/>
+              <a:ea typeface="ＭＳ Ｐゴシック" charset="-128"/>
+            </a:endParaRPr>
+          </a:p>
+        </p:txBody>
+      </p:sp>
+      <p:sp>
+        <p:nvSpPr>
+          <p:cNvPr id="2" name="Content Placeholder 1"/>
+          <p:cNvSpPr>
+            <a:spLocks noGrp="1"/>
+          </p:cNvSpPr>
+          <p:nvPr>
+            <p:ph sz="quarter" idx="10"/>
+          </p:nvPr>
+        </p:nvSpPr>
+        <p:spPr>
+          <a:xfrm>
+            <a:off x="949325" y="964495"/>
+            <a:ext cx="7941190" cy="3938588"/>
+          </a:xfrm>
+        </p:spPr>
+        <p:txBody>
+          <a:bodyPr>
+            <a:normAutofit/>
+          </a:bodyPr>
+          <a:lstStyle/>
+          <a:p>
+            <a:pPr marL="0" indent="0" fontAlgn="auto">
+              <a:spcAft>
+                <a:spcPts val="0"/>
+              </a:spcAft>
+              <a:defRPr/>
+            </a:pPr>
+            <a:r>
+              <a:rPr lang="en-US" dirty="0" smtClean="0"/>
+              <a:t>Vector</a:t>
+            </a:r>
+          </a:p>
+          <a:p>
+            <a:pPr lvl="1" fontAlgn="auto">
+              <a:spcAft>
+                <a:spcPts val="0"/>
+              </a:spcAft>
+              <a:buFont typeface="Wingdings" pitchFamily="2" charset="2"/>
+              <a:buChar char="§"/>
+              <a:defRPr/>
+            </a:pPr>
+            <a:r>
+              <a:rPr lang="en-US" dirty="0">
+                <a:solidFill>
+                  <a:schemeClr val="tx1">
+                    <a:lumMod val="65000"/>
+                    <a:lumOff val="35000"/>
+                  </a:schemeClr>
+                </a:solidFill>
+              </a:rPr>
+              <a:t>A </a:t>
+            </a:r>
+            <a:r>
+              <a:rPr lang="en-US" dirty="0"/>
+              <a:t>one-dimensional line of data – can be numbers, letters, names, any kind of information stored in a </a:t>
+            </a:r>
+            <a:r>
+              <a:rPr lang="en-US" dirty="0">
+                <a:solidFill>
+                  <a:schemeClr val="tx1"/>
+                </a:solidFill>
+              </a:rPr>
+              <a:t>specific </a:t>
+            </a:r>
+            <a:r>
+              <a:rPr lang="en-US" dirty="0" smtClean="0">
+                <a:solidFill>
+                  <a:schemeClr val="tx1"/>
+                </a:solidFill>
+              </a:rPr>
+              <a:t>order</a:t>
+            </a:r>
+            <a:endParaRPr lang="en-US" dirty="0">
+              <a:solidFill>
+                <a:schemeClr val="tx1">
+                  <a:lumMod val="65000"/>
+                  <a:lumOff val="35000"/>
+                </a:schemeClr>
+              </a:solidFill>
+            </a:endParaRPr>
+          </a:p>
+          <a:p>
+            <a:pPr lvl="1" fontAlgn="auto">
+              <a:spcAft>
+                <a:spcPts val="0"/>
+              </a:spcAft>
+              <a:buFont typeface="Wingdings" pitchFamily="2" charset="2"/>
+              <a:buChar char="§"/>
+              <a:defRPr/>
+            </a:pPr>
+            <a:r>
+              <a:rPr lang="en-US" b="1" dirty="0">
+                <a:solidFill>
+                  <a:srgbClr val="C00000"/>
+                </a:solidFill>
+              </a:rPr>
+              <a:t>Indexing</a:t>
+            </a:r>
+            <a:r>
+              <a:rPr lang="en-US" dirty="0">
+                <a:solidFill>
+                  <a:schemeClr val="tx1">
+                    <a:lumMod val="65000"/>
+                    <a:lumOff val="35000"/>
+                  </a:schemeClr>
+                </a:solidFill>
+              </a:rPr>
+              <a:t>: to change, remove, or replace an element in a </a:t>
+            </a:r>
+            <a:r>
+              <a:rPr lang="en-US" dirty="0" smtClean="0">
+                <a:solidFill>
+                  <a:schemeClr val="tx1">
+                    <a:lumMod val="65000"/>
+                    <a:lumOff val="35000"/>
+                  </a:schemeClr>
+                </a:solidFill>
+              </a:rPr>
+              <a:t>vector</a:t>
+            </a:r>
+            <a:endParaRPr lang="en-US" dirty="0">
+              <a:solidFill>
+                <a:schemeClr val="tx1">
+                  <a:lumMod val="65000"/>
+                  <a:lumOff val="35000"/>
+                </a:schemeClr>
+              </a:solidFill>
+            </a:endParaRPr>
+          </a:p>
+          <a:p>
+            <a:pPr marL="0" indent="0" fontAlgn="auto">
+              <a:spcAft>
+                <a:spcPts val="0"/>
+              </a:spcAft>
+              <a:defRPr/>
+            </a:pPr>
+            <a:endParaRPr lang="en-US" dirty="0">
+              <a:solidFill>
+                <a:schemeClr val="tx1">
+                  <a:lumMod val="65000"/>
+                  <a:lumOff val="35000"/>
+                </a:schemeClr>
+              </a:solidFill>
+            </a:endParaRPr>
+          </a:p>
+          <a:p>
+            <a:pPr lvl="1" eaLnBrk="1" fontAlgn="auto" hangingPunct="1">
+              <a:spcAft>
+                <a:spcPts val="0"/>
+              </a:spcAft>
+              <a:buFont typeface="Wingdings" pitchFamily="2" charset="2"/>
+              <a:buChar char="§"/>
+              <a:defRPr/>
+            </a:pPr>
+            <a:endParaRPr lang="en-US" dirty="0" smtClean="0">
+              <a:solidFill>
+                <a:schemeClr val="tx1">
+                  <a:lumMod val="65000"/>
+                  <a:lumOff val="35000"/>
+                </a:schemeClr>
+              </a:solidFill>
+              <a:ea typeface="+mn-ea"/>
+            </a:endParaRPr>
+          </a:p>
+          <a:p>
+            <a:pPr lvl="2" eaLnBrk="1" fontAlgn="auto" hangingPunct="1">
+              <a:spcAft>
+                <a:spcPts val="0"/>
+              </a:spcAft>
+              <a:buFont typeface="Source Sans Pro" pitchFamily="34" charset="0"/>
+              <a:buChar char="›"/>
+              <a:defRPr/>
+            </a:pPr>
+            <a:endParaRPr lang="en-US" dirty="0" smtClean="0">
+              <a:solidFill>
+                <a:schemeClr val="tx1">
+                  <a:lumMod val="65000"/>
+                  <a:lumOff val="35000"/>
+                </a:schemeClr>
+              </a:solidFill>
+              <a:ea typeface="+mn-ea"/>
+            </a:endParaRPr>
+          </a:p>
+        </p:txBody>
+      </p:sp>
+    </p:spTree>
+    <p:extLst>
+      <p:ext uri="{BB962C8B-B14F-4D97-AF65-F5344CB8AC3E}">
+        <p14:creationId xmlns:p14="http://schemas.microsoft.com/office/powerpoint/2010/main" val="1142679615"/>
       </p:ext>
     </p:extLst>
   </p:cSld>

--- a/KaipingAdina's Section Material/Intro Section/IntroSection.pptx
+++ b/KaipingAdina's Section Material/Intro Section/IntroSection.pptx
@@ -155,7 +155,7 @@
   </p:defaultTextStyle>
   <p:extLst>
     <p:ext uri="{EFAFB233-063F-42B5-8137-9DF3F51BA10A}">
-      <p15:sldGuideLst xmlns:p15="http://schemas.microsoft.com/office/powerpoint/2012/main">
+      <p15:sldGuideLst xmlns:p15="http://schemas.microsoft.com/office/powerpoint/2012/main" xmlns="">
         <p15:guide id="1" orient="horz" pos="1620">
           <p15:clr>
             <a:srgbClr val="A4A3A4"/>
@@ -1559,8 +1559,84 @@
           <a:lstStyle/>
           <a:p>
             <a:r>
+              <a:rPr lang="en-US" sz="1200" kern="1200" dirty="0" smtClean="0">
+                <a:solidFill>
+                  <a:schemeClr val="tx1"/>
+                </a:solidFill>
+                <a:latin typeface="+mn-lt"/>
+                <a:ea typeface="ＭＳ Ｐゴシック" charset="0"/>
+                <a:cs typeface="ＭＳ Ｐゴシック" charset="0"/>
+              </a:rPr>
+              <a:t>Comments: I think the first step will be clearer if we explain it like this:</a:t>
+            </a:r>
+          </a:p>
+          <a:p>
+            <a:r>
+              <a:rPr lang="en-US" sz="1200" kern="1200" dirty="0" smtClean="0">
+                <a:solidFill>
+                  <a:schemeClr val="tx1"/>
+                </a:solidFill>
+                <a:latin typeface="+mn-lt"/>
+                <a:ea typeface="ＭＳ Ｐゴシック" charset="0"/>
+                <a:cs typeface="ＭＳ Ｐゴシック" charset="0"/>
+              </a:rPr>
+              <a:t>Create a vector that stores three numbers. First number is how much spare change you estimated you had three months ago, the second number is how much spare </a:t>
+            </a:r>
+            <a:r>
+              <a:rPr lang="en-US" sz="1200" kern="1200" dirty="0" err="1" smtClean="0">
+                <a:solidFill>
+                  <a:schemeClr val="tx1"/>
+                </a:solidFill>
+                <a:latin typeface="+mn-lt"/>
+                <a:ea typeface="ＭＳ Ｐゴシック" charset="0"/>
+                <a:cs typeface="ＭＳ Ｐゴシック" charset="0"/>
+              </a:rPr>
+              <a:t>chagne</a:t>
+            </a:r>
+            <a:r>
+              <a:rPr lang="en-US" sz="1200" kern="1200" dirty="0" smtClean="0">
+                <a:solidFill>
+                  <a:schemeClr val="tx1"/>
+                </a:solidFill>
+                <a:latin typeface="+mn-lt"/>
+                <a:ea typeface="ＭＳ Ｐゴシック" charset="0"/>
+                <a:cs typeface="ＭＳ Ｐゴシック" charset="0"/>
+              </a:rPr>
+              <a:t> you estimated you had two months ago, and the third number is how much spare change you estimated you have this month. </a:t>
+            </a:r>
+          </a:p>
+          <a:p>
+            <a:endParaRPr lang="en-US" sz="1200" kern="1200" dirty="0" smtClean="0">
+              <a:solidFill>
+                <a:schemeClr val="tx1"/>
+              </a:solidFill>
+              <a:latin typeface="+mn-lt"/>
+              <a:ea typeface="ＭＳ Ｐゴシック" charset="0"/>
+              <a:cs typeface="ＭＳ Ｐゴシック" charset="0"/>
+            </a:endParaRPr>
+          </a:p>
+          <a:p>
+            <a:r>
+              <a:rPr lang="en-US" sz="1200" kern="1200" dirty="0" smtClean="0">
+                <a:solidFill>
+                  <a:schemeClr val="tx1"/>
+                </a:solidFill>
+                <a:latin typeface="+mn-lt"/>
+                <a:ea typeface="ＭＳ Ｐゴシック" charset="0"/>
+                <a:cs typeface="ＭＳ Ｐゴシック" charset="0"/>
+              </a:rPr>
+              <a:t>Important thing to highlight here is to concatenate.  That was confusing for me at first.  So I will make a special point of explaining the importance of “c” in R. </a:t>
+            </a:r>
+            <a:endParaRPr lang="en-US" dirty="0" smtClean="0"/>
+          </a:p>
+          <a:p>
+            <a:r>
               <a:rPr lang="en-US" dirty="0" smtClean="0"/>
-              <a:t>7 minutes (3 minutes for students and 4 minutes</a:t>
+              <a:t>7 </a:t>
+            </a:r>
+            <a:r>
+              <a:rPr lang="en-US" dirty="0" smtClean="0"/>
+              <a:t>minutes (3 minutes for students and 4 minutes</a:t>
             </a:r>
             <a:r>
               <a:rPr lang="en-US" baseline="0" dirty="0" smtClean="0"/>
@@ -1903,14 +1979,14 @@
           </a:ln>
           <a:extLst>
             <a:ext uri="{909E8E84-426E-40dd-AFC4-6F175D3DCCD1}">
-              <a14:hiddenFill xmlns="" xmlns:a14="http://schemas.microsoft.com/office/drawing/2010/main">
+              <a14:hiddenFill xmlns:a14="http://schemas.microsoft.com/office/drawing/2010/main">
                 <a:solidFill>
                   <a:srgbClr val="FFFFFF"/>
                 </a:solidFill>
               </a14:hiddenFill>
             </a:ext>
             <a:ext uri="{91240B29-F687-4f45-9708-019B960494DF}">
-              <a14:hiddenLine xmlns="" xmlns:a14="http://schemas.microsoft.com/office/drawing/2010/main" w="9525">
+              <a14:hiddenLine xmlns:a14="http://schemas.microsoft.com/office/drawing/2010/main" w="9525">
                 <a:solidFill>
                   <a:srgbClr val="000000"/>
                 </a:solidFill>
@@ -2156,7 +2232,7 @@
   <p:clrMapOvr>
     <a:masterClrMapping/>
   </p:clrMapOvr>
-  <p:transition spd="slow">
+  <p:transition xmlns:p14="http://schemas.microsoft.com/office/powerpoint/2010/main" spd="slow">
     <p:fade/>
   </p:transition>
 </p:sldLayout>
@@ -2369,14 +2445,14 @@
           </a:ln>
           <a:extLst>
             <a:ext uri="{909E8E84-426E-40dd-AFC4-6F175D3DCCD1}">
-              <a14:hiddenFill xmlns="" xmlns:a14="http://schemas.microsoft.com/office/drawing/2010/main">
+              <a14:hiddenFill xmlns:a14="http://schemas.microsoft.com/office/drawing/2010/main">
                 <a:solidFill>
                   <a:srgbClr val="FFFFFF"/>
                 </a:solidFill>
               </a14:hiddenFill>
             </a:ext>
             <a:ext uri="{91240B29-F687-4f45-9708-019B960494DF}">
-              <a14:hiddenLine xmlns="" xmlns:a14="http://schemas.microsoft.com/office/drawing/2010/main" w="9525">
+              <a14:hiddenLine xmlns:a14="http://schemas.microsoft.com/office/drawing/2010/main" w="9525">
                 <a:solidFill>
                   <a:srgbClr val="000000"/>
                 </a:solidFill>
@@ -2570,7 +2646,7 @@
   <p:clrMapOvr>
     <a:masterClrMapping/>
   </p:clrMapOvr>
-  <p:transition spd="slow">
+  <p:transition xmlns:p14="http://schemas.microsoft.com/office/powerpoint/2010/main" spd="slow">
     <p:fade/>
   </p:transition>
 </p:sldLayout>
@@ -2703,7 +2779,7 @@
   <p:clrMapOvr>
     <a:masterClrMapping/>
   </p:clrMapOvr>
-  <p:transition spd="slow">
+  <p:transition xmlns:p14="http://schemas.microsoft.com/office/powerpoint/2010/main" spd="slow">
     <p:fade/>
   </p:transition>
 </p:sldLayout>
@@ -3044,7 +3120,7 @@
   <p:clrMapOvr>
     <a:masterClrMapping/>
   </p:clrMapOvr>
-  <p:transition spd="slow">
+  <p:transition xmlns:p14="http://schemas.microsoft.com/office/powerpoint/2010/main" spd="slow">
     <p:fade/>
   </p:transition>
 </p:sldLayout>
@@ -3238,7 +3314,7 @@
   <p:clrMapOvr>
     <a:masterClrMapping/>
   </p:clrMapOvr>
-  <p:transition spd="slow">
+  <p:transition xmlns:p14="http://schemas.microsoft.com/office/powerpoint/2010/main" spd="slow">
     <p:fade/>
   </p:transition>
 </p:sldLayout>
@@ -3493,7 +3569,7 @@
   <p:clrMapOvr>
     <a:masterClrMapping/>
   </p:clrMapOvr>
-  <p:transition spd="slow">
+  <p:transition xmlns:p14="http://schemas.microsoft.com/office/powerpoint/2010/main" spd="slow">
     <p:fade/>
   </p:transition>
 </p:sldLayout>
@@ -3809,7 +3885,7 @@
   <p:clrMapOvr>
     <a:masterClrMapping/>
   </p:clrMapOvr>
-  <p:transition spd="slow">
+  <p:transition xmlns:p14="http://schemas.microsoft.com/office/powerpoint/2010/main" spd="slow">
     <p:fade/>
   </p:transition>
 </p:sldLayout>
@@ -4022,14 +4098,14 @@
           </a:ln>
           <a:extLst>
             <a:ext uri="{909E8E84-426E-40dd-AFC4-6F175D3DCCD1}">
-              <a14:hiddenFill xmlns="" xmlns:a14="http://schemas.microsoft.com/office/drawing/2010/main">
+              <a14:hiddenFill xmlns:a14="http://schemas.microsoft.com/office/drawing/2010/main">
                 <a:solidFill>
                   <a:srgbClr val="FFFFFF"/>
                 </a:solidFill>
               </a14:hiddenFill>
             </a:ext>
             <a:ext uri="{91240B29-F687-4f45-9708-019B960494DF}">
-              <a14:hiddenLine xmlns="" xmlns:a14="http://schemas.microsoft.com/office/drawing/2010/main" w="9525">
+              <a14:hiddenLine xmlns:a14="http://schemas.microsoft.com/office/drawing/2010/main" w="9525">
                 <a:solidFill>
                   <a:srgbClr val="000000"/>
                 </a:solidFill>
@@ -4224,7 +4300,7 @@
   <p:clrMapOvr>
     <a:masterClrMapping/>
   </p:clrMapOvr>
-  <p:transition spd="slow">
+  <p:transition xmlns:p14="http://schemas.microsoft.com/office/powerpoint/2010/main" spd="slow">
     <p:fade/>
   </p:transition>
 </p:sldLayout>
@@ -4353,7 +4429,7 @@
   <p:clrMapOvr>
     <a:masterClrMapping/>
   </p:clrMapOvr>
-  <p:transition spd="slow">
+  <p:transition xmlns:p14="http://schemas.microsoft.com/office/powerpoint/2010/main" spd="slow">
     <p:fade/>
   </p:transition>
 </p:sldLayout>
@@ -4471,7 +4547,7 @@
   <p:clrMapOvr>
     <a:masterClrMapping/>
   </p:clrMapOvr>
-  <p:transition spd="slow">
+  <p:transition xmlns:p14="http://schemas.microsoft.com/office/powerpoint/2010/main" spd="slow">
     <p:fade/>
   </p:transition>
 </p:sldLayout>
@@ -4804,7 +4880,7 @@
   <p:clrMapOvr>
     <a:masterClrMapping/>
   </p:clrMapOvr>
-  <p:transition spd="slow">
+  <p:transition xmlns:p14="http://schemas.microsoft.com/office/powerpoint/2010/main" spd="slow">
     <p:fade/>
   </p:transition>
 </p:sldLayout>
@@ -4990,7 +5066,7 @@
   <p:clrMapOvr>
     <a:masterClrMapping/>
   </p:clrMapOvr>
-  <p:transition spd="slow">
+  <p:transition xmlns:p14="http://schemas.microsoft.com/office/powerpoint/2010/main" spd="slow">
     <p:fade/>
   </p:transition>
 </p:sldLayout>
@@ -5233,7 +5309,7 @@
   <p:clrMapOvr>
     <a:masterClrMapping/>
   </p:clrMapOvr>
-  <p:transition spd="slow">
+  <p:transition xmlns:p14="http://schemas.microsoft.com/office/powerpoint/2010/main" spd="slow">
     <p:fade/>
   </p:transition>
 </p:sldLayout>
@@ -5533,7 +5609,7 @@
   <p:clrMapOvr>
     <a:masterClrMapping/>
   </p:clrMapOvr>
-  <p:transition spd="slow">
+  <p:transition xmlns:p14="http://schemas.microsoft.com/office/powerpoint/2010/main" spd="slow">
     <p:fade/>
   </p:transition>
 </p:sldLayout>
@@ -5591,14 +5667,14 @@
           </a:ln>
           <a:extLst>
             <a:ext uri="{909E8E84-426E-40dd-AFC4-6F175D3DCCD1}">
-              <a14:hiddenFill xmlns="" xmlns:a14="http://schemas.microsoft.com/office/drawing/2010/main">
+              <a14:hiddenFill xmlns:a14="http://schemas.microsoft.com/office/drawing/2010/main">
                 <a:solidFill>
                   <a:srgbClr val="FFFFFF"/>
                 </a:solidFill>
               </a14:hiddenFill>
             </a:ext>
             <a:ext uri="{91240B29-F687-4f45-9708-019B960494DF}">
-              <a14:hiddenLine xmlns="" xmlns:a14="http://schemas.microsoft.com/office/drawing/2010/main" w="9525">
+              <a14:hiddenLine xmlns:a14="http://schemas.microsoft.com/office/drawing/2010/main" w="9525">
                 <a:solidFill>
                   <a:srgbClr val="000000"/>
                 </a:solidFill>
@@ -5800,14 +5876,14 @@
           </a:ln>
           <a:extLst>
             <a:ext uri="{909E8E84-426E-40dd-AFC4-6F175D3DCCD1}">
-              <a14:hiddenFill xmlns="" xmlns:a14="http://schemas.microsoft.com/office/drawing/2010/main">
+              <a14:hiddenFill xmlns:a14="http://schemas.microsoft.com/office/drawing/2010/main">
                 <a:solidFill>
                   <a:srgbClr val="FFFFFF"/>
                 </a:solidFill>
               </a14:hiddenFill>
             </a:ext>
             <a:ext uri="{91240B29-F687-4f45-9708-019B960494DF}">
-              <a14:hiddenLine xmlns="" xmlns:a14="http://schemas.microsoft.com/office/drawing/2010/main" w="9525">
+              <a14:hiddenLine xmlns:a14="http://schemas.microsoft.com/office/drawing/2010/main" w="9525">
                 <a:solidFill>
                   <a:srgbClr val="000000"/>
                 </a:solidFill>
@@ -6053,7 +6129,7 @@
   <p:clrMapOvr>
     <a:masterClrMapping/>
   </p:clrMapOvr>
-  <p:transition spd="slow">
+  <p:transition xmlns:p14="http://schemas.microsoft.com/office/powerpoint/2010/main" spd="slow">
     <p:fade/>
   </p:transition>
 </p:sldLayout>
@@ -6104,18 +6180,15 @@
             <a:noFill/>
           </a:ln>
           <a:extLst>
-            <a:ext uri="{FAA26D3D-D897-4be2-8F04-BA451C77F1D7}">
-              <ma14:placeholderFlag xmlns:ma14="http://schemas.microsoft.com/office/mac/drawingml/2011/main" val="1"/>
-            </a:ext>
             <a:ext uri="{909E8E84-426E-40dd-AFC4-6F175D3DCCD1}">
-              <a14:hiddenFill xmlns="" xmlns:a14="http://schemas.microsoft.com/office/drawing/2010/main">
+              <a14:hiddenFill xmlns:a14="http://schemas.microsoft.com/office/drawing/2010/main">
                 <a:solidFill>
                   <a:srgbClr val="FFFFFF"/>
                 </a:solidFill>
               </a14:hiddenFill>
             </a:ext>
             <a:ext uri="{91240B29-F687-4f45-9708-019B960494DF}">
-              <a14:hiddenLine xmlns="" xmlns:a14="http://schemas.microsoft.com/office/drawing/2010/main" w="9525">
+              <a14:hiddenLine xmlns:a14="http://schemas.microsoft.com/office/drawing/2010/main" w="9525">
                 <a:solidFill>
                   <a:srgbClr val="000000"/>
                 </a:solidFill>
@@ -6123,6 +6196,9 @@
                 <a:headEnd/>
                 <a:tailEnd/>
               </a14:hiddenLine>
+            </a:ext>
+            <a:ext uri="{FAA26D3D-D897-4be2-8F04-BA451C77F1D7}">
+              <ma14:placeholderFlag xmlns:ma14="http://schemas.microsoft.com/office/mac/drawingml/2011/main" val="1"/>
             </a:ext>
           </a:extLst>
         </p:spPr>
@@ -6342,14 +6418,14 @@
           </a:ln>
           <a:extLst>
             <a:ext uri="{909E8E84-426E-40dd-AFC4-6F175D3DCCD1}">
-              <a14:hiddenFill xmlns="" xmlns:a14="http://schemas.microsoft.com/office/drawing/2010/main">
+              <a14:hiddenFill xmlns:a14="http://schemas.microsoft.com/office/drawing/2010/main">
                 <a:solidFill>
                   <a:srgbClr val="FFFFFF"/>
                 </a:solidFill>
               </a14:hiddenFill>
             </a:ext>
             <a:ext uri="{91240B29-F687-4f45-9708-019B960494DF}">
-              <a14:hiddenLine xmlns="" xmlns:a14="http://schemas.microsoft.com/office/drawing/2010/main" w="9525">
+              <a14:hiddenLine xmlns:a14="http://schemas.microsoft.com/office/drawing/2010/main" w="9525">
                 <a:solidFill>
                   <a:srgbClr val="000000"/>
                 </a:solidFill>
@@ -6374,13 +6450,13 @@
     <p:sldLayoutId id="2147484090" r:id="rId7"/>
     <p:sldLayoutId id="2147484091" r:id="rId8"/>
   </p:sldLayoutIdLst>
-  <p:transition spd="slow">
+  <p:transition xmlns:p14="http://schemas.microsoft.com/office/powerpoint/2010/main" spd="slow">
     <p:fade/>
   </p:transition>
   <p:timing>
     <p:tnLst>
       <p:par>
-        <p:cTn id="1" dur="indefinite" restart="never" nodeType="tmRoot"/>
+        <p:cTn xmlns:p14="http://schemas.microsoft.com/office/powerpoint/2010/main" id="1" dur="indefinite" restart="never" nodeType="tmRoot"/>
       </p:par>
     </p:tnLst>
   </p:timing>
@@ -6870,18 +6946,15 @@
             <a:noFill/>
           </a:ln>
           <a:extLst>
-            <a:ext uri="{FAA26D3D-D897-4be2-8F04-BA451C77F1D7}">
-              <ma14:placeholderFlag xmlns:ma14="http://schemas.microsoft.com/office/mac/drawingml/2011/main" val="1"/>
-            </a:ext>
             <a:ext uri="{909E8E84-426E-40dd-AFC4-6F175D3DCCD1}">
-              <a14:hiddenFill xmlns="" xmlns:a14="http://schemas.microsoft.com/office/drawing/2010/main">
+              <a14:hiddenFill xmlns:a14="http://schemas.microsoft.com/office/drawing/2010/main">
                 <a:solidFill>
                   <a:srgbClr val="FFFFFF"/>
                 </a:solidFill>
               </a14:hiddenFill>
             </a:ext>
             <a:ext uri="{91240B29-F687-4f45-9708-019B960494DF}">
-              <a14:hiddenLine xmlns="" xmlns:a14="http://schemas.microsoft.com/office/drawing/2010/main" w="9525">
+              <a14:hiddenLine xmlns:a14="http://schemas.microsoft.com/office/drawing/2010/main" w="9525">
                 <a:solidFill>
                   <a:srgbClr val="000000"/>
                 </a:solidFill>
@@ -6889,6 +6962,9 @@
                 <a:headEnd/>
                 <a:tailEnd/>
               </a14:hiddenLine>
+            </a:ext>
+            <a:ext uri="{FAA26D3D-D897-4be2-8F04-BA451C77F1D7}">
+              <ma14:placeholderFlag xmlns:ma14="http://schemas.microsoft.com/office/mac/drawingml/2011/main" val="1"/>
             </a:ext>
           </a:extLst>
         </p:spPr>
@@ -7110,14 +7186,14 @@
           </a:ln>
           <a:extLst>
             <a:ext uri="{909E8E84-426E-40dd-AFC4-6F175D3DCCD1}">
-              <a14:hiddenFill xmlns="" xmlns:a14="http://schemas.microsoft.com/office/drawing/2010/main">
+              <a14:hiddenFill xmlns:a14="http://schemas.microsoft.com/office/drawing/2010/main">
                 <a:solidFill>
                   <a:srgbClr val="FFFFFF"/>
                 </a:solidFill>
               </a14:hiddenFill>
             </a:ext>
             <a:ext uri="{91240B29-F687-4f45-9708-019B960494DF}">
-              <a14:hiddenLine xmlns="" xmlns:a14="http://schemas.microsoft.com/office/drawing/2010/main" w="9525">
+              <a14:hiddenLine xmlns:a14="http://schemas.microsoft.com/office/drawing/2010/main" w="9525">
                 <a:solidFill>
                   <a:srgbClr val="000000"/>
                 </a:solidFill>
@@ -7141,13 +7217,13 @@
     <p:sldLayoutId id="2147484097" r:id="rId6"/>
     <p:sldLayoutId id="2147484098" r:id="rId7"/>
   </p:sldLayoutIdLst>
-  <p:transition spd="slow">
+  <p:transition xmlns:p14="http://schemas.microsoft.com/office/powerpoint/2010/main" spd="slow">
     <p:fade/>
   </p:transition>
   <p:timing>
     <p:tnLst>
       <p:par>
-        <p:cTn id="1" dur="indefinite" restart="never" nodeType="tmRoot"/>
+        <p:cTn xmlns:p14="http://schemas.microsoft.com/office/powerpoint/2010/main" id="1" dur="indefinite" restart="never" nodeType="tmRoot"/>
       </p:par>
     </p:tnLst>
   </p:timing>
@@ -7753,13 +7829,13 @@
   <p:clrMapOvr>
     <a:masterClrMapping/>
   </p:clrMapOvr>
-  <p:transition spd="slow">
+  <p:transition xmlns:p14="http://schemas.microsoft.com/office/powerpoint/2010/main" spd="slow">
     <p:fade/>
   </p:transition>
   <p:timing>
     <p:tnLst>
       <p:par>
-        <p:cTn id="1" dur="indefinite" restart="never" nodeType="tmRoot"/>
+        <p:cTn xmlns:p14="http://schemas.microsoft.com/office/powerpoint/2010/main" id="1" dur="indefinite" restart="never" nodeType="tmRoot"/>
       </p:par>
     </p:tnLst>
   </p:timing>
@@ -8410,13 +8486,13 @@
   <p:clrMapOvr>
     <a:masterClrMapping/>
   </p:clrMapOvr>
-  <p:transition spd="slow">
+  <p:transition xmlns:p14="http://schemas.microsoft.com/office/powerpoint/2010/main" spd="slow">
     <p:fade/>
   </p:transition>
   <p:timing>
     <p:tnLst>
       <p:par>
-        <p:cTn id="1" dur="indefinite" restart="never" nodeType="tmRoot"/>
+        <p:cTn xmlns:p14="http://schemas.microsoft.com/office/powerpoint/2010/main" id="1" dur="indefinite" restart="never" nodeType="tmRoot"/>
       </p:par>
     </p:tnLst>
   </p:timing>
@@ -8466,14 +8542,7 @@
                 <a:latin typeface="Arial" charset="0"/>
                 <a:ea typeface="ＭＳ Ｐゴシック" charset="-128"/>
               </a:rPr>
-              <a:t>Key </a:t>
-            </a:r>
-            <a:r>
-              <a:rPr lang="en-US" altLang="x-none" dirty="0" smtClean="0">
-                <a:latin typeface="Arial" charset="0"/>
-                <a:ea typeface="ＭＳ Ｐゴシック" charset="-128"/>
-              </a:rPr>
-              <a:t>Concept 3: Data File</a:t>
+              <a:t>Key Concept 3: Data File</a:t>
             </a:r>
             <a:endParaRPr lang="en-US" altLang="x-none" dirty="0">
               <a:latin typeface="Arial" charset="0"/>
@@ -8568,15 +8637,7 @@
                   <a:srgbClr val="C00000"/>
                 </a:solidFill>
               </a:rPr>
-              <a:t>Load </a:t>
-            </a:r>
-            <a:r>
-              <a:rPr lang="en-US" dirty="0" smtClean="0">
-                <a:solidFill>
-                  <a:srgbClr val="C00000"/>
-                </a:solidFill>
-              </a:rPr>
-              <a:t>data </a:t>
+              <a:t>Load data </a:t>
             </a:r>
             <a:r>
               <a:rPr lang="en-US" dirty="0" smtClean="0">
@@ -8587,18 +8648,7 @@
                   </a:schemeClr>
                 </a:solidFill>
               </a:rPr>
-              <a:t>from an external file in your local </a:t>
-            </a:r>
-            <a:r>
-              <a:rPr lang="en-US" dirty="0" smtClean="0">
-                <a:solidFill>
-                  <a:schemeClr val="tx1">
-                    <a:lumMod val="65000"/>
-                    <a:lumOff val="35000"/>
-                  </a:schemeClr>
-                </a:solidFill>
-              </a:rPr>
-              <a:t>desktop</a:t>
+              <a:t>from an external file in your local desktop</a:t>
             </a:r>
             <a:br>
               <a:rPr lang="en-US" dirty="0" smtClean="0">
@@ -9032,13 +9082,13 @@
   <p:clrMapOvr>
     <a:masterClrMapping/>
   </p:clrMapOvr>
-  <p:transition spd="slow">
+  <p:transition xmlns:p14="http://schemas.microsoft.com/office/powerpoint/2010/main" spd="slow">
     <p:fade/>
   </p:transition>
   <p:timing>
     <p:tnLst>
       <p:par>
-        <p:cTn id="1" dur="indefinite" restart="never" nodeType="tmRoot"/>
+        <p:cTn xmlns:p14="http://schemas.microsoft.com/office/powerpoint/2010/main" id="1" dur="indefinite" restart="never" nodeType="tmRoot"/>
       </p:par>
     </p:tnLst>
   </p:timing>
@@ -9121,7 +9171,7 @@
         </p:spPr>
         <p:txBody>
           <a:bodyPr>
-            <a:normAutofit/>
+            <a:normAutofit fontScale="92500" lnSpcReduction="20000"/>
           </a:bodyPr>
           <a:lstStyle/>
           <a:p>
@@ -9152,16 +9202,7 @@
                 </a:solidFill>
                 <a:ea typeface="+mn-ea"/>
               </a:rPr>
-              <a:t>Step 1: Go to (</a:t>
-            </a:r>
-            <a:r>
-              <a:rPr lang="en-US" dirty="0" smtClean="0">
-                <a:solidFill>
-                  <a:srgbClr val="002060"/>
-                </a:solidFill>
-                <a:ea typeface="+mn-ea"/>
-              </a:rPr>
-              <a:t>Adina, please fill in</a:t>
+              <a:t>Step 1: Go to </a:t>
             </a:r>
             <a:r>
               <a:rPr lang="en-US" dirty="0" smtClean="0">
@@ -9173,10 +9214,10 @@
                 </a:solidFill>
                 <a:ea typeface="+mn-ea"/>
               </a:rPr>
-              <a:t>), download the </a:t>
-            </a:r>
-            <a:r>
-              <a:rPr lang="en-US" dirty="0" err="1" smtClean="0">
+              <a:t>Canvas (Files, Section 1 folder)</a:t>
+            </a:r>
+            <a:r>
+              <a:rPr lang="en-US" dirty="0" smtClean="0">
                 <a:solidFill>
                   <a:schemeClr val="tx1">
                     <a:lumMod val="65000"/>
@@ -9185,7 +9226,7 @@
                 </a:solidFill>
                 <a:ea typeface="+mn-ea"/>
               </a:rPr>
-              <a:t>turnout.csv</a:t>
+              <a:t>, </a:t>
             </a:r>
             <a:r>
               <a:rPr lang="en-US" dirty="0" smtClean="0">
@@ -9197,29 +9238,10 @@
                 </a:solidFill>
                 <a:ea typeface="+mn-ea"/>
               </a:rPr>
-              <a:t> data</a:t>
-            </a:r>
-          </a:p>
-          <a:p>
-            <a:pPr marL="0" marR="0" lvl="2" indent="0" defTabSz="914400" eaLnBrk="1" fontAlgn="auto" latinLnBrk="0" hangingPunct="1">
-              <a:lnSpc>
-                <a:spcPct val="100000"/>
-              </a:lnSpc>
-              <a:spcBef>
-                <a:spcPts val="0"/>
-              </a:spcBef>
-              <a:spcAft>
-                <a:spcPts val="0"/>
-              </a:spcAft>
-              <a:buClrTx/>
-              <a:buSzTx/>
-              <a:buFont typeface="Source Sans Pro" pitchFamily="34" charset="0"/>
-              <a:buNone/>
-              <a:tabLst/>
-              <a:defRPr/>
-            </a:pPr>
-            <a:r>
-              <a:rPr lang="en-US" dirty="0" smtClean="0">
+              <a:t>download the </a:t>
+            </a:r>
+            <a:r>
+              <a:rPr lang="en-US" dirty="0" err="1" smtClean="0">
                 <a:solidFill>
                   <a:schemeClr val="tx1">
                     <a:lumMod val="65000"/>
@@ -9228,27 +9250,8 @@
                 </a:solidFill>
                 <a:ea typeface="+mn-ea"/>
               </a:rPr>
-              <a:t>Step 2: Load the data into R and check the dimensions of the data</a:t>
-            </a:r>
-          </a:p>
-          <a:p>
-            <a:pPr marL="0" marR="0" lvl="2" indent="0" defTabSz="914400" eaLnBrk="1" fontAlgn="auto" latinLnBrk="0" hangingPunct="1">
-              <a:lnSpc>
-                <a:spcPct val="100000"/>
-              </a:lnSpc>
-              <a:spcBef>
-                <a:spcPts val="0"/>
-              </a:spcBef>
-              <a:spcAft>
-                <a:spcPts val="0"/>
-              </a:spcAft>
-              <a:buClrTx/>
-              <a:buSzTx/>
-              <a:buFont typeface="Source Sans Pro" pitchFamily="34" charset="0"/>
-              <a:buNone/>
-              <a:tabLst/>
-              <a:defRPr/>
-            </a:pPr>
+              <a:t>turnout.csv</a:t>
+            </a:r>
             <a:r>
               <a:rPr lang="en-US" dirty="0" smtClean="0">
                 <a:solidFill>
@@ -9259,31 +9262,7 @@
                 </a:solidFill>
                 <a:ea typeface="+mn-ea"/>
               </a:rPr>
-              <a:t>[hint: please set up your working directory first to the folder where you saved your </a:t>
-            </a:r>
-            <a:r>
-              <a:rPr lang="en-US" dirty="0" err="1" smtClean="0">
-                <a:solidFill>
-                  <a:schemeClr val="tx1">
-                    <a:lumMod val="65000"/>
-                    <a:lumOff val="35000"/>
-                  </a:schemeClr>
-                </a:solidFill>
-                <a:ea typeface="+mn-ea"/>
-              </a:rPr>
-              <a:t>turnout.csv</a:t>
-            </a:r>
-            <a:r>
-              <a:rPr lang="en-US" dirty="0" smtClean="0">
-                <a:solidFill>
-                  <a:schemeClr val="tx1">
-                    <a:lumMod val="65000"/>
-                    <a:lumOff val="35000"/>
-                  </a:schemeClr>
-                </a:solidFill>
-                <a:ea typeface="+mn-ea"/>
-              </a:rPr>
-              <a:t> data]</a:t>
+              <a:t> data</a:t>
             </a:r>
           </a:p>
           <a:p>
@@ -9342,17 +9321,20 @@
                 </a:solidFill>
                 <a:ea typeface="+mn-ea"/>
               </a:rPr>
-              <a:t>Step 3: View your data (check the environment window!)</a:t>
-            </a:r>
-            <a:endParaRPr lang="en-US" dirty="0" smtClean="0">
-              <a:solidFill>
-                <a:schemeClr val="tx1">
-                  <a:lumMod val="65000"/>
-                  <a:lumOff val="35000"/>
-                </a:schemeClr>
-              </a:solidFill>
-              <a:ea typeface="+mn-ea"/>
-            </a:endParaRPr>
+              <a:t>Step </a:t>
+            </a:r>
+            <a:r>
+              <a:rPr lang="en-US" dirty="0" smtClean="0">
+                <a:solidFill>
+                  <a:schemeClr val="tx1">
+                    <a:lumMod val="65000"/>
+                    <a:lumOff val="35000"/>
+                  </a:schemeClr>
+                </a:solidFill>
+                <a:ea typeface="+mn-ea"/>
+              </a:rPr>
+              <a:t>2: Load the data into R and check the dimensions of the data</a:t>
+            </a:r>
           </a:p>
           <a:p>
             <a:pPr marL="0" marR="0" lvl="2" indent="0" defTabSz="914400" eaLnBrk="1" fontAlgn="auto" latinLnBrk="0" hangingPunct="1">
@@ -9382,8 +9364,214 @@
                 </a:solidFill>
                 <a:ea typeface="+mn-ea"/>
               </a:rPr>
-              <a:t>Step 4: Obtain a summary of the data, what is the year range of the data?</a:t>
-            </a:r>
+              <a:t>[hint: please set up your working directory first to the folder where you saved your </a:t>
+            </a:r>
+            <a:r>
+              <a:rPr lang="en-US" dirty="0" err="1" smtClean="0">
+                <a:solidFill>
+                  <a:schemeClr val="tx1">
+                    <a:lumMod val="65000"/>
+                    <a:lumOff val="35000"/>
+                  </a:schemeClr>
+                </a:solidFill>
+                <a:ea typeface="+mn-ea"/>
+              </a:rPr>
+              <a:t>turnout.csv</a:t>
+            </a:r>
+            <a:r>
+              <a:rPr lang="en-US" dirty="0" smtClean="0">
+                <a:solidFill>
+                  <a:schemeClr val="tx1">
+                    <a:lumMod val="65000"/>
+                    <a:lumOff val="35000"/>
+                  </a:schemeClr>
+                </a:solidFill>
+                <a:ea typeface="+mn-ea"/>
+              </a:rPr>
+              <a:t> data]</a:t>
+            </a:r>
+          </a:p>
+          <a:p>
+            <a:pPr marL="0" marR="0" lvl="2" indent="0" defTabSz="914400" eaLnBrk="1" fontAlgn="auto" latinLnBrk="0" hangingPunct="1">
+              <a:lnSpc>
+                <a:spcPct val="100000"/>
+              </a:lnSpc>
+              <a:spcBef>
+                <a:spcPts val="0"/>
+              </a:spcBef>
+              <a:spcAft>
+                <a:spcPts val="0"/>
+              </a:spcAft>
+              <a:buClrTx/>
+              <a:buSzTx/>
+              <a:buFont typeface="Source Sans Pro" pitchFamily="34" charset="0"/>
+              <a:buNone/>
+              <a:tabLst/>
+              <a:defRPr/>
+            </a:pPr>
+            <a:endParaRPr lang="en-US" dirty="0" smtClean="0">
+              <a:solidFill>
+                <a:schemeClr val="tx1">
+                  <a:lumMod val="65000"/>
+                  <a:lumOff val="35000"/>
+                </a:schemeClr>
+              </a:solidFill>
+              <a:ea typeface="+mn-ea"/>
+            </a:endParaRPr>
+          </a:p>
+          <a:p>
+            <a:pPr marL="0" marR="0" lvl="2" indent="0" defTabSz="914400" eaLnBrk="1" fontAlgn="auto" latinLnBrk="0" hangingPunct="1">
+              <a:lnSpc>
+                <a:spcPct val="100000"/>
+              </a:lnSpc>
+              <a:spcBef>
+                <a:spcPts val="0"/>
+              </a:spcBef>
+              <a:spcAft>
+                <a:spcPts val="0"/>
+              </a:spcAft>
+              <a:buClrTx/>
+              <a:buSzTx/>
+              <a:buFont typeface="Source Sans Pro" pitchFamily="34" charset="0"/>
+              <a:buNone/>
+              <a:tabLst/>
+              <a:defRPr/>
+            </a:pPr>
+            <a:r>
+              <a:rPr lang="en-US" dirty="0" smtClean="0">
+                <a:solidFill>
+                  <a:schemeClr val="tx1">
+                    <a:lumMod val="65000"/>
+                    <a:lumOff val="35000"/>
+                  </a:schemeClr>
+                </a:solidFill>
+                <a:ea typeface="+mn-ea"/>
+              </a:rPr>
+              <a:t>Step 3: View your data (check the environment window!)</a:t>
+            </a:r>
+          </a:p>
+          <a:p>
+            <a:pPr marL="0" marR="0" lvl="2" indent="0" defTabSz="914400" eaLnBrk="1" fontAlgn="auto" latinLnBrk="0" hangingPunct="1">
+              <a:lnSpc>
+                <a:spcPct val="100000"/>
+              </a:lnSpc>
+              <a:spcBef>
+                <a:spcPts val="0"/>
+              </a:spcBef>
+              <a:spcAft>
+                <a:spcPts val="0"/>
+              </a:spcAft>
+              <a:buClrTx/>
+              <a:buSzTx/>
+              <a:buFont typeface="Source Sans Pro" pitchFamily="34" charset="0"/>
+              <a:buNone/>
+              <a:tabLst/>
+              <a:defRPr/>
+            </a:pPr>
+            <a:endParaRPr lang="en-US" dirty="0" smtClean="0">
+              <a:solidFill>
+                <a:schemeClr val="tx1">
+                  <a:lumMod val="65000"/>
+                  <a:lumOff val="35000"/>
+                </a:schemeClr>
+              </a:solidFill>
+              <a:ea typeface="+mn-ea"/>
+            </a:endParaRPr>
+          </a:p>
+          <a:p>
+            <a:pPr marL="0" marR="0" lvl="2" indent="0" defTabSz="914400" eaLnBrk="1" fontAlgn="auto" latinLnBrk="0" hangingPunct="1">
+              <a:lnSpc>
+                <a:spcPct val="100000"/>
+              </a:lnSpc>
+              <a:spcBef>
+                <a:spcPts val="0"/>
+              </a:spcBef>
+              <a:spcAft>
+                <a:spcPts val="0"/>
+              </a:spcAft>
+              <a:buClrTx/>
+              <a:buSzTx/>
+              <a:buFont typeface="Source Sans Pro" pitchFamily="34" charset="0"/>
+              <a:buNone/>
+              <a:tabLst/>
+              <a:defRPr/>
+            </a:pPr>
+            <a:r>
+              <a:rPr lang="en-US" dirty="0" smtClean="0">
+                <a:solidFill>
+                  <a:schemeClr val="tx1">
+                    <a:lumMod val="65000"/>
+                    <a:lumOff val="35000"/>
+                  </a:schemeClr>
+                </a:solidFill>
+                <a:ea typeface="+mn-ea"/>
+              </a:rPr>
+              <a:t>Step </a:t>
+            </a:r>
+            <a:r>
+              <a:rPr lang="en-US" dirty="0" smtClean="0">
+                <a:solidFill>
+                  <a:schemeClr val="tx1">
+                    <a:lumMod val="65000"/>
+                    <a:lumOff val="35000"/>
+                  </a:schemeClr>
+                </a:solidFill>
+                <a:ea typeface="+mn-ea"/>
+              </a:rPr>
+              <a:t>4: Obtain a summary of the data, what is the year range of the data</a:t>
+            </a:r>
+            <a:r>
+              <a:rPr lang="en-US" dirty="0" smtClean="0">
+                <a:solidFill>
+                  <a:schemeClr val="tx1">
+                    <a:lumMod val="65000"/>
+                    <a:lumOff val="35000"/>
+                  </a:schemeClr>
+                </a:solidFill>
+                <a:ea typeface="+mn-ea"/>
+              </a:rPr>
+              <a:t>?</a:t>
+            </a:r>
+          </a:p>
+          <a:p>
+            <a:pPr marL="0" marR="0" lvl="2" indent="0" defTabSz="914400" eaLnBrk="1" fontAlgn="auto" latinLnBrk="0" hangingPunct="1">
+              <a:lnSpc>
+                <a:spcPct val="100000"/>
+              </a:lnSpc>
+              <a:spcBef>
+                <a:spcPts val="0"/>
+              </a:spcBef>
+              <a:spcAft>
+                <a:spcPts val="0"/>
+              </a:spcAft>
+              <a:buClrTx/>
+              <a:buSzTx/>
+              <a:buFont typeface="Source Sans Pro" pitchFamily="34" charset="0"/>
+              <a:buNone/>
+              <a:tabLst/>
+              <a:defRPr/>
+            </a:pPr>
+            <a:r>
+              <a:rPr lang="en-US" dirty="0" smtClean="0">
+                <a:solidFill>
+                  <a:schemeClr val="tx1">
+                    <a:lumMod val="65000"/>
+                    <a:lumOff val="35000"/>
+                  </a:schemeClr>
+                </a:solidFill>
+                <a:ea typeface="+mn-ea"/>
+              </a:rPr>
+              <a:t>[hint: use the function range()]</a:t>
+            </a:r>
+            <a:endParaRPr lang="en-US" dirty="0" smtClean="0">
+              <a:solidFill>
+                <a:schemeClr val="tx1">
+                  <a:lumMod val="65000"/>
+                  <a:lumOff val="35000"/>
+                </a:schemeClr>
+              </a:solidFill>
+              <a:ea typeface="+mn-ea"/>
+            </a:endParaRPr>
           </a:p>
           <a:p>
             <a:pPr marL="0" marR="0" lvl="2" indent="0" defTabSz="914400" eaLnBrk="1" fontAlgn="auto" latinLnBrk="0" hangingPunct="1">
@@ -9448,12 +9636,33 @@
             </a:r>
             <a:r>
               <a:rPr lang="en-US" dirty="0"/>
-              <a:t>the turnout rate using the voting eligible population </a:t>
+              <a:t>the turnout rate </a:t>
             </a:r>
             <a:r>
               <a:rPr lang="en-US" dirty="0" smtClean="0"/>
-              <a:t>(VEP).</a:t>
-            </a:r>
+              <a:t>(</a:t>
+            </a:r>
+            <a:r>
+              <a:rPr lang="en-US" dirty="0" smtClean="0"/>
+              <a:t>total / </a:t>
+            </a:r>
+            <a:r>
+              <a:rPr lang="en-US" dirty="0" smtClean="0"/>
+              <a:t>voting </a:t>
+            </a:r>
+            <a:r>
+              <a:rPr lang="en-US" dirty="0"/>
+              <a:t>eligible population </a:t>
+            </a:r>
+            <a:r>
+              <a:rPr lang="en-US" dirty="0" smtClean="0"/>
+              <a:t>(VEP</a:t>
+            </a:r>
+            <a:r>
+              <a:rPr lang="en-US" dirty="0" smtClean="0"/>
+              <a:t>)).</a:t>
+            </a:r>
+            <a:endParaRPr lang="en-US" dirty="0" smtClean="0"/>
           </a:p>
           <a:p>
             <a:pPr marL="0" lvl="2" indent="0" defTabSz="914400" fontAlgn="auto">
@@ -9519,32 +9728,41 @@
             </a:pPr>
             <a:r>
               <a:rPr lang="en-US" dirty="0" smtClean="0"/>
-              <a:t>Step 5: Create a new data object to store the first half election years’ observations. Save it to your existing working directory</a:t>
+              <a:t>Step </a:t>
+            </a:r>
+            <a:r>
+              <a:rPr lang="en-US" dirty="0" smtClean="0"/>
+              <a:t>6: </a:t>
+            </a:r>
+            <a:r>
+              <a:rPr lang="en-US" dirty="0" smtClean="0"/>
+              <a:t>Create a new data object </a:t>
+            </a:r>
+            <a:r>
+              <a:rPr lang="en-US" dirty="0" smtClean="0"/>
+              <a:t>that only includes the observations from the first half of the years. </a:t>
+            </a:r>
+            <a:r>
+              <a:rPr lang="en-US" dirty="0" smtClean="0"/>
+              <a:t>Save it to your existing working directory</a:t>
             </a:r>
             <a:r>
               <a:rPr lang="en-US" dirty="0"/>
               <a:t>, name the new csv file: </a:t>
             </a:r>
             <a:r>
-              <a:rPr lang="en-US" dirty="0" err="1"/>
+              <a:rPr lang="en-US" smtClean="0"/>
               <a:t>turnout_first_half.csv</a:t>
             </a:r>
-            <a:endParaRPr lang="en-US" dirty="0"/>
-          </a:p>
-          <a:p>
-            <a:pPr marL="0" lvl="2" indent="0" defTabSz="914400" fontAlgn="auto">
-              <a:spcBef>
-                <a:spcPts val="0"/>
-              </a:spcBef>
-              <a:spcAft>
-                <a:spcPts val="0"/>
-              </a:spcAft>
-              <a:buClrTx/>
-              <a:buSzTx/>
-              <a:buNone/>
-              <a:defRPr/>
-            </a:pPr>
-            <a:endParaRPr lang="en-US" dirty="0"/>
+            <a:endParaRPr lang="en-US" dirty="0" smtClean="0">
+              <a:solidFill>
+                <a:schemeClr val="tx1">
+                  <a:lumMod val="65000"/>
+                  <a:lumOff val="35000"/>
+                </a:schemeClr>
+              </a:solidFill>
+              <a:ea typeface="+mn-ea"/>
+            </a:endParaRPr>
           </a:p>
           <a:p>
             <a:pPr marL="0" marR="0" lvl="2" indent="0" defTabSz="914400" eaLnBrk="1" fontAlgn="auto" latinLnBrk="0" hangingPunct="1">
@@ -9574,34 +9792,6 @@
               <a:ea typeface="+mn-ea"/>
             </a:endParaRPr>
           </a:p>
-          <a:p>
-            <a:pPr marL="0" marR="0" lvl="2" indent="0" defTabSz="914400" eaLnBrk="1" fontAlgn="auto" latinLnBrk="0" hangingPunct="1">
-              <a:lnSpc>
-                <a:spcPct val="100000"/>
-              </a:lnSpc>
-              <a:spcBef>
-                <a:spcPts val="0"/>
-              </a:spcBef>
-              <a:spcAft>
-                <a:spcPts val="0"/>
-              </a:spcAft>
-              <a:buClrTx/>
-              <a:buSzTx/>
-              <a:buFont typeface="Source Sans Pro" pitchFamily="34" charset="0"/>
-              <a:buNone/>
-              <a:tabLst/>
-              <a:defRPr/>
-            </a:pPr>
-            <a:endParaRPr lang="en-US" dirty="0" smtClean="0">
-              <a:solidFill>
-                <a:schemeClr val="tx1">
-                  <a:lumMod val="65000"/>
-                  <a:lumOff val="35000"/>
-                </a:schemeClr>
-              </a:solidFill>
-              <a:ea typeface="+mn-ea"/>
-            </a:endParaRPr>
-          </a:p>
         </p:txBody>
       </p:sp>
     </p:spTree>
@@ -9614,13 +9804,13 @@
   <p:clrMapOvr>
     <a:masterClrMapping/>
   </p:clrMapOvr>
-  <p:transition spd="slow">
+  <p:transition xmlns:p14="http://schemas.microsoft.com/office/powerpoint/2010/main" spd="slow">
     <p:fade/>
   </p:transition>
   <p:timing>
     <p:tnLst>
       <p:par>
-        <p:cTn id="1" dur="indefinite" restart="never" nodeType="tmRoot"/>
+        <p:cTn xmlns:p14="http://schemas.microsoft.com/office/powerpoint/2010/main" id="1" dur="indefinite" restart="never" nodeType="tmRoot"/>
       </p:par>
     </p:tnLst>
   </p:timing>
@@ -9684,13 +9874,13 @@
   <p:clrMapOvr>
     <a:masterClrMapping/>
   </p:clrMapOvr>
-  <p:transition spd="slow">
+  <p:transition xmlns:p14="http://schemas.microsoft.com/office/powerpoint/2010/main" spd="slow">
     <p:fade/>
   </p:transition>
   <p:timing>
     <p:tnLst>
       <p:par>
-        <p:cTn id="1" dur="indefinite" restart="never" nodeType="tmRoot"/>
+        <p:cTn xmlns:p14="http://schemas.microsoft.com/office/powerpoint/2010/main" id="1" dur="indefinite" restart="never" nodeType="tmRoot"/>
       </p:par>
     </p:tnLst>
   </p:timing>
@@ -9826,14 +10016,7 @@
                 <a:latin typeface="Arial" charset="0"/>
                 <a:ea typeface="ＭＳ Ｐゴシック" charset="-128"/>
               </a:rPr>
-              <a:t>R </a:t>
-            </a:r>
-            <a:r>
-              <a:rPr lang="en-US" altLang="x-none" dirty="0" smtClean="0">
-                <a:latin typeface="Arial" charset="0"/>
-                <a:ea typeface="ＭＳ Ｐゴシック" charset="-128"/>
-              </a:rPr>
-              <a:t>interface: script, console and environment</a:t>
+              <a:t>R interface: script, console and environment</a:t>
             </a:r>
             <a:endParaRPr lang="en-US" altLang="x-none" dirty="0">
               <a:latin typeface="Arial" charset="0"/>
@@ -9912,14 +10095,7 @@
                 <a:latin typeface="Arial" charset="0"/>
                 <a:ea typeface="ＭＳ Ｐゴシック" charset="-128"/>
               </a:rPr>
-              <a:t>Data </a:t>
-            </a:r>
-            <a:r>
-              <a:rPr lang="en-US" altLang="x-none" b="1" dirty="0" smtClean="0">
-                <a:latin typeface="Arial" charset="0"/>
-                <a:ea typeface="ＭＳ Ｐゴシック" charset="-128"/>
-              </a:rPr>
-              <a:t>Files (today)</a:t>
+              <a:t>Data Files (today)</a:t>
             </a:r>
             <a:endParaRPr lang="en-US" altLang="x-none" b="1" dirty="0">
               <a:latin typeface="Arial" charset="0"/>
@@ -10003,13 +10179,13 @@
   <p:clrMapOvr>
     <a:masterClrMapping/>
   </p:clrMapOvr>
-  <p:transition spd="slow">
+  <p:transition xmlns:p14="http://schemas.microsoft.com/office/powerpoint/2010/main" spd="slow">
     <p:fade/>
   </p:transition>
   <p:timing>
     <p:tnLst>
       <p:par>
-        <p:cTn id="1" dur="indefinite" restart="never" nodeType="tmRoot"/>
+        <p:cTn xmlns:p14="http://schemas.microsoft.com/office/powerpoint/2010/main" id="1" dur="indefinite" restart="never" nodeType="tmRoot"/>
       </p:par>
     </p:tnLst>
   </p:timing>
@@ -10276,14 +10452,7 @@
                 <a:latin typeface="Arial" charset="0"/>
                 <a:ea typeface="ＭＳ Ｐゴシック" charset="-128"/>
               </a:rPr>
-              <a:t>earn by asking questions, finding sources independently, and sharing </a:t>
-            </a:r>
-            <a:r>
-              <a:rPr lang="en-US" altLang="x-none" dirty="0" smtClean="0">
-                <a:latin typeface="Arial" charset="0"/>
-                <a:ea typeface="ＭＳ Ｐゴシック" charset="-128"/>
-              </a:rPr>
-              <a:t>knowledge</a:t>
+              <a:t>earn by asking questions, finding sources independently, and sharing knowledge</a:t>
             </a:r>
             <a:r>
               <a:rPr lang="en-US" altLang="x-none" dirty="0">
@@ -10321,10 +10490,6 @@
               </a:rPr>
               <a:t>learn by helping each other! Programming is a team work.</a:t>
             </a:r>
-            <a:endParaRPr lang="en-US" altLang="x-none" dirty="0" smtClean="0">
-              <a:latin typeface="Arial" charset="0"/>
-              <a:ea typeface="ＭＳ Ｐゴシック" charset="-128"/>
-            </a:endParaRPr>
           </a:p>
         </p:txBody>
       </p:sp>
@@ -10333,13 +10498,13 @@
   <p:clrMapOvr>
     <a:masterClrMapping/>
   </p:clrMapOvr>
-  <p:transition spd="slow">
+  <p:transition xmlns:p14="http://schemas.microsoft.com/office/powerpoint/2010/main" spd="slow">
     <p:fade/>
   </p:transition>
   <p:timing>
     <p:tnLst>
       <p:par>
-        <p:cTn id="1" dur="indefinite" restart="never" nodeType="tmRoot"/>
+        <p:cTn xmlns:p14="http://schemas.microsoft.com/office/powerpoint/2010/main" id="1" dur="indefinite" restart="never" nodeType="tmRoot"/>
       </p:par>
     </p:tnLst>
   </p:timing>
@@ -10398,13 +10563,13 @@
   <p:clrMapOvr>
     <a:masterClrMapping/>
   </p:clrMapOvr>
-  <p:transition spd="slow">
+  <p:transition xmlns:p14="http://schemas.microsoft.com/office/powerpoint/2010/main" spd="slow">
     <p:fade/>
   </p:transition>
   <p:timing>
     <p:tnLst>
       <p:par>
-        <p:cTn id="1" dur="indefinite" restart="never" nodeType="tmRoot"/>
+        <p:cTn xmlns:p14="http://schemas.microsoft.com/office/powerpoint/2010/main" id="1" dur="indefinite" restart="never" nodeType="tmRoot"/>
       </p:par>
     </p:tnLst>
   </p:timing>
@@ -10499,11 +10664,7 @@
             </a:r>
             <a:r>
               <a:rPr lang="en-US" dirty="0" smtClean="0"/>
-              <a:t> </a:t>
-            </a:r>
-            <a:r>
-              <a:rPr lang="en-US" dirty="0" smtClean="0"/>
-              <a:t>Interface: </a:t>
+              <a:t> Interface: </a:t>
             </a:r>
             <a:r>
               <a:rPr lang="en-US" dirty="0" smtClean="0">
@@ -10514,10 +10675,10 @@
                   </a:schemeClr>
                 </a:solidFill>
               </a:rPr>
-              <a:t>text editor (write </a:t>
-            </a:r>
-            <a:r>
-              <a:rPr lang="en-US" dirty="0" smtClean="0">
+              <a:t>text editor (write code/</a:t>
+            </a:r>
+            <a:r>
+              <a:rPr lang="en-US" b="1" dirty="0" smtClean="0">
                 <a:solidFill>
                   <a:schemeClr val="tx1">
                     <a:lumMod val="75000"/>
@@ -10525,10 +10686,10 @@
                   </a:schemeClr>
                 </a:solidFill>
               </a:rPr>
-              <a:t>code/</a:t>
-            </a:r>
-            <a:r>
-              <a:rPr lang="en-US" b="1" dirty="0" smtClean="0">
+              <a:t>script</a:t>
+            </a:r>
+            <a:r>
+              <a:rPr lang="en-US" dirty="0" smtClean="0">
                 <a:solidFill>
                   <a:schemeClr val="tx1">
                     <a:lumMod val="75000"/>
@@ -10536,10 +10697,10 @@
                   </a:schemeClr>
                 </a:solidFill>
               </a:rPr>
-              <a:t>script</a:t>
-            </a:r>
-            <a:r>
-              <a:rPr lang="en-US" dirty="0" smtClean="0">
+              <a:t>), </a:t>
+            </a:r>
+            <a:r>
+              <a:rPr lang="en-US" b="1" dirty="0" smtClean="0">
                 <a:solidFill>
                   <a:schemeClr val="tx1">
                     <a:lumMod val="75000"/>
@@ -10547,10 +10708,10 @@
                   </a:schemeClr>
                 </a:solidFill>
               </a:rPr>
-              <a:t>), </a:t>
-            </a:r>
-            <a:r>
-              <a:rPr lang="en-US" b="1" dirty="0" smtClean="0">
+              <a:t>console</a:t>
+            </a:r>
+            <a:r>
+              <a:rPr lang="en-US" dirty="0" smtClean="0">
                 <a:solidFill>
                   <a:schemeClr val="tx1">
                     <a:lumMod val="75000"/>
@@ -10558,29 +10719,7 @@
                   </a:schemeClr>
                 </a:solidFill>
               </a:rPr>
-              <a:t>console</a:t>
-            </a:r>
-            <a:r>
-              <a:rPr lang="en-US" dirty="0" smtClean="0">
-                <a:solidFill>
-                  <a:schemeClr val="tx1">
-                    <a:lumMod val="75000"/>
-                    <a:lumOff val="25000"/>
-                  </a:schemeClr>
-                </a:solidFill>
-              </a:rPr>
-              <a:t> (execute code), graphic viewer (view graphs we make</a:t>
-            </a:r>
-            <a:r>
-              <a:rPr lang="en-US" dirty="0" smtClean="0">
-                <a:solidFill>
-                  <a:schemeClr val="tx1">
-                    <a:lumMod val="75000"/>
-                    <a:lumOff val="25000"/>
-                  </a:schemeClr>
-                </a:solidFill>
-              </a:rPr>
-              <a:t>)</a:t>
+              <a:t> (execute code), graphic viewer (view graphs we make)</a:t>
             </a:r>
           </a:p>
           <a:p>
@@ -10708,18 +10847,7 @@
                   </a:schemeClr>
                 </a:solidFill>
               </a:rPr>
-              <a:t>working directory is a folder in your local computer to store all your data files, script and the newly generated R files</a:t>
-            </a:r>
-            <a:r>
-              <a:rPr lang="en-US" dirty="0" smtClean="0">
-                <a:solidFill>
-                  <a:schemeClr val="tx1">
-                    <a:lumMod val="75000"/>
-                    <a:lumOff val="25000"/>
-                  </a:schemeClr>
-                </a:solidFill>
-              </a:rPr>
-              <a:t>.”</a:t>
+              <a:t>working directory is a folder in your local computer to store all your data files, script and the newly generated R files.”</a:t>
             </a:r>
           </a:p>
           <a:p>
@@ -10815,20 +10943,12 @@
               <a:rPr lang="en-US" dirty="0" smtClean="0"/>
               <a:t>Save your Script</a:t>
             </a:r>
-            <a:r>
-              <a:rPr lang="en-US" dirty="0" smtClean="0"/>
-              <a:t/>
-            </a:r>
             <a:br>
               <a:rPr lang="en-US" dirty="0" smtClean="0"/>
             </a:br>
             <a:r>
               <a:rPr lang="en-US" dirty="0" smtClean="0"/>
-              <a:t>Click: </a:t>
-            </a:r>
-            <a:r>
-              <a:rPr lang="en-US" dirty="0" smtClean="0"/>
-              <a:t>File </a:t>
+              <a:t>Click: File </a:t>
             </a:r>
             <a:r>
               <a:rPr lang="en-US" dirty="0"/>
@@ -10855,13 +10975,13 @@
   <p:clrMapOvr>
     <a:masterClrMapping/>
   </p:clrMapOvr>
-  <p:transition spd="slow">
+  <p:transition xmlns:p14="http://schemas.microsoft.com/office/powerpoint/2010/main" spd="slow">
     <p:fade/>
   </p:transition>
   <p:timing>
     <p:tnLst>
       <p:par>
-        <p:cTn id="1" dur="indefinite" restart="never" nodeType="tmRoot"/>
+        <p:cTn xmlns:p14="http://schemas.microsoft.com/office/powerpoint/2010/main" id="1" dur="indefinite" restart="never" nodeType="tmRoot"/>
       </p:par>
     </p:tnLst>
   </p:timing>
@@ -11060,15 +11180,6 @@
               </a:rPr>
               <a:t>-set up your working directory to the above folder where you saved your script</a:t>
             </a:r>
-            <a:endParaRPr lang="en-US" dirty="0" smtClean="0">
-              <a:solidFill>
-                <a:schemeClr val="tx1">
-                  <a:lumMod val="65000"/>
-                  <a:lumOff val="35000"/>
-                </a:schemeClr>
-              </a:solidFill>
-              <a:ea typeface="+mn-ea"/>
-            </a:endParaRPr>
           </a:p>
         </p:txBody>
       </p:sp>
@@ -11082,13 +11193,13 @@
   <p:clrMapOvr>
     <a:masterClrMapping/>
   </p:clrMapOvr>
-  <p:transition spd="slow">
+  <p:transition xmlns:p14="http://schemas.microsoft.com/office/powerpoint/2010/main" spd="slow">
     <p:fade/>
   </p:transition>
   <p:timing>
     <p:tnLst>
       <p:par>
-        <p:cTn id="1" dur="indefinite" restart="never" nodeType="tmRoot"/>
+        <p:cTn xmlns:p14="http://schemas.microsoft.com/office/powerpoint/2010/main" id="1" dur="indefinite" restart="never" nodeType="tmRoot"/>
       </p:par>
     </p:tnLst>
   </p:timing>
@@ -11138,14 +11249,7 @@
                 <a:latin typeface="Arial" charset="0"/>
                 <a:ea typeface="ＭＳ Ｐゴシック" charset="-128"/>
               </a:rPr>
-              <a:t>Key </a:t>
-            </a:r>
-            <a:r>
-              <a:rPr lang="en-US" altLang="x-none" dirty="0" smtClean="0">
-                <a:latin typeface="Arial" charset="0"/>
-                <a:ea typeface="ＭＳ Ｐゴシック" charset="-128"/>
-              </a:rPr>
-              <a:t>Concept 1</a:t>
+              <a:t>Key Concept 1</a:t>
             </a:r>
             <a:endParaRPr lang="en-US" altLang="x-none" dirty="0">
               <a:latin typeface="Arial" charset="0"/>
@@ -11366,13 +11470,13 @@
   <p:clrMapOvr>
     <a:masterClrMapping/>
   </p:clrMapOvr>
-  <p:transition spd="slow">
+  <p:transition xmlns:p14="http://schemas.microsoft.com/office/powerpoint/2010/main" spd="slow">
     <p:fade/>
   </p:transition>
   <p:timing>
     <p:tnLst>
       <p:par>
-        <p:cTn id="1" dur="indefinite" restart="never" nodeType="tmRoot"/>
+        <p:cTn xmlns:p14="http://schemas.microsoft.com/office/powerpoint/2010/main" id="1" dur="indefinite" restart="never" nodeType="tmRoot"/>
       </p:par>
     </p:tnLst>
   </p:timing>
@@ -11864,13 +11968,13 @@
   <p:clrMapOvr>
     <a:masterClrMapping/>
   </p:clrMapOvr>
-  <p:transition spd="slow">
+  <p:transition xmlns:p14="http://schemas.microsoft.com/office/powerpoint/2010/main" spd="slow">
     <p:fade/>
   </p:transition>
   <p:timing>
     <p:tnLst>
       <p:par>
-        <p:cTn id="1" dur="indefinite" restart="never" nodeType="tmRoot"/>
+        <p:cTn xmlns:p14="http://schemas.microsoft.com/office/powerpoint/2010/main" id="1" dur="indefinite" restart="never" nodeType="tmRoot"/>
       </p:par>
     </p:tnLst>
   </p:timing>
@@ -12125,13 +12229,13 @@
   <p:clrMapOvr>
     <a:masterClrMapping/>
   </p:clrMapOvr>
-  <p:transition spd="slow">
+  <p:transition xmlns:p14="http://schemas.microsoft.com/office/powerpoint/2010/main" spd="slow">
     <p:fade/>
   </p:transition>
   <p:timing>
     <p:tnLst>
       <p:par>
-        <p:cTn id="1" dur="indefinite" restart="never" nodeType="tmRoot"/>
+        <p:cTn xmlns:p14="http://schemas.microsoft.com/office/powerpoint/2010/main" id="1" dur="indefinite" restart="never" nodeType="tmRoot"/>
       </p:par>
     </p:tnLst>
   </p:timing>

--- a/KaipingAdina's Section Material/Intro Section/IntroSection.pptx
+++ b/KaipingAdina's Section Material/Intro Section/IntroSection.pptx
@@ -155,7 +155,7 @@
   </p:defaultTextStyle>
   <p:extLst>
     <p:ext uri="{EFAFB233-063F-42B5-8137-9DF3F51BA10A}">
-      <p15:sldGuideLst xmlns:p15="http://schemas.microsoft.com/office/powerpoint/2012/main" xmlns="">
+      <p15:sldGuideLst xmlns:p15="http://schemas.microsoft.com/office/powerpoint/2012/main">
         <p15:guide id="1" orient="horz" pos="1620">
           <p15:clr>
             <a:srgbClr val="A4A3A4"/>
@@ -1559,78 +1559,6 @@
           <a:lstStyle/>
           <a:p>
             <a:r>
-              <a:rPr lang="en-US" sz="1200" kern="1200" dirty="0" smtClean="0">
-                <a:solidFill>
-                  <a:schemeClr val="tx1"/>
-                </a:solidFill>
-                <a:latin typeface="+mn-lt"/>
-                <a:ea typeface="ＭＳ Ｐゴシック" charset="0"/>
-                <a:cs typeface="ＭＳ Ｐゴシック" charset="0"/>
-              </a:rPr>
-              <a:t>Comments: I think the first step will be clearer if we explain it like this:</a:t>
-            </a:r>
-          </a:p>
-          <a:p>
-            <a:r>
-              <a:rPr lang="en-US" sz="1200" kern="1200" dirty="0" smtClean="0">
-                <a:solidFill>
-                  <a:schemeClr val="tx1"/>
-                </a:solidFill>
-                <a:latin typeface="+mn-lt"/>
-                <a:ea typeface="ＭＳ Ｐゴシック" charset="0"/>
-                <a:cs typeface="ＭＳ Ｐゴシック" charset="0"/>
-              </a:rPr>
-              <a:t>Create a vector that stores three numbers. First number is how much spare change you estimated you had three months ago, the second number is how much spare </a:t>
-            </a:r>
-            <a:r>
-              <a:rPr lang="en-US" sz="1200" kern="1200" dirty="0" err="1" smtClean="0">
-                <a:solidFill>
-                  <a:schemeClr val="tx1"/>
-                </a:solidFill>
-                <a:latin typeface="+mn-lt"/>
-                <a:ea typeface="ＭＳ Ｐゴシック" charset="0"/>
-                <a:cs typeface="ＭＳ Ｐゴシック" charset="0"/>
-              </a:rPr>
-              <a:t>chagne</a:t>
-            </a:r>
-            <a:r>
-              <a:rPr lang="en-US" sz="1200" kern="1200" dirty="0" smtClean="0">
-                <a:solidFill>
-                  <a:schemeClr val="tx1"/>
-                </a:solidFill>
-                <a:latin typeface="+mn-lt"/>
-                <a:ea typeface="ＭＳ Ｐゴシック" charset="0"/>
-                <a:cs typeface="ＭＳ Ｐゴシック" charset="0"/>
-              </a:rPr>
-              <a:t> you estimated you had two months ago, and the third number is how much spare change you estimated you have this month. </a:t>
-            </a:r>
-          </a:p>
-          <a:p>
-            <a:endParaRPr lang="en-US" sz="1200" kern="1200" dirty="0" smtClean="0">
-              <a:solidFill>
-                <a:schemeClr val="tx1"/>
-              </a:solidFill>
-              <a:latin typeface="+mn-lt"/>
-              <a:ea typeface="ＭＳ Ｐゴシック" charset="0"/>
-              <a:cs typeface="ＭＳ Ｐゴシック" charset="0"/>
-            </a:endParaRPr>
-          </a:p>
-          <a:p>
-            <a:r>
-              <a:rPr lang="en-US" sz="1200" kern="1200" dirty="0" smtClean="0">
-                <a:solidFill>
-                  <a:schemeClr val="tx1"/>
-                </a:solidFill>
-                <a:latin typeface="+mn-lt"/>
-                <a:ea typeface="ＭＳ Ｐゴシック" charset="0"/>
-                <a:cs typeface="ＭＳ Ｐゴシック" charset="0"/>
-              </a:rPr>
-              <a:t>Important thing to highlight here is to concatenate.  That was confusing for me at first.  So I will make a special point of explaining the importance of “c” in R. </a:t>
-            </a:r>
-            <a:endParaRPr lang="en-US" dirty="0" smtClean="0"/>
-          </a:p>
-          <a:p>
-            <a:r>
               <a:rPr lang="en-US" dirty="0" smtClean="0"/>
               <a:t>7 </a:t>
             </a:r>
@@ -1979,14 +1907,14 @@
           </a:ln>
           <a:extLst>
             <a:ext uri="{909E8E84-426E-40dd-AFC4-6F175D3DCCD1}">
-              <a14:hiddenFill xmlns:a14="http://schemas.microsoft.com/office/drawing/2010/main">
+              <a14:hiddenFill xmlns:a14="http://schemas.microsoft.com/office/drawing/2010/main" xmlns="">
                 <a:solidFill>
                   <a:srgbClr val="FFFFFF"/>
                 </a:solidFill>
               </a14:hiddenFill>
             </a:ext>
             <a:ext uri="{91240B29-F687-4f45-9708-019B960494DF}">
-              <a14:hiddenLine xmlns:a14="http://schemas.microsoft.com/office/drawing/2010/main" w="9525">
+              <a14:hiddenLine xmlns:a14="http://schemas.microsoft.com/office/drawing/2010/main" xmlns="" w="9525">
                 <a:solidFill>
                   <a:srgbClr val="000000"/>
                 </a:solidFill>
@@ -2232,7 +2160,7 @@
   <p:clrMapOvr>
     <a:masterClrMapping/>
   </p:clrMapOvr>
-  <p:transition xmlns:p14="http://schemas.microsoft.com/office/powerpoint/2010/main" spd="slow">
+  <p:transition spd="slow">
     <p:fade/>
   </p:transition>
 </p:sldLayout>
@@ -2445,14 +2373,14 @@
           </a:ln>
           <a:extLst>
             <a:ext uri="{909E8E84-426E-40dd-AFC4-6F175D3DCCD1}">
-              <a14:hiddenFill xmlns:a14="http://schemas.microsoft.com/office/drawing/2010/main">
+              <a14:hiddenFill xmlns:a14="http://schemas.microsoft.com/office/drawing/2010/main" xmlns="">
                 <a:solidFill>
                   <a:srgbClr val="FFFFFF"/>
                 </a:solidFill>
               </a14:hiddenFill>
             </a:ext>
             <a:ext uri="{91240B29-F687-4f45-9708-019B960494DF}">
-              <a14:hiddenLine xmlns:a14="http://schemas.microsoft.com/office/drawing/2010/main" w="9525">
+              <a14:hiddenLine xmlns:a14="http://schemas.microsoft.com/office/drawing/2010/main" xmlns="" w="9525">
                 <a:solidFill>
                   <a:srgbClr val="000000"/>
                 </a:solidFill>
@@ -2646,7 +2574,7 @@
   <p:clrMapOvr>
     <a:masterClrMapping/>
   </p:clrMapOvr>
-  <p:transition xmlns:p14="http://schemas.microsoft.com/office/powerpoint/2010/main" spd="slow">
+  <p:transition spd="slow">
     <p:fade/>
   </p:transition>
 </p:sldLayout>
@@ -2779,7 +2707,7 @@
   <p:clrMapOvr>
     <a:masterClrMapping/>
   </p:clrMapOvr>
-  <p:transition xmlns:p14="http://schemas.microsoft.com/office/powerpoint/2010/main" spd="slow">
+  <p:transition spd="slow">
     <p:fade/>
   </p:transition>
 </p:sldLayout>
@@ -3120,7 +3048,7 @@
   <p:clrMapOvr>
     <a:masterClrMapping/>
   </p:clrMapOvr>
-  <p:transition xmlns:p14="http://schemas.microsoft.com/office/powerpoint/2010/main" spd="slow">
+  <p:transition spd="slow">
     <p:fade/>
   </p:transition>
 </p:sldLayout>
@@ -3314,7 +3242,7 @@
   <p:clrMapOvr>
     <a:masterClrMapping/>
   </p:clrMapOvr>
-  <p:transition xmlns:p14="http://schemas.microsoft.com/office/powerpoint/2010/main" spd="slow">
+  <p:transition spd="slow">
     <p:fade/>
   </p:transition>
 </p:sldLayout>
@@ -3569,7 +3497,7 @@
   <p:clrMapOvr>
     <a:masterClrMapping/>
   </p:clrMapOvr>
-  <p:transition xmlns:p14="http://schemas.microsoft.com/office/powerpoint/2010/main" spd="slow">
+  <p:transition spd="slow">
     <p:fade/>
   </p:transition>
 </p:sldLayout>
@@ -3885,7 +3813,7 @@
   <p:clrMapOvr>
     <a:masterClrMapping/>
   </p:clrMapOvr>
-  <p:transition xmlns:p14="http://schemas.microsoft.com/office/powerpoint/2010/main" spd="slow">
+  <p:transition spd="slow">
     <p:fade/>
   </p:transition>
 </p:sldLayout>
@@ -4098,14 +4026,14 @@
           </a:ln>
           <a:extLst>
             <a:ext uri="{909E8E84-426E-40dd-AFC4-6F175D3DCCD1}">
-              <a14:hiddenFill xmlns:a14="http://schemas.microsoft.com/office/drawing/2010/main">
+              <a14:hiddenFill xmlns:a14="http://schemas.microsoft.com/office/drawing/2010/main" xmlns="">
                 <a:solidFill>
                   <a:srgbClr val="FFFFFF"/>
                 </a:solidFill>
               </a14:hiddenFill>
             </a:ext>
             <a:ext uri="{91240B29-F687-4f45-9708-019B960494DF}">
-              <a14:hiddenLine xmlns:a14="http://schemas.microsoft.com/office/drawing/2010/main" w="9525">
+              <a14:hiddenLine xmlns:a14="http://schemas.microsoft.com/office/drawing/2010/main" xmlns="" w="9525">
                 <a:solidFill>
                   <a:srgbClr val="000000"/>
                 </a:solidFill>
@@ -4300,7 +4228,7 @@
   <p:clrMapOvr>
     <a:masterClrMapping/>
   </p:clrMapOvr>
-  <p:transition xmlns:p14="http://schemas.microsoft.com/office/powerpoint/2010/main" spd="slow">
+  <p:transition spd="slow">
     <p:fade/>
   </p:transition>
 </p:sldLayout>
@@ -4429,7 +4357,7 @@
   <p:clrMapOvr>
     <a:masterClrMapping/>
   </p:clrMapOvr>
-  <p:transition xmlns:p14="http://schemas.microsoft.com/office/powerpoint/2010/main" spd="slow">
+  <p:transition spd="slow">
     <p:fade/>
   </p:transition>
 </p:sldLayout>
@@ -4547,7 +4475,7 @@
   <p:clrMapOvr>
     <a:masterClrMapping/>
   </p:clrMapOvr>
-  <p:transition xmlns:p14="http://schemas.microsoft.com/office/powerpoint/2010/main" spd="slow">
+  <p:transition spd="slow">
     <p:fade/>
   </p:transition>
 </p:sldLayout>
@@ -4880,7 +4808,7 @@
   <p:clrMapOvr>
     <a:masterClrMapping/>
   </p:clrMapOvr>
-  <p:transition xmlns:p14="http://schemas.microsoft.com/office/powerpoint/2010/main" spd="slow">
+  <p:transition spd="slow">
     <p:fade/>
   </p:transition>
 </p:sldLayout>
@@ -5066,7 +4994,7 @@
   <p:clrMapOvr>
     <a:masterClrMapping/>
   </p:clrMapOvr>
-  <p:transition xmlns:p14="http://schemas.microsoft.com/office/powerpoint/2010/main" spd="slow">
+  <p:transition spd="slow">
     <p:fade/>
   </p:transition>
 </p:sldLayout>
@@ -5309,7 +5237,7 @@
   <p:clrMapOvr>
     <a:masterClrMapping/>
   </p:clrMapOvr>
-  <p:transition xmlns:p14="http://schemas.microsoft.com/office/powerpoint/2010/main" spd="slow">
+  <p:transition spd="slow">
     <p:fade/>
   </p:transition>
 </p:sldLayout>
@@ -5609,7 +5537,7 @@
   <p:clrMapOvr>
     <a:masterClrMapping/>
   </p:clrMapOvr>
-  <p:transition xmlns:p14="http://schemas.microsoft.com/office/powerpoint/2010/main" spd="slow">
+  <p:transition spd="slow">
     <p:fade/>
   </p:transition>
 </p:sldLayout>
@@ -5667,14 +5595,14 @@
           </a:ln>
           <a:extLst>
             <a:ext uri="{909E8E84-426E-40dd-AFC4-6F175D3DCCD1}">
-              <a14:hiddenFill xmlns:a14="http://schemas.microsoft.com/office/drawing/2010/main">
+              <a14:hiddenFill xmlns:a14="http://schemas.microsoft.com/office/drawing/2010/main" xmlns="">
                 <a:solidFill>
                   <a:srgbClr val="FFFFFF"/>
                 </a:solidFill>
               </a14:hiddenFill>
             </a:ext>
             <a:ext uri="{91240B29-F687-4f45-9708-019B960494DF}">
-              <a14:hiddenLine xmlns:a14="http://schemas.microsoft.com/office/drawing/2010/main" w="9525">
+              <a14:hiddenLine xmlns:a14="http://schemas.microsoft.com/office/drawing/2010/main" xmlns="" w="9525">
                 <a:solidFill>
                   <a:srgbClr val="000000"/>
                 </a:solidFill>
@@ -5876,14 +5804,14 @@
           </a:ln>
           <a:extLst>
             <a:ext uri="{909E8E84-426E-40dd-AFC4-6F175D3DCCD1}">
-              <a14:hiddenFill xmlns:a14="http://schemas.microsoft.com/office/drawing/2010/main">
+              <a14:hiddenFill xmlns:a14="http://schemas.microsoft.com/office/drawing/2010/main" xmlns="">
                 <a:solidFill>
                   <a:srgbClr val="FFFFFF"/>
                 </a:solidFill>
               </a14:hiddenFill>
             </a:ext>
             <a:ext uri="{91240B29-F687-4f45-9708-019B960494DF}">
-              <a14:hiddenLine xmlns:a14="http://schemas.microsoft.com/office/drawing/2010/main" w="9525">
+              <a14:hiddenLine xmlns:a14="http://schemas.microsoft.com/office/drawing/2010/main" xmlns="" w="9525">
                 <a:solidFill>
                   <a:srgbClr val="000000"/>
                 </a:solidFill>
@@ -6129,7 +6057,7 @@
   <p:clrMapOvr>
     <a:masterClrMapping/>
   </p:clrMapOvr>
-  <p:transition xmlns:p14="http://schemas.microsoft.com/office/powerpoint/2010/main" spd="slow">
+  <p:transition spd="slow">
     <p:fade/>
   </p:transition>
 </p:sldLayout>
@@ -6180,15 +6108,18 @@
             <a:noFill/>
           </a:ln>
           <a:extLst>
+            <a:ext uri="{FAA26D3D-D897-4be2-8F04-BA451C77F1D7}">
+              <ma14:placeholderFlag xmlns:ma14="http://schemas.microsoft.com/office/mac/drawingml/2011/main" val="1"/>
+            </a:ext>
             <a:ext uri="{909E8E84-426E-40dd-AFC4-6F175D3DCCD1}">
-              <a14:hiddenFill xmlns:a14="http://schemas.microsoft.com/office/drawing/2010/main">
+              <a14:hiddenFill xmlns:a14="http://schemas.microsoft.com/office/drawing/2010/main" xmlns="">
                 <a:solidFill>
                   <a:srgbClr val="FFFFFF"/>
                 </a:solidFill>
               </a14:hiddenFill>
             </a:ext>
             <a:ext uri="{91240B29-F687-4f45-9708-019B960494DF}">
-              <a14:hiddenLine xmlns:a14="http://schemas.microsoft.com/office/drawing/2010/main" w="9525">
+              <a14:hiddenLine xmlns:a14="http://schemas.microsoft.com/office/drawing/2010/main" xmlns="" w="9525">
                 <a:solidFill>
                   <a:srgbClr val="000000"/>
                 </a:solidFill>
@@ -6196,9 +6127,6 @@
                 <a:headEnd/>
                 <a:tailEnd/>
               </a14:hiddenLine>
-            </a:ext>
-            <a:ext uri="{FAA26D3D-D897-4be2-8F04-BA451C77F1D7}">
-              <ma14:placeholderFlag xmlns:ma14="http://schemas.microsoft.com/office/mac/drawingml/2011/main" val="1"/>
             </a:ext>
           </a:extLst>
         </p:spPr>
@@ -6418,14 +6346,14 @@
           </a:ln>
           <a:extLst>
             <a:ext uri="{909E8E84-426E-40dd-AFC4-6F175D3DCCD1}">
-              <a14:hiddenFill xmlns:a14="http://schemas.microsoft.com/office/drawing/2010/main">
+              <a14:hiddenFill xmlns:a14="http://schemas.microsoft.com/office/drawing/2010/main" xmlns="">
                 <a:solidFill>
                   <a:srgbClr val="FFFFFF"/>
                 </a:solidFill>
               </a14:hiddenFill>
             </a:ext>
             <a:ext uri="{91240B29-F687-4f45-9708-019B960494DF}">
-              <a14:hiddenLine xmlns:a14="http://schemas.microsoft.com/office/drawing/2010/main" w="9525">
+              <a14:hiddenLine xmlns:a14="http://schemas.microsoft.com/office/drawing/2010/main" xmlns="" w="9525">
                 <a:solidFill>
                   <a:srgbClr val="000000"/>
                 </a:solidFill>
@@ -6450,13 +6378,13 @@
     <p:sldLayoutId id="2147484090" r:id="rId7"/>
     <p:sldLayoutId id="2147484091" r:id="rId8"/>
   </p:sldLayoutIdLst>
-  <p:transition xmlns:p14="http://schemas.microsoft.com/office/powerpoint/2010/main" spd="slow">
+  <p:transition spd="slow">
     <p:fade/>
   </p:transition>
   <p:timing>
     <p:tnLst>
       <p:par>
-        <p:cTn xmlns:p14="http://schemas.microsoft.com/office/powerpoint/2010/main" id="1" dur="indefinite" restart="never" nodeType="tmRoot"/>
+        <p:cTn id="1" dur="indefinite" restart="never" nodeType="tmRoot"/>
       </p:par>
     </p:tnLst>
   </p:timing>
@@ -6946,15 +6874,18 @@
             <a:noFill/>
           </a:ln>
           <a:extLst>
+            <a:ext uri="{FAA26D3D-D897-4be2-8F04-BA451C77F1D7}">
+              <ma14:placeholderFlag xmlns:ma14="http://schemas.microsoft.com/office/mac/drawingml/2011/main" val="1"/>
+            </a:ext>
             <a:ext uri="{909E8E84-426E-40dd-AFC4-6F175D3DCCD1}">
-              <a14:hiddenFill xmlns:a14="http://schemas.microsoft.com/office/drawing/2010/main">
+              <a14:hiddenFill xmlns:a14="http://schemas.microsoft.com/office/drawing/2010/main" xmlns="">
                 <a:solidFill>
                   <a:srgbClr val="FFFFFF"/>
                 </a:solidFill>
               </a14:hiddenFill>
             </a:ext>
             <a:ext uri="{91240B29-F687-4f45-9708-019B960494DF}">
-              <a14:hiddenLine xmlns:a14="http://schemas.microsoft.com/office/drawing/2010/main" w="9525">
+              <a14:hiddenLine xmlns:a14="http://schemas.microsoft.com/office/drawing/2010/main" xmlns="" w="9525">
                 <a:solidFill>
                   <a:srgbClr val="000000"/>
                 </a:solidFill>
@@ -6962,9 +6893,6 @@
                 <a:headEnd/>
                 <a:tailEnd/>
               </a14:hiddenLine>
-            </a:ext>
-            <a:ext uri="{FAA26D3D-D897-4be2-8F04-BA451C77F1D7}">
-              <ma14:placeholderFlag xmlns:ma14="http://schemas.microsoft.com/office/mac/drawingml/2011/main" val="1"/>
             </a:ext>
           </a:extLst>
         </p:spPr>
@@ -7186,14 +7114,14 @@
           </a:ln>
           <a:extLst>
             <a:ext uri="{909E8E84-426E-40dd-AFC4-6F175D3DCCD1}">
-              <a14:hiddenFill xmlns:a14="http://schemas.microsoft.com/office/drawing/2010/main">
+              <a14:hiddenFill xmlns:a14="http://schemas.microsoft.com/office/drawing/2010/main" xmlns="">
                 <a:solidFill>
                   <a:srgbClr val="FFFFFF"/>
                 </a:solidFill>
               </a14:hiddenFill>
             </a:ext>
             <a:ext uri="{91240B29-F687-4f45-9708-019B960494DF}">
-              <a14:hiddenLine xmlns:a14="http://schemas.microsoft.com/office/drawing/2010/main" w="9525">
+              <a14:hiddenLine xmlns:a14="http://schemas.microsoft.com/office/drawing/2010/main" xmlns="" w="9525">
                 <a:solidFill>
                   <a:srgbClr val="000000"/>
                 </a:solidFill>
@@ -7217,13 +7145,13 @@
     <p:sldLayoutId id="2147484097" r:id="rId6"/>
     <p:sldLayoutId id="2147484098" r:id="rId7"/>
   </p:sldLayoutIdLst>
-  <p:transition xmlns:p14="http://schemas.microsoft.com/office/powerpoint/2010/main" spd="slow">
+  <p:transition spd="slow">
     <p:fade/>
   </p:transition>
   <p:timing>
     <p:tnLst>
       <p:par>
-        <p:cTn xmlns:p14="http://schemas.microsoft.com/office/powerpoint/2010/main" id="1" dur="indefinite" restart="never" nodeType="tmRoot"/>
+        <p:cTn id="1" dur="indefinite" restart="never" nodeType="tmRoot"/>
       </p:par>
     </p:tnLst>
   </p:timing>
@@ -7829,13 +7757,13 @@
   <p:clrMapOvr>
     <a:masterClrMapping/>
   </p:clrMapOvr>
-  <p:transition xmlns:p14="http://schemas.microsoft.com/office/powerpoint/2010/main" spd="slow">
+  <p:transition spd="slow">
     <p:fade/>
   </p:transition>
   <p:timing>
     <p:tnLst>
       <p:par>
-        <p:cTn xmlns:p14="http://schemas.microsoft.com/office/powerpoint/2010/main" id="1" dur="indefinite" restart="never" nodeType="tmRoot"/>
+        <p:cTn id="1" dur="indefinite" restart="never" nodeType="tmRoot"/>
       </p:par>
     </p:tnLst>
   </p:timing>
@@ -7996,7 +7924,7 @@
         </p:spPr>
         <p:txBody>
           <a:bodyPr vert="horz" lIns="0" tIns="45720" rIns="0" bIns="45720" rtlCol="0">
-            <a:normAutofit/>
+            <a:normAutofit lnSpcReduction="10000"/>
           </a:bodyPr>
           <a:lstStyle>
             <a:lvl1pPr marL="342900" indent="-342900" algn="l" defTabSz="457200" rtl="0" eaLnBrk="1" fontAlgn="base" hangingPunct="1">
@@ -8178,19 +8106,74 @@
               <a:rPr lang="en-US" dirty="0" smtClean="0">
                 <a:solidFill>
                   <a:schemeClr val="tx1">
-                    <a:lumMod val="65000"/>
-                    <a:lumOff val="35000"/>
+                    <a:lumMod val="50000"/>
+                    <a:lumOff val="50000"/>
                   </a:schemeClr>
                 </a:solidFill>
               </a:rPr>
-              <a:t>Step 1: Create a vector to store the past three month pocket money you had, name this vector: </a:t>
-            </a:r>
-            <a:r>
-              <a:rPr lang="en-US" b="1" dirty="0" err="1" smtClean="0">
+              <a:t>Step 1: </a:t>
+            </a:r>
+            <a:r>
+              <a:rPr lang="en-US" dirty="0" smtClean="0">
                 <a:solidFill>
                   <a:schemeClr val="tx1">
-                    <a:lumMod val="65000"/>
-                    <a:lumOff val="35000"/>
+                    <a:lumMod val="50000"/>
+                    <a:lumOff val="50000"/>
+                  </a:schemeClr>
+                </a:solidFill>
+              </a:rPr>
+              <a:t>Create </a:t>
+            </a:r>
+            <a:r>
+              <a:rPr lang="en-US" dirty="0">
+                <a:solidFill>
+                  <a:schemeClr val="tx1">
+                    <a:lumMod val="50000"/>
+                    <a:lumOff val="50000"/>
+                  </a:schemeClr>
+                </a:solidFill>
+              </a:rPr>
+              <a:t>a vector that stores three numbers. First number is how much spare change you estimated you had three months ago, the second number is how much spare </a:t>
+            </a:r>
+            <a:r>
+              <a:rPr lang="en-US" dirty="0" smtClean="0">
+                <a:solidFill>
+                  <a:schemeClr val="tx1">
+                    <a:lumMod val="50000"/>
+                    <a:lumOff val="50000"/>
+                  </a:schemeClr>
+                </a:solidFill>
+              </a:rPr>
+              <a:t>change </a:t>
+            </a:r>
+            <a:r>
+              <a:rPr lang="en-US" dirty="0">
+                <a:solidFill>
+                  <a:schemeClr val="tx1">
+                    <a:lumMod val="50000"/>
+                    <a:lumOff val="50000"/>
+                  </a:schemeClr>
+                </a:solidFill>
+              </a:rPr>
+              <a:t>you estimated you had two months ago, and the third number is how much spare change you estimated you have this month. </a:t>
+            </a:r>
+            <a:r>
+              <a:rPr lang="en-US" dirty="0">
+                <a:solidFill>
+                  <a:schemeClr val="tx1">
+                    <a:lumMod val="50000"/>
+                    <a:lumOff val="50000"/>
+                  </a:schemeClr>
+                </a:solidFill>
+              </a:rPr>
+              <a:t>name this vector: </a:t>
+            </a:r>
+            <a:r>
+              <a:rPr lang="en-US" b="1" dirty="0" err="1">
+                <a:solidFill>
+                  <a:schemeClr val="tx1">
+                    <a:lumMod val="50000"/>
+                    <a:lumOff val="50000"/>
                   </a:schemeClr>
                 </a:solidFill>
               </a:rPr>
@@ -8199,8 +8182,8 @@
             <a:endParaRPr lang="en-US" b="1" dirty="0">
               <a:solidFill>
                 <a:schemeClr val="tx1">
-                  <a:lumMod val="65000"/>
-                  <a:lumOff val="35000"/>
+                  <a:lumMod val="50000"/>
+                  <a:lumOff val="50000"/>
                 </a:schemeClr>
               </a:solidFill>
             </a:endParaRPr>
@@ -8486,13 +8469,13 @@
   <p:clrMapOvr>
     <a:masterClrMapping/>
   </p:clrMapOvr>
-  <p:transition xmlns:p14="http://schemas.microsoft.com/office/powerpoint/2010/main" spd="slow">
+  <p:transition spd="slow">
     <p:fade/>
   </p:transition>
   <p:timing>
     <p:tnLst>
       <p:par>
-        <p:cTn xmlns:p14="http://schemas.microsoft.com/office/powerpoint/2010/main" id="1" dur="indefinite" restart="never" nodeType="tmRoot"/>
+        <p:cTn id="1" dur="indefinite" restart="never" nodeType="tmRoot"/>
       </p:par>
     </p:tnLst>
   </p:timing>
@@ -9082,13 +9065,13 @@
   <p:clrMapOvr>
     <a:masterClrMapping/>
   </p:clrMapOvr>
-  <p:transition xmlns:p14="http://schemas.microsoft.com/office/powerpoint/2010/main" spd="slow">
+  <p:transition spd="slow">
     <p:fade/>
   </p:transition>
   <p:timing>
     <p:tnLst>
       <p:par>
-        <p:cTn xmlns:p14="http://schemas.microsoft.com/office/powerpoint/2010/main" id="1" dur="indefinite" restart="never" nodeType="tmRoot"/>
+        <p:cTn id="1" dur="indefinite" restart="never" nodeType="tmRoot"/>
       </p:par>
     </p:tnLst>
   </p:timing>
@@ -9202,43 +9185,7 @@
                 </a:solidFill>
                 <a:ea typeface="+mn-ea"/>
               </a:rPr>
-              <a:t>Step 1: Go to </a:t>
-            </a:r>
-            <a:r>
-              <a:rPr lang="en-US" dirty="0" smtClean="0">
-                <a:solidFill>
-                  <a:schemeClr val="tx1">
-                    <a:lumMod val="65000"/>
-                    <a:lumOff val="35000"/>
-                  </a:schemeClr>
-                </a:solidFill>
-                <a:ea typeface="+mn-ea"/>
-              </a:rPr>
-              <a:t>Canvas (Files, Section 1 folder)</a:t>
-            </a:r>
-            <a:r>
-              <a:rPr lang="en-US" dirty="0" smtClean="0">
-                <a:solidFill>
-                  <a:schemeClr val="tx1">
-                    <a:lumMod val="65000"/>
-                    <a:lumOff val="35000"/>
-                  </a:schemeClr>
-                </a:solidFill>
-                <a:ea typeface="+mn-ea"/>
-              </a:rPr>
-              <a:t>, </a:t>
-            </a:r>
-            <a:r>
-              <a:rPr lang="en-US" dirty="0" smtClean="0">
-                <a:solidFill>
-                  <a:schemeClr val="tx1">
-                    <a:lumMod val="65000"/>
-                    <a:lumOff val="35000"/>
-                  </a:schemeClr>
-                </a:solidFill>
-                <a:ea typeface="+mn-ea"/>
-              </a:rPr>
-              <a:t>download the </a:t>
+              <a:t>Step 1: Go to Canvas (Files, Section 1 folder), download the </a:t>
             </a:r>
             <a:r>
               <a:rPr lang="en-US" dirty="0" err="1" smtClean="0">
@@ -9321,19 +9268,7 @@
                 </a:solidFill>
                 <a:ea typeface="+mn-ea"/>
               </a:rPr>
-              <a:t>Step </a:t>
-            </a:r>
-            <a:r>
-              <a:rPr lang="en-US" dirty="0" smtClean="0">
-                <a:solidFill>
-                  <a:schemeClr val="tx1">
-                    <a:lumMod val="65000"/>
-                    <a:lumOff val="35000"/>
-                  </a:schemeClr>
-                </a:solidFill>
-                <a:ea typeface="+mn-ea"/>
-              </a:rPr>
-              <a:t>2: Load the data into R and check the dimensions of the data</a:t>
+              <a:t>Step 2: Load the data into R and check the dimensions of the data</a:t>
             </a:r>
           </a:p>
           <a:p>
@@ -9506,31 +9441,7 @@
                 </a:solidFill>
                 <a:ea typeface="+mn-ea"/>
               </a:rPr>
-              <a:t>Step </a:t>
-            </a:r>
-            <a:r>
-              <a:rPr lang="en-US" dirty="0" smtClean="0">
-                <a:solidFill>
-                  <a:schemeClr val="tx1">
-                    <a:lumMod val="65000"/>
-                    <a:lumOff val="35000"/>
-                  </a:schemeClr>
-                </a:solidFill>
-                <a:ea typeface="+mn-ea"/>
-              </a:rPr>
-              <a:t>4: Obtain a summary of the data, what is the year range of the data</a:t>
-            </a:r>
-            <a:r>
-              <a:rPr lang="en-US" dirty="0" smtClean="0">
-                <a:solidFill>
-                  <a:schemeClr val="tx1">
-                    <a:lumMod val="65000"/>
-                    <a:lumOff val="35000"/>
-                  </a:schemeClr>
-                </a:solidFill>
-                <a:ea typeface="+mn-ea"/>
-              </a:rPr>
-              <a:t>?</a:t>
+              <a:t>Step 4: Obtain a summary of the data, what is the year range of the data?</a:t>
             </a:r>
           </a:p>
           <a:p>
@@ -9563,15 +9474,6 @@
               </a:rPr>
               <a:t>[hint: use the function range()]</a:t>
             </a:r>
-            <a:endParaRPr lang="en-US" dirty="0" smtClean="0">
-              <a:solidFill>
-                <a:schemeClr val="tx1">
-                  <a:lumMod val="65000"/>
-                  <a:lumOff val="35000"/>
-                </a:schemeClr>
-              </a:solidFill>
-              <a:ea typeface="+mn-ea"/>
-            </a:endParaRPr>
           </a:p>
           <a:p>
             <a:pPr marL="0" marR="0" lvl="2" indent="0" defTabSz="914400" eaLnBrk="1" fontAlgn="auto" latinLnBrk="0" hangingPunct="1">
@@ -9640,15 +9542,7 @@
             </a:r>
             <a:r>
               <a:rPr lang="en-US" dirty="0" smtClean="0"/>
-              <a:t>(</a:t>
-            </a:r>
-            <a:r>
-              <a:rPr lang="en-US" dirty="0" smtClean="0"/>
-              <a:t>total / </a:t>
-            </a:r>
-            <a:r>
-              <a:rPr lang="en-US" dirty="0" smtClean="0"/>
-              <a:t>voting </a:t>
+              <a:t>(total / voting </a:t>
             </a:r>
             <a:r>
               <a:rPr lang="en-US" dirty="0"/>
@@ -9656,13 +9550,8 @@
             </a:r>
             <a:r>
               <a:rPr lang="en-US" dirty="0" smtClean="0"/>
-              <a:t>(VEP</a:t>
-            </a:r>
-            <a:r>
-              <a:rPr lang="en-US" dirty="0" smtClean="0"/>
-              <a:t>)).</a:t>
-            </a:r>
-            <a:endParaRPr lang="en-US" dirty="0" smtClean="0"/>
+              <a:t>(VEP)).</a:t>
+            </a:r>
           </a:p>
           <a:p>
             <a:pPr marL="0" lvl="2" indent="0" defTabSz="914400" fontAlgn="auto">
@@ -9728,23 +9617,7 @@
             </a:pPr>
             <a:r>
               <a:rPr lang="en-US" dirty="0" smtClean="0"/>
-              <a:t>Step </a:t>
-            </a:r>
-            <a:r>
-              <a:rPr lang="en-US" dirty="0" smtClean="0"/>
-              <a:t>6: </a:t>
-            </a:r>
-            <a:r>
-              <a:rPr lang="en-US" dirty="0" smtClean="0"/>
-              <a:t>Create a new data object </a:t>
-            </a:r>
-            <a:r>
-              <a:rPr lang="en-US" dirty="0" smtClean="0"/>
-              <a:t>that only includes the observations from the first half of the years. </a:t>
-            </a:r>
-            <a:r>
-              <a:rPr lang="en-US" dirty="0" smtClean="0"/>
-              <a:t>Save it to your existing working directory</a:t>
+              <a:t>Step 6: Create a new data object that only includes the observations from the first half of the years. Save it to your existing working directory</a:t>
             </a:r>
             <a:r>
               <a:rPr lang="en-US" dirty="0"/>
@@ -9804,13 +9677,13 @@
   <p:clrMapOvr>
     <a:masterClrMapping/>
   </p:clrMapOvr>
-  <p:transition xmlns:p14="http://schemas.microsoft.com/office/powerpoint/2010/main" spd="slow">
+  <p:transition spd="slow">
     <p:fade/>
   </p:transition>
   <p:timing>
     <p:tnLst>
       <p:par>
-        <p:cTn xmlns:p14="http://schemas.microsoft.com/office/powerpoint/2010/main" id="1" dur="indefinite" restart="never" nodeType="tmRoot"/>
+        <p:cTn id="1" dur="indefinite" restart="never" nodeType="tmRoot"/>
       </p:par>
     </p:tnLst>
   </p:timing>
@@ -9874,13 +9747,13 @@
   <p:clrMapOvr>
     <a:masterClrMapping/>
   </p:clrMapOvr>
-  <p:transition xmlns:p14="http://schemas.microsoft.com/office/powerpoint/2010/main" spd="slow">
+  <p:transition spd="slow">
     <p:fade/>
   </p:transition>
   <p:timing>
     <p:tnLst>
       <p:par>
-        <p:cTn xmlns:p14="http://schemas.microsoft.com/office/powerpoint/2010/main" id="1" dur="indefinite" restart="never" nodeType="tmRoot"/>
+        <p:cTn id="1" dur="indefinite" restart="never" nodeType="tmRoot"/>
       </p:par>
     </p:tnLst>
   </p:timing>
@@ -10179,13 +10052,13 @@
   <p:clrMapOvr>
     <a:masterClrMapping/>
   </p:clrMapOvr>
-  <p:transition xmlns:p14="http://schemas.microsoft.com/office/powerpoint/2010/main" spd="slow">
+  <p:transition spd="slow">
     <p:fade/>
   </p:transition>
   <p:timing>
     <p:tnLst>
       <p:par>
-        <p:cTn xmlns:p14="http://schemas.microsoft.com/office/powerpoint/2010/main" id="1" dur="indefinite" restart="never" nodeType="tmRoot"/>
+        <p:cTn id="1" dur="indefinite" restart="never" nodeType="tmRoot"/>
       </p:par>
     </p:tnLst>
   </p:timing>
@@ -10498,13 +10371,13 @@
   <p:clrMapOvr>
     <a:masterClrMapping/>
   </p:clrMapOvr>
-  <p:transition xmlns:p14="http://schemas.microsoft.com/office/powerpoint/2010/main" spd="slow">
+  <p:transition spd="slow">
     <p:fade/>
   </p:transition>
   <p:timing>
     <p:tnLst>
       <p:par>
-        <p:cTn xmlns:p14="http://schemas.microsoft.com/office/powerpoint/2010/main" id="1" dur="indefinite" restart="never" nodeType="tmRoot"/>
+        <p:cTn id="1" dur="indefinite" restart="never" nodeType="tmRoot"/>
       </p:par>
     </p:tnLst>
   </p:timing>
@@ -10563,13 +10436,13 @@
   <p:clrMapOvr>
     <a:masterClrMapping/>
   </p:clrMapOvr>
-  <p:transition xmlns:p14="http://schemas.microsoft.com/office/powerpoint/2010/main" spd="slow">
+  <p:transition spd="slow">
     <p:fade/>
   </p:transition>
   <p:timing>
     <p:tnLst>
       <p:par>
-        <p:cTn xmlns:p14="http://schemas.microsoft.com/office/powerpoint/2010/main" id="1" dur="indefinite" restart="never" nodeType="tmRoot"/>
+        <p:cTn id="1" dur="indefinite" restart="never" nodeType="tmRoot"/>
       </p:par>
     </p:tnLst>
   </p:timing>
@@ -10975,13 +10848,13 @@
   <p:clrMapOvr>
     <a:masterClrMapping/>
   </p:clrMapOvr>
-  <p:transition xmlns:p14="http://schemas.microsoft.com/office/powerpoint/2010/main" spd="slow">
+  <p:transition spd="slow">
     <p:fade/>
   </p:transition>
   <p:timing>
     <p:tnLst>
       <p:par>
-        <p:cTn xmlns:p14="http://schemas.microsoft.com/office/powerpoint/2010/main" id="1" dur="indefinite" restart="never" nodeType="tmRoot"/>
+        <p:cTn id="1" dur="indefinite" restart="never" nodeType="tmRoot"/>
       </p:par>
     </p:tnLst>
   </p:timing>
@@ -11193,13 +11066,13 @@
   <p:clrMapOvr>
     <a:masterClrMapping/>
   </p:clrMapOvr>
-  <p:transition xmlns:p14="http://schemas.microsoft.com/office/powerpoint/2010/main" spd="slow">
+  <p:transition spd="slow">
     <p:fade/>
   </p:transition>
   <p:timing>
     <p:tnLst>
       <p:par>
-        <p:cTn xmlns:p14="http://schemas.microsoft.com/office/powerpoint/2010/main" id="1" dur="indefinite" restart="never" nodeType="tmRoot"/>
+        <p:cTn id="1" dur="indefinite" restart="never" nodeType="tmRoot"/>
       </p:par>
     </p:tnLst>
   </p:timing>
@@ -11470,13 +11343,13 @@
   <p:clrMapOvr>
     <a:masterClrMapping/>
   </p:clrMapOvr>
-  <p:transition xmlns:p14="http://schemas.microsoft.com/office/powerpoint/2010/main" spd="slow">
+  <p:transition spd="slow">
     <p:fade/>
   </p:transition>
   <p:timing>
     <p:tnLst>
       <p:par>
-        <p:cTn xmlns:p14="http://schemas.microsoft.com/office/powerpoint/2010/main" id="1" dur="indefinite" restart="never" nodeType="tmRoot"/>
+        <p:cTn id="1" dur="indefinite" restart="never" nodeType="tmRoot"/>
       </p:par>
     </p:tnLst>
   </p:timing>
@@ -11968,13 +11841,13 @@
   <p:clrMapOvr>
     <a:masterClrMapping/>
   </p:clrMapOvr>
-  <p:transition xmlns:p14="http://schemas.microsoft.com/office/powerpoint/2010/main" spd="slow">
+  <p:transition spd="slow">
     <p:fade/>
   </p:transition>
   <p:timing>
     <p:tnLst>
       <p:par>
-        <p:cTn xmlns:p14="http://schemas.microsoft.com/office/powerpoint/2010/main" id="1" dur="indefinite" restart="never" nodeType="tmRoot"/>
+        <p:cTn id="1" dur="indefinite" restart="never" nodeType="tmRoot"/>
       </p:par>
     </p:tnLst>
   </p:timing>
@@ -12106,6 +11979,24 @@
               </a:rPr>
               <a:t>order</a:t>
             </a:r>
+          </a:p>
+          <a:p>
+            <a:pPr lvl="1" fontAlgn="auto">
+              <a:spcAft>
+                <a:spcPts val="0"/>
+              </a:spcAft>
+              <a:buFont typeface="Wingdings" pitchFamily="2" charset="2"/>
+              <a:buChar char="§"/>
+              <a:defRPr/>
+            </a:pPr>
+            <a:r>
+              <a:rPr lang="en-US" dirty="0" smtClean="0">
+                <a:solidFill>
+                  <a:schemeClr val="tx1"/>
+                </a:solidFill>
+              </a:rPr>
+              <a:t>Concatenate: c()</a:t>
+            </a:r>
             <a:endParaRPr lang="en-US" dirty="0">
               <a:solidFill>
                 <a:schemeClr val="tx1">
@@ -12229,13 +12120,13 @@
   <p:clrMapOvr>
     <a:masterClrMapping/>
   </p:clrMapOvr>
-  <p:transition xmlns:p14="http://schemas.microsoft.com/office/powerpoint/2010/main" spd="slow">
+  <p:transition spd="slow">
     <p:fade/>
   </p:transition>
   <p:timing>
     <p:tnLst>
       <p:par>
-        <p:cTn xmlns:p14="http://schemas.microsoft.com/office/powerpoint/2010/main" id="1" dur="indefinite" restart="never" nodeType="tmRoot"/>
+        <p:cTn id="1" dur="indefinite" restart="never" nodeType="tmRoot"/>
       </p:par>
     </p:tnLst>
   </p:timing>

--- a/KaipingAdina's Section Material/Intro Section/IntroSection.pptx
+++ b/KaipingAdina's Section Material/Intro Section/IntroSection.pptx
@@ -1471,7 +1471,17 @@
           <a:p>
             <a:r>
               <a:rPr lang="en-US" baseline="0" dirty="0" smtClean="0"/>
-              <a:t>5 minutes. Please tell students the difference between object and vector!</a:t>
+              <a:t>## NOTE THE IMPORTANCE OF THE C FOR CONCATENATION. This essentially puts whatever you have in the parentheses into a vector</a:t>
+            </a:r>
+          </a:p>
+          <a:p>
+            <a:r>
+              <a:rPr lang="en-US" baseline="0" dirty="0" smtClean="0"/>
+              <a:t>5 </a:t>
+            </a:r>
+            <a:r>
+              <a:rPr lang="en-US" baseline="0" dirty="0" smtClean="0"/>
+              <a:t>minutes. Please tell students the difference between object and vector!</a:t>
             </a:r>
             <a:endParaRPr lang="en-US" dirty="0"/>
           </a:p>
@@ -1560,11 +1570,7 @@
           <a:p>
             <a:r>
               <a:rPr lang="en-US" dirty="0" smtClean="0"/>
-              <a:t>7 </a:t>
-            </a:r>
-            <a:r>
-              <a:rPr lang="en-US" dirty="0" smtClean="0"/>
-              <a:t>minutes (3 minutes for students and 4 minutes</a:t>
+              <a:t>7 minutes (3 minutes for students and 4 minutes</a:t>
             </a:r>
             <a:r>
               <a:rPr lang="en-US" baseline="0" dirty="0" smtClean="0"/>
@@ -1907,14 +1913,14 @@
           </a:ln>
           <a:extLst>
             <a:ext uri="{909E8E84-426E-40dd-AFC4-6F175D3DCCD1}">
-              <a14:hiddenFill xmlns:a14="http://schemas.microsoft.com/office/drawing/2010/main" xmlns="">
+              <a14:hiddenFill xmlns="" xmlns:a14="http://schemas.microsoft.com/office/drawing/2010/main">
                 <a:solidFill>
                   <a:srgbClr val="FFFFFF"/>
                 </a:solidFill>
               </a14:hiddenFill>
             </a:ext>
             <a:ext uri="{91240B29-F687-4f45-9708-019B960494DF}">
-              <a14:hiddenLine xmlns:a14="http://schemas.microsoft.com/office/drawing/2010/main" xmlns="" w="9525">
+              <a14:hiddenLine xmlns="" xmlns:a14="http://schemas.microsoft.com/office/drawing/2010/main" w="9525">
                 <a:solidFill>
                   <a:srgbClr val="000000"/>
                 </a:solidFill>
@@ -2373,14 +2379,14 @@
           </a:ln>
           <a:extLst>
             <a:ext uri="{909E8E84-426E-40dd-AFC4-6F175D3DCCD1}">
-              <a14:hiddenFill xmlns:a14="http://schemas.microsoft.com/office/drawing/2010/main" xmlns="">
+              <a14:hiddenFill xmlns="" xmlns:a14="http://schemas.microsoft.com/office/drawing/2010/main">
                 <a:solidFill>
                   <a:srgbClr val="FFFFFF"/>
                 </a:solidFill>
               </a14:hiddenFill>
             </a:ext>
             <a:ext uri="{91240B29-F687-4f45-9708-019B960494DF}">
-              <a14:hiddenLine xmlns:a14="http://schemas.microsoft.com/office/drawing/2010/main" xmlns="" w="9525">
+              <a14:hiddenLine xmlns="" xmlns:a14="http://schemas.microsoft.com/office/drawing/2010/main" w="9525">
                 <a:solidFill>
                   <a:srgbClr val="000000"/>
                 </a:solidFill>
@@ -4026,14 +4032,14 @@
           </a:ln>
           <a:extLst>
             <a:ext uri="{909E8E84-426E-40dd-AFC4-6F175D3DCCD1}">
-              <a14:hiddenFill xmlns:a14="http://schemas.microsoft.com/office/drawing/2010/main" xmlns="">
+              <a14:hiddenFill xmlns="" xmlns:a14="http://schemas.microsoft.com/office/drawing/2010/main">
                 <a:solidFill>
                   <a:srgbClr val="FFFFFF"/>
                 </a:solidFill>
               </a14:hiddenFill>
             </a:ext>
             <a:ext uri="{91240B29-F687-4f45-9708-019B960494DF}">
-              <a14:hiddenLine xmlns:a14="http://schemas.microsoft.com/office/drawing/2010/main" xmlns="" w="9525">
+              <a14:hiddenLine xmlns="" xmlns:a14="http://schemas.microsoft.com/office/drawing/2010/main" w="9525">
                 <a:solidFill>
                   <a:srgbClr val="000000"/>
                 </a:solidFill>
@@ -5595,14 +5601,14 @@
           </a:ln>
           <a:extLst>
             <a:ext uri="{909E8E84-426E-40dd-AFC4-6F175D3DCCD1}">
-              <a14:hiddenFill xmlns:a14="http://schemas.microsoft.com/office/drawing/2010/main" xmlns="">
+              <a14:hiddenFill xmlns="" xmlns:a14="http://schemas.microsoft.com/office/drawing/2010/main">
                 <a:solidFill>
                   <a:srgbClr val="FFFFFF"/>
                 </a:solidFill>
               </a14:hiddenFill>
             </a:ext>
             <a:ext uri="{91240B29-F687-4f45-9708-019B960494DF}">
-              <a14:hiddenLine xmlns:a14="http://schemas.microsoft.com/office/drawing/2010/main" xmlns="" w="9525">
+              <a14:hiddenLine xmlns="" xmlns:a14="http://schemas.microsoft.com/office/drawing/2010/main" w="9525">
                 <a:solidFill>
                   <a:srgbClr val="000000"/>
                 </a:solidFill>
@@ -5804,14 +5810,14 @@
           </a:ln>
           <a:extLst>
             <a:ext uri="{909E8E84-426E-40dd-AFC4-6F175D3DCCD1}">
-              <a14:hiddenFill xmlns:a14="http://schemas.microsoft.com/office/drawing/2010/main" xmlns="">
+              <a14:hiddenFill xmlns="" xmlns:a14="http://schemas.microsoft.com/office/drawing/2010/main">
                 <a:solidFill>
                   <a:srgbClr val="FFFFFF"/>
                 </a:solidFill>
               </a14:hiddenFill>
             </a:ext>
             <a:ext uri="{91240B29-F687-4f45-9708-019B960494DF}">
-              <a14:hiddenLine xmlns:a14="http://schemas.microsoft.com/office/drawing/2010/main" xmlns="" w="9525">
+              <a14:hiddenLine xmlns="" xmlns:a14="http://schemas.microsoft.com/office/drawing/2010/main" w="9525">
                 <a:solidFill>
                   <a:srgbClr val="000000"/>
                 </a:solidFill>
@@ -6112,14 +6118,14 @@
               <ma14:placeholderFlag xmlns:ma14="http://schemas.microsoft.com/office/mac/drawingml/2011/main" val="1"/>
             </a:ext>
             <a:ext uri="{909E8E84-426E-40dd-AFC4-6F175D3DCCD1}">
-              <a14:hiddenFill xmlns:a14="http://schemas.microsoft.com/office/drawing/2010/main" xmlns="">
+              <a14:hiddenFill xmlns="" xmlns:a14="http://schemas.microsoft.com/office/drawing/2010/main">
                 <a:solidFill>
                   <a:srgbClr val="FFFFFF"/>
                 </a:solidFill>
               </a14:hiddenFill>
             </a:ext>
             <a:ext uri="{91240B29-F687-4f45-9708-019B960494DF}">
-              <a14:hiddenLine xmlns:a14="http://schemas.microsoft.com/office/drawing/2010/main" xmlns="" w="9525">
+              <a14:hiddenLine xmlns="" xmlns:a14="http://schemas.microsoft.com/office/drawing/2010/main" w="9525">
                 <a:solidFill>
                   <a:srgbClr val="000000"/>
                 </a:solidFill>
@@ -6346,14 +6352,14 @@
           </a:ln>
           <a:extLst>
             <a:ext uri="{909E8E84-426E-40dd-AFC4-6F175D3DCCD1}">
-              <a14:hiddenFill xmlns:a14="http://schemas.microsoft.com/office/drawing/2010/main" xmlns="">
+              <a14:hiddenFill xmlns="" xmlns:a14="http://schemas.microsoft.com/office/drawing/2010/main">
                 <a:solidFill>
                   <a:srgbClr val="FFFFFF"/>
                 </a:solidFill>
               </a14:hiddenFill>
             </a:ext>
             <a:ext uri="{91240B29-F687-4f45-9708-019B960494DF}">
-              <a14:hiddenLine xmlns:a14="http://schemas.microsoft.com/office/drawing/2010/main" xmlns="" w="9525">
+              <a14:hiddenLine xmlns="" xmlns:a14="http://schemas.microsoft.com/office/drawing/2010/main" w="9525">
                 <a:solidFill>
                   <a:srgbClr val="000000"/>
                 </a:solidFill>
@@ -6878,14 +6884,14 @@
               <ma14:placeholderFlag xmlns:ma14="http://schemas.microsoft.com/office/mac/drawingml/2011/main" val="1"/>
             </a:ext>
             <a:ext uri="{909E8E84-426E-40dd-AFC4-6F175D3DCCD1}">
-              <a14:hiddenFill xmlns:a14="http://schemas.microsoft.com/office/drawing/2010/main" xmlns="">
+              <a14:hiddenFill xmlns="" xmlns:a14="http://schemas.microsoft.com/office/drawing/2010/main">
                 <a:solidFill>
                   <a:srgbClr val="FFFFFF"/>
                 </a:solidFill>
               </a14:hiddenFill>
             </a:ext>
             <a:ext uri="{91240B29-F687-4f45-9708-019B960494DF}">
-              <a14:hiddenLine xmlns:a14="http://schemas.microsoft.com/office/drawing/2010/main" xmlns="" w="9525">
+              <a14:hiddenLine xmlns="" xmlns:a14="http://schemas.microsoft.com/office/drawing/2010/main" w="9525">
                 <a:solidFill>
                   <a:srgbClr val="000000"/>
                 </a:solidFill>
@@ -7114,14 +7120,14 @@
           </a:ln>
           <a:extLst>
             <a:ext uri="{909E8E84-426E-40dd-AFC4-6F175D3DCCD1}">
-              <a14:hiddenFill xmlns:a14="http://schemas.microsoft.com/office/drawing/2010/main" xmlns="">
+              <a14:hiddenFill xmlns="" xmlns:a14="http://schemas.microsoft.com/office/drawing/2010/main">
                 <a:solidFill>
                   <a:srgbClr val="FFFFFF"/>
                 </a:solidFill>
               </a14:hiddenFill>
             </a:ext>
             <a:ext uri="{91240B29-F687-4f45-9708-019B960494DF}">
-              <a14:hiddenLine xmlns:a14="http://schemas.microsoft.com/office/drawing/2010/main" xmlns="" w="9525">
+              <a14:hiddenLine xmlns="" xmlns:a14="http://schemas.microsoft.com/office/drawing/2010/main" w="9525">
                 <a:solidFill>
                   <a:srgbClr val="000000"/>
                 </a:solidFill>
@@ -8111,10 +8117,10 @@
                   </a:schemeClr>
                 </a:solidFill>
               </a:rPr>
-              <a:t>Step 1: </a:t>
-            </a:r>
-            <a:r>
-              <a:rPr lang="en-US" dirty="0" smtClean="0">
+              <a:t>Step 1: Create </a:t>
+            </a:r>
+            <a:r>
+              <a:rPr lang="en-US" dirty="0">
                 <a:solidFill>
                   <a:schemeClr val="tx1">
                     <a:lumMod val="50000"/>
@@ -8122,10 +8128,10 @@
                   </a:schemeClr>
                 </a:solidFill>
               </a:rPr>
-              <a:t>Create </a:t>
-            </a:r>
-            <a:r>
-              <a:rPr lang="en-US" dirty="0">
+              <a:t>a vector that stores three numbers. First number is how much spare change you estimated you had three months ago, the second number is how much spare </a:t>
+            </a:r>
+            <a:r>
+              <a:rPr lang="en-US" dirty="0" smtClean="0">
                 <a:solidFill>
                   <a:schemeClr val="tx1">
                     <a:lumMod val="50000"/>
@@ -8133,10 +8139,10 @@
                   </a:schemeClr>
                 </a:solidFill>
               </a:rPr>
-              <a:t>a vector that stores three numbers. First number is how much spare change you estimated you had three months ago, the second number is how much spare </a:t>
-            </a:r>
-            <a:r>
-              <a:rPr lang="en-US" dirty="0" smtClean="0">
+              <a:t>change </a:t>
+            </a:r>
+            <a:r>
+              <a:rPr lang="en-US" dirty="0">
                 <a:solidFill>
                   <a:schemeClr val="tx1">
                     <a:lumMod val="50000"/>
@@ -8144,29 +8150,7 @@
                   </a:schemeClr>
                 </a:solidFill>
               </a:rPr>
-              <a:t>change </a:t>
-            </a:r>
-            <a:r>
-              <a:rPr lang="en-US" dirty="0">
-                <a:solidFill>
-                  <a:schemeClr val="tx1">
-                    <a:lumMod val="50000"/>
-                    <a:lumOff val="50000"/>
-                  </a:schemeClr>
-                </a:solidFill>
-              </a:rPr>
-              <a:t>you estimated you had two months ago, and the third number is how much spare change you estimated you have this month. </a:t>
-            </a:r>
-            <a:r>
-              <a:rPr lang="en-US" dirty="0">
-                <a:solidFill>
-                  <a:schemeClr val="tx1">
-                    <a:lumMod val="50000"/>
-                    <a:lumOff val="50000"/>
-                  </a:schemeClr>
-                </a:solidFill>
-              </a:rPr>
-              <a:t>name this vector: </a:t>
+              <a:t>you estimated you had two months ago, and the third number is how much spare change you estimated you have this month. name this vector: </a:t>
             </a:r>
             <a:r>
               <a:rPr lang="en-US" b="1" dirty="0" err="1">
@@ -11992,16 +11976,38 @@
             <a:r>
               <a:rPr lang="en-US" dirty="0" smtClean="0">
                 <a:solidFill>
-                  <a:schemeClr val="tx1"/>
-                </a:solidFill>
-              </a:rPr>
-              <a:t>Concatenate: c()</a:t>
+                  <a:schemeClr val="tx1">
+                    <a:lumMod val="50000"/>
+                    <a:lumOff val="50000"/>
+                  </a:schemeClr>
+                </a:solidFill>
+              </a:rPr>
+              <a:t>Using </a:t>
+            </a:r>
+            <a:r>
+              <a:rPr lang="en-US" b="1" dirty="0" smtClean="0">
+                <a:solidFill>
+                  <a:srgbClr val="C00000"/>
+                </a:solidFill>
+              </a:rPr>
+              <a:t>c() </a:t>
+            </a:r>
+            <a:r>
+              <a:rPr lang="en-US" dirty="0" smtClean="0">
+                <a:solidFill>
+                  <a:schemeClr val="tx1">
+                    <a:lumMod val="50000"/>
+                    <a:lumOff val="50000"/>
+                  </a:schemeClr>
+                </a:solidFill>
+              </a:rPr>
+              <a:t>to create a vector</a:t>
             </a:r>
             <a:endParaRPr lang="en-US" dirty="0">
               <a:solidFill>
                 <a:schemeClr val="tx1">
-                  <a:lumMod val="65000"/>
-                  <a:lumOff val="35000"/>
+                  <a:lumMod val="50000"/>
+                  <a:lumOff val="50000"/>
                 </a:schemeClr>
               </a:solidFill>
             </a:endParaRPr>

--- a/KaipingAdina's Section Material/Intro Section/IntroSection.pptx
+++ b/KaipingAdina's Section Material/Intro Section/IntroSection.pptx
@@ -7697,14 +7697,14 @@
           <a:p>
             <a:pPr marL="0" indent="0" eaLnBrk="1" hangingPunct="1"/>
             <a:r>
-              <a:rPr lang="en-US" altLang="x-none" dirty="0" smtClean="0">
+              <a:rPr lang="en-US" altLang="x-none" smtClean="0">
                 <a:solidFill>
                   <a:srgbClr val="595959"/>
                 </a:solidFill>
                 <a:latin typeface="Arial" charset="0"/>
                 <a:ea typeface="ＭＳ Ｐゴシック" charset="-128"/>
               </a:rPr>
-              <a:t>01/17/17</a:t>
+              <a:t>01/23/17</a:t>
             </a:r>
             <a:endParaRPr lang="en-US" altLang="x-none" dirty="0">
               <a:solidFill>

--- a/KaipingAdina's Section Material/Intro Section/IntroSection.pptx
+++ b/KaipingAdina's Section Material/Intro Section/IntroSection.pptx
@@ -274,7 +274,7 @@
             <a:fld id="{CAB1EE62-9229-464B-9475-CBB16B62B2C7}" type="datetimeFigureOut">
               <a:rPr lang="en-US" altLang="x-none"/>
               <a:pPr/>
-              <a:t>1/22/17</a:t>
+              <a:t>1/23/17</a:t>
             </a:fld>
             <a:endParaRPr lang="en-US" altLang="x-none"/>
           </a:p>
@@ -480,7 +480,7 @@
             <a:fld id="{CBB815AF-F648-9E4A-8316-BB240D8FD2E6}" type="datetimeFigureOut">
               <a:rPr lang="en-US" altLang="x-none"/>
               <a:pPr/>
-              <a:t>1/22/17</a:t>
+              <a:t>1/23/17</a:t>
             </a:fld>
             <a:endParaRPr lang="en-US" altLang="x-none"/>
           </a:p>
@@ -1477,11 +1477,7 @@
           <a:p>
             <a:r>
               <a:rPr lang="en-US" baseline="0" dirty="0" smtClean="0"/>
-              <a:t>5 </a:t>
-            </a:r>
-            <a:r>
-              <a:rPr lang="en-US" baseline="0" dirty="0" smtClean="0"/>
-              <a:t>minutes. Please tell students the difference between object and vector!</a:t>
+              <a:t>5 minutes. Please tell students the difference between object and vector!</a:t>
             </a:r>
             <a:endParaRPr lang="en-US" dirty="0"/>
           </a:p>
@@ -1913,14 +1909,14 @@
           </a:ln>
           <a:extLst>
             <a:ext uri="{909E8E84-426E-40dd-AFC4-6F175D3DCCD1}">
-              <a14:hiddenFill xmlns="" xmlns:a14="http://schemas.microsoft.com/office/drawing/2010/main">
+              <a14:hiddenFill xmlns:a14="http://schemas.microsoft.com/office/drawing/2010/main" xmlns="">
                 <a:solidFill>
                   <a:srgbClr val="FFFFFF"/>
                 </a:solidFill>
               </a14:hiddenFill>
             </a:ext>
             <a:ext uri="{91240B29-F687-4f45-9708-019B960494DF}">
-              <a14:hiddenLine xmlns="" xmlns:a14="http://schemas.microsoft.com/office/drawing/2010/main" w="9525">
+              <a14:hiddenLine xmlns:a14="http://schemas.microsoft.com/office/drawing/2010/main" xmlns="" w="9525">
                 <a:solidFill>
                   <a:srgbClr val="000000"/>
                 </a:solidFill>
@@ -2379,14 +2375,14 @@
           </a:ln>
           <a:extLst>
             <a:ext uri="{909E8E84-426E-40dd-AFC4-6F175D3DCCD1}">
-              <a14:hiddenFill xmlns="" xmlns:a14="http://schemas.microsoft.com/office/drawing/2010/main">
+              <a14:hiddenFill xmlns:a14="http://schemas.microsoft.com/office/drawing/2010/main" xmlns="">
                 <a:solidFill>
                   <a:srgbClr val="FFFFFF"/>
                 </a:solidFill>
               </a14:hiddenFill>
             </a:ext>
             <a:ext uri="{91240B29-F687-4f45-9708-019B960494DF}">
-              <a14:hiddenLine xmlns="" xmlns:a14="http://schemas.microsoft.com/office/drawing/2010/main" w="9525">
+              <a14:hiddenLine xmlns:a14="http://schemas.microsoft.com/office/drawing/2010/main" xmlns="" w="9525">
                 <a:solidFill>
                   <a:srgbClr val="000000"/>
                 </a:solidFill>
@@ -4032,14 +4028,14 @@
           </a:ln>
           <a:extLst>
             <a:ext uri="{909E8E84-426E-40dd-AFC4-6F175D3DCCD1}">
-              <a14:hiddenFill xmlns="" xmlns:a14="http://schemas.microsoft.com/office/drawing/2010/main">
+              <a14:hiddenFill xmlns:a14="http://schemas.microsoft.com/office/drawing/2010/main" xmlns="">
                 <a:solidFill>
                   <a:srgbClr val="FFFFFF"/>
                 </a:solidFill>
               </a14:hiddenFill>
             </a:ext>
             <a:ext uri="{91240B29-F687-4f45-9708-019B960494DF}">
-              <a14:hiddenLine xmlns="" xmlns:a14="http://schemas.microsoft.com/office/drawing/2010/main" w="9525">
+              <a14:hiddenLine xmlns:a14="http://schemas.microsoft.com/office/drawing/2010/main" xmlns="" w="9525">
                 <a:solidFill>
                   <a:srgbClr val="000000"/>
                 </a:solidFill>
@@ -5601,14 +5597,14 @@
           </a:ln>
           <a:extLst>
             <a:ext uri="{909E8E84-426E-40dd-AFC4-6F175D3DCCD1}">
-              <a14:hiddenFill xmlns="" xmlns:a14="http://schemas.microsoft.com/office/drawing/2010/main">
+              <a14:hiddenFill xmlns:a14="http://schemas.microsoft.com/office/drawing/2010/main" xmlns="">
                 <a:solidFill>
                   <a:srgbClr val="FFFFFF"/>
                 </a:solidFill>
               </a14:hiddenFill>
             </a:ext>
             <a:ext uri="{91240B29-F687-4f45-9708-019B960494DF}">
-              <a14:hiddenLine xmlns="" xmlns:a14="http://schemas.microsoft.com/office/drawing/2010/main" w="9525">
+              <a14:hiddenLine xmlns:a14="http://schemas.microsoft.com/office/drawing/2010/main" xmlns="" w="9525">
                 <a:solidFill>
                   <a:srgbClr val="000000"/>
                 </a:solidFill>
@@ -5810,14 +5806,14 @@
           </a:ln>
           <a:extLst>
             <a:ext uri="{909E8E84-426E-40dd-AFC4-6F175D3DCCD1}">
-              <a14:hiddenFill xmlns="" xmlns:a14="http://schemas.microsoft.com/office/drawing/2010/main">
+              <a14:hiddenFill xmlns:a14="http://schemas.microsoft.com/office/drawing/2010/main" xmlns="">
                 <a:solidFill>
                   <a:srgbClr val="FFFFFF"/>
                 </a:solidFill>
               </a14:hiddenFill>
             </a:ext>
             <a:ext uri="{91240B29-F687-4f45-9708-019B960494DF}">
-              <a14:hiddenLine xmlns="" xmlns:a14="http://schemas.microsoft.com/office/drawing/2010/main" w="9525">
+              <a14:hiddenLine xmlns:a14="http://schemas.microsoft.com/office/drawing/2010/main" xmlns="" w="9525">
                 <a:solidFill>
                   <a:srgbClr val="000000"/>
                 </a:solidFill>
@@ -6118,14 +6114,14 @@
               <ma14:placeholderFlag xmlns:ma14="http://schemas.microsoft.com/office/mac/drawingml/2011/main" val="1"/>
             </a:ext>
             <a:ext uri="{909E8E84-426E-40dd-AFC4-6F175D3DCCD1}">
-              <a14:hiddenFill xmlns="" xmlns:a14="http://schemas.microsoft.com/office/drawing/2010/main">
+              <a14:hiddenFill xmlns:a14="http://schemas.microsoft.com/office/drawing/2010/main" xmlns="">
                 <a:solidFill>
                   <a:srgbClr val="FFFFFF"/>
                 </a:solidFill>
               </a14:hiddenFill>
             </a:ext>
             <a:ext uri="{91240B29-F687-4f45-9708-019B960494DF}">
-              <a14:hiddenLine xmlns="" xmlns:a14="http://schemas.microsoft.com/office/drawing/2010/main" w="9525">
+              <a14:hiddenLine xmlns:a14="http://schemas.microsoft.com/office/drawing/2010/main" xmlns="" w="9525">
                 <a:solidFill>
                   <a:srgbClr val="000000"/>
                 </a:solidFill>
@@ -6352,14 +6348,14 @@
           </a:ln>
           <a:extLst>
             <a:ext uri="{909E8E84-426E-40dd-AFC4-6F175D3DCCD1}">
-              <a14:hiddenFill xmlns="" xmlns:a14="http://schemas.microsoft.com/office/drawing/2010/main">
+              <a14:hiddenFill xmlns:a14="http://schemas.microsoft.com/office/drawing/2010/main" xmlns="">
                 <a:solidFill>
                   <a:srgbClr val="FFFFFF"/>
                 </a:solidFill>
               </a14:hiddenFill>
             </a:ext>
             <a:ext uri="{91240B29-F687-4f45-9708-019B960494DF}">
-              <a14:hiddenLine xmlns="" xmlns:a14="http://schemas.microsoft.com/office/drawing/2010/main" w="9525">
+              <a14:hiddenLine xmlns:a14="http://schemas.microsoft.com/office/drawing/2010/main" xmlns="" w="9525">
                 <a:solidFill>
                   <a:srgbClr val="000000"/>
                 </a:solidFill>
@@ -6884,14 +6880,14 @@
               <ma14:placeholderFlag xmlns:ma14="http://schemas.microsoft.com/office/mac/drawingml/2011/main" val="1"/>
             </a:ext>
             <a:ext uri="{909E8E84-426E-40dd-AFC4-6F175D3DCCD1}">
-              <a14:hiddenFill xmlns="" xmlns:a14="http://schemas.microsoft.com/office/drawing/2010/main">
+              <a14:hiddenFill xmlns:a14="http://schemas.microsoft.com/office/drawing/2010/main" xmlns="">
                 <a:solidFill>
                   <a:srgbClr val="FFFFFF"/>
                 </a:solidFill>
               </a14:hiddenFill>
             </a:ext>
             <a:ext uri="{91240B29-F687-4f45-9708-019B960494DF}">
-              <a14:hiddenLine xmlns="" xmlns:a14="http://schemas.microsoft.com/office/drawing/2010/main" w="9525">
+              <a14:hiddenLine xmlns:a14="http://schemas.microsoft.com/office/drawing/2010/main" xmlns="" w="9525">
                 <a:solidFill>
                   <a:srgbClr val="000000"/>
                 </a:solidFill>
@@ -7120,14 +7116,14 @@
           </a:ln>
           <a:extLst>
             <a:ext uri="{909E8E84-426E-40dd-AFC4-6F175D3DCCD1}">
-              <a14:hiddenFill xmlns="" xmlns:a14="http://schemas.microsoft.com/office/drawing/2010/main">
+              <a14:hiddenFill xmlns:a14="http://schemas.microsoft.com/office/drawing/2010/main" xmlns="">
                 <a:solidFill>
                   <a:srgbClr val="FFFFFF"/>
                 </a:solidFill>
               </a14:hiddenFill>
             </a:ext>
             <a:ext uri="{91240B29-F687-4f45-9708-019B960494DF}">
-              <a14:hiddenLine xmlns="" xmlns:a14="http://schemas.microsoft.com/office/drawing/2010/main" w="9525">
+              <a14:hiddenLine xmlns:a14="http://schemas.microsoft.com/office/drawing/2010/main" xmlns="" w="9525">
                 <a:solidFill>
                   <a:srgbClr val="000000"/>
                 </a:solidFill>
